--- a/attachment/实习项目报告模板.pptx
+++ b/attachment/实习项目报告模板.pptx
@@ -9,10 +9,10 @@
     <p:sldMasterId id="2147484175" r:id="rId5"/>
   </p:sldMasterIdLst>
   <p:notesMasterIdLst>
-    <p:notesMasterId r:id="rId15"/>
+    <p:notesMasterId r:id="rId38"/>
   </p:notesMasterIdLst>
   <p:handoutMasterIdLst>
-    <p:handoutMasterId r:id="rId16"/>
+    <p:handoutMasterId r:id="rId39"/>
   </p:handoutMasterIdLst>
   <p:sldIdLst>
     <p:sldId id="318" r:id="rId6"/>
@@ -21,9 +21,32 @@
     <p:sldId id="323" r:id="rId9"/>
     <p:sldId id="324" r:id="rId10"/>
     <p:sldId id="325" r:id="rId11"/>
-    <p:sldId id="326" r:id="rId12"/>
-    <p:sldId id="327" r:id="rId13"/>
-    <p:sldId id="319" r:id="rId14"/>
+    <p:sldId id="349" r:id="rId12"/>
+    <p:sldId id="350" r:id="rId13"/>
+    <p:sldId id="326" r:id="rId14"/>
+    <p:sldId id="328" r:id="rId15"/>
+    <p:sldId id="329" r:id="rId16"/>
+    <p:sldId id="330" r:id="rId17"/>
+    <p:sldId id="331" r:id="rId18"/>
+    <p:sldId id="332" r:id="rId19"/>
+    <p:sldId id="333" r:id="rId20"/>
+    <p:sldId id="334" r:id="rId21"/>
+    <p:sldId id="327" r:id="rId22"/>
+    <p:sldId id="335" r:id="rId23"/>
+    <p:sldId id="336" r:id="rId24"/>
+    <p:sldId id="337" r:id="rId25"/>
+    <p:sldId id="338" r:id="rId26"/>
+    <p:sldId id="339" r:id="rId27"/>
+    <p:sldId id="340" r:id="rId28"/>
+    <p:sldId id="341" r:id="rId29"/>
+    <p:sldId id="342" r:id="rId30"/>
+    <p:sldId id="343" r:id="rId31"/>
+    <p:sldId id="344" r:id="rId32"/>
+    <p:sldId id="345" r:id="rId33"/>
+    <p:sldId id="346" r:id="rId34"/>
+    <p:sldId id="347" r:id="rId35"/>
+    <p:sldId id="348" r:id="rId36"/>
+    <p:sldId id="319" r:id="rId37"/>
   </p:sldIdLst>
   <p:sldSz cx="9144000" cy="5143500" type="screen16x9"/>
   <p:notesSz cx="6797675" cy="9928225"/>
@@ -3931,7 +3954,7 @@
               <a:pPr>
                 <a:defRPr/>
               </a:pPr>
-              <a:t>2019/4/2</a:t>
+              <a:t>2019/4/15</a:t>
             </a:fld>
             <a:endParaRPr lang="zh-TW" altLang="en-US"/>
           </a:p>
@@ -4157,7 +4180,7 @@
               <a:pPr>
                 <a:defRPr/>
               </a:pPr>
-              <a:t>2019/4/2</a:t>
+              <a:t>2019/4/15</a:t>
             </a:fld>
             <a:endParaRPr lang="zh-TW" altLang="en-US"/>
           </a:p>
@@ -7892,7 +7915,7 @@
           <a:p>
             <a:fld id="{67B35093-6C8E-48B4-9BA0-43097B93E7F6}" type="datetimeFigureOut">
               <a:rPr lang="zh-TW" altLang="en-US" smtClean="0"/>
-              <a:t>2019/4/2</a:t>
+              <a:t>2019/4/15</a:t>
             </a:fld>
             <a:endParaRPr lang="zh-TW" altLang="en-US"/>
           </a:p>
@@ -8069,7 +8092,7 @@
           <a:p>
             <a:fld id="{3D2DD14C-C171-449A-BBC1-80E43795DBA5}" type="datetimeFigureOut">
               <a:rPr lang="zh-TW" altLang="en-US" smtClean="0"/>
-              <a:t>2019/4/2</a:t>
+              <a:t>2019/4/15</a:t>
             </a:fld>
             <a:endParaRPr lang="zh-TW" altLang="en-US"/>
           </a:p>
@@ -8802,7 +8825,7 @@
           <a:p>
             <a:fld id="{D724D99A-29F2-4F41-A955-25A1E8487ECC}" type="datetimeFigureOut">
               <a:rPr lang="zh-TW" altLang="en-US" smtClean="0"/>
-              <a:t>2019/4/2</a:t>
+              <a:t>2019/4/15</a:t>
             </a:fld>
             <a:endParaRPr lang="zh-TW" altLang="en-US"/>
           </a:p>
@@ -8972,7 +8995,7 @@
           <a:p>
             <a:fld id="{D724D99A-29F2-4F41-A955-25A1E8487ECC}" type="datetimeFigureOut">
               <a:rPr lang="zh-TW" altLang="en-US" smtClean="0"/>
-              <a:t>2019/4/2</a:t>
+              <a:t>2019/4/15</a:t>
             </a:fld>
             <a:endParaRPr lang="zh-TW" altLang="en-US"/>
           </a:p>
@@ -9215,7 +9238,7 @@
             <a:fld id="{929B58F8-2BFC-40F9-9AA5-C95D13EA83FD}" type="datetime1">
               <a:rPr lang="zh-TW" altLang="en-US" smtClean="0"/>
               <a:pPr/>
-              <a:t>2019/4/2</a:t>
+              <a:t>2019/4/15</a:t>
             </a:fld>
             <a:endParaRPr lang="zh-TW" altLang="en-US"/>
           </a:p>
@@ -9391,7 +9414,7 @@
             <a:fld id="{3B25153B-8BFA-4F44-82B2-E898918B09FC}" type="datetime1">
               <a:rPr lang="zh-TW" altLang="en-US" smtClean="0"/>
               <a:pPr/>
-              <a:t>2019/4/2</a:t>
+              <a:t>2019/4/15</a:t>
             </a:fld>
             <a:endParaRPr lang="zh-TW" altLang="en-US"/>
           </a:p>
@@ -9643,7 +9666,7 @@
             <a:fld id="{6D916BCE-D2CA-4A9E-AD99-0A71EBBA090F}" type="datetime1">
               <a:rPr lang="zh-TW" altLang="en-US" smtClean="0"/>
               <a:pPr/>
-              <a:t>2019/4/2</a:t>
+              <a:t>2019/4/15</a:t>
             </a:fld>
             <a:endParaRPr lang="zh-TW" altLang="en-US"/>
           </a:p>
@@ -9937,7 +9960,7 @@
             <a:fld id="{8E99FB78-E40F-4632-8E47-E7ACF04BFA71}" type="datetime1">
               <a:rPr lang="zh-TW" altLang="en-US" smtClean="0"/>
               <a:pPr/>
-              <a:t>2019/4/2</a:t>
+              <a:t>2019/4/15</a:t>
             </a:fld>
             <a:endParaRPr lang="zh-TW" altLang="en-US"/>
           </a:p>
@@ -10365,7 +10388,7 @@
             <a:fld id="{EABCE40A-94FB-41CE-B85D-08F9970B1358}" type="datetime1">
               <a:rPr lang="zh-TW" altLang="en-US" smtClean="0"/>
               <a:pPr/>
-              <a:t>2019/4/2</a:t>
+              <a:t>2019/4/15</a:t>
             </a:fld>
             <a:endParaRPr lang="zh-TW" altLang="en-US"/>
           </a:p>
@@ -10489,7 +10512,7 @@
             <a:fld id="{EF944BAB-FAC6-4576-AF37-E560F01A5E70}" type="datetime1">
               <a:rPr lang="zh-TW" altLang="en-US" smtClean="0"/>
               <a:pPr/>
-              <a:t>2019/4/2</a:t>
+              <a:t>2019/4/15</a:t>
             </a:fld>
             <a:endParaRPr lang="zh-TW" altLang="en-US"/>
           </a:p>
@@ -11026,7 +11049,7 @@
             <a:fld id="{DA542846-BFFC-451C-97AD-53F32D065C8E}" type="datetime1">
               <a:rPr lang="zh-TW" altLang="en-US" smtClean="0"/>
               <a:pPr/>
-              <a:t>2019/4/2</a:t>
+              <a:t>2019/4/15</a:t>
             </a:fld>
             <a:endParaRPr lang="zh-TW" altLang="en-US"/>
           </a:p>
@@ -11309,7 +11332,7 @@
             <a:fld id="{BEBA296C-2C48-45DA-B32B-E7DC597E8E82}" type="datetime1">
               <a:rPr lang="zh-TW" altLang="en-US" smtClean="0"/>
               <a:pPr/>
-              <a:t>2019/4/2</a:t>
+              <a:t>2019/4/15</a:t>
             </a:fld>
             <a:endParaRPr lang="zh-TW" altLang="en-US"/>
           </a:p>
@@ -11568,7 +11591,7 @@
             <a:fld id="{2B1B79E4-D515-429E-8B0D-03A9A3261D59}" type="datetime1">
               <a:rPr lang="zh-TW" altLang="en-US" smtClean="0"/>
               <a:pPr/>
-              <a:t>2019/4/2</a:t>
+              <a:t>2019/4/15</a:t>
             </a:fld>
             <a:endParaRPr lang="zh-TW" altLang="en-US"/>
           </a:p>
@@ -11744,7 +11767,7 @@
             <a:fld id="{0FD204B6-8A88-4101-B795-A6B357589CBC}" type="datetime1">
               <a:rPr lang="zh-TW" altLang="en-US" smtClean="0"/>
               <a:pPr/>
-              <a:t>2019/4/2</a:t>
+              <a:t>2019/4/15</a:t>
             </a:fld>
             <a:endParaRPr lang="zh-TW" altLang="en-US"/>
           </a:p>
@@ -11930,7 +11953,7 @@
             <a:fld id="{59AA9AAF-B379-4914-9FB8-C347348A8989}" type="datetime1">
               <a:rPr lang="zh-TW" altLang="en-US" smtClean="0"/>
               <a:pPr/>
-              <a:t>2019/4/2</a:t>
+              <a:t>2019/4/15</a:t>
             </a:fld>
             <a:endParaRPr lang="zh-TW" altLang="en-US"/>
           </a:p>
@@ -15474,7 +15497,7 @@
             <a:fld id="{AE686F4D-1EE5-4D8A-9411-5C12776CED50}" type="datetime1">
               <a:rPr lang="zh-TW" altLang="en-US" smtClean="0"/>
               <a:pPr/>
-              <a:t>2019/4/2</a:t>
+              <a:t>2019/4/15</a:t>
             </a:fld>
             <a:endParaRPr lang="zh-TW" altLang="en-US"/>
           </a:p>
@@ -16209,7 +16232,7 @@
 </p:sld>
 </file>
 
-<file path=ppt/slides/slide2.xml><?xml version="1.0" encoding="utf-8"?>
+<file path=ppt/slides/slide10.xml><?xml version="1.0" encoding="utf-8"?>
 <p:sld xmlns:a="http://schemas.openxmlformats.org/drawingml/2006/main" xmlns:r="http://schemas.openxmlformats.org/officeDocument/2006/relationships" xmlns:p="http://schemas.openxmlformats.org/presentationml/2006/main">
   <p:cSld>
     <p:spTree>
@@ -16255,1172 +16278,7 @@
               <a:pPr>
                 <a:defRPr/>
               </a:pPr>
-              <a:t>2</a:t>
-            </a:fld>
-            <a:endParaRPr lang="zh-TW" altLang="en-US" dirty="0">
-              <a:solidFill>
-                <a:srgbClr val="000000">
-                  <a:tint val="75000"/>
-                </a:srgbClr>
-              </a:solidFill>
-            </a:endParaRPr>
-          </a:p>
-        </p:txBody>
-      </p:sp>
-      <p:graphicFrame>
-        <p:nvGraphicFramePr>
-          <p:cNvPr id="5" name="內容版面配置區 4"/>
-          <p:cNvGraphicFramePr>
-            <a:graphicFrameLocks noGrp="1"/>
-          </p:cNvGraphicFramePr>
-          <p:nvPr>
-            <p:ph idx="1"/>
-            <p:extLst>
-              <p:ext uri="{D42A27DB-BD31-4B8C-83A1-F6EECF244321}">
-                <p14:modId xmlns:p14="http://schemas.microsoft.com/office/powerpoint/2010/main" val="2020488398"/>
-              </p:ext>
-            </p:extLst>
-          </p:nvPr>
-        </p:nvGraphicFramePr>
-        <p:xfrm>
-          <a:off x="1142999" y="1205344"/>
-          <a:ext cx="6982691" cy="3713019"/>
-        </p:xfrm>
-        <a:graphic>
-          <a:graphicData uri="http://schemas.openxmlformats.org/drawingml/2006/diagram">
-            <dgm:relIds xmlns:dgm="http://schemas.openxmlformats.org/drawingml/2006/diagram" xmlns:r="http://schemas.openxmlformats.org/officeDocument/2006/relationships" r:dm="rId2" r:lo="rId3" r:qs="rId4" r:cs="rId5"/>
-          </a:graphicData>
-        </a:graphic>
-      </p:graphicFrame>
-      <p:sp>
-        <p:nvSpPr>
-          <p:cNvPr id="6" name="標題 1"/>
-          <p:cNvSpPr>
-            <a:spLocks noGrp="1"/>
-          </p:cNvSpPr>
-          <p:nvPr>
-            <p:ph type="title"/>
-          </p:nvPr>
-        </p:nvSpPr>
-        <p:spPr>
-          <a:xfrm>
-            <a:off x="457200" y="205979"/>
-            <a:ext cx="8229600" cy="857250"/>
-          </a:xfrm>
-        </p:spPr>
-        <p:txBody>
-          <a:bodyPr>
-            <a:normAutofit/>
-          </a:bodyPr>
-          <a:lstStyle/>
-          <a:p>
-            <a:r>
-              <a:rPr lang="en-US" altLang="zh-TW" b="1" dirty="0" smtClean="0">
-                <a:solidFill>
-                  <a:schemeClr val="hlink"/>
-                </a:solidFill>
-              </a:rPr>
-              <a:t>Agenda</a:t>
-            </a:r>
-            <a:r>
-              <a:rPr lang="en-US" altLang="zh-TW" dirty="0" smtClean="0">
-                <a:solidFill>
-                  <a:schemeClr val="hlink"/>
-                </a:solidFill>
-              </a:rPr>
-              <a:t> </a:t>
-            </a:r>
-            <a:endParaRPr lang="zh-TW" altLang="en-US" dirty="0"/>
-          </a:p>
-        </p:txBody>
-      </p:sp>
-    </p:spTree>
-    <p:extLst>
-      <p:ext uri="{BB962C8B-B14F-4D97-AF65-F5344CB8AC3E}">
-        <p14:creationId xmlns:p14="http://schemas.microsoft.com/office/powerpoint/2010/main" val="474102386"/>
-      </p:ext>
-    </p:extLst>
-  </p:cSld>
-  <p:clrMapOvr>
-    <a:masterClrMapping/>
-  </p:clrMapOvr>
-  <p:timing>
-    <p:tnLst>
-      <p:par>
-        <p:cTn id="1" dur="indefinite" restart="never" nodeType="tmRoot"/>
-      </p:par>
-    </p:tnLst>
-  </p:timing>
-</p:sld>
-</file>
-
-<file path=ppt/slides/slide3.xml><?xml version="1.0" encoding="utf-8"?>
-<p:sld xmlns:a="http://schemas.openxmlformats.org/drawingml/2006/main" xmlns:r="http://schemas.openxmlformats.org/officeDocument/2006/relationships" xmlns:p="http://schemas.openxmlformats.org/presentationml/2006/main">
-  <p:cSld>
-    <p:spTree>
-      <p:nvGrpSpPr>
-        <p:cNvPr id="1" name=""/>
-        <p:cNvGrpSpPr/>
-        <p:nvPr/>
-      </p:nvGrpSpPr>
-      <p:grpSpPr>
-        <a:xfrm>
-          <a:off x="0" y="0"/>
-          <a:ext cx="0" cy="0"/>
-          <a:chOff x="0" y="0"/>
-          <a:chExt cx="0" cy="0"/>
-        </a:xfrm>
-      </p:grpSpPr>
-      <p:sp>
-        <p:nvSpPr>
-          <p:cNvPr id="4" name="投影片編號版面配置區 3"/>
-          <p:cNvSpPr>
-            <a:spLocks noGrp="1"/>
-          </p:cNvSpPr>
-          <p:nvPr>
-            <p:ph type="sldNum" sz="quarter" idx="10"/>
-          </p:nvPr>
-        </p:nvSpPr>
-        <p:spPr/>
-        <p:txBody>
-          <a:bodyPr/>
-          <a:lstStyle/>
-          <a:p>
-            <a:pPr>
-              <a:defRPr/>
-            </a:pPr>
-            <a:fld id="{991D3BC2-FC42-4C57-95D7-42E1AD7BAC3D}" type="slidenum">
-              <a:rPr lang="zh-TW" altLang="en-US" smtClean="0">
-                <a:solidFill>
-                  <a:srgbClr val="000000">
-                    <a:tint val="75000"/>
-                  </a:srgbClr>
-                </a:solidFill>
-              </a:rPr>
-              <a:pPr>
-                <a:defRPr/>
-              </a:pPr>
-              <a:t>3</a:t>
-            </a:fld>
-            <a:endParaRPr lang="zh-TW" altLang="en-US" dirty="0">
-              <a:solidFill>
-                <a:srgbClr val="000000">
-                  <a:tint val="75000"/>
-                </a:srgbClr>
-              </a:solidFill>
-            </a:endParaRPr>
-          </a:p>
-        </p:txBody>
-      </p:sp>
-      <p:grpSp>
-        <p:nvGrpSpPr>
-          <p:cNvPr id="5" name="群組 16"/>
-          <p:cNvGrpSpPr>
-            <a:grpSpLocks/>
-          </p:cNvGrpSpPr>
-          <p:nvPr/>
-        </p:nvGrpSpPr>
-        <p:grpSpPr bwMode="auto">
-          <a:xfrm flipH="1">
-            <a:off x="3887793" y="116632"/>
-            <a:ext cx="5239853" cy="432048"/>
-            <a:chOff x="3908668" y="4018029"/>
-            <a:chExt cx="2693637" cy="483042"/>
-          </a:xfrm>
-          <a:solidFill>
-            <a:srgbClr val="00B050"/>
-          </a:solidFill>
-        </p:grpSpPr>
-        <p:sp>
-          <p:nvSpPr>
-            <p:cNvPr id="6" name="流程圖: 延遲 8"/>
-            <p:cNvSpPr/>
-            <p:nvPr/>
-          </p:nvSpPr>
-          <p:spPr>
-            <a:xfrm>
-              <a:off x="6255768" y="4018031"/>
-              <a:ext cx="346537" cy="483040"/>
-            </a:xfrm>
-            <a:prstGeom prst="flowChartDelay">
-              <a:avLst/>
-            </a:prstGeom>
-            <a:solidFill>
-              <a:srgbClr val="00B0F0"/>
-            </a:solidFill>
-            <a:ln w="25400" cap="flat" cmpd="sng" algn="ctr">
-              <a:solidFill>
-                <a:srgbClr val="00B0F0"/>
-              </a:solidFill>
-              <a:prstDash val="solid"/>
-            </a:ln>
-            <a:effectLst/>
-          </p:spPr>
-          <p:txBody>
-            <a:bodyPr anchor="ctr"/>
-            <a:lstStyle/>
-            <a:p>
-              <a:pPr algn="ctr" fontAlgn="auto">
-                <a:spcBef>
-                  <a:spcPts val="0"/>
-                </a:spcBef>
-                <a:spcAft>
-                  <a:spcPts val="0"/>
-                </a:spcAft>
-                <a:defRPr/>
-              </a:pPr>
-              <a:endParaRPr kumimoji="0" lang="zh-TW" altLang="en-US" sz="2200" kern="0">
-                <a:solidFill>
-                  <a:schemeClr val="bg1"/>
-                </a:solidFill>
-                <a:latin typeface="Arial" panose="020B0604020202020204" pitchFamily="34" charset="0"/>
-                <a:ea typeface="微软雅黑" panose="020B0503020204020204" pitchFamily="34" charset="-122"/>
-                <a:cs typeface="Arial" panose="020B0604020202020204" pitchFamily="34" charset="0"/>
-              </a:endParaRPr>
-            </a:p>
-          </p:txBody>
-        </p:sp>
-        <p:sp>
-          <p:nvSpPr>
-            <p:cNvPr id="8" name="矩形 7"/>
-            <p:cNvSpPr/>
-            <p:nvPr/>
-          </p:nvSpPr>
-          <p:spPr>
-            <a:xfrm>
-              <a:off x="3908668" y="4018029"/>
-              <a:ext cx="2347101" cy="483041"/>
-            </a:xfrm>
-            <a:prstGeom prst="rect">
-              <a:avLst/>
-            </a:prstGeom>
-            <a:solidFill>
-              <a:srgbClr val="00B0F0"/>
-            </a:solidFill>
-            <a:ln w="25400" cap="flat" cmpd="sng" algn="ctr">
-              <a:solidFill>
-                <a:srgbClr val="00B0F0"/>
-              </a:solidFill>
-              <a:prstDash val="solid"/>
-            </a:ln>
-            <a:effectLst/>
-          </p:spPr>
-          <p:txBody>
-            <a:bodyPr anchor="ctr"/>
-            <a:lstStyle/>
-            <a:p>
-              <a:pPr algn="ctr"/>
-              <a:r>
-                <a:rPr lang="zh-CN" altLang="en-US" sz="2400" b="1" dirty="0" smtClean="0">
-                  <a:solidFill>
-                    <a:schemeClr val="bg1"/>
-                  </a:solidFill>
-                  <a:latin typeface="微軟正黑體" panose="020B0604030504040204" pitchFamily="34" charset="-120"/>
-                  <a:ea typeface="微軟正黑體" panose="020B0604030504040204" pitchFamily="34" charset="-120"/>
-                  <a:cs typeface="Segoe UI" pitchFamily="34" charset="0"/>
-                </a:rPr>
-                <a:t>一</a:t>
-              </a:r>
-              <a:r>
-                <a:rPr lang="en-US" altLang="zh-CN" sz="2400" b="1" dirty="0" smtClean="0">
-                  <a:solidFill>
-                    <a:schemeClr val="bg1"/>
-                  </a:solidFill>
-                  <a:latin typeface="微軟正黑體" panose="020B0604030504040204" pitchFamily="34" charset="-120"/>
-                  <a:ea typeface="微軟正黑體" panose="020B0604030504040204" pitchFamily="34" charset="-120"/>
-                  <a:cs typeface="Segoe UI" pitchFamily="34" charset="0"/>
-                </a:rPr>
-                <a:t>. </a:t>
-              </a:r>
-              <a:r>
-                <a:rPr lang="zh-CN" altLang="en-US" sz="2400" b="1" dirty="0" smtClean="0">
-                  <a:solidFill>
-                    <a:schemeClr val="bg1"/>
-                  </a:solidFill>
-                  <a:latin typeface="微軟正黑體" panose="020B0604030504040204" pitchFamily="34" charset="-120"/>
-                  <a:ea typeface="微軟正黑體" panose="020B0604030504040204" pitchFamily="34" charset="-120"/>
-                  <a:cs typeface="Segoe UI" pitchFamily="34" charset="0"/>
-                </a:rPr>
-                <a:t>项目介绍</a:t>
-              </a:r>
-              <a:endParaRPr lang="en-US" altLang="ko-KR" sz="2200" b="1" dirty="0">
-                <a:solidFill>
-                  <a:schemeClr val="bg1"/>
-                </a:solidFill>
-                <a:latin typeface="Arial" panose="020B0604020202020204" pitchFamily="34" charset="0"/>
-                <a:ea typeface="微软雅黑" panose="020B0503020204020204" pitchFamily="34" charset="-122"/>
-                <a:cs typeface="Arial" panose="020B0604020202020204" pitchFamily="34" charset="0"/>
-              </a:endParaRPr>
-            </a:p>
-          </p:txBody>
-        </p:sp>
-      </p:grpSp>
-      <p:sp>
-        <p:nvSpPr>
-          <p:cNvPr id="2" name="文本框 1"/>
-          <p:cNvSpPr txBox="1"/>
-          <p:nvPr/>
-        </p:nvSpPr>
-        <p:spPr>
-          <a:xfrm>
-            <a:off x="1697182" y="1593273"/>
-            <a:ext cx="5569527" cy="369332"/>
-          </a:xfrm>
-          <a:prstGeom prst="rect">
-            <a:avLst/>
-          </a:prstGeom>
-          <a:noFill/>
-        </p:spPr>
-        <p:txBody>
-          <a:bodyPr wrap="square" rtlCol="0">
-            <a:spAutoFit/>
-          </a:bodyPr>
-          <a:lstStyle/>
-          <a:p>
-            <a:r>
-              <a:rPr lang="zh-CN" altLang="en-US" dirty="0" smtClean="0"/>
-              <a:t>参考我之前发给你们的实习项目的邮件来总结</a:t>
-            </a:r>
-            <a:endParaRPr lang="zh-CN" altLang="en-US" dirty="0"/>
-          </a:p>
-        </p:txBody>
-      </p:sp>
-    </p:spTree>
-    <p:extLst>
-      <p:ext uri="{BB962C8B-B14F-4D97-AF65-F5344CB8AC3E}">
-        <p14:creationId xmlns:p14="http://schemas.microsoft.com/office/powerpoint/2010/main" val="1676438787"/>
-      </p:ext>
-    </p:extLst>
-  </p:cSld>
-  <p:clrMapOvr>
-    <a:masterClrMapping/>
-  </p:clrMapOvr>
-  <p:timing>
-    <p:tnLst>
-      <p:par>
-        <p:cTn id="1" dur="indefinite" restart="never" nodeType="tmRoot"/>
-      </p:par>
-    </p:tnLst>
-  </p:timing>
-</p:sld>
-</file>
-
-<file path=ppt/slides/slide4.xml><?xml version="1.0" encoding="utf-8"?>
-<p:sld xmlns:a="http://schemas.openxmlformats.org/drawingml/2006/main" xmlns:r="http://schemas.openxmlformats.org/officeDocument/2006/relationships" xmlns:p="http://schemas.openxmlformats.org/presentationml/2006/main">
-  <p:cSld>
-    <p:spTree>
-      <p:nvGrpSpPr>
-        <p:cNvPr id="1" name=""/>
-        <p:cNvGrpSpPr/>
-        <p:nvPr/>
-      </p:nvGrpSpPr>
-      <p:grpSpPr>
-        <a:xfrm>
-          <a:off x="0" y="0"/>
-          <a:ext cx="0" cy="0"/>
-          <a:chOff x="0" y="0"/>
-          <a:chExt cx="0" cy="0"/>
-        </a:xfrm>
-      </p:grpSpPr>
-      <p:sp>
-        <p:nvSpPr>
-          <p:cNvPr id="4" name="投影片編號版面配置區 3"/>
-          <p:cNvSpPr>
-            <a:spLocks noGrp="1"/>
-          </p:cNvSpPr>
-          <p:nvPr>
-            <p:ph type="sldNum" sz="quarter" idx="10"/>
-          </p:nvPr>
-        </p:nvSpPr>
-        <p:spPr/>
-        <p:txBody>
-          <a:bodyPr/>
-          <a:lstStyle/>
-          <a:p>
-            <a:pPr>
-              <a:defRPr/>
-            </a:pPr>
-            <a:fld id="{991D3BC2-FC42-4C57-95D7-42E1AD7BAC3D}" type="slidenum">
-              <a:rPr lang="zh-TW" altLang="en-US" smtClean="0">
-                <a:solidFill>
-                  <a:srgbClr val="000000">
-                    <a:tint val="75000"/>
-                  </a:srgbClr>
-                </a:solidFill>
-              </a:rPr>
-              <a:pPr>
-                <a:defRPr/>
-              </a:pPr>
-              <a:t>4</a:t>
-            </a:fld>
-            <a:endParaRPr lang="zh-TW" altLang="en-US" dirty="0">
-              <a:solidFill>
-                <a:srgbClr val="000000">
-                  <a:tint val="75000"/>
-                </a:srgbClr>
-              </a:solidFill>
-            </a:endParaRPr>
-          </a:p>
-        </p:txBody>
-      </p:sp>
-      <p:grpSp>
-        <p:nvGrpSpPr>
-          <p:cNvPr id="5" name="群組 16"/>
-          <p:cNvGrpSpPr>
-            <a:grpSpLocks/>
-          </p:cNvGrpSpPr>
-          <p:nvPr/>
-        </p:nvGrpSpPr>
-        <p:grpSpPr bwMode="auto">
-          <a:xfrm flipH="1">
-            <a:off x="3887793" y="116632"/>
-            <a:ext cx="5239853" cy="432048"/>
-            <a:chOff x="3908668" y="4018029"/>
-            <a:chExt cx="2693637" cy="483042"/>
-          </a:xfrm>
-          <a:solidFill>
-            <a:srgbClr val="00B050"/>
-          </a:solidFill>
-        </p:grpSpPr>
-        <p:sp>
-          <p:nvSpPr>
-            <p:cNvPr id="6" name="流程圖: 延遲 8"/>
-            <p:cNvSpPr/>
-            <p:nvPr/>
-          </p:nvSpPr>
-          <p:spPr>
-            <a:xfrm>
-              <a:off x="6255768" y="4018031"/>
-              <a:ext cx="346537" cy="483040"/>
-            </a:xfrm>
-            <a:prstGeom prst="flowChartDelay">
-              <a:avLst/>
-            </a:prstGeom>
-            <a:solidFill>
-              <a:srgbClr val="00B0F0"/>
-            </a:solidFill>
-            <a:ln w="25400" cap="flat" cmpd="sng" algn="ctr">
-              <a:solidFill>
-                <a:srgbClr val="00B0F0"/>
-              </a:solidFill>
-              <a:prstDash val="solid"/>
-            </a:ln>
-            <a:effectLst/>
-          </p:spPr>
-          <p:txBody>
-            <a:bodyPr anchor="ctr"/>
-            <a:lstStyle/>
-            <a:p>
-              <a:pPr algn="ctr" fontAlgn="auto">
-                <a:spcBef>
-                  <a:spcPts val="0"/>
-                </a:spcBef>
-                <a:spcAft>
-                  <a:spcPts val="0"/>
-                </a:spcAft>
-                <a:defRPr/>
-              </a:pPr>
-              <a:endParaRPr kumimoji="0" lang="zh-TW" altLang="en-US" sz="2200" kern="0">
-                <a:solidFill>
-                  <a:schemeClr val="bg1"/>
-                </a:solidFill>
-                <a:latin typeface="Arial" panose="020B0604020202020204" pitchFamily="34" charset="0"/>
-                <a:ea typeface="微软雅黑" panose="020B0503020204020204" pitchFamily="34" charset="-122"/>
-                <a:cs typeface="Arial" panose="020B0604020202020204" pitchFamily="34" charset="0"/>
-              </a:endParaRPr>
-            </a:p>
-          </p:txBody>
-        </p:sp>
-        <p:sp>
-          <p:nvSpPr>
-            <p:cNvPr id="8" name="矩形 7"/>
-            <p:cNvSpPr/>
-            <p:nvPr/>
-          </p:nvSpPr>
-          <p:spPr>
-            <a:xfrm>
-              <a:off x="3908668" y="4018029"/>
-              <a:ext cx="2347101" cy="483041"/>
-            </a:xfrm>
-            <a:prstGeom prst="rect">
-              <a:avLst/>
-            </a:prstGeom>
-            <a:solidFill>
-              <a:srgbClr val="00B0F0"/>
-            </a:solidFill>
-            <a:ln w="25400" cap="flat" cmpd="sng" algn="ctr">
-              <a:solidFill>
-                <a:srgbClr val="00B0F0"/>
-              </a:solidFill>
-              <a:prstDash val="solid"/>
-            </a:ln>
-            <a:effectLst/>
-          </p:spPr>
-          <p:txBody>
-            <a:bodyPr anchor="ctr"/>
-            <a:lstStyle/>
-            <a:p>
-              <a:pPr algn="ctr"/>
-              <a:r>
-                <a:rPr lang="zh-CN" altLang="en-US" sz="2200" b="1" dirty="0" smtClean="0">
-                  <a:solidFill>
-                    <a:schemeClr val="bg1"/>
-                  </a:solidFill>
-                  <a:latin typeface="Arial" panose="020B0604020202020204" pitchFamily="34" charset="0"/>
-                  <a:ea typeface="微软雅黑" panose="020B0503020204020204" pitchFamily="34" charset="-122"/>
-                  <a:cs typeface="Arial" panose="020B0604020202020204" pitchFamily="34" charset="0"/>
-                </a:rPr>
-                <a:t>二</a:t>
-              </a:r>
-              <a:r>
-                <a:rPr lang="en-US" altLang="zh-CN" sz="2200" b="1" dirty="0" smtClean="0">
-                  <a:solidFill>
-                    <a:schemeClr val="bg1"/>
-                  </a:solidFill>
-                  <a:latin typeface="Arial" panose="020B0604020202020204" pitchFamily="34" charset="0"/>
-                  <a:ea typeface="微软雅黑" panose="020B0503020204020204" pitchFamily="34" charset="-122"/>
-                  <a:cs typeface="Arial" panose="020B0604020202020204" pitchFamily="34" charset="0"/>
-                </a:rPr>
-                <a:t>. </a:t>
-              </a:r>
-              <a:r>
-                <a:rPr lang="zh-CN" altLang="en-US" sz="2200" b="1" dirty="0" smtClean="0">
-                  <a:solidFill>
-                    <a:schemeClr val="bg1"/>
-                  </a:solidFill>
-                  <a:latin typeface="Arial" panose="020B0604020202020204" pitchFamily="34" charset="0"/>
-                  <a:ea typeface="微软雅黑" panose="020B0503020204020204" pitchFamily="34" charset="-122"/>
-                  <a:cs typeface="Arial" panose="020B0604020202020204" pitchFamily="34" charset="0"/>
-                </a:rPr>
-                <a:t>开发计划</a:t>
-              </a:r>
-              <a:endParaRPr lang="en-US" altLang="ko-KR" sz="2200" b="1" dirty="0">
-                <a:solidFill>
-                  <a:schemeClr val="bg1"/>
-                </a:solidFill>
-                <a:latin typeface="Arial" panose="020B0604020202020204" pitchFamily="34" charset="0"/>
-                <a:ea typeface="微软雅黑" panose="020B0503020204020204" pitchFamily="34" charset="-122"/>
-                <a:cs typeface="Arial" panose="020B0604020202020204" pitchFamily="34" charset="0"/>
-              </a:endParaRPr>
-            </a:p>
-          </p:txBody>
-        </p:sp>
-      </p:grpSp>
-      <p:sp>
-        <p:nvSpPr>
-          <p:cNvPr id="7" name="文本框 6"/>
-          <p:cNvSpPr txBox="1"/>
-          <p:nvPr/>
-        </p:nvSpPr>
-        <p:spPr>
-          <a:xfrm>
-            <a:off x="1697182" y="1593273"/>
-            <a:ext cx="5569527" cy="369332"/>
-          </a:xfrm>
-          <a:prstGeom prst="rect">
-            <a:avLst/>
-          </a:prstGeom>
-          <a:noFill/>
-        </p:spPr>
-        <p:txBody>
-          <a:bodyPr wrap="square" rtlCol="0">
-            <a:spAutoFit/>
-          </a:bodyPr>
-          <a:lstStyle/>
-          <a:p>
-            <a:r>
-              <a:rPr lang="zh-CN" altLang="en-US" dirty="0" smtClean="0"/>
-              <a:t>参考之前你们发给我的开发计划</a:t>
-            </a:r>
-            <a:endParaRPr lang="zh-CN" altLang="en-US" dirty="0"/>
-          </a:p>
-        </p:txBody>
-      </p:sp>
-    </p:spTree>
-    <p:extLst>
-      <p:ext uri="{BB962C8B-B14F-4D97-AF65-F5344CB8AC3E}">
-        <p14:creationId xmlns:p14="http://schemas.microsoft.com/office/powerpoint/2010/main" val="1358860896"/>
-      </p:ext>
-    </p:extLst>
-  </p:cSld>
-  <p:clrMapOvr>
-    <a:masterClrMapping/>
-  </p:clrMapOvr>
-  <p:timing>
-    <p:tnLst>
-      <p:par>
-        <p:cTn id="1" dur="indefinite" restart="never" nodeType="tmRoot"/>
-      </p:par>
-    </p:tnLst>
-  </p:timing>
-</p:sld>
-</file>
-
-<file path=ppt/slides/slide5.xml><?xml version="1.0" encoding="utf-8"?>
-<p:sld xmlns:a="http://schemas.openxmlformats.org/drawingml/2006/main" xmlns:r="http://schemas.openxmlformats.org/officeDocument/2006/relationships" xmlns:p="http://schemas.openxmlformats.org/presentationml/2006/main">
-  <p:cSld>
-    <p:spTree>
-      <p:nvGrpSpPr>
-        <p:cNvPr id="1" name=""/>
-        <p:cNvGrpSpPr/>
-        <p:nvPr/>
-      </p:nvGrpSpPr>
-      <p:grpSpPr>
-        <a:xfrm>
-          <a:off x="0" y="0"/>
-          <a:ext cx="0" cy="0"/>
-          <a:chOff x="0" y="0"/>
-          <a:chExt cx="0" cy="0"/>
-        </a:xfrm>
-      </p:grpSpPr>
-      <p:sp>
-        <p:nvSpPr>
-          <p:cNvPr id="4" name="投影片編號版面配置區 3"/>
-          <p:cNvSpPr>
-            <a:spLocks noGrp="1"/>
-          </p:cNvSpPr>
-          <p:nvPr>
-            <p:ph type="sldNum" sz="quarter" idx="10"/>
-          </p:nvPr>
-        </p:nvSpPr>
-        <p:spPr/>
-        <p:txBody>
-          <a:bodyPr/>
-          <a:lstStyle/>
-          <a:p>
-            <a:pPr>
-              <a:defRPr/>
-            </a:pPr>
-            <a:fld id="{991D3BC2-FC42-4C57-95D7-42E1AD7BAC3D}" type="slidenum">
-              <a:rPr lang="zh-TW" altLang="en-US" smtClean="0">
-                <a:solidFill>
-                  <a:srgbClr val="000000">
-                    <a:tint val="75000"/>
-                  </a:srgbClr>
-                </a:solidFill>
-              </a:rPr>
-              <a:pPr>
-                <a:defRPr/>
-              </a:pPr>
-              <a:t>5</a:t>
-            </a:fld>
-            <a:endParaRPr lang="zh-TW" altLang="en-US" dirty="0">
-              <a:solidFill>
-                <a:srgbClr val="000000">
-                  <a:tint val="75000"/>
-                </a:srgbClr>
-              </a:solidFill>
-            </a:endParaRPr>
-          </a:p>
-        </p:txBody>
-      </p:sp>
-      <p:grpSp>
-        <p:nvGrpSpPr>
-          <p:cNvPr id="5" name="群組 16"/>
-          <p:cNvGrpSpPr>
-            <a:grpSpLocks/>
-          </p:cNvGrpSpPr>
-          <p:nvPr/>
-        </p:nvGrpSpPr>
-        <p:grpSpPr bwMode="auto">
-          <a:xfrm flipH="1">
-            <a:off x="3887793" y="116632"/>
-            <a:ext cx="5239853" cy="432048"/>
-            <a:chOff x="3908668" y="4018029"/>
-            <a:chExt cx="2693637" cy="483042"/>
-          </a:xfrm>
-          <a:solidFill>
-            <a:srgbClr val="00B050"/>
-          </a:solidFill>
-        </p:grpSpPr>
-        <p:sp>
-          <p:nvSpPr>
-            <p:cNvPr id="6" name="流程圖: 延遲 8"/>
-            <p:cNvSpPr/>
-            <p:nvPr/>
-          </p:nvSpPr>
-          <p:spPr>
-            <a:xfrm>
-              <a:off x="6255768" y="4018031"/>
-              <a:ext cx="346537" cy="483040"/>
-            </a:xfrm>
-            <a:prstGeom prst="flowChartDelay">
-              <a:avLst/>
-            </a:prstGeom>
-            <a:solidFill>
-              <a:srgbClr val="00B0F0"/>
-            </a:solidFill>
-            <a:ln w="25400" cap="flat" cmpd="sng" algn="ctr">
-              <a:solidFill>
-                <a:srgbClr val="00B0F0"/>
-              </a:solidFill>
-              <a:prstDash val="solid"/>
-            </a:ln>
-            <a:effectLst/>
-          </p:spPr>
-          <p:txBody>
-            <a:bodyPr anchor="ctr"/>
-            <a:lstStyle/>
-            <a:p>
-              <a:pPr algn="ctr" fontAlgn="auto">
-                <a:spcBef>
-                  <a:spcPts val="0"/>
-                </a:spcBef>
-                <a:spcAft>
-                  <a:spcPts val="0"/>
-                </a:spcAft>
-                <a:defRPr/>
-              </a:pPr>
-              <a:endParaRPr kumimoji="0" lang="zh-TW" altLang="en-US" sz="2200" kern="0">
-                <a:solidFill>
-                  <a:schemeClr val="bg1"/>
-                </a:solidFill>
-                <a:latin typeface="Arial" panose="020B0604020202020204" pitchFamily="34" charset="0"/>
-                <a:ea typeface="微软雅黑" panose="020B0503020204020204" pitchFamily="34" charset="-122"/>
-                <a:cs typeface="Arial" panose="020B0604020202020204" pitchFamily="34" charset="0"/>
-              </a:endParaRPr>
-            </a:p>
-          </p:txBody>
-        </p:sp>
-        <p:sp>
-          <p:nvSpPr>
-            <p:cNvPr id="8" name="矩形 7"/>
-            <p:cNvSpPr/>
-            <p:nvPr/>
-          </p:nvSpPr>
-          <p:spPr>
-            <a:xfrm>
-              <a:off x="3908668" y="4018029"/>
-              <a:ext cx="2347101" cy="483041"/>
-            </a:xfrm>
-            <a:prstGeom prst="rect">
-              <a:avLst/>
-            </a:prstGeom>
-            <a:solidFill>
-              <a:srgbClr val="00B0F0"/>
-            </a:solidFill>
-            <a:ln w="25400" cap="flat" cmpd="sng" algn="ctr">
-              <a:solidFill>
-                <a:srgbClr val="00B0F0"/>
-              </a:solidFill>
-              <a:prstDash val="solid"/>
-            </a:ln>
-            <a:effectLst/>
-          </p:spPr>
-          <p:txBody>
-            <a:bodyPr anchor="ctr"/>
-            <a:lstStyle/>
-            <a:p>
-              <a:pPr algn="ctr"/>
-              <a:r>
-                <a:rPr lang="zh-CN" altLang="en-US" sz="2200" b="1" dirty="0" smtClean="0">
-                  <a:solidFill>
-                    <a:schemeClr val="bg1"/>
-                  </a:solidFill>
-                  <a:latin typeface="Arial" panose="020B0604020202020204" pitchFamily="34" charset="0"/>
-                  <a:ea typeface="微软雅黑" panose="020B0503020204020204" pitchFamily="34" charset="-122"/>
-                  <a:cs typeface="Arial" panose="020B0604020202020204" pitchFamily="34" charset="0"/>
-                </a:rPr>
-                <a:t>三</a:t>
-              </a:r>
-              <a:r>
-                <a:rPr lang="en-US" altLang="zh-CN" sz="2200" b="1" dirty="0" smtClean="0">
-                  <a:solidFill>
-                    <a:schemeClr val="bg1"/>
-                  </a:solidFill>
-                  <a:latin typeface="Arial" panose="020B0604020202020204" pitchFamily="34" charset="0"/>
-                  <a:ea typeface="微软雅黑" panose="020B0503020204020204" pitchFamily="34" charset="-122"/>
-                  <a:cs typeface="Arial" panose="020B0604020202020204" pitchFamily="34" charset="0"/>
-                </a:rPr>
-                <a:t>. </a:t>
-              </a:r>
-              <a:r>
-                <a:rPr lang="zh-CN" altLang="en-US" sz="2200" b="1" dirty="0" smtClean="0">
-                  <a:solidFill>
-                    <a:schemeClr val="bg1"/>
-                  </a:solidFill>
-                  <a:latin typeface="Arial" panose="020B0604020202020204" pitchFamily="34" charset="0"/>
-                  <a:ea typeface="微软雅黑" panose="020B0503020204020204" pitchFamily="34" charset="-122"/>
-                  <a:cs typeface="Arial" panose="020B0604020202020204" pitchFamily="34" charset="0"/>
-                </a:rPr>
-                <a:t>应用技术说明</a:t>
-              </a:r>
-              <a:endParaRPr lang="en-US" altLang="ko-KR" sz="2200" b="1" dirty="0">
-                <a:solidFill>
-                  <a:schemeClr val="bg1"/>
-                </a:solidFill>
-                <a:latin typeface="Arial" panose="020B0604020202020204" pitchFamily="34" charset="0"/>
-                <a:ea typeface="微软雅黑" panose="020B0503020204020204" pitchFamily="34" charset="-122"/>
-                <a:cs typeface="Arial" panose="020B0604020202020204" pitchFamily="34" charset="0"/>
-              </a:endParaRPr>
-            </a:p>
-          </p:txBody>
-        </p:sp>
-      </p:grpSp>
-      <p:sp>
-        <p:nvSpPr>
-          <p:cNvPr id="7" name="文本框 6"/>
-          <p:cNvSpPr txBox="1"/>
-          <p:nvPr/>
-        </p:nvSpPr>
-        <p:spPr>
-          <a:xfrm>
-            <a:off x="1697182" y="1593273"/>
-            <a:ext cx="5569527" cy="369332"/>
-          </a:xfrm>
-          <a:prstGeom prst="rect">
-            <a:avLst/>
-          </a:prstGeom>
-          <a:noFill/>
-        </p:spPr>
-        <p:txBody>
-          <a:bodyPr wrap="square" rtlCol="0">
-            <a:spAutoFit/>
-          </a:bodyPr>
-          <a:lstStyle/>
-          <a:p>
-            <a:r>
-              <a:rPr lang="zh-CN" altLang="en-US" dirty="0" smtClean="0"/>
-              <a:t>描述你们用到的技术有哪些</a:t>
-            </a:r>
-            <a:endParaRPr lang="zh-CN" altLang="en-US" dirty="0"/>
-          </a:p>
-        </p:txBody>
-      </p:sp>
-    </p:spTree>
-    <p:extLst>
-      <p:ext uri="{BB962C8B-B14F-4D97-AF65-F5344CB8AC3E}">
-        <p14:creationId xmlns:p14="http://schemas.microsoft.com/office/powerpoint/2010/main" val="1518527388"/>
-      </p:ext>
-    </p:extLst>
-  </p:cSld>
-  <p:clrMapOvr>
-    <a:masterClrMapping/>
-  </p:clrMapOvr>
-  <p:timing>
-    <p:tnLst>
-      <p:par>
-        <p:cTn id="1" dur="indefinite" restart="never" nodeType="tmRoot"/>
-      </p:par>
-    </p:tnLst>
-  </p:timing>
-</p:sld>
-</file>
-
-<file path=ppt/slides/slide6.xml><?xml version="1.0" encoding="utf-8"?>
-<p:sld xmlns:a="http://schemas.openxmlformats.org/drawingml/2006/main" xmlns:r="http://schemas.openxmlformats.org/officeDocument/2006/relationships" xmlns:p="http://schemas.openxmlformats.org/presentationml/2006/main">
-  <p:cSld>
-    <p:spTree>
-      <p:nvGrpSpPr>
-        <p:cNvPr id="1" name=""/>
-        <p:cNvGrpSpPr/>
-        <p:nvPr/>
-      </p:nvGrpSpPr>
-      <p:grpSpPr>
-        <a:xfrm>
-          <a:off x="0" y="0"/>
-          <a:ext cx="0" cy="0"/>
-          <a:chOff x="0" y="0"/>
-          <a:chExt cx="0" cy="0"/>
-        </a:xfrm>
-      </p:grpSpPr>
-      <p:sp>
-        <p:nvSpPr>
-          <p:cNvPr id="4" name="投影片編號版面配置區 3"/>
-          <p:cNvSpPr>
-            <a:spLocks noGrp="1"/>
-          </p:cNvSpPr>
-          <p:nvPr>
-            <p:ph type="sldNum" sz="quarter" idx="10"/>
-          </p:nvPr>
-        </p:nvSpPr>
-        <p:spPr/>
-        <p:txBody>
-          <a:bodyPr/>
-          <a:lstStyle/>
-          <a:p>
-            <a:pPr>
-              <a:defRPr/>
-            </a:pPr>
-            <a:fld id="{991D3BC2-FC42-4C57-95D7-42E1AD7BAC3D}" type="slidenum">
-              <a:rPr lang="zh-TW" altLang="en-US" smtClean="0">
-                <a:solidFill>
-                  <a:srgbClr val="000000">
-                    <a:tint val="75000"/>
-                  </a:srgbClr>
-                </a:solidFill>
-              </a:rPr>
-              <a:pPr>
-                <a:defRPr/>
-              </a:pPr>
-              <a:t>6</a:t>
-            </a:fld>
-            <a:endParaRPr lang="zh-TW" altLang="en-US" dirty="0">
-              <a:solidFill>
-                <a:srgbClr val="000000">
-                  <a:tint val="75000"/>
-                </a:srgbClr>
-              </a:solidFill>
-            </a:endParaRPr>
-          </a:p>
-        </p:txBody>
-      </p:sp>
-      <p:grpSp>
-        <p:nvGrpSpPr>
-          <p:cNvPr id="5" name="群組 16"/>
-          <p:cNvGrpSpPr>
-            <a:grpSpLocks/>
-          </p:cNvGrpSpPr>
-          <p:nvPr/>
-        </p:nvGrpSpPr>
-        <p:grpSpPr bwMode="auto">
-          <a:xfrm flipH="1">
-            <a:off x="3887793" y="116632"/>
-            <a:ext cx="5239853" cy="432048"/>
-            <a:chOff x="3908668" y="4018029"/>
-            <a:chExt cx="2693637" cy="483042"/>
-          </a:xfrm>
-          <a:solidFill>
-            <a:srgbClr val="00B050"/>
-          </a:solidFill>
-        </p:grpSpPr>
-        <p:sp>
-          <p:nvSpPr>
-            <p:cNvPr id="6" name="流程圖: 延遲 8"/>
-            <p:cNvSpPr/>
-            <p:nvPr/>
-          </p:nvSpPr>
-          <p:spPr>
-            <a:xfrm>
-              <a:off x="6255768" y="4018031"/>
-              <a:ext cx="346537" cy="483040"/>
-            </a:xfrm>
-            <a:prstGeom prst="flowChartDelay">
-              <a:avLst/>
-            </a:prstGeom>
-            <a:solidFill>
-              <a:srgbClr val="00B0F0"/>
-            </a:solidFill>
-            <a:ln w="25400" cap="flat" cmpd="sng" algn="ctr">
-              <a:solidFill>
-                <a:srgbClr val="00B0F0"/>
-              </a:solidFill>
-              <a:prstDash val="solid"/>
-            </a:ln>
-            <a:effectLst/>
-          </p:spPr>
-          <p:txBody>
-            <a:bodyPr anchor="ctr"/>
-            <a:lstStyle/>
-            <a:p>
-              <a:pPr algn="ctr" fontAlgn="auto">
-                <a:spcBef>
-                  <a:spcPts val="0"/>
-                </a:spcBef>
-                <a:spcAft>
-                  <a:spcPts val="0"/>
-                </a:spcAft>
-                <a:defRPr/>
-              </a:pPr>
-              <a:endParaRPr kumimoji="0" lang="zh-TW" altLang="en-US" sz="2200" kern="0">
-                <a:solidFill>
-                  <a:schemeClr val="bg1"/>
-                </a:solidFill>
-                <a:latin typeface="Arial" panose="020B0604020202020204" pitchFamily="34" charset="0"/>
-                <a:ea typeface="微软雅黑" panose="020B0503020204020204" pitchFamily="34" charset="-122"/>
-                <a:cs typeface="Arial" panose="020B0604020202020204" pitchFamily="34" charset="0"/>
-              </a:endParaRPr>
-            </a:p>
-          </p:txBody>
-        </p:sp>
-        <p:sp>
-          <p:nvSpPr>
-            <p:cNvPr id="8" name="矩形 7"/>
-            <p:cNvSpPr/>
-            <p:nvPr/>
-          </p:nvSpPr>
-          <p:spPr>
-            <a:xfrm>
-              <a:off x="3908668" y="4018029"/>
-              <a:ext cx="2347101" cy="483041"/>
-            </a:xfrm>
-            <a:prstGeom prst="rect">
-              <a:avLst/>
-            </a:prstGeom>
-            <a:solidFill>
-              <a:srgbClr val="00B0F0"/>
-            </a:solidFill>
-            <a:ln w="25400" cap="flat" cmpd="sng" algn="ctr">
-              <a:solidFill>
-                <a:srgbClr val="00B0F0"/>
-              </a:solidFill>
-              <a:prstDash val="solid"/>
-            </a:ln>
-            <a:effectLst/>
-          </p:spPr>
-          <p:txBody>
-            <a:bodyPr anchor="ctr"/>
-            <a:lstStyle/>
-            <a:p>
-              <a:pPr algn="ctr"/>
-              <a:r>
-                <a:rPr lang="zh-CN" altLang="en-US" sz="2400" b="1" dirty="0" smtClean="0">
-                  <a:solidFill>
-                    <a:schemeClr val="bg1"/>
-                  </a:solidFill>
-                  <a:latin typeface="微軟正黑體" panose="020B0604030504040204" pitchFamily="34" charset="-120"/>
-                  <a:ea typeface="微軟正黑體" panose="020B0604030504040204" pitchFamily="34" charset="-120"/>
-                  <a:cs typeface="Segoe UI" pitchFamily="34" charset="0"/>
-                </a:rPr>
-                <a:t>四</a:t>
-              </a:r>
-              <a:r>
-                <a:rPr lang="en-US" altLang="zh-CN" sz="2400" b="1" dirty="0" smtClean="0">
-                  <a:solidFill>
-                    <a:schemeClr val="bg1"/>
-                  </a:solidFill>
-                  <a:latin typeface="微軟正黑體" panose="020B0604030504040204" pitchFamily="34" charset="-120"/>
-                  <a:ea typeface="微軟正黑體" panose="020B0604030504040204" pitchFamily="34" charset="-120"/>
-                  <a:cs typeface="Segoe UI" pitchFamily="34" charset="0"/>
-                </a:rPr>
-                <a:t>. </a:t>
-              </a:r>
-              <a:r>
-                <a:rPr lang="zh-CN" altLang="en-US" sz="2400" b="1" dirty="0" smtClean="0">
-                  <a:solidFill>
-                    <a:schemeClr val="bg1"/>
-                  </a:solidFill>
-                  <a:latin typeface="微軟正黑體" panose="020B0604030504040204" pitchFamily="34" charset="-120"/>
-                  <a:ea typeface="微軟正黑體" panose="020B0604030504040204" pitchFamily="34" charset="-120"/>
-                  <a:cs typeface="Segoe UI" pitchFamily="34" charset="0"/>
-                </a:rPr>
-                <a:t>数据库设计</a:t>
-              </a:r>
-              <a:endParaRPr lang="en-US" altLang="ko-KR" sz="2200" b="1" dirty="0">
-                <a:solidFill>
-                  <a:schemeClr val="bg1"/>
-                </a:solidFill>
-                <a:latin typeface="Arial" panose="020B0604020202020204" pitchFamily="34" charset="0"/>
-                <a:ea typeface="微软雅黑" panose="020B0503020204020204" pitchFamily="34" charset="-122"/>
-                <a:cs typeface="Arial" panose="020B0604020202020204" pitchFamily="34" charset="0"/>
-              </a:endParaRPr>
-            </a:p>
-          </p:txBody>
-        </p:sp>
-      </p:grpSp>
-      <p:sp>
-        <p:nvSpPr>
-          <p:cNvPr id="7" name="文本框 6"/>
-          <p:cNvSpPr txBox="1"/>
-          <p:nvPr/>
-        </p:nvSpPr>
-        <p:spPr>
-          <a:xfrm>
-            <a:off x="1697182" y="1593273"/>
-            <a:ext cx="6116782" cy="369332"/>
-          </a:xfrm>
-          <a:prstGeom prst="rect">
-            <a:avLst/>
-          </a:prstGeom>
-          <a:noFill/>
-        </p:spPr>
-        <p:txBody>
-          <a:bodyPr wrap="square" rtlCol="0">
-            <a:spAutoFit/>
-          </a:bodyPr>
-          <a:lstStyle/>
-          <a:p>
-            <a:r>
-              <a:rPr lang="zh-CN" altLang="en-US" dirty="0" smtClean="0"/>
-              <a:t>可以截图你们设计的</a:t>
-            </a:r>
-            <a:r>
-              <a:rPr lang="en-US" altLang="zh-CN" dirty="0" smtClean="0"/>
-              <a:t>Oracle</a:t>
-            </a:r>
-            <a:r>
-              <a:rPr lang="zh-CN" altLang="en-US" dirty="0" smtClean="0"/>
-              <a:t>表结构，考虑是否添加</a:t>
-            </a:r>
-            <a:r>
-              <a:rPr lang="en-US" altLang="zh-CN" dirty="0" smtClean="0"/>
-              <a:t>ER</a:t>
-            </a:r>
-            <a:r>
-              <a:rPr lang="zh-CN" altLang="en-US" dirty="0" smtClean="0"/>
-              <a:t>图</a:t>
-            </a:r>
-            <a:endParaRPr lang="zh-CN" altLang="en-US" dirty="0"/>
-          </a:p>
-        </p:txBody>
-      </p:sp>
-    </p:spTree>
-    <p:extLst>
-      <p:ext uri="{BB962C8B-B14F-4D97-AF65-F5344CB8AC3E}">
-        <p14:creationId xmlns:p14="http://schemas.microsoft.com/office/powerpoint/2010/main" val="3195417394"/>
-      </p:ext>
-    </p:extLst>
-  </p:cSld>
-  <p:clrMapOvr>
-    <a:masterClrMapping/>
-  </p:clrMapOvr>
-  <p:timing>
-    <p:tnLst>
-      <p:par>
-        <p:cTn id="1" dur="indefinite" restart="never" nodeType="tmRoot"/>
-      </p:par>
-    </p:tnLst>
-  </p:timing>
-</p:sld>
-</file>
-
-<file path=ppt/slides/slide7.xml><?xml version="1.0" encoding="utf-8"?>
-<p:sld xmlns:a="http://schemas.openxmlformats.org/drawingml/2006/main" xmlns:r="http://schemas.openxmlformats.org/officeDocument/2006/relationships" xmlns:p="http://schemas.openxmlformats.org/presentationml/2006/main">
-  <p:cSld>
-    <p:spTree>
-      <p:nvGrpSpPr>
-        <p:cNvPr id="1" name=""/>
-        <p:cNvGrpSpPr/>
-        <p:nvPr/>
-      </p:nvGrpSpPr>
-      <p:grpSpPr>
-        <a:xfrm>
-          <a:off x="0" y="0"/>
-          <a:ext cx="0" cy="0"/>
-          <a:chOff x="0" y="0"/>
-          <a:chExt cx="0" cy="0"/>
-        </a:xfrm>
-      </p:grpSpPr>
-      <p:sp>
-        <p:nvSpPr>
-          <p:cNvPr id="4" name="投影片編號版面配置區 3"/>
-          <p:cNvSpPr>
-            <a:spLocks noGrp="1"/>
-          </p:cNvSpPr>
-          <p:nvPr>
-            <p:ph type="sldNum" sz="quarter" idx="10"/>
-          </p:nvPr>
-        </p:nvSpPr>
-        <p:spPr/>
-        <p:txBody>
-          <a:bodyPr/>
-          <a:lstStyle/>
-          <a:p>
-            <a:pPr>
-              <a:defRPr/>
-            </a:pPr>
-            <a:fld id="{991D3BC2-FC42-4C57-95D7-42E1AD7BAC3D}" type="slidenum">
-              <a:rPr lang="zh-TW" altLang="en-US" smtClean="0">
-                <a:solidFill>
-                  <a:srgbClr val="000000">
-                    <a:tint val="75000"/>
-                  </a:srgbClr>
-                </a:solidFill>
-              </a:rPr>
-              <a:pPr>
-                <a:defRPr/>
-              </a:pPr>
-              <a:t>7</a:t>
+              <a:t>10</a:t>
             </a:fld>
             <a:endParaRPr lang="zh-TW" altLang="en-US" dirty="0">
               <a:solidFill>
@@ -17584,7 +16442,7 @@
         <p:spPr>
           <a:xfrm>
             <a:off x="1870364" y="1066800"/>
-            <a:ext cx="6116782" cy="2585323"/>
+            <a:ext cx="6116782" cy="646331"/>
           </a:xfrm>
           <a:prstGeom prst="rect">
             <a:avLst/>
@@ -17617,90 +16475,16 @@
             </a:pPr>
             <a:r>
               <a:rPr lang="zh-CN" altLang="en-US" dirty="0" smtClean="0"/>
-              <a:t>登录</a:t>
+              <a:t>主页</a:t>
             </a:r>
             <a:endParaRPr lang="en-US" altLang="zh-CN" dirty="0" smtClean="0"/>
-          </a:p>
-          <a:p>
-            <a:pPr marL="342900" indent="-342900">
-              <a:buAutoNum type="arabicPeriod"/>
-            </a:pPr>
-            <a:r>
-              <a:rPr lang="zh-CN" altLang="en-US" dirty="0" smtClean="0"/>
-              <a:t>主页</a:t>
-            </a:r>
-            <a:endParaRPr lang="en-US" altLang="zh-CN" dirty="0" smtClean="0"/>
-          </a:p>
-          <a:p>
-            <a:pPr marL="342900" indent="-342900">
-              <a:buAutoNum type="arabicPeriod"/>
-            </a:pPr>
-            <a:r>
-              <a:rPr lang="zh-CN" altLang="en-US" dirty="0" smtClean="0"/>
-              <a:t>某一功能页</a:t>
-            </a:r>
-            <a:endParaRPr lang="en-US" altLang="zh-CN" dirty="0" smtClean="0"/>
-          </a:p>
-          <a:p>
-            <a:pPr marL="342900" indent="-342900">
-              <a:buAutoNum type="arabicPeriod"/>
-            </a:pPr>
-            <a:r>
-              <a:rPr lang="zh-CN" altLang="en-US" dirty="0" smtClean="0"/>
-              <a:t>资料的新增</a:t>
-            </a:r>
-            <a:endParaRPr lang="en-US" altLang="zh-CN" dirty="0" smtClean="0"/>
-          </a:p>
-          <a:p>
-            <a:pPr marL="342900" indent="-342900">
-              <a:buAutoNum type="arabicPeriod"/>
-            </a:pPr>
-            <a:r>
-              <a:rPr lang="zh-CN" altLang="en-US" dirty="0" smtClean="0"/>
-              <a:t>资料的更新</a:t>
-            </a:r>
-            <a:endParaRPr lang="en-US" altLang="zh-CN" dirty="0" smtClean="0"/>
-          </a:p>
-          <a:p>
-            <a:pPr marL="342900" indent="-342900">
-              <a:buAutoNum type="arabicPeriod"/>
-            </a:pPr>
-            <a:r>
-              <a:rPr lang="zh-CN" altLang="en-US" dirty="0" smtClean="0"/>
-              <a:t>资料的删除</a:t>
-            </a:r>
-            <a:endParaRPr lang="en-US" altLang="zh-CN" dirty="0" smtClean="0"/>
-          </a:p>
-          <a:p>
-            <a:pPr marL="342900" indent="-342900">
-              <a:buAutoNum type="arabicPeriod"/>
-            </a:pPr>
-            <a:r>
-              <a:rPr lang="zh-CN" altLang="en-US" dirty="0" smtClean="0"/>
-              <a:t>权限的部分</a:t>
-            </a:r>
-            <a:endParaRPr lang="en-US" altLang="zh-CN" dirty="0" smtClean="0"/>
-          </a:p>
-          <a:p>
-            <a:pPr marL="342900" indent="-342900">
-              <a:buAutoNum type="arabicPeriod"/>
-            </a:pPr>
-            <a:r>
-              <a:rPr lang="zh-CN" altLang="en-US" dirty="0" smtClean="0"/>
-              <a:t>等等</a:t>
-            </a:r>
-            <a:r>
-              <a:rPr lang="en-US" altLang="zh-CN" dirty="0" smtClean="0"/>
-              <a:t>……</a:t>
-            </a:r>
-            <a:endParaRPr lang="zh-CN" altLang="en-US" dirty="0"/>
           </a:p>
         </p:txBody>
       </p:sp>
     </p:spTree>
     <p:extLst>
       <p:ext uri="{BB962C8B-B14F-4D97-AF65-F5344CB8AC3E}">
-        <p14:creationId xmlns:p14="http://schemas.microsoft.com/office/powerpoint/2010/main" val="886482034"/>
+        <p14:creationId xmlns:p14="http://schemas.microsoft.com/office/powerpoint/2010/main" val="1306289910"/>
       </p:ext>
     </p:extLst>
   </p:cSld>
@@ -17717,7 +16501,7 @@
 </p:sld>
 </file>
 
-<file path=ppt/slides/slide8.xml><?xml version="1.0" encoding="utf-8"?>
+<file path=ppt/slides/slide11.xml><?xml version="1.0" encoding="utf-8"?>
 <p:sld xmlns:a="http://schemas.openxmlformats.org/drawingml/2006/main" xmlns:r="http://schemas.openxmlformats.org/officeDocument/2006/relationships" xmlns:p="http://schemas.openxmlformats.org/presentationml/2006/main">
   <p:cSld>
     <p:spTree>
@@ -17763,7 +16547,3194 @@
               <a:pPr>
                 <a:defRPr/>
               </a:pPr>
-              <a:t>8</a:t>
+              <a:t>11</a:t>
+            </a:fld>
+            <a:endParaRPr lang="zh-TW" altLang="en-US" dirty="0">
+              <a:solidFill>
+                <a:srgbClr val="000000">
+                  <a:tint val="75000"/>
+                </a:srgbClr>
+              </a:solidFill>
+            </a:endParaRPr>
+          </a:p>
+        </p:txBody>
+      </p:sp>
+      <p:grpSp>
+        <p:nvGrpSpPr>
+          <p:cNvPr id="5" name="群組 16"/>
+          <p:cNvGrpSpPr>
+            <a:grpSpLocks/>
+          </p:cNvGrpSpPr>
+          <p:nvPr/>
+        </p:nvGrpSpPr>
+        <p:grpSpPr bwMode="auto">
+          <a:xfrm flipH="1">
+            <a:off x="3887793" y="116632"/>
+            <a:ext cx="5239853" cy="432048"/>
+            <a:chOff x="3908668" y="4018029"/>
+            <a:chExt cx="2693637" cy="483042"/>
+          </a:xfrm>
+          <a:solidFill>
+            <a:srgbClr val="00B050"/>
+          </a:solidFill>
+        </p:grpSpPr>
+        <p:sp>
+          <p:nvSpPr>
+            <p:cNvPr id="6" name="流程圖: 延遲 8"/>
+            <p:cNvSpPr/>
+            <p:nvPr/>
+          </p:nvSpPr>
+          <p:spPr>
+            <a:xfrm>
+              <a:off x="6255768" y="4018031"/>
+              <a:ext cx="346537" cy="483040"/>
+            </a:xfrm>
+            <a:prstGeom prst="flowChartDelay">
+              <a:avLst/>
+            </a:prstGeom>
+            <a:solidFill>
+              <a:srgbClr val="00B0F0"/>
+            </a:solidFill>
+            <a:ln w="25400" cap="flat" cmpd="sng" algn="ctr">
+              <a:solidFill>
+                <a:srgbClr val="00B0F0"/>
+              </a:solidFill>
+              <a:prstDash val="solid"/>
+            </a:ln>
+            <a:effectLst/>
+          </p:spPr>
+          <p:txBody>
+            <a:bodyPr anchor="ctr"/>
+            <a:lstStyle/>
+            <a:p>
+              <a:pPr algn="ctr" fontAlgn="auto">
+                <a:spcBef>
+                  <a:spcPts val="0"/>
+                </a:spcBef>
+                <a:spcAft>
+                  <a:spcPts val="0"/>
+                </a:spcAft>
+                <a:defRPr/>
+              </a:pPr>
+              <a:endParaRPr kumimoji="0" lang="zh-TW" altLang="en-US" sz="2200" kern="0">
+                <a:solidFill>
+                  <a:schemeClr val="bg1"/>
+                </a:solidFill>
+                <a:latin typeface="Arial" panose="020B0604020202020204" pitchFamily="34" charset="0"/>
+                <a:ea typeface="微软雅黑" panose="020B0503020204020204" pitchFamily="34" charset="-122"/>
+                <a:cs typeface="Arial" panose="020B0604020202020204" pitchFamily="34" charset="0"/>
+              </a:endParaRPr>
+            </a:p>
+          </p:txBody>
+        </p:sp>
+        <p:sp>
+          <p:nvSpPr>
+            <p:cNvPr id="8" name="矩形 7"/>
+            <p:cNvSpPr/>
+            <p:nvPr/>
+          </p:nvSpPr>
+          <p:spPr>
+            <a:xfrm>
+              <a:off x="3908668" y="4018029"/>
+              <a:ext cx="2347101" cy="483041"/>
+            </a:xfrm>
+            <a:prstGeom prst="rect">
+              <a:avLst/>
+            </a:prstGeom>
+            <a:solidFill>
+              <a:srgbClr val="00B0F0"/>
+            </a:solidFill>
+            <a:ln w="25400" cap="flat" cmpd="sng" algn="ctr">
+              <a:solidFill>
+                <a:srgbClr val="00B0F0"/>
+              </a:solidFill>
+              <a:prstDash val="solid"/>
+            </a:ln>
+            <a:effectLst/>
+          </p:spPr>
+          <p:txBody>
+            <a:bodyPr anchor="ctr"/>
+            <a:lstStyle/>
+            <a:p>
+              <a:pPr algn="ctr"/>
+              <a:r>
+                <a:rPr lang="zh-CN" altLang="en-US" sz="2400" b="1" dirty="0" smtClean="0">
+                  <a:solidFill>
+                    <a:schemeClr val="bg1"/>
+                  </a:solidFill>
+                  <a:latin typeface="微軟正黑體" panose="020B0604030504040204" pitchFamily="34" charset="-120"/>
+                  <a:ea typeface="微軟正黑體" panose="020B0604030504040204" pitchFamily="34" charset="-120"/>
+                  <a:cs typeface="Segoe UI" pitchFamily="34" charset="0"/>
+                </a:rPr>
+                <a:t>五</a:t>
+              </a:r>
+              <a:r>
+                <a:rPr lang="en-US" altLang="zh-CN" sz="2400" b="1" dirty="0" smtClean="0">
+                  <a:solidFill>
+                    <a:schemeClr val="bg1"/>
+                  </a:solidFill>
+                  <a:latin typeface="微軟正黑體" panose="020B0604030504040204" pitchFamily="34" charset="-120"/>
+                  <a:ea typeface="微軟正黑體" panose="020B0604030504040204" pitchFamily="34" charset="-120"/>
+                  <a:cs typeface="Segoe UI" pitchFamily="34" charset="0"/>
+                </a:rPr>
+                <a:t>. UI</a:t>
+              </a:r>
+              <a:r>
+                <a:rPr lang="zh-CN" altLang="en-US" sz="2400" b="1" dirty="0" smtClean="0">
+                  <a:solidFill>
+                    <a:schemeClr val="bg1"/>
+                  </a:solidFill>
+                  <a:latin typeface="微軟正黑體" panose="020B0604030504040204" pitchFamily="34" charset="-120"/>
+                  <a:ea typeface="微軟正黑體" panose="020B0604030504040204" pitchFamily="34" charset="-120"/>
+                  <a:cs typeface="Segoe UI" pitchFamily="34" charset="0"/>
+                </a:rPr>
+                <a:t>介绍</a:t>
+              </a:r>
+              <a:endParaRPr lang="en-US" altLang="ko-KR" sz="2200" b="1" dirty="0">
+                <a:solidFill>
+                  <a:schemeClr val="bg1"/>
+                </a:solidFill>
+                <a:latin typeface="Arial" panose="020B0604020202020204" pitchFamily="34" charset="0"/>
+                <a:ea typeface="微软雅黑" panose="020B0503020204020204" pitchFamily="34" charset="-122"/>
+                <a:cs typeface="Arial" panose="020B0604020202020204" pitchFamily="34" charset="0"/>
+              </a:endParaRPr>
+            </a:p>
+          </p:txBody>
+        </p:sp>
+      </p:grpSp>
+      <p:sp>
+        <p:nvSpPr>
+          <p:cNvPr id="7" name="文本框 6"/>
+          <p:cNvSpPr txBox="1"/>
+          <p:nvPr/>
+        </p:nvSpPr>
+        <p:spPr>
+          <a:xfrm>
+            <a:off x="1870364" y="1066800"/>
+            <a:ext cx="6116782" cy="646331"/>
+          </a:xfrm>
+          <a:prstGeom prst="rect">
+            <a:avLst/>
+          </a:prstGeom>
+          <a:noFill/>
+        </p:spPr>
+        <p:txBody>
+          <a:bodyPr wrap="square" rtlCol="0">
+            <a:spAutoFit/>
+          </a:bodyPr>
+          <a:lstStyle/>
+          <a:p>
+            <a:r>
+              <a:rPr lang="zh-CN" altLang="en-US" dirty="0" smtClean="0"/>
+              <a:t>可以分多页</a:t>
+            </a:r>
+            <a:r>
+              <a:rPr lang="zh-CN" altLang="en-US" dirty="0"/>
+              <a:t>展示</a:t>
+            </a:r>
+            <a:r>
+              <a:rPr lang="zh-CN" altLang="en-US" dirty="0" smtClean="0"/>
+              <a:t>代表性的页面，如：</a:t>
+            </a:r>
+            <a:endParaRPr lang="en-US" altLang="zh-CN" dirty="0" smtClean="0"/>
+          </a:p>
+          <a:p>
+            <a:pPr marL="342900" indent="-342900">
+              <a:buAutoNum type="arabicPeriod"/>
+            </a:pPr>
+            <a:r>
+              <a:rPr lang="zh-CN" altLang="en-US" dirty="0" smtClean="0"/>
+              <a:t>某一</a:t>
+            </a:r>
+            <a:r>
+              <a:rPr lang="zh-CN" altLang="en-US" dirty="0" smtClean="0"/>
+              <a:t>功能</a:t>
+            </a:r>
+            <a:r>
+              <a:rPr lang="zh-CN" altLang="en-US" dirty="0" smtClean="0"/>
+              <a:t>页</a:t>
+            </a:r>
+            <a:endParaRPr lang="zh-CN" altLang="en-US" dirty="0"/>
+          </a:p>
+        </p:txBody>
+      </p:sp>
+    </p:spTree>
+    <p:extLst>
+      <p:ext uri="{BB962C8B-B14F-4D97-AF65-F5344CB8AC3E}">
+        <p14:creationId xmlns:p14="http://schemas.microsoft.com/office/powerpoint/2010/main" val="2492887591"/>
+      </p:ext>
+    </p:extLst>
+  </p:cSld>
+  <p:clrMapOvr>
+    <a:masterClrMapping/>
+  </p:clrMapOvr>
+  <p:timing>
+    <p:tnLst>
+      <p:par>
+        <p:cTn id="1" dur="indefinite" restart="never" nodeType="tmRoot"/>
+      </p:par>
+    </p:tnLst>
+  </p:timing>
+</p:sld>
+</file>
+
+<file path=ppt/slides/slide12.xml><?xml version="1.0" encoding="utf-8"?>
+<p:sld xmlns:a="http://schemas.openxmlformats.org/drawingml/2006/main" xmlns:r="http://schemas.openxmlformats.org/officeDocument/2006/relationships" xmlns:p="http://schemas.openxmlformats.org/presentationml/2006/main">
+  <p:cSld>
+    <p:spTree>
+      <p:nvGrpSpPr>
+        <p:cNvPr id="1" name=""/>
+        <p:cNvGrpSpPr/>
+        <p:nvPr/>
+      </p:nvGrpSpPr>
+      <p:grpSpPr>
+        <a:xfrm>
+          <a:off x="0" y="0"/>
+          <a:ext cx="0" cy="0"/>
+          <a:chOff x="0" y="0"/>
+          <a:chExt cx="0" cy="0"/>
+        </a:xfrm>
+      </p:grpSpPr>
+      <p:sp>
+        <p:nvSpPr>
+          <p:cNvPr id="4" name="投影片編號版面配置區 3"/>
+          <p:cNvSpPr>
+            <a:spLocks noGrp="1"/>
+          </p:cNvSpPr>
+          <p:nvPr>
+            <p:ph type="sldNum" sz="quarter" idx="10"/>
+          </p:nvPr>
+        </p:nvSpPr>
+        <p:spPr/>
+        <p:txBody>
+          <a:bodyPr/>
+          <a:lstStyle/>
+          <a:p>
+            <a:pPr>
+              <a:defRPr/>
+            </a:pPr>
+            <a:fld id="{991D3BC2-FC42-4C57-95D7-42E1AD7BAC3D}" type="slidenum">
+              <a:rPr lang="zh-TW" altLang="en-US" smtClean="0">
+                <a:solidFill>
+                  <a:srgbClr val="000000">
+                    <a:tint val="75000"/>
+                  </a:srgbClr>
+                </a:solidFill>
+              </a:rPr>
+              <a:pPr>
+                <a:defRPr/>
+              </a:pPr>
+              <a:t>12</a:t>
+            </a:fld>
+            <a:endParaRPr lang="zh-TW" altLang="en-US" dirty="0">
+              <a:solidFill>
+                <a:srgbClr val="000000">
+                  <a:tint val="75000"/>
+                </a:srgbClr>
+              </a:solidFill>
+            </a:endParaRPr>
+          </a:p>
+        </p:txBody>
+      </p:sp>
+      <p:grpSp>
+        <p:nvGrpSpPr>
+          <p:cNvPr id="5" name="群組 16"/>
+          <p:cNvGrpSpPr>
+            <a:grpSpLocks/>
+          </p:cNvGrpSpPr>
+          <p:nvPr/>
+        </p:nvGrpSpPr>
+        <p:grpSpPr bwMode="auto">
+          <a:xfrm flipH="1">
+            <a:off x="3887793" y="116632"/>
+            <a:ext cx="5239853" cy="432048"/>
+            <a:chOff x="3908668" y="4018029"/>
+            <a:chExt cx="2693637" cy="483042"/>
+          </a:xfrm>
+          <a:solidFill>
+            <a:srgbClr val="00B050"/>
+          </a:solidFill>
+        </p:grpSpPr>
+        <p:sp>
+          <p:nvSpPr>
+            <p:cNvPr id="6" name="流程圖: 延遲 8"/>
+            <p:cNvSpPr/>
+            <p:nvPr/>
+          </p:nvSpPr>
+          <p:spPr>
+            <a:xfrm>
+              <a:off x="6255768" y="4018031"/>
+              <a:ext cx="346537" cy="483040"/>
+            </a:xfrm>
+            <a:prstGeom prst="flowChartDelay">
+              <a:avLst/>
+            </a:prstGeom>
+            <a:solidFill>
+              <a:srgbClr val="00B0F0"/>
+            </a:solidFill>
+            <a:ln w="25400" cap="flat" cmpd="sng" algn="ctr">
+              <a:solidFill>
+                <a:srgbClr val="00B0F0"/>
+              </a:solidFill>
+              <a:prstDash val="solid"/>
+            </a:ln>
+            <a:effectLst/>
+          </p:spPr>
+          <p:txBody>
+            <a:bodyPr anchor="ctr"/>
+            <a:lstStyle/>
+            <a:p>
+              <a:pPr algn="ctr" fontAlgn="auto">
+                <a:spcBef>
+                  <a:spcPts val="0"/>
+                </a:spcBef>
+                <a:spcAft>
+                  <a:spcPts val="0"/>
+                </a:spcAft>
+                <a:defRPr/>
+              </a:pPr>
+              <a:endParaRPr kumimoji="0" lang="zh-TW" altLang="en-US" sz="2200" kern="0">
+                <a:solidFill>
+                  <a:schemeClr val="bg1"/>
+                </a:solidFill>
+                <a:latin typeface="Arial" panose="020B0604020202020204" pitchFamily="34" charset="0"/>
+                <a:ea typeface="微软雅黑" panose="020B0503020204020204" pitchFamily="34" charset="-122"/>
+                <a:cs typeface="Arial" panose="020B0604020202020204" pitchFamily="34" charset="0"/>
+              </a:endParaRPr>
+            </a:p>
+          </p:txBody>
+        </p:sp>
+        <p:sp>
+          <p:nvSpPr>
+            <p:cNvPr id="8" name="矩形 7"/>
+            <p:cNvSpPr/>
+            <p:nvPr/>
+          </p:nvSpPr>
+          <p:spPr>
+            <a:xfrm>
+              <a:off x="3908668" y="4018029"/>
+              <a:ext cx="2347101" cy="483041"/>
+            </a:xfrm>
+            <a:prstGeom prst="rect">
+              <a:avLst/>
+            </a:prstGeom>
+            <a:solidFill>
+              <a:srgbClr val="00B0F0"/>
+            </a:solidFill>
+            <a:ln w="25400" cap="flat" cmpd="sng" algn="ctr">
+              <a:solidFill>
+                <a:srgbClr val="00B0F0"/>
+              </a:solidFill>
+              <a:prstDash val="solid"/>
+            </a:ln>
+            <a:effectLst/>
+          </p:spPr>
+          <p:txBody>
+            <a:bodyPr anchor="ctr"/>
+            <a:lstStyle/>
+            <a:p>
+              <a:pPr algn="ctr"/>
+              <a:r>
+                <a:rPr lang="zh-CN" altLang="en-US" sz="2400" b="1" dirty="0" smtClean="0">
+                  <a:solidFill>
+                    <a:schemeClr val="bg1"/>
+                  </a:solidFill>
+                  <a:latin typeface="微軟正黑體" panose="020B0604030504040204" pitchFamily="34" charset="-120"/>
+                  <a:ea typeface="微軟正黑體" panose="020B0604030504040204" pitchFamily="34" charset="-120"/>
+                  <a:cs typeface="Segoe UI" pitchFamily="34" charset="0"/>
+                </a:rPr>
+                <a:t>五</a:t>
+              </a:r>
+              <a:r>
+                <a:rPr lang="en-US" altLang="zh-CN" sz="2400" b="1" dirty="0" smtClean="0">
+                  <a:solidFill>
+                    <a:schemeClr val="bg1"/>
+                  </a:solidFill>
+                  <a:latin typeface="微軟正黑體" panose="020B0604030504040204" pitchFamily="34" charset="-120"/>
+                  <a:ea typeface="微軟正黑體" panose="020B0604030504040204" pitchFamily="34" charset="-120"/>
+                  <a:cs typeface="Segoe UI" pitchFamily="34" charset="0"/>
+                </a:rPr>
+                <a:t>. UI</a:t>
+              </a:r>
+              <a:r>
+                <a:rPr lang="zh-CN" altLang="en-US" sz="2400" b="1" dirty="0" smtClean="0">
+                  <a:solidFill>
+                    <a:schemeClr val="bg1"/>
+                  </a:solidFill>
+                  <a:latin typeface="微軟正黑體" panose="020B0604030504040204" pitchFamily="34" charset="-120"/>
+                  <a:ea typeface="微軟正黑體" panose="020B0604030504040204" pitchFamily="34" charset="-120"/>
+                  <a:cs typeface="Segoe UI" pitchFamily="34" charset="0"/>
+                </a:rPr>
+                <a:t>介绍</a:t>
+              </a:r>
+              <a:endParaRPr lang="en-US" altLang="ko-KR" sz="2200" b="1" dirty="0">
+                <a:solidFill>
+                  <a:schemeClr val="bg1"/>
+                </a:solidFill>
+                <a:latin typeface="Arial" panose="020B0604020202020204" pitchFamily="34" charset="0"/>
+                <a:ea typeface="微软雅黑" panose="020B0503020204020204" pitchFamily="34" charset="-122"/>
+                <a:cs typeface="Arial" panose="020B0604020202020204" pitchFamily="34" charset="0"/>
+              </a:endParaRPr>
+            </a:p>
+          </p:txBody>
+        </p:sp>
+      </p:grpSp>
+      <p:sp>
+        <p:nvSpPr>
+          <p:cNvPr id="7" name="文本框 6"/>
+          <p:cNvSpPr txBox="1"/>
+          <p:nvPr/>
+        </p:nvSpPr>
+        <p:spPr>
+          <a:xfrm>
+            <a:off x="1870364" y="1066800"/>
+            <a:ext cx="6116782" cy="646331"/>
+          </a:xfrm>
+          <a:prstGeom prst="rect">
+            <a:avLst/>
+          </a:prstGeom>
+          <a:noFill/>
+        </p:spPr>
+        <p:txBody>
+          <a:bodyPr wrap="square" rtlCol="0">
+            <a:spAutoFit/>
+          </a:bodyPr>
+          <a:lstStyle/>
+          <a:p>
+            <a:r>
+              <a:rPr lang="zh-CN" altLang="en-US" dirty="0" smtClean="0"/>
+              <a:t>可以分多页</a:t>
+            </a:r>
+            <a:r>
+              <a:rPr lang="zh-CN" altLang="en-US" dirty="0"/>
+              <a:t>展示</a:t>
+            </a:r>
+            <a:r>
+              <a:rPr lang="zh-CN" altLang="en-US" dirty="0" smtClean="0"/>
+              <a:t>代表性的页面，如：</a:t>
+            </a:r>
+            <a:endParaRPr lang="en-US" altLang="zh-CN" dirty="0" smtClean="0"/>
+          </a:p>
+          <a:p>
+            <a:pPr marL="342900" indent="-342900">
+              <a:buAutoNum type="arabicPeriod"/>
+            </a:pPr>
+            <a:r>
+              <a:rPr lang="zh-CN" altLang="en-US" dirty="0" smtClean="0"/>
+              <a:t>资</a:t>
+            </a:r>
+            <a:r>
+              <a:rPr lang="zh-CN" altLang="en-US" dirty="0" smtClean="0"/>
+              <a:t>料的</a:t>
+            </a:r>
+            <a:r>
+              <a:rPr lang="zh-CN" altLang="en-US" dirty="0" smtClean="0"/>
+              <a:t>新增</a:t>
+            </a:r>
+            <a:endParaRPr lang="zh-CN" altLang="en-US" dirty="0"/>
+          </a:p>
+        </p:txBody>
+      </p:sp>
+    </p:spTree>
+    <p:extLst>
+      <p:ext uri="{BB962C8B-B14F-4D97-AF65-F5344CB8AC3E}">
+        <p14:creationId xmlns:p14="http://schemas.microsoft.com/office/powerpoint/2010/main" val="797535961"/>
+      </p:ext>
+    </p:extLst>
+  </p:cSld>
+  <p:clrMapOvr>
+    <a:masterClrMapping/>
+  </p:clrMapOvr>
+  <p:timing>
+    <p:tnLst>
+      <p:par>
+        <p:cTn id="1" dur="indefinite" restart="never" nodeType="tmRoot"/>
+      </p:par>
+    </p:tnLst>
+  </p:timing>
+</p:sld>
+</file>
+
+<file path=ppt/slides/slide13.xml><?xml version="1.0" encoding="utf-8"?>
+<p:sld xmlns:a="http://schemas.openxmlformats.org/drawingml/2006/main" xmlns:r="http://schemas.openxmlformats.org/officeDocument/2006/relationships" xmlns:p="http://schemas.openxmlformats.org/presentationml/2006/main">
+  <p:cSld>
+    <p:spTree>
+      <p:nvGrpSpPr>
+        <p:cNvPr id="1" name=""/>
+        <p:cNvGrpSpPr/>
+        <p:nvPr/>
+      </p:nvGrpSpPr>
+      <p:grpSpPr>
+        <a:xfrm>
+          <a:off x="0" y="0"/>
+          <a:ext cx="0" cy="0"/>
+          <a:chOff x="0" y="0"/>
+          <a:chExt cx="0" cy="0"/>
+        </a:xfrm>
+      </p:grpSpPr>
+      <p:sp>
+        <p:nvSpPr>
+          <p:cNvPr id="4" name="投影片編號版面配置區 3"/>
+          <p:cNvSpPr>
+            <a:spLocks noGrp="1"/>
+          </p:cNvSpPr>
+          <p:nvPr>
+            <p:ph type="sldNum" sz="quarter" idx="10"/>
+          </p:nvPr>
+        </p:nvSpPr>
+        <p:spPr/>
+        <p:txBody>
+          <a:bodyPr/>
+          <a:lstStyle/>
+          <a:p>
+            <a:pPr>
+              <a:defRPr/>
+            </a:pPr>
+            <a:fld id="{991D3BC2-FC42-4C57-95D7-42E1AD7BAC3D}" type="slidenum">
+              <a:rPr lang="zh-TW" altLang="en-US" smtClean="0">
+                <a:solidFill>
+                  <a:srgbClr val="000000">
+                    <a:tint val="75000"/>
+                  </a:srgbClr>
+                </a:solidFill>
+              </a:rPr>
+              <a:pPr>
+                <a:defRPr/>
+              </a:pPr>
+              <a:t>13</a:t>
+            </a:fld>
+            <a:endParaRPr lang="zh-TW" altLang="en-US" dirty="0">
+              <a:solidFill>
+                <a:srgbClr val="000000">
+                  <a:tint val="75000"/>
+                </a:srgbClr>
+              </a:solidFill>
+            </a:endParaRPr>
+          </a:p>
+        </p:txBody>
+      </p:sp>
+      <p:grpSp>
+        <p:nvGrpSpPr>
+          <p:cNvPr id="5" name="群組 16"/>
+          <p:cNvGrpSpPr>
+            <a:grpSpLocks/>
+          </p:cNvGrpSpPr>
+          <p:nvPr/>
+        </p:nvGrpSpPr>
+        <p:grpSpPr bwMode="auto">
+          <a:xfrm flipH="1">
+            <a:off x="3887793" y="116632"/>
+            <a:ext cx="5239853" cy="432048"/>
+            <a:chOff x="3908668" y="4018029"/>
+            <a:chExt cx="2693637" cy="483042"/>
+          </a:xfrm>
+          <a:solidFill>
+            <a:srgbClr val="00B050"/>
+          </a:solidFill>
+        </p:grpSpPr>
+        <p:sp>
+          <p:nvSpPr>
+            <p:cNvPr id="6" name="流程圖: 延遲 8"/>
+            <p:cNvSpPr/>
+            <p:nvPr/>
+          </p:nvSpPr>
+          <p:spPr>
+            <a:xfrm>
+              <a:off x="6255768" y="4018031"/>
+              <a:ext cx="346537" cy="483040"/>
+            </a:xfrm>
+            <a:prstGeom prst="flowChartDelay">
+              <a:avLst/>
+            </a:prstGeom>
+            <a:solidFill>
+              <a:srgbClr val="00B0F0"/>
+            </a:solidFill>
+            <a:ln w="25400" cap="flat" cmpd="sng" algn="ctr">
+              <a:solidFill>
+                <a:srgbClr val="00B0F0"/>
+              </a:solidFill>
+              <a:prstDash val="solid"/>
+            </a:ln>
+            <a:effectLst/>
+          </p:spPr>
+          <p:txBody>
+            <a:bodyPr anchor="ctr"/>
+            <a:lstStyle/>
+            <a:p>
+              <a:pPr algn="ctr" fontAlgn="auto">
+                <a:spcBef>
+                  <a:spcPts val="0"/>
+                </a:spcBef>
+                <a:spcAft>
+                  <a:spcPts val="0"/>
+                </a:spcAft>
+                <a:defRPr/>
+              </a:pPr>
+              <a:endParaRPr kumimoji="0" lang="zh-TW" altLang="en-US" sz="2200" kern="0">
+                <a:solidFill>
+                  <a:schemeClr val="bg1"/>
+                </a:solidFill>
+                <a:latin typeface="Arial" panose="020B0604020202020204" pitchFamily="34" charset="0"/>
+                <a:ea typeface="微软雅黑" panose="020B0503020204020204" pitchFamily="34" charset="-122"/>
+                <a:cs typeface="Arial" panose="020B0604020202020204" pitchFamily="34" charset="0"/>
+              </a:endParaRPr>
+            </a:p>
+          </p:txBody>
+        </p:sp>
+        <p:sp>
+          <p:nvSpPr>
+            <p:cNvPr id="8" name="矩形 7"/>
+            <p:cNvSpPr/>
+            <p:nvPr/>
+          </p:nvSpPr>
+          <p:spPr>
+            <a:xfrm>
+              <a:off x="3908668" y="4018029"/>
+              <a:ext cx="2347101" cy="483041"/>
+            </a:xfrm>
+            <a:prstGeom prst="rect">
+              <a:avLst/>
+            </a:prstGeom>
+            <a:solidFill>
+              <a:srgbClr val="00B0F0"/>
+            </a:solidFill>
+            <a:ln w="25400" cap="flat" cmpd="sng" algn="ctr">
+              <a:solidFill>
+                <a:srgbClr val="00B0F0"/>
+              </a:solidFill>
+              <a:prstDash val="solid"/>
+            </a:ln>
+            <a:effectLst/>
+          </p:spPr>
+          <p:txBody>
+            <a:bodyPr anchor="ctr"/>
+            <a:lstStyle/>
+            <a:p>
+              <a:pPr algn="ctr"/>
+              <a:r>
+                <a:rPr lang="zh-CN" altLang="en-US" sz="2400" b="1" dirty="0" smtClean="0">
+                  <a:solidFill>
+                    <a:schemeClr val="bg1"/>
+                  </a:solidFill>
+                  <a:latin typeface="微軟正黑體" panose="020B0604030504040204" pitchFamily="34" charset="-120"/>
+                  <a:ea typeface="微軟正黑體" panose="020B0604030504040204" pitchFamily="34" charset="-120"/>
+                  <a:cs typeface="Segoe UI" pitchFamily="34" charset="0"/>
+                </a:rPr>
+                <a:t>五</a:t>
+              </a:r>
+              <a:r>
+                <a:rPr lang="en-US" altLang="zh-CN" sz="2400" b="1" dirty="0" smtClean="0">
+                  <a:solidFill>
+                    <a:schemeClr val="bg1"/>
+                  </a:solidFill>
+                  <a:latin typeface="微軟正黑體" panose="020B0604030504040204" pitchFamily="34" charset="-120"/>
+                  <a:ea typeface="微軟正黑體" panose="020B0604030504040204" pitchFamily="34" charset="-120"/>
+                  <a:cs typeface="Segoe UI" pitchFamily="34" charset="0"/>
+                </a:rPr>
+                <a:t>. UI</a:t>
+              </a:r>
+              <a:r>
+                <a:rPr lang="zh-CN" altLang="en-US" sz="2400" b="1" dirty="0" smtClean="0">
+                  <a:solidFill>
+                    <a:schemeClr val="bg1"/>
+                  </a:solidFill>
+                  <a:latin typeface="微軟正黑體" panose="020B0604030504040204" pitchFamily="34" charset="-120"/>
+                  <a:ea typeface="微軟正黑體" panose="020B0604030504040204" pitchFamily="34" charset="-120"/>
+                  <a:cs typeface="Segoe UI" pitchFamily="34" charset="0"/>
+                </a:rPr>
+                <a:t>介绍</a:t>
+              </a:r>
+              <a:endParaRPr lang="en-US" altLang="ko-KR" sz="2200" b="1" dirty="0">
+                <a:solidFill>
+                  <a:schemeClr val="bg1"/>
+                </a:solidFill>
+                <a:latin typeface="Arial" panose="020B0604020202020204" pitchFamily="34" charset="0"/>
+                <a:ea typeface="微软雅黑" panose="020B0503020204020204" pitchFamily="34" charset="-122"/>
+                <a:cs typeface="Arial" panose="020B0604020202020204" pitchFamily="34" charset="0"/>
+              </a:endParaRPr>
+            </a:p>
+          </p:txBody>
+        </p:sp>
+      </p:grpSp>
+      <p:sp>
+        <p:nvSpPr>
+          <p:cNvPr id="7" name="文本框 6"/>
+          <p:cNvSpPr txBox="1"/>
+          <p:nvPr/>
+        </p:nvSpPr>
+        <p:spPr>
+          <a:xfrm>
+            <a:off x="1870364" y="1066800"/>
+            <a:ext cx="6116782" cy="646331"/>
+          </a:xfrm>
+          <a:prstGeom prst="rect">
+            <a:avLst/>
+          </a:prstGeom>
+          <a:noFill/>
+        </p:spPr>
+        <p:txBody>
+          <a:bodyPr wrap="square" rtlCol="0">
+            <a:spAutoFit/>
+          </a:bodyPr>
+          <a:lstStyle/>
+          <a:p>
+            <a:r>
+              <a:rPr lang="zh-CN" altLang="en-US" dirty="0" smtClean="0"/>
+              <a:t>可以分多页</a:t>
+            </a:r>
+            <a:r>
+              <a:rPr lang="zh-CN" altLang="en-US" dirty="0"/>
+              <a:t>展示</a:t>
+            </a:r>
+            <a:r>
+              <a:rPr lang="zh-CN" altLang="en-US" dirty="0" smtClean="0"/>
+              <a:t>代表性的页面，如：</a:t>
+            </a:r>
+            <a:endParaRPr lang="en-US" altLang="zh-CN" dirty="0" smtClean="0"/>
+          </a:p>
+          <a:p>
+            <a:pPr marL="342900" indent="-342900">
+              <a:buAutoNum type="arabicPeriod"/>
+            </a:pPr>
+            <a:r>
+              <a:rPr lang="zh-CN" altLang="en-US" dirty="0" smtClean="0"/>
+              <a:t>资</a:t>
+            </a:r>
+            <a:r>
+              <a:rPr lang="zh-CN" altLang="en-US" dirty="0" smtClean="0"/>
+              <a:t>料的</a:t>
+            </a:r>
+            <a:r>
+              <a:rPr lang="zh-CN" altLang="en-US" dirty="0" smtClean="0"/>
+              <a:t>更新</a:t>
+            </a:r>
+            <a:endParaRPr lang="zh-CN" altLang="en-US" dirty="0"/>
+          </a:p>
+        </p:txBody>
+      </p:sp>
+    </p:spTree>
+    <p:extLst>
+      <p:ext uri="{BB962C8B-B14F-4D97-AF65-F5344CB8AC3E}">
+        <p14:creationId xmlns:p14="http://schemas.microsoft.com/office/powerpoint/2010/main" val="516576597"/>
+      </p:ext>
+    </p:extLst>
+  </p:cSld>
+  <p:clrMapOvr>
+    <a:masterClrMapping/>
+  </p:clrMapOvr>
+  <p:timing>
+    <p:tnLst>
+      <p:par>
+        <p:cTn id="1" dur="indefinite" restart="never" nodeType="tmRoot"/>
+      </p:par>
+    </p:tnLst>
+  </p:timing>
+</p:sld>
+</file>
+
+<file path=ppt/slides/slide14.xml><?xml version="1.0" encoding="utf-8"?>
+<p:sld xmlns:a="http://schemas.openxmlformats.org/drawingml/2006/main" xmlns:r="http://schemas.openxmlformats.org/officeDocument/2006/relationships" xmlns:p="http://schemas.openxmlformats.org/presentationml/2006/main">
+  <p:cSld>
+    <p:spTree>
+      <p:nvGrpSpPr>
+        <p:cNvPr id="1" name=""/>
+        <p:cNvGrpSpPr/>
+        <p:nvPr/>
+      </p:nvGrpSpPr>
+      <p:grpSpPr>
+        <a:xfrm>
+          <a:off x="0" y="0"/>
+          <a:ext cx="0" cy="0"/>
+          <a:chOff x="0" y="0"/>
+          <a:chExt cx="0" cy="0"/>
+        </a:xfrm>
+      </p:grpSpPr>
+      <p:sp>
+        <p:nvSpPr>
+          <p:cNvPr id="4" name="投影片編號版面配置區 3"/>
+          <p:cNvSpPr>
+            <a:spLocks noGrp="1"/>
+          </p:cNvSpPr>
+          <p:nvPr>
+            <p:ph type="sldNum" sz="quarter" idx="10"/>
+          </p:nvPr>
+        </p:nvSpPr>
+        <p:spPr/>
+        <p:txBody>
+          <a:bodyPr/>
+          <a:lstStyle/>
+          <a:p>
+            <a:pPr>
+              <a:defRPr/>
+            </a:pPr>
+            <a:fld id="{991D3BC2-FC42-4C57-95D7-42E1AD7BAC3D}" type="slidenum">
+              <a:rPr lang="zh-TW" altLang="en-US" smtClean="0">
+                <a:solidFill>
+                  <a:srgbClr val="000000">
+                    <a:tint val="75000"/>
+                  </a:srgbClr>
+                </a:solidFill>
+              </a:rPr>
+              <a:pPr>
+                <a:defRPr/>
+              </a:pPr>
+              <a:t>14</a:t>
+            </a:fld>
+            <a:endParaRPr lang="zh-TW" altLang="en-US" dirty="0">
+              <a:solidFill>
+                <a:srgbClr val="000000">
+                  <a:tint val="75000"/>
+                </a:srgbClr>
+              </a:solidFill>
+            </a:endParaRPr>
+          </a:p>
+        </p:txBody>
+      </p:sp>
+      <p:grpSp>
+        <p:nvGrpSpPr>
+          <p:cNvPr id="5" name="群組 16"/>
+          <p:cNvGrpSpPr>
+            <a:grpSpLocks/>
+          </p:cNvGrpSpPr>
+          <p:nvPr/>
+        </p:nvGrpSpPr>
+        <p:grpSpPr bwMode="auto">
+          <a:xfrm flipH="1">
+            <a:off x="3887793" y="116632"/>
+            <a:ext cx="5239853" cy="432048"/>
+            <a:chOff x="3908668" y="4018029"/>
+            <a:chExt cx="2693637" cy="483042"/>
+          </a:xfrm>
+          <a:solidFill>
+            <a:srgbClr val="00B050"/>
+          </a:solidFill>
+        </p:grpSpPr>
+        <p:sp>
+          <p:nvSpPr>
+            <p:cNvPr id="6" name="流程圖: 延遲 8"/>
+            <p:cNvSpPr/>
+            <p:nvPr/>
+          </p:nvSpPr>
+          <p:spPr>
+            <a:xfrm>
+              <a:off x="6255768" y="4018031"/>
+              <a:ext cx="346537" cy="483040"/>
+            </a:xfrm>
+            <a:prstGeom prst="flowChartDelay">
+              <a:avLst/>
+            </a:prstGeom>
+            <a:solidFill>
+              <a:srgbClr val="00B0F0"/>
+            </a:solidFill>
+            <a:ln w="25400" cap="flat" cmpd="sng" algn="ctr">
+              <a:solidFill>
+                <a:srgbClr val="00B0F0"/>
+              </a:solidFill>
+              <a:prstDash val="solid"/>
+            </a:ln>
+            <a:effectLst/>
+          </p:spPr>
+          <p:txBody>
+            <a:bodyPr anchor="ctr"/>
+            <a:lstStyle/>
+            <a:p>
+              <a:pPr algn="ctr" fontAlgn="auto">
+                <a:spcBef>
+                  <a:spcPts val="0"/>
+                </a:spcBef>
+                <a:spcAft>
+                  <a:spcPts val="0"/>
+                </a:spcAft>
+                <a:defRPr/>
+              </a:pPr>
+              <a:endParaRPr kumimoji="0" lang="zh-TW" altLang="en-US" sz="2200" kern="0">
+                <a:solidFill>
+                  <a:schemeClr val="bg1"/>
+                </a:solidFill>
+                <a:latin typeface="Arial" panose="020B0604020202020204" pitchFamily="34" charset="0"/>
+                <a:ea typeface="微软雅黑" panose="020B0503020204020204" pitchFamily="34" charset="-122"/>
+                <a:cs typeface="Arial" panose="020B0604020202020204" pitchFamily="34" charset="0"/>
+              </a:endParaRPr>
+            </a:p>
+          </p:txBody>
+        </p:sp>
+        <p:sp>
+          <p:nvSpPr>
+            <p:cNvPr id="8" name="矩形 7"/>
+            <p:cNvSpPr/>
+            <p:nvPr/>
+          </p:nvSpPr>
+          <p:spPr>
+            <a:xfrm>
+              <a:off x="3908668" y="4018029"/>
+              <a:ext cx="2347101" cy="483041"/>
+            </a:xfrm>
+            <a:prstGeom prst="rect">
+              <a:avLst/>
+            </a:prstGeom>
+            <a:solidFill>
+              <a:srgbClr val="00B0F0"/>
+            </a:solidFill>
+            <a:ln w="25400" cap="flat" cmpd="sng" algn="ctr">
+              <a:solidFill>
+                <a:srgbClr val="00B0F0"/>
+              </a:solidFill>
+              <a:prstDash val="solid"/>
+            </a:ln>
+            <a:effectLst/>
+          </p:spPr>
+          <p:txBody>
+            <a:bodyPr anchor="ctr"/>
+            <a:lstStyle/>
+            <a:p>
+              <a:pPr algn="ctr"/>
+              <a:r>
+                <a:rPr lang="zh-CN" altLang="en-US" sz="2400" b="1" dirty="0" smtClean="0">
+                  <a:solidFill>
+                    <a:schemeClr val="bg1"/>
+                  </a:solidFill>
+                  <a:latin typeface="微軟正黑體" panose="020B0604030504040204" pitchFamily="34" charset="-120"/>
+                  <a:ea typeface="微軟正黑體" panose="020B0604030504040204" pitchFamily="34" charset="-120"/>
+                  <a:cs typeface="Segoe UI" pitchFamily="34" charset="0"/>
+                </a:rPr>
+                <a:t>五</a:t>
+              </a:r>
+              <a:r>
+                <a:rPr lang="en-US" altLang="zh-CN" sz="2400" b="1" dirty="0" smtClean="0">
+                  <a:solidFill>
+                    <a:schemeClr val="bg1"/>
+                  </a:solidFill>
+                  <a:latin typeface="微軟正黑體" panose="020B0604030504040204" pitchFamily="34" charset="-120"/>
+                  <a:ea typeface="微軟正黑體" panose="020B0604030504040204" pitchFamily="34" charset="-120"/>
+                  <a:cs typeface="Segoe UI" pitchFamily="34" charset="0"/>
+                </a:rPr>
+                <a:t>. UI</a:t>
+              </a:r>
+              <a:r>
+                <a:rPr lang="zh-CN" altLang="en-US" sz="2400" b="1" dirty="0" smtClean="0">
+                  <a:solidFill>
+                    <a:schemeClr val="bg1"/>
+                  </a:solidFill>
+                  <a:latin typeface="微軟正黑體" panose="020B0604030504040204" pitchFamily="34" charset="-120"/>
+                  <a:ea typeface="微軟正黑體" panose="020B0604030504040204" pitchFamily="34" charset="-120"/>
+                  <a:cs typeface="Segoe UI" pitchFamily="34" charset="0"/>
+                </a:rPr>
+                <a:t>介绍</a:t>
+              </a:r>
+              <a:endParaRPr lang="en-US" altLang="ko-KR" sz="2200" b="1" dirty="0">
+                <a:solidFill>
+                  <a:schemeClr val="bg1"/>
+                </a:solidFill>
+                <a:latin typeface="Arial" panose="020B0604020202020204" pitchFamily="34" charset="0"/>
+                <a:ea typeface="微软雅黑" panose="020B0503020204020204" pitchFamily="34" charset="-122"/>
+                <a:cs typeface="Arial" panose="020B0604020202020204" pitchFamily="34" charset="0"/>
+              </a:endParaRPr>
+            </a:p>
+          </p:txBody>
+        </p:sp>
+      </p:grpSp>
+      <p:sp>
+        <p:nvSpPr>
+          <p:cNvPr id="7" name="文本框 6"/>
+          <p:cNvSpPr txBox="1"/>
+          <p:nvPr/>
+        </p:nvSpPr>
+        <p:spPr>
+          <a:xfrm>
+            <a:off x="1870364" y="1066800"/>
+            <a:ext cx="6116782" cy="646331"/>
+          </a:xfrm>
+          <a:prstGeom prst="rect">
+            <a:avLst/>
+          </a:prstGeom>
+          <a:noFill/>
+        </p:spPr>
+        <p:txBody>
+          <a:bodyPr wrap="square" rtlCol="0">
+            <a:spAutoFit/>
+          </a:bodyPr>
+          <a:lstStyle/>
+          <a:p>
+            <a:r>
+              <a:rPr lang="zh-CN" altLang="en-US" dirty="0" smtClean="0"/>
+              <a:t>可以分多页</a:t>
+            </a:r>
+            <a:r>
+              <a:rPr lang="zh-CN" altLang="en-US" dirty="0"/>
+              <a:t>展示</a:t>
+            </a:r>
+            <a:r>
+              <a:rPr lang="zh-CN" altLang="en-US" dirty="0" smtClean="0"/>
+              <a:t>代表性的页面，如：</a:t>
+            </a:r>
+            <a:endParaRPr lang="en-US" altLang="zh-CN" dirty="0" smtClean="0"/>
+          </a:p>
+          <a:p>
+            <a:pPr marL="342900" indent="-342900">
+              <a:buAutoNum type="arabicPeriod"/>
+            </a:pPr>
+            <a:r>
+              <a:rPr lang="zh-CN" altLang="en-US" dirty="0" smtClean="0"/>
+              <a:t>资料的删除</a:t>
+            </a:r>
+            <a:endParaRPr lang="zh-CN" altLang="en-US" dirty="0"/>
+          </a:p>
+        </p:txBody>
+      </p:sp>
+    </p:spTree>
+    <p:extLst>
+      <p:ext uri="{BB962C8B-B14F-4D97-AF65-F5344CB8AC3E}">
+        <p14:creationId xmlns:p14="http://schemas.microsoft.com/office/powerpoint/2010/main" val="3518506975"/>
+      </p:ext>
+    </p:extLst>
+  </p:cSld>
+  <p:clrMapOvr>
+    <a:masterClrMapping/>
+  </p:clrMapOvr>
+  <p:timing>
+    <p:tnLst>
+      <p:par>
+        <p:cTn id="1" dur="indefinite" restart="never" nodeType="tmRoot"/>
+      </p:par>
+    </p:tnLst>
+  </p:timing>
+</p:sld>
+</file>
+
+<file path=ppt/slides/slide15.xml><?xml version="1.0" encoding="utf-8"?>
+<p:sld xmlns:a="http://schemas.openxmlformats.org/drawingml/2006/main" xmlns:r="http://schemas.openxmlformats.org/officeDocument/2006/relationships" xmlns:p="http://schemas.openxmlformats.org/presentationml/2006/main">
+  <p:cSld>
+    <p:spTree>
+      <p:nvGrpSpPr>
+        <p:cNvPr id="1" name=""/>
+        <p:cNvGrpSpPr/>
+        <p:nvPr/>
+      </p:nvGrpSpPr>
+      <p:grpSpPr>
+        <a:xfrm>
+          <a:off x="0" y="0"/>
+          <a:ext cx="0" cy="0"/>
+          <a:chOff x="0" y="0"/>
+          <a:chExt cx="0" cy="0"/>
+        </a:xfrm>
+      </p:grpSpPr>
+      <p:sp>
+        <p:nvSpPr>
+          <p:cNvPr id="4" name="投影片編號版面配置區 3"/>
+          <p:cNvSpPr>
+            <a:spLocks noGrp="1"/>
+          </p:cNvSpPr>
+          <p:nvPr>
+            <p:ph type="sldNum" sz="quarter" idx="10"/>
+          </p:nvPr>
+        </p:nvSpPr>
+        <p:spPr/>
+        <p:txBody>
+          <a:bodyPr/>
+          <a:lstStyle/>
+          <a:p>
+            <a:pPr>
+              <a:defRPr/>
+            </a:pPr>
+            <a:fld id="{991D3BC2-FC42-4C57-95D7-42E1AD7BAC3D}" type="slidenum">
+              <a:rPr lang="zh-TW" altLang="en-US" smtClean="0">
+                <a:solidFill>
+                  <a:srgbClr val="000000">
+                    <a:tint val="75000"/>
+                  </a:srgbClr>
+                </a:solidFill>
+              </a:rPr>
+              <a:pPr>
+                <a:defRPr/>
+              </a:pPr>
+              <a:t>15</a:t>
+            </a:fld>
+            <a:endParaRPr lang="zh-TW" altLang="en-US" dirty="0">
+              <a:solidFill>
+                <a:srgbClr val="000000">
+                  <a:tint val="75000"/>
+                </a:srgbClr>
+              </a:solidFill>
+            </a:endParaRPr>
+          </a:p>
+        </p:txBody>
+      </p:sp>
+      <p:grpSp>
+        <p:nvGrpSpPr>
+          <p:cNvPr id="5" name="群組 16"/>
+          <p:cNvGrpSpPr>
+            <a:grpSpLocks/>
+          </p:cNvGrpSpPr>
+          <p:nvPr/>
+        </p:nvGrpSpPr>
+        <p:grpSpPr bwMode="auto">
+          <a:xfrm flipH="1">
+            <a:off x="3887793" y="116632"/>
+            <a:ext cx="5239853" cy="432048"/>
+            <a:chOff x="3908668" y="4018029"/>
+            <a:chExt cx="2693637" cy="483042"/>
+          </a:xfrm>
+          <a:solidFill>
+            <a:srgbClr val="00B050"/>
+          </a:solidFill>
+        </p:grpSpPr>
+        <p:sp>
+          <p:nvSpPr>
+            <p:cNvPr id="6" name="流程圖: 延遲 8"/>
+            <p:cNvSpPr/>
+            <p:nvPr/>
+          </p:nvSpPr>
+          <p:spPr>
+            <a:xfrm>
+              <a:off x="6255768" y="4018031"/>
+              <a:ext cx="346537" cy="483040"/>
+            </a:xfrm>
+            <a:prstGeom prst="flowChartDelay">
+              <a:avLst/>
+            </a:prstGeom>
+            <a:solidFill>
+              <a:srgbClr val="00B0F0"/>
+            </a:solidFill>
+            <a:ln w="25400" cap="flat" cmpd="sng" algn="ctr">
+              <a:solidFill>
+                <a:srgbClr val="00B0F0"/>
+              </a:solidFill>
+              <a:prstDash val="solid"/>
+            </a:ln>
+            <a:effectLst/>
+          </p:spPr>
+          <p:txBody>
+            <a:bodyPr anchor="ctr"/>
+            <a:lstStyle/>
+            <a:p>
+              <a:pPr algn="ctr" fontAlgn="auto">
+                <a:spcBef>
+                  <a:spcPts val="0"/>
+                </a:spcBef>
+                <a:spcAft>
+                  <a:spcPts val="0"/>
+                </a:spcAft>
+                <a:defRPr/>
+              </a:pPr>
+              <a:endParaRPr kumimoji="0" lang="zh-TW" altLang="en-US" sz="2200" kern="0">
+                <a:solidFill>
+                  <a:schemeClr val="bg1"/>
+                </a:solidFill>
+                <a:latin typeface="Arial" panose="020B0604020202020204" pitchFamily="34" charset="0"/>
+                <a:ea typeface="微软雅黑" panose="020B0503020204020204" pitchFamily="34" charset="-122"/>
+                <a:cs typeface="Arial" panose="020B0604020202020204" pitchFamily="34" charset="0"/>
+              </a:endParaRPr>
+            </a:p>
+          </p:txBody>
+        </p:sp>
+        <p:sp>
+          <p:nvSpPr>
+            <p:cNvPr id="8" name="矩形 7"/>
+            <p:cNvSpPr/>
+            <p:nvPr/>
+          </p:nvSpPr>
+          <p:spPr>
+            <a:xfrm>
+              <a:off x="3908668" y="4018029"/>
+              <a:ext cx="2347101" cy="483041"/>
+            </a:xfrm>
+            <a:prstGeom prst="rect">
+              <a:avLst/>
+            </a:prstGeom>
+            <a:solidFill>
+              <a:srgbClr val="00B0F0"/>
+            </a:solidFill>
+            <a:ln w="25400" cap="flat" cmpd="sng" algn="ctr">
+              <a:solidFill>
+                <a:srgbClr val="00B0F0"/>
+              </a:solidFill>
+              <a:prstDash val="solid"/>
+            </a:ln>
+            <a:effectLst/>
+          </p:spPr>
+          <p:txBody>
+            <a:bodyPr anchor="ctr"/>
+            <a:lstStyle/>
+            <a:p>
+              <a:pPr algn="ctr"/>
+              <a:r>
+                <a:rPr lang="zh-CN" altLang="en-US" sz="2400" b="1" dirty="0" smtClean="0">
+                  <a:solidFill>
+                    <a:schemeClr val="bg1"/>
+                  </a:solidFill>
+                  <a:latin typeface="微軟正黑體" panose="020B0604030504040204" pitchFamily="34" charset="-120"/>
+                  <a:ea typeface="微軟正黑體" panose="020B0604030504040204" pitchFamily="34" charset="-120"/>
+                  <a:cs typeface="Segoe UI" pitchFamily="34" charset="0"/>
+                </a:rPr>
+                <a:t>五</a:t>
+              </a:r>
+              <a:r>
+                <a:rPr lang="en-US" altLang="zh-CN" sz="2400" b="1" dirty="0" smtClean="0">
+                  <a:solidFill>
+                    <a:schemeClr val="bg1"/>
+                  </a:solidFill>
+                  <a:latin typeface="微軟正黑體" panose="020B0604030504040204" pitchFamily="34" charset="-120"/>
+                  <a:ea typeface="微軟正黑體" panose="020B0604030504040204" pitchFamily="34" charset="-120"/>
+                  <a:cs typeface="Segoe UI" pitchFamily="34" charset="0"/>
+                </a:rPr>
+                <a:t>. UI</a:t>
+              </a:r>
+              <a:r>
+                <a:rPr lang="zh-CN" altLang="en-US" sz="2400" b="1" dirty="0" smtClean="0">
+                  <a:solidFill>
+                    <a:schemeClr val="bg1"/>
+                  </a:solidFill>
+                  <a:latin typeface="微軟正黑體" panose="020B0604030504040204" pitchFamily="34" charset="-120"/>
+                  <a:ea typeface="微軟正黑體" panose="020B0604030504040204" pitchFamily="34" charset="-120"/>
+                  <a:cs typeface="Segoe UI" pitchFamily="34" charset="0"/>
+                </a:rPr>
+                <a:t>介绍</a:t>
+              </a:r>
+              <a:endParaRPr lang="en-US" altLang="ko-KR" sz="2200" b="1" dirty="0">
+                <a:solidFill>
+                  <a:schemeClr val="bg1"/>
+                </a:solidFill>
+                <a:latin typeface="Arial" panose="020B0604020202020204" pitchFamily="34" charset="0"/>
+                <a:ea typeface="微软雅黑" panose="020B0503020204020204" pitchFamily="34" charset="-122"/>
+                <a:cs typeface="Arial" panose="020B0604020202020204" pitchFamily="34" charset="0"/>
+              </a:endParaRPr>
+            </a:p>
+          </p:txBody>
+        </p:sp>
+      </p:grpSp>
+      <p:sp>
+        <p:nvSpPr>
+          <p:cNvPr id="7" name="文本框 6"/>
+          <p:cNvSpPr txBox="1"/>
+          <p:nvPr/>
+        </p:nvSpPr>
+        <p:spPr>
+          <a:xfrm>
+            <a:off x="1870364" y="1066800"/>
+            <a:ext cx="6116782" cy="646331"/>
+          </a:xfrm>
+          <a:prstGeom prst="rect">
+            <a:avLst/>
+          </a:prstGeom>
+          <a:noFill/>
+        </p:spPr>
+        <p:txBody>
+          <a:bodyPr wrap="square" rtlCol="0">
+            <a:spAutoFit/>
+          </a:bodyPr>
+          <a:lstStyle/>
+          <a:p>
+            <a:r>
+              <a:rPr lang="zh-CN" altLang="en-US" dirty="0" smtClean="0"/>
+              <a:t>可以分多页</a:t>
+            </a:r>
+            <a:r>
+              <a:rPr lang="zh-CN" altLang="en-US" dirty="0"/>
+              <a:t>展示</a:t>
+            </a:r>
+            <a:r>
+              <a:rPr lang="zh-CN" altLang="en-US" dirty="0" smtClean="0"/>
+              <a:t>代表性的页面，如：</a:t>
+            </a:r>
+            <a:endParaRPr lang="en-US" altLang="zh-CN" dirty="0" smtClean="0"/>
+          </a:p>
+          <a:p>
+            <a:pPr marL="342900" indent="-342900">
+              <a:buAutoNum type="arabicPeriod"/>
+            </a:pPr>
+            <a:r>
+              <a:rPr lang="zh-CN" altLang="en-US" dirty="0" smtClean="0"/>
+              <a:t>权限的部分</a:t>
+            </a:r>
+            <a:endParaRPr lang="zh-CN" altLang="en-US" dirty="0"/>
+          </a:p>
+        </p:txBody>
+      </p:sp>
+    </p:spTree>
+    <p:extLst>
+      <p:ext uri="{BB962C8B-B14F-4D97-AF65-F5344CB8AC3E}">
+        <p14:creationId xmlns:p14="http://schemas.microsoft.com/office/powerpoint/2010/main" val="188588276"/>
+      </p:ext>
+    </p:extLst>
+  </p:cSld>
+  <p:clrMapOvr>
+    <a:masterClrMapping/>
+  </p:clrMapOvr>
+  <p:timing>
+    <p:tnLst>
+      <p:par>
+        <p:cTn id="1" dur="indefinite" restart="never" nodeType="tmRoot"/>
+      </p:par>
+    </p:tnLst>
+  </p:timing>
+</p:sld>
+</file>
+
+<file path=ppt/slides/slide16.xml><?xml version="1.0" encoding="utf-8"?>
+<p:sld xmlns:a="http://schemas.openxmlformats.org/drawingml/2006/main" xmlns:r="http://schemas.openxmlformats.org/officeDocument/2006/relationships" xmlns:p="http://schemas.openxmlformats.org/presentationml/2006/main">
+  <p:cSld>
+    <p:spTree>
+      <p:nvGrpSpPr>
+        <p:cNvPr id="1" name=""/>
+        <p:cNvGrpSpPr/>
+        <p:nvPr/>
+      </p:nvGrpSpPr>
+      <p:grpSpPr>
+        <a:xfrm>
+          <a:off x="0" y="0"/>
+          <a:ext cx="0" cy="0"/>
+          <a:chOff x="0" y="0"/>
+          <a:chExt cx="0" cy="0"/>
+        </a:xfrm>
+      </p:grpSpPr>
+      <p:sp>
+        <p:nvSpPr>
+          <p:cNvPr id="4" name="投影片編號版面配置區 3"/>
+          <p:cNvSpPr>
+            <a:spLocks noGrp="1"/>
+          </p:cNvSpPr>
+          <p:nvPr>
+            <p:ph type="sldNum" sz="quarter" idx="10"/>
+          </p:nvPr>
+        </p:nvSpPr>
+        <p:spPr/>
+        <p:txBody>
+          <a:bodyPr/>
+          <a:lstStyle/>
+          <a:p>
+            <a:pPr>
+              <a:defRPr/>
+            </a:pPr>
+            <a:fld id="{991D3BC2-FC42-4C57-95D7-42E1AD7BAC3D}" type="slidenum">
+              <a:rPr lang="zh-TW" altLang="en-US" smtClean="0">
+                <a:solidFill>
+                  <a:srgbClr val="000000">
+                    <a:tint val="75000"/>
+                  </a:srgbClr>
+                </a:solidFill>
+              </a:rPr>
+              <a:pPr>
+                <a:defRPr/>
+              </a:pPr>
+              <a:t>16</a:t>
+            </a:fld>
+            <a:endParaRPr lang="zh-TW" altLang="en-US" dirty="0">
+              <a:solidFill>
+                <a:srgbClr val="000000">
+                  <a:tint val="75000"/>
+                </a:srgbClr>
+              </a:solidFill>
+            </a:endParaRPr>
+          </a:p>
+        </p:txBody>
+      </p:sp>
+      <p:grpSp>
+        <p:nvGrpSpPr>
+          <p:cNvPr id="5" name="群組 16"/>
+          <p:cNvGrpSpPr>
+            <a:grpSpLocks/>
+          </p:cNvGrpSpPr>
+          <p:nvPr/>
+        </p:nvGrpSpPr>
+        <p:grpSpPr bwMode="auto">
+          <a:xfrm flipH="1">
+            <a:off x="3887793" y="116632"/>
+            <a:ext cx="5239853" cy="432048"/>
+            <a:chOff x="3908668" y="4018029"/>
+            <a:chExt cx="2693637" cy="483042"/>
+          </a:xfrm>
+          <a:solidFill>
+            <a:srgbClr val="00B050"/>
+          </a:solidFill>
+        </p:grpSpPr>
+        <p:sp>
+          <p:nvSpPr>
+            <p:cNvPr id="6" name="流程圖: 延遲 8"/>
+            <p:cNvSpPr/>
+            <p:nvPr/>
+          </p:nvSpPr>
+          <p:spPr>
+            <a:xfrm>
+              <a:off x="6255768" y="4018031"/>
+              <a:ext cx="346537" cy="483040"/>
+            </a:xfrm>
+            <a:prstGeom prst="flowChartDelay">
+              <a:avLst/>
+            </a:prstGeom>
+            <a:solidFill>
+              <a:srgbClr val="00B0F0"/>
+            </a:solidFill>
+            <a:ln w="25400" cap="flat" cmpd="sng" algn="ctr">
+              <a:solidFill>
+                <a:srgbClr val="00B0F0"/>
+              </a:solidFill>
+              <a:prstDash val="solid"/>
+            </a:ln>
+            <a:effectLst/>
+          </p:spPr>
+          <p:txBody>
+            <a:bodyPr anchor="ctr"/>
+            <a:lstStyle/>
+            <a:p>
+              <a:pPr algn="ctr" fontAlgn="auto">
+                <a:spcBef>
+                  <a:spcPts val="0"/>
+                </a:spcBef>
+                <a:spcAft>
+                  <a:spcPts val="0"/>
+                </a:spcAft>
+                <a:defRPr/>
+              </a:pPr>
+              <a:endParaRPr kumimoji="0" lang="zh-TW" altLang="en-US" sz="2200" kern="0">
+                <a:solidFill>
+                  <a:schemeClr val="bg1"/>
+                </a:solidFill>
+                <a:latin typeface="Arial" panose="020B0604020202020204" pitchFamily="34" charset="0"/>
+                <a:ea typeface="微软雅黑" panose="020B0503020204020204" pitchFamily="34" charset="-122"/>
+                <a:cs typeface="Arial" panose="020B0604020202020204" pitchFamily="34" charset="0"/>
+              </a:endParaRPr>
+            </a:p>
+          </p:txBody>
+        </p:sp>
+        <p:sp>
+          <p:nvSpPr>
+            <p:cNvPr id="8" name="矩形 7"/>
+            <p:cNvSpPr/>
+            <p:nvPr/>
+          </p:nvSpPr>
+          <p:spPr>
+            <a:xfrm>
+              <a:off x="3908668" y="4018029"/>
+              <a:ext cx="2347101" cy="483041"/>
+            </a:xfrm>
+            <a:prstGeom prst="rect">
+              <a:avLst/>
+            </a:prstGeom>
+            <a:solidFill>
+              <a:srgbClr val="00B0F0"/>
+            </a:solidFill>
+            <a:ln w="25400" cap="flat" cmpd="sng" algn="ctr">
+              <a:solidFill>
+                <a:srgbClr val="00B0F0"/>
+              </a:solidFill>
+              <a:prstDash val="solid"/>
+            </a:ln>
+            <a:effectLst/>
+          </p:spPr>
+          <p:txBody>
+            <a:bodyPr anchor="ctr"/>
+            <a:lstStyle/>
+            <a:p>
+              <a:pPr algn="ctr"/>
+              <a:r>
+                <a:rPr lang="zh-CN" altLang="en-US" sz="2400" b="1" dirty="0" smtClean="0">
+                  <a:solidFill>
+                    <a:schemeClr val="bg1"/>
+                  </a:solidFill>
+                  <a:latin typeface="微軟正黑體" panose="020B0604030504040204" pitchFamily="34" charset="-120"/>
+                  <a:ea typeface="微軟正黑體" panose="020B0604030504040204" pitchFamily="34" charset="-120"/>
+                  <a:cs typeface="Segoe UI" pitchFamily="34" charset="0"/>
+                </a:rPr>
+                <a:t>五</a:t>
+              </a:r>
+              <a:r>
+                <a:rPr lang="en-US" altLang="zh-CN" sz="2400" b="1" dirty="0" smtClean="0">
+                  <a:solidFill>
+                    <a:schemeClr val="bg1"/>
+                  </a:solidFill>
+                  <a:latin typeface="微軟正黑體" panose="020B0604030504040204" pitchFamily="34" charset="-120"/>
+                  <a:ea typeface="微軟正黑體" panose="020B0604030504040204" pitchFamily="34" charset="-120"/>
+                  <a:cs typeface="Segoe UI" pitchFamily="34" charset="0"/>
+                </a:rPr>
+                <a:t>. UI</a:t>
+              </a:r>
+              <a:r>
+                <a:rPr lang="zh-CN" altLang="en-US" sz="2400" b="1" dirty="0" smtClean="0">
+                  <a:solidFill>
+                    <a:schemeClr val="bg1"/>
+                  </a:solidFill>
+                  <a:latin typeface="微軟正黑體" panose="020B0604030504040204" pitchFamily="34" charset="-120"/>
+                  <a:ea typeface="微軟正黑體" panose="020B0604030504040204" pitchFamily="34" charset="-120"/>
+                  <a:cs typeface="Segoe UI" pitchFamily="34" charset="0"/>
+                </a:rPr>
+                <a:t>介绍</a:t>
+              </a:r>
+              <a:endParaRPr lang="en-US" altLang="ko-KR" sz="2200" b="1" dirty="0">
+                <a:solidFill>
+                  <a:schemeClr val="bg1"/>
+                </a:solidFill>
+                <a:latin typeface="Arial" panose="020B0604020202020204" pitchFamily="34" charset="0"/>
+                <a:ea typeface="微软雅黑" panose="020B0503020204020204" pitchFamily="34" charset="-122"/>
+                <a:cs typeface="Arial" panose="020B0604020202020204" pitchFamily="34" charset="0"/>
+              </a:endParaRPr>
+            </a:p>
+          </p:txBody>
+        </p:sp>
+      </p:grpSp>
+      <p:sp>
+        <p:nvSpPr>
+          <p:cNvPr id="7" name="文本框 6"/>
+          <p:cNvSpPr txBox="1"/>
+          <p:nvPr/>
+        </p:nvSpPr>
+        <p:spPr>
+          <a:xfrm>
+            <a:off x="1870364" y="1066800"/>
+            <a:ext cx="6116782" cy="646331"/>
+          </a:xfrm>
+          <a:prstGeom prst="rect">
+            <a:avLst/>
+          </a:prstGeom>
+          <a:noFill/>
+        </p:spPr>
+        <p:txBody>
+          <a:bodyPr wrap="square" rtlCol="0">
+            <a:spAutoFit/>
+          </a:bodyPr>
+          <a:lstStyle/>
+          <a:p>
+            <a:r>
+              <a:rPr lang="zh-CN" altLang="en-US" dirty="0" smtClean="0"/>
+              <a:t>可以分多页</a:t>
+            </a:r>
+            <a:r>
+              <a:rPr lang="zh-CN" altLang="en-US" dirty="0"/>
+              <a:t>展示</a:t>
+            </a:r>
+            <a:r>
+              <a:rPr lang="zh-CN" altLang="en-US" dirty="0" smtClean="0"/>
+              <a:t>代表性的页面，如：</a:t>
+            </a:r>
+            <a:endParaRPr lang="en-US" altLang="zh-CN" dirty="0" smtClean="0"/>
+          </a:p>
+          <a:p>
+            <a:pPr marL="342900" indent="-342900">
+              <a:buAutoNum type="arabicPeriod"/>
+            </a:pPr>
+            <a:r>
+              <a:rPr lang="zh-CN" altLang="en-US" dirty="0" smtClean="0"/>
+              <a:t>等等</a:t>
+            </a:r>
+            <a:r>
+              <a:rPr lang="en-US" altLang="zh-CN" dirty="0" smtClean="0"/>
+              <a:t>……</a:t>
+            </a:r>
+            <a:endParaRPr lang="zh-CN" altLang="en-US" dirty="0"/>
+          </a:p>
+        </p:txBody>
+      </p:sp>
+    </p:spTree>
+    <p:extLst>
+      <p:ext uri="{BB962C8B-B14F-4D97-AF65-F5344CB8AC3E}">
+        <p14:creationId xmlns:p14="http://schemas.microsoft.com/office/powerpoint/2010/main" val="3215290286"/>
+      </p:ext>
+    </p:extLst>
+  </p:cSld>
+  <p:clrMapOvr>
+    <a:masterClrMapping/>
+  </p:clrMapOvr>
+  <p:timing>
+    <p:tnLst>
+      <p:par>
+        <p:cTn id="1" dur="indefinite" restart="never" nodeType="tmRoot"/>
+      </p:par>
+    </p:tnLst>
+  </p:timing>
+</p:sld>
+</file>
+
+<file path=ppt/slides/slide17.xml><?xml version="1.0" encoding="utf-8"?>
+<p:sld xmlns:a="http://schemas.openxmlformats.org/drawingml/2006/main" xmlns:r="http://schemas.openxmlformats.org/officeDocument/2006/relationships" xmlns:p="http://schemas.openxmlformats.org/presentationml/2006/main">
+  <p:cSld>
+    <p:spTree>
+      <p:nvGrpSpPr>
+        <p:cNvPr id="1" name=""/>
+        <p:cNvGrpSpPr/>
+        <p:nvPr/>
+      </p:nvGrpSpPr>
+      <p:grpSpPr>
+        <a:xfrm>
+          <a:off x="0" y="0"/>
+          <a:ext cx="0" cy="0"/>
+          <a:chOff x="0" y="0"/>
+          <a:chExt cx="0" cy="0"/>
+        </a:xfrm>
+      </p:grpSpPr>
+      <p:sp>
+        <p:nvSpPr>
+          <p:cNvPr id="4" name="投影片編號版面配置區 3"/>
+          <p:cNvSpPr>
+            <a:spLocks noGrp="1"/>
+          </p:cNvSpPr>
+          <p:nvPr>
+            <p:ph type="sldNum" sz="quarter" idx="10"/>
+          </p:nvPr>
+        </p:nvSpPr>
+        <p:spPr/>
+        <p:txBody>
+          <a:bodyPr/>
+          <a:lstStyle/>
+          <a:p>
+            <a:pPr>
+              <a:defRPr/>
+            </a:pPr>
+            <a:fld id="{991D3BC2-FC42-4C57-95D7-42E1AD7BAC3D}" type="slidenum">
+              <a:rPr lang="zh-TW" altLang="en-US" smtClean="0">
+                <a:solidFill>
+                  <a:srgbClr val="000000">
+                    <a:tint val="75000"/>
+                  </a:srgbClr>
+                </a:solidFill>
+              </a:rPr>
+              <a:pPr>
+                <a:defRPr/>
+              </a:pPr>
+              <a:t>17</a:t>
+            </a:fld>
+            <a:endParaRPr lang="zh-TW" altLang="en-US" dirty="0">
+              <a:solidFill>
+                <a:srgbClr val="000000">
+                  <a:tint val="75000"/>
+                </a:srgbClr>
+              </a:solidFill>
+            </a:endParaRPr>
+          </a:p>
+        </p:txBody>
+      </p:sp>
+      <p:grpSp>
+        <p:nvGrpSpPr>
+          <p:cNvPr id="5" name="群組 16"/>
+          <p:cNvGrpSpPr>
+            <a:grpSpLocks/>
+          </p:cNvGrpSpPr>
+          <p:nvPr/>
+        </p:nvGrpSpPr>
+        <p:grpSpPr bwMode="auto">
+          <a:xfrm flipH="1">
+            <a:off x="3887793" y="116632"/>
+            <a:ext cx="5239853" cy="432048"/>
+            <a:chOff x="3908668" y="4018029"/>
+            <a:chExt cx="2693637" cy="483042"/>
+          </a:xfrm>
+          <a:solidFill>
+            <a:srgbClr val="00B050"/>
+          </a:solidFill>
+        </p:grpSpPr>
+        <p:sp>
+          <p:nvSpPr>
+            <p:cNvPr id="6" name="流程圖: 延遲 8"/>
+            <p:cNvSpPr/>
+            <p:nvPr/>
+          </p:nvSpPr>
+          <p:spPr>
+            <a:xfrm>
+              <a:off x="6255768" y="4018031"/>
+              <a:ext cx="346537" cy="483040"/>
+            </a:xfrm>
+            <a:prstGeom prst="flowChartDelay">
+              <a:avLst/>
+            </a:prstGeom>
+            <a:solidFill>
+              <a:srgbClr val="00B0F0"/>
+            </a:solidFill>
+            <a:ln w="25400" cap="flat" cmpd="sng" algn="ctr">
+              <a:solidFill>
+                <a:srgbClr val="00B0F0"/>
+              </a:solidFill>
+              <a:prstDash val="solid"/>
+            </a:ln>
+            <a:effectLst/>
+          </p:spPr>
+          <p:txBody>
+            <a:bodyPr anchor="ctr"/>
+            <a:lstStyle/>
+            <a:p>
+              <a:pPr algn="ctr" fontAlgn="auto">
+                <a:spcBef>
+                  <a:spcPts val="0"/>
+                </a:spcBef>
+                <a:spcAft>
+                  <a:spcPts val="0"/>
+                </a:spcAft>
+                <a:defRPr/>
+              </a:pPr>
+              <a:endParaRPr kumimoji="0" lang="zh-TW" altLang="en-US" sz="2200" kern="0">
+                <a:solidFill>
+                  <a:schemeClr val="bg1"/>
+                </a:solidFill>
+                <a:latin typeface="Arial" panose="020B0604020202020204" pitchFamily="34" charset="0"/>
+                <a:ea typeface="微软雅黑" panose="020B0503020204020204" pitchFamily="34" charset="-122"/>
+                <a:cs typeface="Arial" panose="020B0604020202020204" pitchFamily="34" charset="0"/>
+              </a:endParaRPr>
+            </a:p>
+          </p:txBody>
+        </p:sp>
+        <p:sp>
+          <p:nvSpPr>
+            <p:cNvPr id="8" name="矩形 7"/>
+            <p:cNvSpPr/>
+            <p:nvPr/>
+          </p:nvSpPr>
+          <p:spPr>
+            <a:xfrm>
+              <a:off x="3908668" y="4018029"/>
+              <a:ext cx="2347101" cy="483041"/>
+            </a:xfrm>
+            <a:prstGeom prst="rect">
+              <a:avLst/>
+            </a:prstGeom>
+            <a:solidFill>
+              <a:srgbClr val="00B0F0"/>
+            </a:solidFill>
+            <a:ln w="25400" cap="flat" cmpd="sng" algn="ctr">
+              <a:solidFill>
+                <a:srgbClr val="00B0F0"/>
+              </a:solidFill>
+              <a:prstDash val="solid"/>
+            </a:ln>
+            <a:effectLst/>
+          </p:spPr>
+          <p:txBody>
+            <a:bodyPr anchor="ctr"/>
+            <a:lstStyle/>
+            <a:p>
+              <a:pPr algn="ctr"/>
+              <a:r>
+                <a:rPr lang="zh-CN" altLang="en-US" sz="2400" b="1" dirty="0" smtClean="0">
+                  <a:solidFill>
+                    <a:schemeClr val="bg1"/>
+                  </a:solidFill>
+                  <a:latin typeface="微軟正黑體" panose="020B0604030504040204" pitchFamily="34" charset="-120"/>
+                  <a:ea typeface="微軟正黑體" panose="020B0604030504040204" pitchFamily="34" charset="-120"/>
+                  <a:cs typeface="Segoe UI" pitchFamily="34" charset="0"/>
+                </a:rPr>
+                <a:t>六</a:t>
+              </a:r>
+              <a:r>
+                <a:rPr lang="en-US" altLang="zh-CN" sz="2400" b="1" dirty="0" smtClean="0">
+                  <a:solidFill>
+                    <a:schemeClr val="bg1"/>
+                  </a:solidFill>
+                  <a:latin typeface="微軟正黑體" panose="020B0604030504040204" pitchFamily="34" charset="-120"/>
+                  <a:ea typeface="微軟正黑體" panose="020B0604030504040204" pitchFamily="34" charset="-120"/>
+                  <a:cs typeface="Segoe UI" pitchFamily="34" charset="0"/>
+                </a:rPr>
+                <a:t>. </a:t>
+              </a:r>
+              <a:r>
+                <a:rPr lang="zh-CN" altLang="en-US" sz="2400" b="1" dirty="0" smtClean="0">
+                  <a:solidFill>
+                    <a:schemeClr val="bg1"/>
+                  </a:solidFill>
+                  <a:latin typeface="微軟正黑體" panose="020B0604030504040204" pitchFamily="34" charset="-120"/>
+                  <a:ea typeface="微軟正黑體" panose="020B0604030504040204" pitchFamily="34" charset="-120"/>
+                  <a:cs typeface="Segoe UI" pitchFamily="34" charset="0"/>
+                </a:rPr>
+                <a:t>代码</a:t>
+              </a:r>
+              <a:r>
+                <a:rPr lang="en-US" altLang="zh-CN" sz="2400" b="1" dirty="0" smtClean="0">
+                  <a:solidFill>
+                    <a:schemeClr val="bg1"/>
+                  </a:solidFill>
+                  <a:latin typeface="微軟正黑體" panose="020B0604030504040204" pitchFamily="34" charset="-120"/>
+                  <a:ea typeface="微軟正黑體" panose="020B0604030504040204" pitchFamily="34" charset="-120"/>
+                  <a:cs typeface="Segoe UI" pitchFamily="34" charset="0"/>
+                </a:rPr>
+                <a:t>Review</a:t>
+              </a:r>
+              <a:endParaRPr lang="en-US" altLang="ko-KR" sz="2200" b="1" dirty="0">
+                <a:solidFill>
+                  <a:schemeClr val="bg1"/>
+                </a:solidFill>
+                <a:latin typeface="Arial" panose="020B0604020202020204" pitchFamily="34" charset="0"/>
+                <a:ea typeface="微软雅黑" panose="020B0503020204020204" pitchFamily="34" charset="-122"/>
+                <a:cs typeface="Arial" panose="020B0604020202020204" pitchFamily="34" charset="0"/>
+              </a:endParaRPr>
+            </a:p>
+          </p:txBody>
+        </p:sp>
+      </p:grpSp>
+      <p:sp>
+        <p:nvSpPr>
+          <p:cNvPr id="7" name="文本框 6"/>
+          <p:cNvSpPr txBox="1"/>
+          <p:nvPr/>
+        </p:nvSpPr>
+        <p:spPr>
+          <a:xfrm>
+            <a:off x="1697182" y="1593273"/>
+            <a:ext cx="6116782" cy="646331"/>
+          </a:xfrm>
+          <a:prstGeom prst="rect">
+            <a:avLst/>
+          </a:prstGeom>
+          <a:noFill/>
+        </p:spPr>
+        <p:txBody>
+          <a:bodyPr wrap="square" rtlCol="0">
+            <a:spAutoFit/>
+          </a:bodyPr>
+          <a:lstStyle/>
+          <a:p>
+            <a:r>
+              <a:rPr lang="zh-CN" altLang="en-US" dirty="0" smtClean="0"/>
+              <a:t>可以截图描述代表性的源码截图，如：</a:t>
+            </a:r>
+            <a:endParaRPr lang="en-US" altLang="zh-CN" dirty="0" smtClean="0"/>
+          </a:p>
+          <a:p>
+            <a:pPr marL="342900" indent="-342900">
+              <a:buAutoNum type="arabicPeriod"/>
+            </a:pPr>
+            <a:r>
+              <a:rPr lang="en-US" altLang="zh-CN" dirty="0" smtClean="0"/>
+              <a:t>UI</a:t>
+            </a:r>
+            <a:r>
+              <a:rPr lang="zh-CN" altLang="en-US" dirty="0" smtClean="0"/>
+              <a:t>中的</a:t>
+            </a:r>
+            <a:r>
+              <a:rPr lang="en-US" altLang="zh-CN" dirty="0" smtClean="0"/>
+              <a:t>Table</a:t>
+            </a:r>
+            <a:endParaRPr lang="zh-CN" altLang="en-US" dirty="0"/>
+          </a:p>
+        </p:txBody>
+      </p:sp>
+    </p:spTree>
+    <p:extLst>
+      <p:ext uri="{BB962C8B-B14F-4D97-AF65-F5344CB8AC3E}">
+        <p14:creationId xmlns:p14="http://schemas.microsoft.com/office/powerpoint/2010/main" val="1098802971"/>
+      </p:ext>
+    </p:extLst>
+  </p:cSld>
+  <p:clrMapOvr>
+    <a:masterClrMapping/>
+  </p:clrMapOvr>
+  <p:timing>
+    <p:tnLst>
+      <p:par>
+        <p:cTn id="1" dur="indefinite" restart="never" nodeType="tmRoot"/>
+      </p:par>
+    </p:tnLst>
+  </p:timing>
+</p:sld>
+</file>
+
+<file path=ppt/slides/slide18.xml><?xml version="1.0" encoding="utf-8"?>
+<p:sld xmlns:a="http://schemas.openxmlformats.org/drawingml/2006/main" xmlns:r="http://schemas.openxmlformats.org/officeDocument/2006/relationships" xmlns:p="http://schemas.openxmlformats.org/presentationml/2006/main">
+  <p:cSld>
+    <p:spTree>
+      <p:nvGrpSpPr>
+        <p:cNvPr id="1" name=""/>
+        <p:cNvGrpSpPr/>
+        <p:nvPr/>
+      </p:nvGrpSpPr>
+      <p:grpSpPr>
+        <a:xfrm>
+          <a:off x="0" y="0"/>
+          <a:ext cx="0" cy="0"/>
+          <a:chOff x="0" y="0"/>
+          <a:chExt cx="0" cy="0"/>
+        </a:xfrm>
+      </p:grpSpPr>
+      <p:sp>
+        <p:nvSpPr>
+          <p:cNvPr id="4" name="投影片編號版面配置區 3"/>
+          <p:cNvSpPr>
+            <a:spLocks noGrp="1"/>
+          </p:cNvSpPr>
+          <p:nvPr>
+            <p:ph type="sldNum" sz="quarter" idx="10"/>
+          </p:nvPr>
+        </p:nvSpPr>
+        <p:spPr/>
+        <p:txBody>
+          <a:bodyPr/>
+          <a:lstStyle/>
+          <a:p>
+            <a:pPr>
+              <a:defRPr/>
+            </a:pPr>
+            <a:fld id="{991D3BC2-FC42-4C57-95D7-42E1AD7BAC3D}" type="slidenum">
+              <a:rPr lang="zh-TW" altLang="en-US" smtClean="0">
+                <a:solidFill>
+                  <a:srgbClr val="000000">
+                    <a:tint val="75000"/>
+                  </a:srgbClr>
+                </a:solidFill>
+              </a:rPr>
+              <a:pPr>
+                <a:defRPr/>
+              </a:pPr>
+              <a:t>18</a:t>
+            </a:fld>
+            <a:endParaRPr lang="zh-TW" altLang="en-US" dirty="0">
+              <a:solidFill>
+                <a:srgbClr val="000000">
+                  <a:tint val="75000"/>
+                </a:srgbClr>
+              </a:solidFill>
+            </a:endParaRPr>
+          </a:p>
+        </p:txBody>
+      </p:sp>
+      <p:grpSp>
+        <p:nvGrpSpPr>
+          <p:cNvPr id="5" name="群組 16"/>
+          <p:cNvGrpSpPr>
+            <a:grpSpLocks/>
+          </p:cNvGrpSpPr>
+          <p:nvPr/>
+        </p:nvGrpSpPr>
+        <p:grpSpPr bwMode="auto">
+          <a:xfrm flipH="1">
+            <a:off x="3887793" y="116632"/>
+            <a:ext cx="5239853" cy="432048"/>
+            <a:chOff x="3908668" y="4018029"/>
+            <a:chExt cx="2693637" cy="483042"/>
+          </a:xfrm>
+          <a:solidFill>
+            <a:srgbClr val="00B050"/>
+          </a:solidFill>
+        </p:grpSpPr>
+        <p:sp>
+          <p:nvSpPr>
+            <p:cNvPr id="6" name="流程圖: 延遲 8"/>
+            <p:cNvSpPr/>
+            <p:nvPr/>
+          </p:nvSpPr>
+          <p:spPr>
+            <a:xfrm>
+              <a:off x="6255768" y="4018031"/>
+              <a:ext cx="346537" cy="483040"/>
+            </a:xfrm>
+            <a:prstGeom prst="flowChartDelay">
+              <a:avLst/>
+            </a:prstGeom>
+            <a:solidFill>
+              <a:srgbClr val="00B0F0"/>
+            </a:solidFill>
+            <a:ln w="25400" cap="flat" cmpd="sng" algn="ctr">
+              <a:solidFill>
+                <a:srgbClr val="00B0F0"/>
+              </a:solidFill>
+              <a:prstDash val="solid"/>
+            </a:ln>
+            <a:effectLst/>
+          </p:spPr>
+          <p:txBody>
+            <a:bodyPr anchor="ctr"/>
+            <a:lstStyle/>
+            <a:p>
+              <a:pPr algn="ctr" fontAlgn="auto">
+                <a:spcBef>
+                  <a:spcPts val="0"/>
+                </a:spcBef>
+                <a:spcAft>
+                  <a:spcPts val="0"/>
+                </a:spcAft>
+                <a:defRPr/>
+              </a:pPr>
+              <a:endParaRPr kumimoji="0" lang="zh-TW" altLang="en-US" sz="2200" kern="0">
+                <a:solidFill>
+                  <a:schemeClr val="bg1"/>
+                </a:solidFill>
+                <a:latin typeface="Arial" panose="020B0604020202020204" pitchFamily="34" charset="0"/>
+                <a:ea typeface="微软雅黑" panose="020B0503020204020204" pitchFamily="34" charset="-122"/>
+                <a:cs typeface="Arial" panose="020B0604020202020204" pitchFamily="34" charset="0"/>
+              </a:endParaRPr>
+            </a:p>
+          </p:txBody>
+        </p:sp>
+        <p:sp>
+          <p:nvSpPr>
+            <p:cNvPr id="8" name="矩形 7"/>
+            <p:cNvSpPr/>
+            <p:nvPr/>
+          </p:nvSpPr>
+          <p:spPr>
+            <a:xfrm>
+              <a:off x="3908668" y="4018029"/>
+              <a:ext cx="2347101" cy="483041"/>
+            </a:xfrm>
+            <a:prstGeom prst="rect">
+              <a:avLst/>
+            </a:prstGeom>
+            <a:solidFill>
+              <a:srgbClr val="00B0F0"/>
+            </a:solidFill>
+            <a:ln w="25400" cap="flat" cmpd="sng" algn="ctr">
+              <a:solidFill>
+                <a:srgbClr val="00B0F0"/>
+              </a:solidFill>
+              <a:prstDash val="solid"/>
+            </a:ln>
+            <a:effectLst/>
+          </p:spPr>
+          <p:txBody>
+            <a:bodyPr anchor="ctr"/>
+            <a:lstStyle/>
+            <a:p>
+              <a:pPr algn="ctr"/>
+              <a:r>
+                <a:rPr lang="zh-CN" altLang="en-US" sz="2400" b="1" dirty="0" smtClean="0">
+                  <a:solidFill>
+                    <a:schemeClr val="bg1"/>
+                  </a:solidFill>
+                  <a:latin typeface="微軟正黑體" panose="020B0604030504040204" pitchFamily="34" charset="-120"/>
+                  <a:ea typeface="微軟正黑體" panose="020B0604030504040204" pitchFamily="34" charset="-120"/>
+                  <a:cs typeface="Segoe UI" pitchFamily="34" charset="0"/>
+                </a:rPr>
+                <a:t>六</a:t>
+              </a:r>
+              <a:r>
+                <a:rPr lang="en-US" altLang="zh-CN" sz="2400" b="1" dirty="0" smtClean="0">
+                  <a:solidFill>
+                    <a:schemeClr val="bg1"/>
+                  </a:solidFill>
+                  <a:latin typeface="微軟正黑體" panose="020B0604030504040204" pitchFamily="34" charset="-120"/>
+                  <a:ea typeface="微軟正黑體" panose="020B0604030504040204" pitchFamily="34" charset="-120"/>
+                  <a:cs typeface="Segoe UI" pitchFamily="34" charset="0"/>
+                </a:rPr>
+                <a:t>. </a:t>
+              </a:r>
+              <a:r>
+                <a:rPr lang="zh-CN" altLang="en-US" sz="2400" b="1" dirty="0" smtClean="0">
+                  <a:solidFill>
+                    <a:schemeClr val="bg1"/>
+                  </a:solidFill>
+                  <a:latin typeface="微軟正黑體" panose="020B0604030504040204" pitchFamily="34" charset="-120"/>
+                  <a:ea typeface="微軟正黑體" panose="020B0604030504040204" pitchFamily="34" charset="-120"/>
+                  <a:cs typeface="Segoe UI" pitchFamily="34" charset="0"/>
+                </a:rPr>
+                <a:t>代码</a:t>
+              </a:r>
+              <a:r>
+                <a:rPr lang="en-US" altLang="zh-CN" sz="2400" b="1" dirty="0" smtClean="0">
+                  <a:solidFill>
+                    <a:schemeClr val="bg1"/>
+                  </a:solidFill>
+                  <a:latin typeface="微軟正黑體" panose="020B0604030504040204" pitchFamily="34" charset="-120"/>
+                  <a:ea typeface="微軟正黑體" panose="020B0604030504040204" pitchFamily="34" charset="-120"/>
+                  <a:cs typeface="Segoe UI" pitchFamily="34" charset="0"/>
+                </a:rPr>
+                <a:t>Review</a:t>
+              </a:r>
+              <a:endParaRPr lang="en-US" altLang="ko-KR" sz="2200" b="1" dirty="0">
+                <a:solidFill>
+                  <a:schemeClr val="bg1"/>
+                </a:solidFill>
+                <a:latin typeface="Arial" panose="020B0604020202020204" pitchFamily="34" charset="0"/>
+                <a:ea typeface="微软雅黑" panose="020B0503020204020204" pitchFamily="34" charset="-122"/>
+                <a:cs typeface="Arial" panose="020B0604020202020204" pitchFamily="34" charset="0"/>
+              </a:endParaRPr>
+            </a:p>
+          </p:txBody>
+        </p:sp>
+      </p:grpSp>
+      <p:sp>
+        <p:nvSpPr>
+          <p:cNvPr id="7" name="文本框 6"/>
+          <p:cNvSpPr txBox="1"/>
+          <p:nvPr/>
+        </p:nvSpPr>
+        <p:spPr>
+          <a:xfrm>
+            <a:off x="1697182" y="1593273"/>
+            <a:ext cx="6116782" cy="646331"/>
+          </a:xfrm>
+          <a:prstGeom prst="rect">
+            <a:avLst/>
+          </a:prstGeom>
+          <a:noFill/>
+        </p:spPr>
+        <p:txBody>
+          <a:bodyPr wrap="square" rtlCol="0">
+            <a:spAutoFit/>
+          </a:bodyPr>
+          <a:lstStyle/>
+          <a:p>
+            <a:r>
+              <a:rPr lang="zh-CN" altLang="en-US" dirty="0" smtClean="0"/>
+              <a:t>可以截图描述代表性的源码截图，如：</a:t>
+            </a:r>
+            <a:endParaRPr lang="en-US" altLang="zh-CN" dirty="0" smtClean="0"/>
+          </a:p>
+          <a:p>
+            <a:pPr marL="342900" indent="-342900">
+              <a:buAutoNum type="arabicPeriod"/>
+            </a:pPr>
+            <a:r>
+              <a:rPr lang="zh-CN" altLang="en-US" dirty="0" smtClean="0"/>
+              <a:t>技</a:t>
+            </a:r>
+            <a:r>
+              <a:rPr lang="zh-CN" altLang="en-US" dirty="0" smtClean="0"/>
+              <a:t>术的应用示例代</a:t>
+            </a:r>
+            <a:r>
+              <a:rPr lang="zh-CN" altLang="en-US" dirty="0" smtClean="0"/>
+              <a:t>码</a:t>
+            </a:r>
+            <a:endParaRPr lang="zh-CN" altLang="en-US" dirty="0"/>
+          </a:p>
+        </p:txBody>
+      </p:sp>
+    </p:spTree>
+    <p:extLst>
+      <p:ext uri="{BB962C8B-B14F-4D97-AF65-F5344CB8AC3E}">
+        <p14:creationId xmlns:p14="http://schemas.microsoft.com/office/powerpoint/2010/main" val="2943417906"/>
+      </p:ext>
+    </p:extLst>
+  </p:cSld>
+  <p:clrMapOvr>
+    <a:masterClrMapping/>
+  </p:clrMapOvr>
+  <p:timing>
+    <p:tnLst>
+      <p:par>
+        <p:cTn id="1" dur="indefinite" restart="never" nodeType="tmRoot"/>
+      </p:par>
+    </p:tnLst>
+  </p:timing>
+</p:sld>
+</file>
+
+<file path=ppt/slides/slide19.xml><?xml version="1.0" encoding="utf-8"?>
+<p:sld xmlns:a="http://schemas.openxmlformats.org/drawingml/2006/main" xmlns:r="http://schemas.openxmlformats.org/officeDocument/2006/relationships" xmlns:p="http://schemas.openxmlformats.org/presentationml/2006/main">
+  <p:cSld>
+    <p:spTree>
+      <p:nvGrpSpPr>
+        <p:cNvPr id="1" name=""/>
+        <p:cNvGrpSpPr/>
+        <p:nvPr/>
+      </p:nvGrpSpPr>
+      <p:grpSpPr>
+        <a:xfrm>
+          <a:off x="0" y="0"/>
+          <a:ext cx="0" cy="0"/>
+          <a:chOff x="0" y="0"/>
+          <a:chExt cx="0" cy="0"/>
+        </a:xfrm>
+      </p:grpSpPr>
+      <p:sp>
+        <p:nvSpPr>
+          <p:cNvPr id="4" name="投影片編號版面配置區 3"/>
+          <p:cNvSpPr>
+            <a:spLocks noGrp="1"/>
+          </p:cNvSpPr>
+          <p:nvPr>
+            <p:ph type="sldNum" sz="quarter" idx="10"/>
+          </p:nvPr>
+        </p:nvSpPr>
+        <p:spPr/>
+        <p:txBody>
+          <a:bodyPr/>
+          <a:lstStyle/>
+          <a:p>
+            <a:pPr>
+              <a:defRPr/>
+            </a:pPr>
+            <a:fld id="{991D3BC2-FC42-4C57-95D7-42E1AD7BAC3D}" type="slidenum">
+              <a:rPr lang="zh-TW" altLang="en-US" smtClean="0">
+                <a:solidFill>
+                  <a:srgbClr val="000000">
+                    <a:tint val="75000"/>
+                  </a:srgbClr>
+                </a:solidFill>
+              </a:rPr>
+              <a:pPr>
+                <a:defRPr/>
+              </a:pPr>
+              <a:t>19</a:t>
+            </a:fld>
+            <a:endParaRPr lang="zh-TW" altLang="en-US" dirty="0">
+              <a:solidFill>
+                <a:srgbClr val="000000">
+                  <a:tint val="75000"/>
+                </a:srgbClr>
+              </a:solidFill>
+            </a:endParaRPr>
+          </a:p>
+        </p:txBody>
+      </p:sp>
+      <p:grpSp>
+        <p:nvGrpSpPr>
+          <p:cNvPr id="5" name="群組 16"/>
+          <p:cNvGrpSpPr>
+            <a:grpSpLocks/>
+          </p:cNvGrpSpPr>
+          <p:nvPr/>
+        </p:nvGrpSpPr>
+        <p:grpSpPr bwMode="auto">
+          <a:xfrm flipH="1">
+            <a:off x="3887793" y="116632"/>
+            <a:ext cx="5239853" cy="432048"/>
+            <a:chOff x="3908668" y="4018029"/>
+            <a:chExt cx="2693637" cy="483042"/>
+          </a:xfrm>
+          <a:solidFill>
+            <a:srgbClr val="00B050"/>
+          </a:solidFill>
+        </p:grpSpPr>
+        <p:sp>
+          <p:nvSpPr>
+            <p:cNvPr id="6" name="流程圖: 延遲 8"/>
+            <p:cNvSpPr/>
+            <p:nvPr/>
+          </p:nvSpPr>
+          <p:spPr>
+            <a:xfrm>
+              <a:off x="6255768" y="4018031"/>
+              <a:ext cx="346537" cy="483040"/>
+            </a:xfrm>
+            <a:prstGeom prst="flowChartDelay">
+              <a:avLst/>
+            </a:prstGeom>
+            <a:solidFill>
+              <a:srgbClr val="00B0F0"/>
+            </a:solidFill>
+            <a:ln w="25400" cap="flat" cmpd="sng" algn="ctr">
+              <a:solidFill>
+                <a:srgbClr val="00B0F0"/>
+              </a:solidFill>
+              <a:prstDash val="solid"/>
+            </a:ln>
+            <a:effectLst/>
+          </p:spPr>
+          <p:txBody>
+            <a:bodyPr anchor="ctr"/>
+            <a:lstStyle/>
+            <a:p>
+              <a:pPr algn="ctr" fontAlgn="auto">
+                <a:spcBef>
+                  <a:spcPts val="0"/>
+                </a:spcBef>
+                <a:spcAft>
+                  <a:spcPts val="0"/>
+                </a:spcAft>
+                <a:defRPr/>
+              </a:pPr>
+              <a:endParaRPr kumimoji="0" lang="zh-TW" altLang="en-US" sz="2200" kern="0">
+                <a:solidFill>
+                  <a:schemeClr val="bg1"/>
+                </a:solidFill>
+                <a:latin typeface="Arial" panose="020B0604020202020204" pitchFamily="34" charset="0"/>
+                <a:ea typeface="微软雅黑" panose="020B0503020204020204" pitchFamily="34" charset="-122"/>
+                <a:cs typeface="Arial" panose="020B0604020202020204" pitchFamily="34" charset="0"/>
+              </a:endParaRPr>
+            </a:p>
+          </p:txBody>
+        </p:sp>
+        <p:sp>
+          <p:nvSpPr>
+            <p:cNvPr id="8" name="矩形 7"/>
+            <p:cNvSpPr/>
+            <p:nvPr/>
+          </p:nvSpPr>
+          <p:spPr>
+            <a:xfrm>
+              <a:off x="3908668" y="4018029"/>
+              <a:ext cx="2347101" cy="483041"/>
+            </a:xfrm>
+            <a:prstGeom prst="rect">
+              <a:avLst/>
+            </a:prstGeom>
+            <a:solidFill>
+              <a:srgbClr val="00B0F0"/>
+            </a:solidFill>
+            <a:ln w="25400" cap="flat" cmpd="sng" algn="ctr">
+              <a:solidFill>
+                <a:srgbClr val="00B0F0"/>
+              </a:solidFill>
+              <a:prstDash val="solid"/>
+            </a:ln>
+            <a:effectLst/>
+          </p:spPr>
+          <p:txBody>
+            <a:bodyPr anchor="ctr"/>
+            <a:lstStyle/>
+            <a:p>
+              <a:pPr algn="ctr"/>
+              <a:r>
+                <a:rPr lang="zh-CN" altLang="en-US" sz="2400" b="1" dirty="0" smtClean="0">
+                  <a:solidFill>
+                    <a:schemeClr val="bg1"/>
+                  </a:solidFill>
+                  <a:latin typeface="微軟正黑體" panose="020B0604030504040204" pitchFamily="34" charset="-120"/>
+                  <a:ea typeface="微軟正黑體" panose="020B0604030504040204" pitchFamily="34" charset="-120"/>
+                  <a:cs typeface="Segoe UI" pitchFamily="34" charset="0"/>
+                </a:rPr>
+                <a:t>六</a:t>
+              </a:r>
+              <a:r>
+                <a:rPr lang="en-US" altLang="zh-CN" sz="2400" b="1" dirty="0" smtClean="0">
+                  <a:solidFill>
+                    <a:schemeClr val="bg1"/>
+                  </a:solidFill>
+                  <a:latin typeface="微軟正黑體" panose="020B0604030504040204" pitchFamily="34" charset="-120"/>
+                  <a:ea typeface="微軟正黑體" panose="020B0604030504040204" pitchFamily="34" charset="-120"/>
+                  <a:cs typeface="Segoe UI" pitchFamily="34" charset="0"/>
+                </a:rPr>
+                <a:t>. </a:t>
+              </a:r>
+              <a:r>
+                <a:rPr lang="zh-CN" altLang="en-US" sz="2400" b="1" dirty="0" smtClean="0">
+                  <a:solidFill>
+                    <a:schemeClr val="bg1"/>
+                  </a:solidFill>
+                  <a:latin typeface="微軟正黑體" panose="020B0604030504040204" pitchFamily="34" charset="-120"/>
+                  <a:ea typeface="微軟正黑體" panose="020B0604030504040204" pitchFamily="34" charset="-120"/>
+                  <a:cs typeface="Segoe UI" pitchFamily="34" charset="0"/>
+                </a:rPr>
+                <a:t>代码</a:t>
+              </a:r>
+              <a:r>
+                <a:rPr lang="en-US" altLang="zh-CN" sz="2400" b="1" dirty="0" smtClean="0">
+                  <a:solidFill>
+                    <a:schemeClr val="bg1"/>
+                  </a:solidFill>
+                  <a:latin typeface="微軟正黑體" panose="020B0604030504040204" pitchFamily="34" charset="-120"/>
+                  <a:ea typeface="微軟正黑體" panose="020B0604030504040204" pitchFamily="34" charset="-120"/>
+                  <a:cs typeface="Segoe UI" pitchFamily="34" charset="0"/>
+                </a:rPr>
+                <a:t>Review</a:t>
+              </a:r>
+              <a:endParaRPr lang="en-US" altLang="ko-KR" sz="2200" b="1" dirty="0">
+                <a:solidFill>
+                  <a:schemeClr val="bg1"/>
+                </a:solidFill>
+                <a:latin typeface="Arial" panose="020B0604020202020204" pitchFamily="34" charset="0"/>
+                <a:ea typeface="微软雅黑" panose="020B0503020204020204" pitchFamily="34" charset="-122"/>
+                <a:cs typeface="Arial" panose="020B0604020202020204" pitchFamily="34" charset="0"/>
+              </a:endParaRPr>
+            </a:p>
+          </p:txBody>
+        </p:sp>
+      </p:grpSp>
+      <p:sp>
+        <p:nvSpPr>
+          <p:cNvPr id="7" name="文本框 6"/>
+          <p:cNvSpPr txBox="1"/>
+          <p:nvPr/>
+        </p:nvSpPr>
+        <p:spPr>
+          <a:xfrm>
+            <a:off x="1697182" y="1593273"/>
+            <a:ext cx="6116782" cy="646331"/>
+          </a:xfrm>
+          <a:prstGeom prst="rect">
+            <a:avLst/>
+          </a:prstGeom>
+          <a:noFill/>
+        </p:spPr>
+        <p:txBody>
+          <a:bodyPr wrap="square" rtlCol="0">
+            <a:spAutoFit/>
+          </a:bodyPr>
+          <a:lstStyle/>
+          <a:p>
+            <a:r>
+              <a:rPr lang="zh-CN" altLang="en-US" dirty="0" smtClean="0"/>
+              <a:t>可以截图描述代表性的源码截图，如：</a:t>
+            </a:r>
+            <a:endParaRPr lang="en-US" altLang="zh-CN" dirty="0" smtClean="0"/>
+          </a:p>
+          <a:p>
+            <a:pPr marL="342900" indent="-342900">
+              <a:buAutoNum type="arabicPeriod"/>
+            </a:pPr>
+            <a:r>
+              <a:rPr lang="en-US" altLang="zh-CN" dirty="0" smtClean="0"/>
+              <a:t>Java</a:t>
+            </a:r>
+            <a:r>
+              <a:rPr lang="zh-CN" altLang="en-US" dirty="0" smtClean="0"/>
+              <a:t>中的控制类的部分代</a:t>
+            </a:r>
+            <a:r>
+              <a:rPr lang="zh-CN" altLang="en-US" dirty="0" smtClean="0"/>
+              <a:t>码</a:t>
+            </a:r>
+            <a:endParaRPr lang="zh-CN" altLang="en-US" dirty="0"/>
+          </a:p>
+        </p:txBody>
+      </p:sp>
+    </p:spTree>
+    <p:extLst>
+      <p:ext uri="{BB962C8B-B14F-4D97-AF65-F5344CB8AC3E}">
+        <p14:creationId xmlns:p14="http://schemas.microsoft.com/office/powerpoint/2010/main" val="2668874960"/>
+      </p:ext>
+    </p:extLst>
+  </p:cSld>
+  <p:clrMapOvr>
+    <a:masterClrMapping/>
+  </p:clrMapOvr>
+  <p:timing>
+    <p:tnLst>
+      <p:par>
+        <p:cTn id="1" dur="indefinite" restart="never" nodeType="tmRoot"/>
+      </p:par>
+    </p:tnLst>
+  </p:timing>
+</p:sld>
+</file>
+
+<file path=ppt/slides/slide2.xml><?xml version="1.0" encoding="utf-8"?>
+<p:sld xmlns:a="http://schemas.openxmlformats.org/drawingml/2006/main" xmlns:r="http://schemas.openxmlformats.org/officeDocument/2006/relationships" xmlns:p="http://schemas.openxmlformats.org/presentationml/2006/main">
+  <p:cSld>
+    <p:spTree>
+      <p:nvGrpSpPr>
+        <p:cNvPr id="1" name=""/>
+        <p:cNvGrpSpPr/>
+        <p:nvPr/>
+      </p:nvGrpSpPr>
+      <p:grpSpPr>
+        <a:xfrm>
+          <a:off x="0" y="0"/>
+          <a:ext cx="0" cy="0"/>
+          <a:chOff x="0" y="0"/>
+          <a:chExt cx="0" cy="0"/>
+        </a:xfrm>
+      </p:grpSpPr>
+      <p:sp>
+        <p:nvSpPr>
+          <p:cNvPr id="4" name="投影片編號版面配置區 3"/>
+          <p:cNvSpPr>
+            <a:spLocks noGrp="1"/>
+          </p:cNvSpPr>
+          <p:nvPr>
+            <p:ph type="sldNum" sz="quarter" idx="10"/>
+          </p:nvPr>
+        </p:nvSpPr>
+        <p:spPr/>
+        <p:txBody>
+          <a:bodyPr/>
+          <a:lstStyle/>
+          <a:p>
+            <a:pPr>
+              <a:defRPr/>
+            </a:pPr>
+            <a:fld id="{991D3BC2-FC42-4C57-95D7-42E1AD7BAC3D}" type="slidenum">
+              <a:rPr lang="zh-TW" altLang="en-US" smtClean="0">
+                <a:solidFill>
+                  <a:srgbClr val="000000">
+                    <a:tint val="75000"/>
+                  </a:srgbClr>
+                </a:solidFill>
+              </a:rPr>
+              <a:pPr>
+                <a:defRPr/>
+              </a:pPr>
+              <a:t>2</a:t>
+            </a:fld>
+            <a:endParaRPr lang="zh-TW" altLang="en-US" dirty="0">
+              <a:solidFill>
+                <a:srgbClr val="000000">
+                  <a:tint val="75000"/>
+                </a:srgbClr>
+              </a:solidFill>
+            </a:endParaRPr>
+          </a:p>
+        </p:txBody>
+      </p:sp>
+      <p:graphicFrame>
+        <p:nvGraphicFramePr>
+          <p:cNvPr id="5" name="內容版面配置區 4"/>
+          <p:cNvGraphicFramePr>
+            <a:graphicFrameLocks noGrp="1"/>
+          </p:cNvGraphicFramePr>
+          <p:nvPr>
+            <p:ph idx="1"/>
+            <p:extLst>
+              <p:ext uri="{D42A27DB-BD31-4B8C-83A1-F6EECF244321}">
+                <p14:modId xmlns:p14="http://schemas.microsoft.com/office/powerpoint/2010/main" val="2020488398"/>
+              </p:ext>
+            </p:extLst>
+          </p:nvPr>
+        </p:nvGraphicFramePr>
+        <p:xfrm>
+          <a:off x="1142999" y="1205344"/>
+          <a:ext cx="6982691" cy="3713019"/>
+        </p:xfrm>
+        <a:graphic>
+          <a:graphicData uri="http://schemas.openxmlformats.org/drawingml/2006/diagram">
+            <dgm:relIds xmlns:dgm="http://schemas.openxmlformats.org/drawingml/2006/diagram" xmlns:r="http://schemas.openxmlformats.org/officeDocument/2006/relationships" r:dm="rId2" r:lo="rId3" r:qs="rId4" r:cs="rId5"/>
+          </a:graphicData>
+        </a:graphic>
+      </p:graphicFrame>
+      <p:sp>
+        <p:nvSpPr>
+          <p:cNvPr id="6" name="標題 1"/>
+          <p:cNvSpPr>
+            <a:spLocks noGrp="1"/>
+          </p:cNvSpPr>
+          <p:nvPr>
+            <p:ph type="title"/>
+          </p:nvPr>
+        </p:nvSpPr>
+        <p:spPr>
+          <a:xfrm>
+            <a:off x="457200" y="205979"/>
+            <a:ext cx="8229600" cy="857250"/>
+          </a:xfrm>
+        </p:spPr>
+        <p:txBody>
+          <a:bodyPr>
+            <a:normAutofit/>
+          </a:bodyPr>
+          <a:lstStyle/>
+          <a:p>
+            <a:r>
+              <a:rPr lang="en-US" altLang="zh-TW" b="1" dirty="0" smtClean="0">
+                <a:solidFill>
+                  <a:schemeClr val="hlink"/>
+                </a:solidFill>
+              </a:rPr>
+              <a:t>Agenda</a:t>
+            </a:r>
+            <a:r>
+              <a:rPr lang="en-US" altLang="zh-TW" dirty="0" smtClean="0">
+                <a:solidFill>
+                  <a:schemeClr val="hlink"/>
+                </a:solidFill>
+              </a:rPr>
+              <a:t> </a:t>
+            </a:r>
+            <a:endParaRPr lang="zh-TW" altLang="en-US" dirty="0"/>
+          </a:p>
+        </p:txBody>
+      </p:sp>
+    </p:spTree>
+    <p:extLst>
+      <p:ext uri="{BB962C8B-B14F-4D97-AF65-F5344CB8AC3E}">
+        <p14:creationId xmlns:p14="http://schemas.microsoft.com/office/powerpoint/2010/main" val="474102386"/>
+      </p:ext>
+    </p:extLst>
+  </p:cSld>
+  <p:clrMapOvr>
+    <a:masterClrMapping/>
+  </p:clrMapOvr>
+  <p:timing>
+    <p:tnLst>
+      <p:par>
+        <p:cTn id="1" dur="indefinite" restart="never" nodeType="tmRoot"/>
+      </p:par>
+    </p:tnLst>
+  </p:timing>
+</p:sld>
+</file>
+
+<file path=ppt/slides/slide20.xml><?xml version="1.0" encoding="utf-8"?>
+<p:sld xmlns:a="http://schemas.openxmlformats.org/drawingml/2006/main" xmlns:r="http://schemas.openxmlformats.org/officeDocument/2006/relationships" xmlns:p="http://schemas.openxmlformats.org/presentationml/2006/main">
+  <p:cSld>
+    <p:spTree>
+      <p:nvGrpSpPr>
+        <p:cNvPr id="1" name=""/>
+        <p:cNvGrpSpPr/>
+        <p:nvPr/>
+      </p:nvGrpSpPr>
+      <p:grpSpPr>
+        <a:xfrm>
+          <a:off x="0" y="0"/>
+          <a:ext cx="0" cy="0"/>
+          <a:chOff x="0" y="0"/>
+          <a:chExt cx="0" cy="0"/>
+        </a:xfrm>
+      </p:grpSpPr>
+      <p:sp>
+        <p:nvSpPr>
+          <p:cNvPr id="4" name="投影片編號版面配置區 3"/>
+          <p:cNvSpPr>
+            <a:spLocks noGrp="1"/>
+          </p:cNvSpPr>
+          <p:nvPr>
+            <p:ph type="sldNum" sz="quarter" idx="10"/>
+          </p:nvPr>
+        </p:nvSpPr>
+        <p:spPr/>
+        <p:txBody>
+          <a:bodyPr/>
+          <a:lstStyle/>
+          <a:p>
+            <a:pPr>
+              <a:defRPr/>
+            </a:pPr>
+            <a:fld id="{991D3BC2-FC42-4C57-95D7-42E1AD7BAC3D}" type="slidenum">
+              <a:rPr lang="zh-TW" altLang="en-US" smtClean="0">
+                <a:solidFill>
+                  <a:srgbClr val="000000">
+                    <a:tint val="75000"/>
+                  </a:srgbClr>
+                </a:solidFill>
+              </a:rPr>
+              <a:pPr>
+                <a:defRPr/>
+              </a:pPr>
+              <a:t>20</a:t>
+            </a:fld>
+            <a:endParaRPr lang="zh-TW" altLang="en-US" dirty="0">
+              <a:solidFill>
+                <a:srgbClr val="000000">
+                  <a:tint val="75000"/>
+                </a:srgbClr>
+              </a:solidFill>
+            </a:endParaRPr>
+          </a:p>
+        </p:txBody>
+      </p:sp>
+      <p:grpSp>
+        <p:nvGrpSpPr>
+          <p:cNvPr id="5" name="群組 16"/>
+          <p:cNvGrpSpPr>
+            <a:grpSpLocks/>
+          </p:cNvGrpSpPr>
+          <p:nvPr/>
+        </p:nvGrpSpPr>
+        <p:grpSpPr bwMode="auto">
+          <a:xfrm flipH="1">
+            <a:off x="3887793" y="116632"/>
+            <a:ext cx="5239853" cy="432048"/>
+            <a:chOff x="3908668" y="4018029"/>
+            <a:chExt cx="2693637" cy="483042"/>
+          </a:xfrm>
+          <a:solidFill>
+            <a:srgbClr val="00B050"/>
+          </a:solidFill>
+        </p:grpSpPr>
+        <p:sp>
+          <p:nvSpPr>
+            <p:cNvPr id="6" name="流程圖: 延遲 8"/>
+            <p:cNvSpPr/>
+            <p:nvPr/>
+          </p:nvSpPr>
+          <p:spPr>
+            <a:xfrm>
+              <a:off x="6255768" y="4018031"/>
+              <a:ext cx="346537" cy="483040"/>
+            </a:xfrm>
+            <a:prstGeom prst="flowChartDelay">
+              <a:avLst/>
+            </a:prstGeom>
+            <a:solidFill>
+              <a:srgbClr val="00B0F0"/>
+            </a:solidFill>
+            <a:ln w="25400" cap="flat" cmpd="sng" algn="ctr">
+              <a:solidFill>
+                <a:srgbClr val="00B0F0"/>
+              </a:solidFill>
+              <a:prstDash val="solid"/>
+            </a:ln>
+            <a:effectLst/>
+          </p:spPr>
+          <p:txBody>
+            <a:bodyPr anchor="ctr"/>
+            <a:lstStyle/>
+            <a:p>
+              <a:pPr algn="ctr" fontAlgn="auto">
+                <a:spcBef>
+                  <a:spcPts val="0"/>
+                </a:spcBef>
+                <a:spcAft>
+                  <a:spcPts val="0"/>
+                </a:spcAft>
+                <a:defRPr/>
+              </a:pPr>
+              <a:endParaRPr kumimoji="0" lang="zh-TW" altLang="en-US" sz="2200" kern="0">
+                <a:solidFill>
+                  <a:schemeClr val="bg1"/>
+                </a:solidFill>
+                <a:latin typeface="Arial" panose="020B0604020202020204" pitchFamily="34" charset="0"/>
+                <a:ea typeface="微软雅黑" panose="020B0503020204020204" pitchFamily="34" charset="-122"/>
+                <a:cs typeface="Arial" panose="020B0604020202020204" pitchFamily="34" charset="0"/>
+              </a:endParaRPr>
+            </a:p>
+          </p:txBody>
+        </p:sp>
+        <p:sp>
+          <p:nvSpPr>
+            <p:cNvPr id="8" name="矩形 7"/>
+            <p:cNvSpPr/>
+            <p:nvPr/>
+          </p:nvSpPr>
+          <p:spPr>
+            <a:xfrm>
+              <a:off x="3908668" y="4018029"/>
+              <a:ext cx="2347101" cy="483041"/>
+            </a:xfrm>
+            <a:prstGeom prst="rect">
+              <a:avLst/>
+            </a:prstGeom>
+            <a:solidFill>
+              <a:srgbClr val="00B0F0"/>
+            </a:solidFill>
+            <a:ln w="25400" cap="flat" cmpd="sng" algn="ctr">
+              <a:solidFill>
+                <a:srgbClr val="00B0F0"/>
+              </a:solidFill>
+              <a:prstDash val="solid"/>
+            </a:ln>
+            <a:effectLst/>
+          </p:spPr>
+          <p:txBody>
+            <a:bodyPr anchor="ctr"/>
+            <a:lstStyle/>
+            <a:p>
+              <a:pPr algn="ctr"/>
+              <a:r>
+                <a:rPr lang="zh-CN" altLang="en-US" sz="2400" b="1" dirty="0" smtClean="0">
+                  <a:solidFill>
+                    <a:schemeClr val="bg1"/>
+                  </a:solidFill>
+                  <a:latin typeface="微軟正黑體" panose="020B0604030504040204" pitchFamily="34" charset="-120"/>
+                  <a:ea typeface="微軟正黑體" panose="020B0604030504040204" pitchFamily="34" charset="-120"/>
+                  <a:cs typeface="Segoe UI" pitchFamily="34" charset="0"/>
+                </a:rPr>
+                <a:t>六</a:t>
+              </a:r>
+              <a:r>
+                <a:rPr lang="en-US" altLang="zh-CN" sz="2400" b="1" dirty="0" smtClean="0">
+                  <a:solidFill>
+                    <a:schemeClr val="bg1"/>
+                  </a:solidFill>
+                  <a:latin typeface="微軟正黑體" panose="020B0604030504040204" pitchFamily="34" charset="-120"/>
+                  <a:ea typeface="微軟正黑體" panose="020B0604030504040204" pitchFamily="34" charset="-120"/>
+                  <a:cs typeface="Segoe UI" pitchFamily="34" charset="0"/>
+                </a:rPr>
+                <a:t>. </a:t>
+              </a:r>
+              <a:r>
+                <a:rPr lang="zh-CN" altLang="en-US" sz="2400" b="1" dirty="0" smtClean="0">
+                  <a:solidFill>
+                    <a:schemeClr val="bg1"/>
+                  </a:solidFill>
+                  <a:latin typeface="微軟正黑體" panose="020B0604030504040204" pitchFamily="34" charset="-120"/>
+                  <a:ea typeface="微軟正黑體" panose="020B0604030504040204" pitchFamily="34" charset="-120"/>
+                  <a:cs typeface="Segoe UI" pitchFamily="34" charset="0"/>
+                </a:rPr>
+                <a:t>代码</a:t>
+              </a:r>
+              <a:r>
+                <a:rPr lang="en-US" altLang="zh-CN" sz="2400" b="1" dirty="0" smtClean="0">
+                  <a:solidFill>
+                    <a:schemeClr val="bg1"/>
+                  </a:solidFill>
+                  <a:latin typeface="微軟正黑體" panose="020B0604030504040204" pitchFamily="34" charset="-120"/>
+                  <a:ea typeface="微軟正黑體" panose="020B0604030504040204" pitchFamily="34" charset="-120"/>
+                  <a:cs typeface="Segoe UI" pitchFamily="34" charset="0"/>
+                </a:rPr>
+                <a:t>Review</a:t>
+              </a:r>
+              <a:endParaRPr lang="en-US" altLang="ko-KR" sz="2200" b="1" dirty="0">
+                <a:solidFill>
+                  <a:schemeClr val="bg1"/>
+                </a:solidFill>
+                <a:latin typeface="Arial" panose="020B0604020202020204" pitchFamily="34" charset="0"/>
+                <a:ea typeface="微软雅黑" panose="020B0503020204020204" pitchFamily="34" charset="-122"/>
+                <a:cs typeface="Arial" panose="020B0604020202020204" pitchFamily="34" charset="0"/>
+              </a:endParaRPr>
+            </a:p>
+          </p:txBody>
+        </p:sp>
+      </p:grpSp>
+      <p:sp>
+        <p:nvSpPr>
+          <p:cNvPr id="7" name="文本框 6"/>
+          <p:cNvSpPr txBox="1"/>
+          <p:nvPr/>
+        </p:nvSpPr>
+        <p:spPr>
+          <a:xfrm>
+            <a:off x="1697182" y="1593273"/>
+            <a:ext cx="6116782" cy="646331"/>
+          </a:xfrm>
+          <a:prstGeom prst="rect">
+            <a:avLst/>
+          </a:prstGeom>
+          <a:noFill/>
+        </p:spPr>
+        <p:txBody>
+          <a:bodyPr wrap="square" rtlCol="0">
+            <a:spAutoFit/>
+          </a:bodyPr>
+          <a:lstStyle/>
+          <a:p>
+            <a:r>
+              <a:rPr lang="zh-CN" altLang="en-US" dirty="0" smtClean="0"/>
+              <a:t>可以截图描述代表性的源码截图，如：</a:t>
+            </a:r>
+            <a:endParaRPr lang="en-US" altLang="zh-CN" dirty="0" smtClean="0"/>
+          </a:p>
+          <a:p>
+            <a:pPr marL="342900" indent="-342900">
+              <a:buAutoNum type="arabicPeriod"/>
+            </a:pPr>
+            <a:r>
+              <a:rPr lang="en-US" altLang="zh-CN" dirty="0" smtClean="0"/>
+              <a:t>DB</a:t>
+            </a:r>
+            <a:r>
+              <a:rPr lang="zh-CN" altLang="en-US" dirty="0" smtClean="0"/>
+              <a:t>中的存储过程代码</a:t>
+            </a:r>
+            <a:r>
+              <a:rPr lang="en-US" altLang="zh-CN" dirty="0" smtClean="0"/>
+              <a:t>(</a:t>
+            </a:r>
+            <a:r>
+              <a:rPr lang="zh-CN" altLang="en-US" dirty="0" smtClean="0"/>
+              <a:t>如果有</a:t>
+            </a:r>
+            <a:r>
+              <a:rPr lang="en-US" altLang="zh-CN" dirty="0" smtClean="0"/>
+              <a:t>)</a:t>
+            </a:r>
+            <a:endParaRPr lang="en-US" altLang="zh-CN" dirty="0" smtClean="0"/>
+          </a:p>
+        </p:txBody>
+      </p:sp>
+    </p:spTree>
+    <p:extLst>
+      <p:ext uri="{BB962C8B-B14F-4D97-AF65-F5344CB8AC3E}">
+        <p14:creationId xmlns:p14="http://schemas.microsoft.com/office/powerpoint/2010/main" val="2940471720"/>
+      </p:ext>
+    </p:extLst>
+  </p:cSld>
+  <p:clrMapOvr>
+    <a:masterClrMapping/>
+  </p:clrMapOvr>
+  <p:timing>
+    <p:tnLst>
+      <p:par>
+        <p:cTn id="1" dur="indefinite" restart="never" nodeType="tmRoot"/>
+      </p:par>
+    </p:tnLst>
+  </p:timing>
+</p:sld>
+</file>
+
+<file path=ppt/slides/slide21.xml><?xml version="1.0" encoding="utf-8"?>
+<p:sld xmlns:a="http://schemas.openxmlformats.org/drawingml/2006/main" xmlns:r="http://schemas.openxmlformats.org/officeDocument/2006/relationships" xmlns:p="http://schemas.openxmlformats.org/presentationml/2006/main">
+  <p:cSld>
+    <p:spTree>
+      <p:nvGrpSpPr>
+        <p:cNvPr id="1" name=""/>
+        <p:cNvGrpSpPr/>
+        <p:nvPr/>
+      </p:nvGrpSpPr>
+      <p:grpSpPr>
+        <a:xfrm>
+          <a:off x="0" y="0"/>
+          <a:ext cx="0" cy="0"/>
+          <a:chOff x="0" y="0"/>
+          <a:chExt cx="0" cy="0"/>
+        </a:xfrm>
+      </p:grpSpPr>
+      <p:sp>
+        <p:nvSpPr>
+          <p:cNvPr id="4" name="投影片編號版面配置區 3"/>
+          <p:cNvSpPr>
+            <a:spLocks noGrp="1"/>
+          </p:cNvSpPr>
+          <p:nvPr>
+            <p:ph type="sldNum" sz="quarter" idx="10"/>
+          </p:nvPr>
+        </p:nvSpPr>
+        <p:spPr/>
+        <p:txBody>
+          <a:bodyPr/>
+          <a:lstStyle/>
+          <a:p>
+            <a:pPr>
+              <a:defRPr/>
+            </a:pPr>
+            <a:fld id="{991D3BC2-FC42-4C57-95D7-42E1AD7BAC3D}" type="slidenum">
+              <a:rPr lang="zh-TW" altLang="en-US" smtClean="0">
+                <a:solidFill>
+                  <a:srgbClr val="000000">
+                    <a:tint val="75000"/>
+                  </a:srgbClr>
+                </a:solidFill>
+              </a:rPr>
+              <a:pPr>
+                <a:defRPr/>
+              </a:pPr>
+              <a:t>21</a:t>
+            </a:fld>
+            <a:endParaRPr lang="zh-TW" altLang="en-US" dirty="0">
+              <a:solidFill>
+                <a:srgbClr val="000000">
+                  <a:tint val="75000"/>
+                </a:srgbClr>
+              </a:solidFill>
+            </a:endParaRPr>
+          </a:p>
+        </p:txBody>
+      </p:sp>
+      <p:grpSp>
+        <p:nvGrpSpPr>
+          <p:cNvPr id="5" name="群組 16"/>
+          <p:cNvGrpSpPr>
+            <a:grpSpLocks/>
+          </p:cNvGrpSpPr>
+          <p:nvPr/>
+        </p:nvGrpSpPr>
+        <p:grpSpPr bwMode="auto">
+          <a:xfrm flipH="1">
+            <a:off x="3887793" y="116632"/>
+            <a:ext cx="5239853" cy="432048"/>
+            <a:chOff x="3908668" y="4018029"/>
+            <a:chExt cx="2693637" cy="483042"/>
+          </a:xfrm>
+          <a:solidFill>
+            <a:srgbClr val="00B050"/>
+          </a:solidFill>
+        </p:grpSpPr>
+        <p:sp>
+          <p:nvSpPr>
+            <p:cNvPr id="6" name="流程圖: 延遲 8"/>
+            <p:cNvSpPr/>
+            <p:nvPr/>
+          </p:nvSpPr>
+          <p:spPr>
+            <a:xfrm>
+              <a:off x="6255768" y="4018031"/>
+              <a:ext cx="346537" cy="483040"/>
+            </a:xfrm>
+            <a:prstGeom prst="flowChartDelay">
+              <a:avLst/>
+            </a:prstGeom>
+            <a:solidFill>
+              <a:srgbClr val="00B0F0"/>
+            </a:solidFill>
+            <a:ln w="25400" cap="flat" cmpd="sng" algn="ctr">
+              <a:solidFill>
+                <a:srgbClr val="00B0F0"/>
+              </a:solidFill>
+              <a:prstDash val="solid"/>
+            </a:ln>
+            <a:effectLst/>
+          </p:spPr>
+          <p:txBody>
+            <a:bodyPr anchor="ctr"/>
+            <a:lstStyle/>
+            <a:p>
+              <a:pPr algn="ctr" fontAlgn="auto">
+                <a:spcBef>
+                  <a:spcPts val="0"/>
+                </a:spcBef>
+                <a:spcAft>
+                  <a:spcPts val="0"/>
+                </a:spcAft>
+                <a:defRPr/>
+              </a:pPr>
+              <a:endParaRPr kumimoji="0" lang="zh-TW" altLang="en-US" sz="2200" kern="0">
+                <a:solidFill>
+                  <a:schemeClr val="bg1"/>
+                </a:solidFill>
+                <a:latin typeface="Arial" panose="020B0604020202020204" pitchFamily="34" charset="0"/>
+                <a:ea typeface="微软雅黑" panose="020B0503020204020204" pitchFamily="34" charset="-122"/>
+                <a:cs typeface="Arial" panose="020B0604020202020204" pitchFamily="34" charset="0"/>
+              </a:endParaRPr>
+            </a:p>
+          </p:txBody>
+        </p:sp>
+        <p:sp>
+          <p:nvSpPr>
+            <p:cNvPr id="8" name="矩形 7"/>
+            <p:cNvSpPr/>
+            <p:nvPr/>
+          </p:nvSpPr>
+          <p:spPr>
+            <a:xfrm>
+              <a:off x="3908668" y="4018029"/>
+              <a:ext cx="2347101" cy="483041"/>
+            </a:xfrm>
+            <a:prstGeom prst="rect">
+              <a:avLst/>
+            </a:prstGeom>
+            <a:solidFill>
+              <a:srgbClr val="00B0F0"/>
+            </a:solidFill>
+            <a:ln w="25400" cap="flat" cmpd="sng" algn="ctr">
+              <a:solidFill>
+                <a:srgbClr val="00B0F0"/>
+              </a:solidFill>
+              <a:prstDash val="solid"/>
+            </a:ln>
+            <a:effectLst/>
+          </p:spPr>
+          <p:txBody>
+            <a:bodyPr anchor="ctr"/>
+            <a:lstStyle/>
+            <a:p>
+              <a:pPr algn="ctr"/>
+              <a:r>
+                <a:rPr lang="zh-CN" altLang="en-US" sz="2400" b="1" dirty="0" smtClean="0">
+                  <a:solidFill>
+                    <a:schemeClr val="bg1"/>
+                  </a:solidFill>
+                  <a:latin typeface="微軟正黑體" panose="020B0604030504040204" pitchFamily="34" charset="-120"/>
+                  <a:ea typeface="微軟正黑體" panose="020B0604030504040204" pitchFamily="34" charset="-120"/>
+                  <a:cs typeface="Segoe UI" pitchFamily="34" charset="0"/>
+                </a:rPr>
+                <a:t>六</a:t>
+              </a:r>
+              <a:r>
+                <a:rPr lang="en-US" altLang="zh-CN" sz="2400" b="1" dirty="0" smtClean="0">
+                  <a:solidFill>
+                    <a:schemeClr val="bg1"/>
+                  </a:solidFill>
+                  <a:latin typeface="微軟正黑體" panose="020B0604030504040204" pitchFamily="34" charset="-120"/>
+                  <a:ea typeface="微軟正黑體" panose="020B0604030504040204" pitchFamily="34" charset="-120"/>
+                  <a:cs typeface="Segoe UI" pitchFamily="34" charset="0"/>
+                </a:rPr>
+                <a:t>. </a:t>
+              </a:r>
+              <a:r>
+                <a:rPr lang="zh-CN" altLang="en-US" sz="2400" b="1" dirty="0" smtClean="0">
+                  <a:solidFill>
+                    <a:schemeClr val="bg1"/>
+                  </a:solidFill>
+                  <a:latin typeface="微軟正黑體" panose="020B0604030504040204" pitchFamily="34" charset="-120"/>
+                  <a:ea typeface="微軟正黑體" panose="020B0604030504040204" pitchFamily="34" charset="-120"/>
+                  <a:cs typeface="Segoe UI" pitchFamily="34" charset="0"/>
+                </a:rPr>
+                <a:t>代码</a:t>
+              </a:r>
+              <a:r>
+                <a:rPr lang="en-US" altLang="zh-CN" sz="2400" b="1" dirty="0" smtClean="0">
+                  <a:solidFill>
+                    <a:schemeClr val="bg1"/>
+                  </a:solidFill>
+                  <a:latin typeface="微軟正黑體" panose="020B0604030504040204" pitchFamily="34" charset="-120"/>
+                  <a:ea typeface="微軟正黑體" panose="020B0604030504040204" pitchFamily="34" charset="-120"/>
+                  <a:cs typeface="Segoe UI" pitchFamily="34" charset="0"/>
+                </a:rPr>
+                <a:t>Review</a:t>
+              </a:r>
+              <a:endParaRPr lang="en-US" altLang="ko-KR" sz="2200" b="1" dirty="0">
+                <a:solidFill>
+                  <a:schemeClr val="bg1"/>
+                </a:solidFill>
+                <a:latin typeface="Arial" panose="020B0604020202020204" pitchFamily="34" charset="0"/>
+                <a:ea typeface="微软雅黑" panose="020B0503020204020204" pitchFamily="34" charset="-122"/>
+                <a:cs typeface="Arial" panose="020B0604020202020204" pitchFamily="34" charset="0"/>
+              </a:endParaRPr>
+            </a:p>
+          </p:txBody>
+        </p:sp>
+      </p:grpSp>
+      <p:sp>
+        <p:nvSpPr>
+          <p:cNvPr id="7" name="文本框 6"/>
+          <p:cNvSpPr txBox="1"/>
+          <p:nvPr/>
+        </p:nvSpPr>
+        <p:spPr>
+          <a:xfrm>
+            <a:off x="1697182" y="1593273"/>
+            <a:ext cx="6116782" cy="646331"/>
+          </a:xfrm>
+          <a:prstGeom prst="rect">
+            <a:avLst/>
+          </a:prstGeom>
+          <a:noFill/>
+        </p:spPr>
+        <p:txBody>
+          <a:bodyPr wrap="square" rtlCol="0">
+            <a:spAutoFit/>
+          </a:bodyPr>
+          <a:lstStyle/>
+          <a:p>
+            <a:r>
+              <a:rPr lang="zh-CN" altLang="en-US" dirty="0" smtClean="0"/>
+              <a:t>可以截图描述代表性的源码截图，如：</a:t>
+            </a:r>
+            <a:endParaRPr lang="en-US" altLang="zh-CN" dirty="0" smtClean="0"/>
+          </a:p>
+          <a:p>
+            <a:pPr marL="342900" indent="-342900">
+              <a:buAutoNum type="arabicPeriod"/>
+            </a:pPr>
+            <a:r>
+              <a:rPr lang="zh-CN" altLang="en-US" dirty="0" smtClean="0"/>
+              <a:t>等等</a:t>
+            </a:r>
+            <a:endParaRPr lang="zh-CN" altLang="en-US" dirty="0"/>
+          </a:p>
+        </p:txBody>
+      </p:sp>
+    </p:spTree>
+    <p:extLst>
+      <p:ext uri="{BB962C8B-B14F-4D97-AF65-F5344CB8AC3E}">
+        <p14:creationId xmlns:p14="http://schemas.microsoft.com/office/powerpoint/2010/main" val="2372453831"/>
+      </p:ext>
+    </p:extLst>
+  </p:cSld>
+  <p:clrMapOvr>
+    <a:masterClrMapping/>
+  </p:clrMapOvr>
+  <p:timing>
+    <p:tnLst>
+      <p:par>
+        <p:cTn id="1" dur="indefinite" restart="never" nodeType="tmRoot"/>
+      </p:par>
+    </p:tnLst>
+  </p:timing>
+</p:sld>
+</file>
+
+<file path=ppt/slides/slide22.xml><?xml version="1.0" encoding="utf-8"?>
+<p:sld xmlns:a="http://schemas.openxmlformats.org/drawingml/2006/main" xmlns:r="http://schemas.openxmlformats.org/officeDocument/2006/relationships" xmlns:p="http://schemas.openxmlformats.org/presentationml/2006/main">
+  <p:cSld>
+    <p:spTree>
+      <p:nvGrpSpPr>
+        <p:cNvPr id="1" name=""/>
+        <p:cNvGrpSpPr/>
+        <p:nvPr/>
+      </p:nvGrpSpPr>
+      <p:grpSpPr>
+        <a:xfrm>
+          <a:off x="0" y="0"/>
+          <a:ext cx="0" cy="0"/>
+          <a:chOff x="0" y="0"/>
+          <a:chExt cx="0" cy="0"/>
+        </a:xfrm>
+      </p:grpSpPr>
+      <p:sp>
+        <p:nvSpPr>
+          <p:cNvPr id="4" name="投影片編號版面配置區 3"/>
+          <p:cNvSpPr>
+            <a:spLocks noGrp="1"/>
+          </p:cNvSpPr>
+          <p:nvPr>
+            <p:ph type="sldNum" sz="quarter" idx="10"/>
+          </p:nvPr>
+        </p:nvSpPr>
+        <p:spPr/>
+        <p:txBody>
+          <a:bodyPr/>
+          <a:lstStyle/>
+          <a:p>
+            <a:pPr>
+              <a:defRPr/>
+            </a:pPr>
+            <a:fld id="{991D3BC2-FC42-4C57-95D7-42E1AD7BAC3D}" type="slidenum">
+              <a:rPr lang="zh-TW" altLang="en-US" smtClean="0">
+                <a:solidFill>
+                  <a:srgbClr val="000000">
+                    <a:tint val="75000"/>
+                  </a:srgbClr>
+                </a:solidFill>
+              </a:rPr>
+              <a:pPr>
+                <a:defRPr/>
+              </a:pPr>
+              <a:t>22</a:t>
             </a:fld>
             <a:endParaRPr lang="zh-TW" altLang="en-US" dirty="0">
               <a:solidFill>
@@ -18038,7 +20009,4967 @@
     </p:spTree>
     <p:extLst>
       <p:ext uri="{BB962C8B-B14F-4D97-AF65-F5344CB8AC3E}">
-        <p14:creationId xmlns:p14="http://schemas.microsoft.com/office/powerpoint/2010/main" val="1098802971"/>
+        <p14:creationId xmlns:p14="http://schemas.microsoft.com/office/powerpoint/2010/main" val="447520029"/>
+      </p:ext>
+    </p:extLst>
+  </p:cSld>
+  <p:clrMapOvr>
+    <a:masterClrMapping/>
+  </p:clrMapOvr>
+  <p:timing>
+    <p:tnLst>
+      <p:par>
+        <p:cTn id="1" dur="indefinite" restart="never" nodeType="tmRoot"/>
+      </p:par>
+    </p:tnLst>
+  </p:timing>
+</p:sld>
+</file>
+
+<file path=ppt/slides/slide23.xml><?xml version="1.0" encoding="utf-8"?>
+<p:sld xmlns:a="http://schemas.openxmlformats.org/drawingml/2006/main" xmlns:r="http://schemas.openxmlformats.org/officeDocument/2006/relationships" xmlns:p="http://schemas.openxmlformats.org/presentationml/2006/main">
+  <p:cSld>
+    <p:spTree>
+      <p:nvGrpSpPr>
+        <p:cNvPr id="1" name=""/>
+        <p:cNvGrpSpPr/>
+        <p:nvPr/>
+      </p:nvGrpSpPr>
+      <p:grpSpPr>
+        <a:xfrm>
+          <a:off x="0" y="0"/>
+          <a:ext cx="0" cy="0"/>
+          <a:chOff x="0" y="0"/>
+          <a:chExt cx="0" cy="0"/>
+        </a:xfrm>
+      </p:grpSpPr>
+      <p:sp>
+        <p:nvSpPr>
+          <p:cNvPr id="4" name="投影片編號版面配置區 3"/>
+          <p:cNvSpPr>
+            <a:spLocks noGrp="1"/>
+          </p:cNvSpPr>
+          <p:nvPr>
+            <p:ph type="sldNum" sz="quarter" idx="10"/>
+          </p:nvPr>
+        </p:nvSpPr>
+        <p:spPr/>
+        <p:txBody>
+          <a:bodyPr/>
+          <a:lstStyle/>
+          <a:p>
+            <a:pPr>
+              <a:defRPr/>
+            </a:pPr>
+            <a:fld id="{991D3BC2-FC42-4C57-95D7-42E1AD7BAC3D}" type="slidenum">
+              <a:rPr lang="zh-TW" altLang="en-US" smtClean="0">
+                <a:solidFill>
+                  <a:srgbClr val="000000">
+                    <a:tint val="75000"/>
+                  </a:srgbClr>
+                </a:solidFill>
+              </a:rPr>
+              <a:pPr>
+                <a:defRPr/>
+              </a:pPr>
+              <a:t>23</a:t>
+            </a:fld>
+            <a:endParaRPr lang="zh-TW" altLang="en-US" dirty="0">
+              <a:solidFill>
+                <a:srgbClr val="000000">
+                  <a:tint val="75000"/>
+                </a:srgbClr>
+              </a:solidFill>
+            </a:endParaRPr>
+          </a:p>
+        </p:txBody>
+      </p:sp>
+      <p:grpSp>
+        <p:nvGrpSpPr>
+          <p:cNvPr id="5" name="群組 16"/>
+          <p:cNvGrpSpPr>
+            <a:grpSpLocks/>
+          </p:cNvGrpSpPr>
+          <p:nvPr/>
+        </p:nvGrpSpPr>
+        <p:grpSpPr bwMode="auto">
+          <a:xfrm flipH="1">
+            <a:off x="3887793" y="116632"/>
+            <a:ext cx="5239853" cy="432048"/>
+            <a:chOff x="3908668" y="4018029"/>
+            <a:chExt cx="2693637" cy="483042"/>
+          </a:xfrm>
+          <a:solidFill>
+            <a:srgbClr val="00B050"/>
+          </a:solidFill>
+        </p:grpSpPr>
+        <p:sp>
+          <p:nvSpPr>
+            <p:cNvPr id="6" name="流程圖: 延遲 8"/>
+            <p:cNvSpPr/>
+            <p:nvPr/>
+          </p:nvSpPr>
+          <p:spPr>
+            <a:xfrm>
+              <a:off x="6255768" y="4018031"/>
+              <a:ext cx="346537" cy="483040"/>
+            </a:xfrm>
+            <a:prstGeom prst="flowChartDelay">
+              <a:avLst/>
+            </a:prstGeom>
+            <a:solidFill>
+              <a:srgbClr val="00B0F0"/>
+            </a:solidFill>
+            <a:ln w="25400" cap="flat" cmpd="sng" algn="ctr">
+              <a:solidFill>
+                <a:srgbClr val="00B0F0"/>
+              </a:solidFill>
+              <a:prstDash val="solid"/>
+            </a:ln>
+            <a:effectLst/>
+          </p:spPr>
+          <p:txBody>
+            <a:bodyPr anchor="ctr"/>
+            <a:lstStyle/>
+            <a:p>
+              <a:pPr algn="ctr" fontAlgn="auto">
+                <a:spcBef>
+                  <a:spcPts val="0"/>
+                </a:spcBef>
+                <a:spcAft>
+                  <a:spcPts val="0"/>
+                </a:spcAft>
+                <a:defRPr/>
+              </a:pPr>
+              <a:endParaRPr kumimoji="0" lang="zh-TW" altLang="en-US" sz="2200" kern="0">
+                <a:solidFill>
+                  <a:schemeClr val="bg1"/>
+                </a:solidFill>
+                <a:latin typeface="Arial" panose="020B0604020202020204" pitchFamily="34" charset="0"/>
+                <a:ea typeface="微软雅黑" panose="020B0503020204020204" pitchFamily="34" charset="-122"/>
+                <a:cs typeface="Arial" panose="020B0604020202020204" pitchFamily="34" charset="0"/>
+              </a:endParaRPr>
+            </a:p>
+          </p:txBody>
+        </p:sp>
+        <p:sp>
+          <p:nvSpPr>
+            <p:cNvPr id="8" name="矩形 7"/>
+            <p:cNvSpPr/>
+            <p:nvPr/>
+          </p:nvSpPr>
+          <p:spPr>
+            <a:xfrm>
+              <a:off x="3908668" y="4018029"/>
+              <a:ext cx="2347101" cy="483041"/>
+            </a:xfrm>
+            <a:prstGeom prst="rect">
+              <a:avLst/>
+            </a:prstGeom>
+            <a:solidFill>
+              <a:srgbClr val="00B0F0"/>
+            </a:solidFill>
+            <a:ln w="25400" cap="flat" cmpd="sng" algn="ctr">
+              <a:solidFill>
+                <a:srgbClr val="00B0F0"/>
+              </a:solidFill>
+              <a:prstDash val="solid"/>
+            </a:ln>
+            <a:effectLst/>
+          </p:spPr>
+          <p:txBody>
+            <a:bodyPr anchor="ctr"/>
+            <a:lstStyle/>
+            <a:p>
+              <a:pPr algn="ctr"/>
+              <a:r>
+                <a:rPr lang="zh-CN" altLang="en-US" sz="2400" b="1" dirty="0" smtClean="0">
+                  <a:solidFill>
+                    <a:schemeClr val="bg1"/>
+                  </a:solidFill>
+                  <a:latin typeface="微軟正黑體" panose="020B0604030504040204" pitchFamily="34" charset="-120"/>
+                  <a:ea typeface="微軟正黑體" panose="020B0604030504040204" pitchFamily="34" charset="-120"/>
+                  <a:cs typeface="Segoe UI" pitchFamily="34" charset="0"/>
+                </a:rPr>
+                <a:t>六</a:t>
+              </a:r>
+              <a:r>
+                <a:rPr lang="en-US" altLang="zh-CN" sz="2400" b="1" dirty="0" smtClean="0">
+                  <a:solidFill>
+                    <a:schemeClr val="bg1"/>
+                  </a:solidFill>
+                  <a:latin typeface="微軟正黑體" panose="020B0604030504040204" pitchFamily="34" charset="-120"/>
+                  <a:ea typeface="微軟正黑體" panose="020B0604030504040204" pitchFamily="34" charset="-120"/>
+                  <a:cs typeface="Segoe UI" pitchFamily="34" charset="0"/>
+                </a:rPr>
+                <a:t>. </a:t>
+              </a:r>
+              <a:r>
+                <a:rPr lang="zh-CN" altLang="en-US" sz="2400" b="1" dirty="0" smtClean="0">
+                  <a:solidFill>
+                    <a:schemeClr val="bg1"/>
+                  </a:solidFill>
+                  <a:latin typeface="微軟正黑體" panose="020B0604030504040204" pitchFamily="34" charset="-120"/>
+                  <a:ea typeface="微軟正黑體" panose="020B0604030504040204" pitchFamily="34" charset="-120"/>
+                  <a:cs typeface="Segoe UI" pitchFamily="34" charset="0"/>
+                </a:rPr>
+                <a:t>代码</a:t>
+              </a:r>
+              <a:r>
+                <a:rPr lang="en-US" altLang="zh-CN" sz="2400" b="1" dirty="0" smtClean="0">
+                  <a:solidFill>
+                    <a:schemeClr val="bg1"/>
+                  </a:solidFill>
+                  <a:latin typeface="微軟正黑體" panose="020B0604030504040204" pitchFamily="34" charset="-120"/>
+                  <a:ea typeface="微軟正黑體" panose="020B0604030504040204" pitchFamily="34" charset="-120"/>
+                  <a:cs typeface="Segoe UI" pitchFamily="34" charset="0"/>
+                </a:rPr>
+                <a:t>Review</a:t>
+              </a:r>
+              <a:endParaRPr lang="en-US" altLang="ko-KR" sz="2200" b="1" dirty="0">
+                <a:solidFill>
+                  <a:schemeClr val="bg1"/>
+                </a:solidFill>
+                <a:latin typeface="Arial" panose="020B0604020202020204" pitchFamily="34" charset="0"/>
+                <a:ea typeface="微软雅黑" panose="020B0503020204020204" pitchFamily="34" charset="-122"/>
+                <a:cs typeface="Arial" panose="020B0604020202020204" pitchFamily="34" charset="0"/>
+              </a:endParaRPr>
+            </a:p>
+          </p:txBody>
+        </p:sp>
+      </p:grpSp>
+      <p:sp>
+        <p:nvSpPr>
+          <p:cNvPr id="7" name="文本框 6"/>
+          <p:cNvSpPr txBox="1"/>
+          <p:nvPr/>
+        </p:nvSpPr>
+        <p:spPr>
+          <a:xfrm>
+            <a:off x="1697182" y="1593273"/>
+            <a:ext cx="6116782" cy="1754326"/>
+          </a:xfrm>
+          <a:prstGeom prst="rect">
+            <a:avLst/>
+          </a:prstGeom>
+          <a:noFill/>
+        </p:spPr>
+        <p:txBody>
+          <a:bodyPr wrap="square" rtlCol="0">
+            <a:spAutoFit/>
+          </a:bodyPr>
+          <a:lstStyle/>
+          <a:p>
+            <a:r>
+              <a:rPr lang="zh-CN" altLang="en-US" dirty="0" smtClean="0"/>
+              <a:t>可以截图描述代表性的源码截图，如：</a:t>
+            </a:r>
+            <a:endParaRPr lang="en-US" altLang="zh-CN" dirty="0" smtClean="0"/>
+          </a:p>
+          <a:p>
+            <a:pPr marL="342900" indent="-342900">
+              <a:buAutoNum type="arabicPeriod"/>
+            </a:pPr>
+            <a:r>
+              <a:rPr lang="en-US" altLang="zh-CN" dirty="0" smtClean="0"/>
+              <a:t>UI</a:t>
+            </a:r>
+            <a:r>
+              <a:rPr lang="zh-CN" altLang="en-US" dirty="0" smtClean="0"/>
+              <a:t>中的</a:t>
+            </a:r>
+            <a:r>
+              <a:rPr lang="en-US" altLang="zh-CN" dirty="0" smtClean="0"/>
+              <a:t>Table</a:t>
+            </a:r>
+          </a:p>
+          <a:p>
+            <a:pPr marL="342900" indent="-342900">
+              <a:buAutoNum type="arabicPeriod"/>
+            </a:pPr>
+            <a:r>
+              <a:rPr lang="zh-CN" altLang="en-US" dirty="0" smtClean="0"/>
+              <a:t>技术的应用示例代码</a:t>
+            </a:r>
+            <a:endParaRPr lang="en-US" altLang="zh-CN" dirty="0" smtClean="0"/>
+          </a:p>
+          <a:p>
+            <a:pPr marL="342900" indent="-342900">
+              <a:buAutoNum type="arabicPeriod"/>
+            </a:pPr>
+            <a:r>
+              <a:rPr lang="en-US" altLang="zh-CN" dirty="0" smtClean="0"/>
+              <a:t>Java</a:t>
+            </a:r>
+            <a:r>
+              <a:rPr lang="zh-CN" altLang="en-US" dirty="0" smtClean="0"/>
+              <a:t>中的控制类的部分代码</a:t>
+            </a:r>
+            <a:endParaRPr lang="en-US" altLang="zh-CN" dirty="0" smtClean="0"/>
+          </a:p>
+          <a:p>
+            <a:pPr marL="342900" indent="-342900">
+              <a:buAutoNum type="arabicPeriod"/>
+            </a:pPr>
+            <a:r>
+              <a:rPr lang="en-US" altLang="zh-CN" dirty="0" smtClean="0"/>
+              <a:t>DB</a:t>
+            </a:r>
+            <a:r>
+              <a:rPr lang="zh-CN" altLang="en-US" dirty="0" smtClean="0"/>
+              <a:t>中的存储过程代码</a:t>
+            </a:r>
+            <a:r>
+              <a:rPr lang="en-US" altLang="zh-CN" dirty="0" smtClean="0"/>
+              <a:t>(</a:t>
+            </a:r>
+            <a:r>
+              <a:rPr lang="zh-CN" altLang="en-US" dirty="0" smtClean="0"/>
+              <a:t>如果有</a:t>
+            </a:r>
+            <a:r>
+              <a:rPr lang="en-US" altLang="zh-CN" dirty="0" smtClean="0"/>
+              <a:t>)</a:t>
+            </a:r>
+          </a:p>
+          <a:p>
+            <a:pPr marL="342900" indent="-342900">
+              <a:buAutoNum type="arabicPeriod"/>
+            </a:pPr>
+            <a:r>
+              <a:rPr lang="zh-CN" altLang="en-US" dirty="0" smtClean="0"/>
+              <a:t>等等</a:t>
+            </a:r>
+            <a:endParaRPr lang="zh-CN" altLang="en-US" dirty="0"/>
+          </a:p>
+        </p:txBody>
+      </p:sp>
+    </p:spTree>
+    <p:extLst>
+      <p:ext uri="{BB962C8B-B14F-4D97-AF65-F5344CB8AC3E}">
+        <p14:creationId xmlns:p14="http://schemas.microsoft.com/office/powerpoint/2010/main" val="1569989869"/>
+      </p:ext>
+    </p:extLst>
+  </p:cSld>
+  <p:clrMapOvr>
+    <a:masterClrMapping/>
+  </p:clrMapOvr>
+  <p:timing>
+    <p:tnLst>
+      <p:par>
+        <p:cTn id="1" dur="indefinite" restart="never" nodeType="tmRoot"/>
+      </p:par>
+    </p:tnLst>
+  </p:timing>
+</p:sld>
+</file>
+
+<file path=ppt/slides/slide24.xml><?xml version="1.0" encoding="utf-8"?>
+<p:sld xmlns:a="http://schemas.openxmlformats.org/drawingml/2006/main" xmlns:r="http://schemas.openxmlformats.org/officeDocument/2006/relationships" xmlns:p="http://schemas.openxmlformats.org/presentationml/2006/main">
+  <p:cSld>
+    <p:spTree>
+      <p:nvGrpSpPr>
+        <p:cNvPr id="1" name=""/>
+        <p:cNvGrpSpPr/>
+        <p:nvPr/>
+      </p:nvGrpSpPr>
+      <p:grpSpPr>
+        <a:xfrm>
+          <a:off x="0" y="0"/>
+          <a:ext cx="0" cy="0"/>
+          <a:chOff x="0" y="0"/>
+          <a:chExt cx="0" cy="0"/>
+        </a:xfrm>
+      </p:grpSpPr>
+      <p:sp>
+        <p:nvSpPr>
+          <p:cNvPr id="4" name="投影片編號版面配置區 3"/>
+          <p:cNvSpPr>
+            <a:spLocks noGrp="1"/>
+          </p:cNvSpPr>
+          <p:nvPr>
+            <p:ph type="sldNum" sz="quarter" idx="10"/>
+          </p:nvPr>
+        </p:nvSpPr>
+        <p:spPr/>
+        <p:txBody>
+          <a:bodyPr/>
+          <a:lstStyle/>
+          <a:p>
+            <a:pPr>
+              <a:defRPr/>
+            </a:pPr>
+            <a:fld id="{991D3BC2-FC42-4C57-95D7-42E1AD7BAC3D}" type="slidenum">
+              <a:rPr lang="zh-TW" altLang="en-US" smtClean="0">
+                <a:solidFill>
+                  <a:srgbClr val="000000">
+                    <a:tint val="75000"/>
+                  </a:srgbClr>
+                </a:solidFill>
+              </a:rPr>
+              <a:pPr>
+                <a:defRPr/>
+              </a:pPr>
+              <a:t>24</a:t>
+            </a:fld>
+            <a:endParaRPr lang="zh-TW" altLang="en-US" dirty="0">
+              <a:solidFill>
+                <a:srgbClr val="000000">
+                  <a:tint val="75000"/>
+                </a:srgbClr>
+              </a:solidFill>
+            </a:endParaRPr>
+          </a:p>
+        </p:txBody>
+      </p:sp>
+      <p:grpSp>
+        <p:nvGrpSpPr>
+          <p:cNvPr id="5" name="群組 16"/>
+          <p:cNvGrpSpPr>
+            <a:grpSpLocks/>
+          </p:cNvGrpSpPr>
+          <p:nvPr/>
+        </p:nvGrpSpPr>
+        <p:grpSpPr bwMode="auto">
+          <a:xfrm flipH="1">
+            <a:off x="3887793" y="116632"/>
+            <a:ext cx="5239853" cy="432048"/>
+            <a:chOff x="3908668" y="4018029"/>
+            <a:chExt cx="2693637" cy="483042"/>
+          </a:xfrm>
+          <a:solidFill>
+            <a:srgbClr val="00B050"/>
+          </a:solidFill>
+        </p:grpSpPr>
+        <p:sp>
+          <p:nvSpPr>
+            <p:cNvPr id="6" name="流程圖: 延遲 8"/>
+            <p:cNvSpPr/>
+            <p:nvPr/>
+          </p:nvSpPr>
+          <p:spPr>
+            <a:xfrm>
+              <a:off x="6255768" y="4018031"/>
+              <a:ext cx="346537" cy="483040"/>
+            </a:xfrm>
+            <a:prstGeom prst="flowChartDelay">
+              <a:avLst/>
+            </a:prstGeom>
+            <a:solidFill>
+              <a:srgbClr val="00B0F0"/>
+            </a:solidFill>
+            <a:ln w="25400" cap="flat" cmpd="sng" algn="ctr">
+              <a:solidFill>
+                <a:srgbClr val="00B0F0"/>
+              </a:solidFill>
+              <a:prstDash val="solid"/>
+            </a:ln>
+            <a:effectLst/>
+          </p:spPr>
+          <p:txBody>
+            <a:bodyPr anchor="ctr"/>
+            <a:lstStyle/>
+            <a:p>
+              <a:pPr algn="ctr" fontAlgn="auto">
+                <a:spcBef>
+                  <a:spcPts val="0"/>
+                </a:spcBef>
+                <a:spcAft>
+                  <a:spcPts val="0"/>
+                </a:spcAft>
+                <a:defRPr/>
+              </a:pPr>
+              <a:endParaRPr kumimoji="0" lang="zh-TW" altLang="en-US" sz="2200" kern="0">
+                <a:solidFill>
+                  <a:schemeClr val="bg1"/>
+                </a:solidFill>
+                <a:latin typeface="Arial" panose="020B0604020202020204" pitchFamily="34" charset="0"/>
+                <a:ea typeface="微软雅黑" panose="020B0503020204020204" pitchFamily="34" charset="-122"/>
+                <a:cs typeface="Arial" panose="020B0604020202020204" pitchFamily="34" charset="0"/>
+              </a:endParaRPr>
+            </a:p>
+          </p:txBody>
+        </p:sp>
+        <p:sp>
+          <p:nvSpPr>
+            <p:cNvPr id="8" name="矩形 7"/>
+            <p:cNvSpPr/>
+            <p:nvPr/>
+          </p:nvSpPr>
+          <p:spPr>
+            <a:xfrm>
+              <a:off x="3908668" y="4018029"/>
+              <a:ext cx="2347101" cy="483041"/>
+            </a:xfrm>
+            <a:prstGeom prst="rect">
+              <a:avLst/>
+            </a:prstGeom>
+            <a:solidFill>
+              <a:srgbClr val="00B0F0"/>
+            </a:solidFill>
+            <a:ln w="25400" cap="flat" cmpd="sng" algn="ctr">
+              <a:solidFill>
+                <a:srgbClr val="00B0F0"/>
+              </a:solidFill>
+              <a:prstDash val="solid"/>
+            </a:ln>
+            <a:effectLst/>
+          </p:spPr>
+          <p:txBody>
+            <a:bodyPr anchor="ctr"/>
+            <a:lstStyle/>
+            <a:p>
+              <a:pPr algn="ctr"/>
+              <a:r>
+                <a:rPr lang="zh-CN" altLang="en-US" sz="2400" b="1" dirty="0" smtClean="0">
+                  <a:solidFill>
+                    <a:schemeClr val="bg1"/>
+                  </a:solidFill>
+                  <a:latin typeface="微軟正黑體" panose="020B0604030504040204" pitchFamily="34" charset="-120"/>
+                  <a:ea typeface="微軟正黑體" panose="020B0604030504040204" pitchFamily="34" charset="-120"/>
+                  <a:cs typeface="Segoe UI" pitchFamily="34" charset="0"/>
+                </a:rPr>
+                <a:t>六</a:t>
+              </a:r>
+              <a:r>
+                <a:rPr lang="en-US" altLang="zh-CN" sz="2400" b="1" dirty="0" smtClean="0">
+                  <a:solidFill>
+                    <a:schemeClr val="bg1"/>
+                  </a:solidFill>
+                  <a:latin typeface="微軟正黑體" panose="020B0604030504040204" pitchFamily="34" charset="-120"/>
+                  <a:ea typeface="微軟正黑體" panose="020B0604030504040204" pitchFamily="34" charset="-120"/>
+                  <a:cs typeface="Segoe UI" pitchFamily="34" charset="0"/>
+                </a:rPr>
+                <a:t>. </a:t>
+              </a:r>
+              <a:r>
+                <a:rPr lang="zh-CN" altLang="en-US" sz="2400" b="1" dirty="0" smtClean="0">
+                  <a:solidFill>
+                    <a:schemeClr val="bg1"/>
+                  </a:solidFill>
+                  <a:latin typeface="微軟正黑體" panose="020B0604030504040204" pitchFamily="34" charset="-120"/>
+                  <a:ea typeface="微軟正黑體" panose="020B0604030504040204" pitchFamily="34" charset="-120"/>
+                  <a:cs typeface="Segoe UI" pitchFamily="34" charset="0"/>
+                </a:rPr>
+                <a:t>代码</a:t>
+              </a:r>
+              <a:r>
+                <a:rPr lang="en-US" altLang="zh-CN" sz="2400" b="1" dirty="0" smtClean="0">
+                  <a:solidFill>
+                    <a:schemeClr val="bg1"/>
+                  </a:solidFill>
+                  <a:latin typeface="微軟正黑體" panose="020B0604030504040204" pitchFamily="34" charset="-120"/>
+                  <a:ea typeface="微軟正黑體" panose="020B0604030504040204" pitchFamily="34" charset="-120"/>
+                  <a:cs typeface="Segoe UI" pitchFamily="34" charset="0"/>
+                </a:rPr>
+                <a:t>Review</a:t>
+              </a:r>
+              <a:endParaRPr lang="en-US" altLang="ko-KR" sz="2200" b="1" dirty="0">
+                <a:solidFill>
+                  <a:schemeClr val="bg1"/>
+                </a:solidFill>
+                <a:latin typeface="Arial" panose="020B0604020202020204" pitchFamily="34" charset="0"/>
+                <a:ea typeface="微软雅黑" panose="020B0503020204020204" pitchFamily="34" charset="-122"/>
+                <a:cs typeface="Arial" panose="020B0604020202020204" pitchFamily="34" charset="0"/>
+              </a:endParaRPr>
+            </a:p>
+          </p:txBody>
+        </p:sp>
+      </p:grpSp>
+      <p:sp>
+        <p:nvSpPr>
+          <p:cNvPr id="7" name="文本框 6"/>
+          <p:cNvSpPr txBox="1"/>
+          <p:nvPr/>
+        </p:nvSpPr>
+        <p:spPr>
+          <a:xfrm>
+            <a:off x="1697182" y="1593273"/>
+            <a:ext cx="6116782" cy="1754326"/>
+          </a:xfrm>
+          <a:prstGeom prst="rect">
+            <a:avLst/>
+          </a:prstGeom>
+          <a:noFill/>
+        </p:spPr>
+        <p:txBody>
+          <a:bodyPr wrap="square" rtlCol="0">
+            <a:spAutoFit/>
+          </a:bodyPr>
+          <a:lstStyle/>
+          <a:p>
+            <a:r>
+              <a:rPr lang="zh-CN" altLang="en-US" dirty="0" smtClean="0"/>
+              <a:t>可以截图描述代表性的源码截图，如：</a:t>
+            </a:r>
+            <a:endParaRPr lang="en-US" altLang="zh-CN" dirty="0" smtClean="0"/>
+          </a:p>
+          <a:p>
+            <a:pPr marL="342900" indent="-342900">
+              <a:buAutoNum type="arabicPeriod"/>
+            </a:pPr>
+            <a:r>
+              <a:rPr lang="en-US" altLang="zh-CN" dirty="0" smtClean="0"/>
+              <a:t>UI</a:t>
+            </a:r>
+            <a:r>
+              <a:rPr lang="zh-CN" altLang="en-US" dirty="0" smtClean="0"/>
+              <a:t>中的</a:t>
+            </a:r>
+            <a:r>
+              <a:rPr lang="en-US" altLang="zh-CN" dirty="0" smtClean="0"/>
+              <a:t>Table</a:t>
+            </a:r>
+          </a:p>
+          <a:p>
+            <a:pPr marL="342900" indent="-342900">
+              <a:buAutoNum type="arabicPeriod"/>
+            </a:pPr>
+            <a:r>
+              <a:rPr lang="zh-CN" altLang="en-US" dirty="0" smtClean="0"/>
+              <a:t>技术的应用示例代码</a:t>
+            </a:r>
+            <a:endParaRPr lang="en-US" altLang="zh-CN" dirty="0" smtClean="0"/>
+          </a:p>
+          <a:p>
+            <a:pPr marL="342900" indent="-342900">
+              <a:buAutoNum type="arabicPeriod"/>
+            </a:pPr>
+            <a:r>
+              <a:rPr lang="en-US" altLang="zh-CN" dirty="0" smtClean="0"/>
+              <a:t>Java</a:t>
+            </a:r>
+            <a:r>
+              <a:rPr lang="zh-CN" altLang="en-US" dirty="0" smtClean="0"/>
+              <a:t>中的控制类的部分代码</a:t>
+            </a:r>
+            <a:endParaRPr lang="en-US" altLang="zh-CN" dirty="0" smtClean="0"/>
+          </a:p>
+          <a:p>
+            <a:pPr marL="342900" indent="-342900">
+              <a:buAutoNum type="arabicPeriod"/>
+            </a:pPr>
+            <a:r>
+              <a:rPr lang="en-US" altLang="zh-CN" dirty="0" smtClean="0"/>
+              <a:t>DB</a:t>
+            </a:r>
+            <a:r>
+              <a:rPr lang="zh-CN" altLang="en-US" dirty="0" smtClean="0"/>
+              <a:t>中的存储过程代码</a:t>
+            </a:r>
+            <a:r>
+              <a:rPr lang="en-US" altLang="zh-CN" dirty="0" smtClean="0"/>
+              <a:t>(</a:t>
+            </a:r>
+            <a:r>
+              <a:rPr lang="zh-CN" altLang="en-US" dirty="0" smtClean="0"/>
+              <a:t>如果有</a:t>
+            </a:r>
+            <a:r>
+              <a:rPr lang="en-US" altLang="zh-CN" dirty="0" smtClean="0"/>
+              <a:t>)</a:t>
+            </a:r>
+          </a:p>
+          <a:p>
+            <a:pPr marL="342900" indent="-342900">
+              <a:buAutoNum type="arabicPeriod"/>
+            </a:pPr>
+            <a:r>
+              <a:rPr lang="zh-CN" altLang="en-US" dirty="0" smtClean="0"/>
+              <a:t>等等</a:t>
+            </a:r>
+            <a:endParaRPr lang="zh-CN" altLang="en-US" dirty="0"/>
+          </a:p>
+        </p:txBody>
+      </p:sp>
+    </p:spTree>
+    <p:extLst>
+      <p:ext uri="{BB962C8B-B14F-4D97-AF65-F5344CB8AC3E}">
+        <p14:creationId xmlns:p14="http://schemas.microsoft.com/office/powerpoint/2010/main" val="4146113092"/>
+      </p:ext>
+    </p:extLst>
+  </p:cSld>
+  <p:clrMapOvr>
+    <a:masterClrMapping/>
+  </p:clrMapOvr>
+  <p:timing>
+    <p:tnLst>
+      <p:par>
+        <p:cTn id="1" dur="indefinite" restart="never" nodeType="tmRoot"/>
+      </p:par>
+    </p:tnLst>
+  </p:timing>
+</p:sld>
+</file>
+
+<file path=ppt/slides/slide25.xml><?xml version="1.0" encoding="utf-8"?>
+<p:sld xmlns:a="http://schemas.openxmlformats.org/drawingml/2006/main" xmlns:r="http://schemas.openxmlformats.org/officeDocument/2006/relationships" xmlns:p="http://schemas.openxmlformats.org/presentationml/2006/main">
+  <p:cSld>
+    <p:spTree>
+      <p:nvGrpSpPr>
+        <p:cNvPr id="1" name=""/>
+        <p:cNvGrpSpPr/>
+        <p:nvPr/>
+      </p:nvGrpSpPr>
+      <p:grpSpPr>
+        <a:xfrm>
+          <a:off x="0" y="0"/>
+          <a:ext cx="0" cy="0"/>
+          <a:chOff x="0" y="0"/>
+          <a:chExt cx="0" cy="0"/>
+        </a:xfrm>
+      </p:grpSpPr>
+      <p:sp>
+        <p:nvSpPr>
+          <p:cNvPr id="4" name="投影片編號版面配置區 3"/>
+          <p:cNvSpPr>
+            <a:spLocks noGrp="1"/>
+          </p:cNvSpPr>
+          <p:nvPr>
+            <p:ph type="sldNum" sz="quarter" idx="10"/>
+          </p:nvPr>
+        </p:nvSpPr>
+        <p:spPr/>
+        <p:txBody>
+          <a:bodyPr/>
+          <a:lstStyle/>
+          <a:p>
+            <a:pPr>
+              <a:defRPr/>
+            </a:pPr>
+            <a:fld id="{991D3BC2-FC42-4C57-95D7-42E1AD7BAC3D}" type="slidenum">
+              <a:rPr lang="zh-TW" altLang="en-US" smtClean="0">
+                <a:solidFill>
+                  <a:srgbClr val="000000">
+                    <a:tint val="75000"/>
+                  </a:srgbClr>
+                </a:solidFill>
+              </a:rPr>
+              <a:pPr>
+                <a:defRPr/>
+              </a:pPr>
+              <a:t>25</a:t>
+            </a:fld>
+            <a:endParaRPr lang="zh-TW" altLang="en-US" dirty="0">
+              <a:solidFill>
+                <a:srgbClr val="000000">
+                  <a:tint val="75000"/>
+                </a:srgbClr>
+              </a:solidFill>
+            </a:endParaRPr>
+          </a:p>
+        </p:txBody>
+      </p:sp>
+      <p:grpSp>
+        <p:nvGrpSpPr>
+          <p:cNvPr id="5" name="群組 16"/>
+          <p:cNvGrpSpPr>
+            <a:grpSpLocks/>
+          </p:cNvGrpSpPr>
+          <p:nvPr/>
+        </p:nvGrpSpPr>
+        <p:grpSpPr bwMode="auto">
+          <a:xfrm flipH="1">
+            <a:off x="3887793" y="116632"/>
+            <a:ext cx="5239853" cy="432048"/>
+            <a:chOff x="3908668" y="4018029"/>
+            <a:chExt cx="2693637" cy="483042"/>
+          </a:xfrm>
+          <a:solidFill>
+            <a:srgbClr val="00B050"/>
+          </a:solidFill>
+        </p:grpSpPr>
+        <p:sp>
+          <p:nvSpPr>
+            <p:cNvPr id="6" name="流程圖: 延遲 8"/>
+            <p:cNvSpPr/>
+            <p:nvPr/>
+          </p:nvSpPr>
+          <p:spPr>
+            <a:xfrm>
+              <a:off x="6255768" y="4018031"/>
+              <a:ext cx="346537" cy="483040"/>
+            </a:xfrm>
+            <a:prstGeom prst="flowChartDelay">
+              <a:avLst/>
+            </a:prstGeom>
+            <a:solidFill>
+              <a:srgbClr val="00B0F0"/>
+            </a:solidFill>
+            <a:ln w="25400" cap="flat" cmpd="sng" algn="ctr">
+              <a:solidFill>
+                <a:srgbClr val="00B0F0"/>
+              </a:solidFill>
+              <a:prstDash val="solid"/>
+            </a:ln>
+            <a:effectLst/>
+          </p:spPr>
+          <p:txBody>
+            <a:bodyPr anchor="ctr"/>
+            <a:lstStyle/>
+            <a:p>
+              <a:pPr algn="ctr" fontAlgn="auto">
+                <a:spcBef>
+                  <a:spcPts val="0"/>
+                </a:spcBef>
+                <a:spcAft>
+                  <a:spcPts val="0"/>
+                </a:spcAft>
+                <a:defRPr/>
+              </a:pPr>
+              <a:endParaRPr kumimoji="0" lang="zh-TW" altLang="en-US" sz="2200" kern="0">
+                <a:solidFill>
+                  <a:schemeClr val="bg1"/>
+                </a:solidFill>
+                <a:latin typeface="Arial" panose="020B0604020202020204" pitchFamily="34" charset="0"/>
+                <a:ea typeface="微软雅黑" panose="020B0503020204020204" pitchFamily="34" charset="-122"/>
+                <a:cs typeface="Arial" panose="020B0604020202020204" pitchFamily="34" charset="0"/>
+              </a:endParaRPr>
+            </a:p>
+          </p:txBody>
+        </p:sp>
+        <p:sp>
+          <p:nvSpPr>
+            <p:cNvPr id="8" name="矩形 7"/>
+            <p:cNvSpPr/>
+            <p:nvPr/>
+          </p:nvSpPr>
+          <p:spPr>
+            <a:xfrm>
+              <a:off x="3908668" y="4018029"/>
+              <a:ext cx="2347101" cy="483041"/>
+            </a:xfrm>
+            <a:prstGeom prst="rect">
+              <a:avLst/>
+            </a:prstGeom>
+            <a:solidFill>
+              <a:srgbClr val="00B0F0"/>
+            </a:solidFill>
+            <a:ln w="25400" cap="flat" cmpd="sng" algn="ctr">
+              <a:solidFill>
+                <a:srgbClr val="00B0F0"/>
+              </a:solidFill>
+              <a:prstDash val="solid"/>
+            </a:ln>
+            <a:effectLst/>
+          </p:spPr>
+          <p:txBody>
+            <a:bodyPr anchor="ctr"/>
+            <a:lstStyle/>
+            <a:p>
+              <a:pPr algn="ctr"/>
+              <a:r>
+                <a:rPr lang="zh-CN" altLang="en-US" sz="2400" b="1" dirty="0" smtClean="0">
+                  <a:solidFill>
+                    <a:schemeClr val="bg1"/>
+                  </a:solidFill>
+                  <a:latin typeface="微軟正黑體" panose="020B0604030504040204" pitchFamily="34" charset="-120"/>
+                  <a:ea typeface="微軟正黑體" panose="020B0604030504040204" pitchFamily="34" charset="-120"/>
+                  <a:cs typeface="Segoe UI" pitchFamily="34" charset="0"/>
+                </a:rPr>
+                <a:t>六</a:t>
+              </a:r>
+              <a:r>
+                <a:rPr lang="en-US" altLang="zh-CN" sz="2400" b="1" dirty="0" smtClean="0">
+                  <a:solidFill>
+                    <a:schemeClr val="bg1"/>
+                  </a:solidFill>
+                  <a:latin typeface="微軟正黑體" panose="020B0604030504040204" pitchFamily="34" charset="-120"/>
+                  <a:ea typeface="微軟正黑體" panose="020B0604030504040204" pitchFamily="34" charset="-120"/>
+                  <a:cs typeface="Segoe UI" pitchFamily="34" charset="0"/>
+                </a:rPr>
+                <a:t>. </a:t>
+              </a:r>
+              <a:r>
+                <a:rPr lang="zh-CN" altLang="en-US" sz="2400" b="1" dirty="0" smtClean="0">
+                  <a:solidFill>
+                    <a:schemeClr val="bg1"/>
+                  </a:solidFill>
+                  <a:latin typeface="微軟正黑體" panose="020B0604030504040204" pitchFamily="34" charset="-120"/>
+                  <a:ea typeface="微軟正黑體" panose="020B0604030504040204" pitchFamily="34" charset="-120"/>
+                  <a:cs typeface="Segoe UI" pitchFamily="34" charset="0"/>
+                </a:rPr>
+                <a:t>代码</a:t>
+              </a:r>
+              <a:r>
+                <a:rPr lang="en-US" altLang="zh-CN" sz="2400" b="1" dirty="0" smtClean="0">
+                  <a:solidFill>
+                    <a:schemeClr val="bg1"/>
+                  </a:solidFill>
+                  <a:latin typeface="微軟正黑體" panose="020B0604030504040204" pitchFamily="34" charset="-120"/>
+                  <a:ea typeface="微軟正黑體" panose="020B0604030504040204" pitchFamily="34" charset="-120"/>
+                  <a:cs typeface="Segoe UI" pitchFamily="34" charset="0"/>
+                </a:rPr>
+                <a:t>Review</a:t>
+              </a:r>
+              <a:endParaRPr lang="en-US" altLang="ko-KR" sz="2200" b="1" dirty="0">
+                <a:solidFill>
+                  <a:schemeClr val="bg1"/>
+                </a:solidFill>
+                <a:latin typeface="Arial" panose="020B0604020202020204" pitchFamily="34" charset="0"/>
+                <a:ea typeface="微软雅黑" panose="020B0503020204020204" pitchFamily="34" charset="-122"/>
+                <a:cs typeface="Arial" panose="020B0604020202020204" pitchFamily="34" charset="0"/>
+              </a:endParaRPr>
+            </a:p>
+          </p:txBody>
+        </p:sp>
+      </p:grpSp>
+      <p:sp>
+        <p:nvSpPr>
+          <p:cNvPr id="7" name="文本框 6"/>
+          <p:cNvSpPr txBox="1"/>
+          <p:nvPr/>
+        </p:nvSpPr>
+        <p:spPr>
+          <a:xfrm>
+            <a:off x="1697182" y="1593273"/>
+            <a:ext cx="6116782" cy="1754326"/>
+          </a:xfrm>
+          <a:prstGeom prst="rect">
+            <a:avLst/>
+          </a:prstGeom>
+          <a:noFill/>
+        </p:spPr>
+        <p:txBody>
+          <a:bodyPr wrap="square" rtlCol="0">
+            <a:spAutoFit/>
+          </a:bodyPr>
+          <a:lstStyle/>
+          <a:p>
+            <a:r>
+              <a:rPr lang="zh-CN" altLang="en-US" dirty="0" smtClean="0"/>
+              <a:t>可以截图描述代表性的源码截图，如：</a:t>
+            </a:r>
+            <a:endParaRPr lang="en-US" altLang="zh-CN" dirty="0" smtClean="0"/>
+          </a:p>
+          <a:p>
+            <a:pPr marL="342900" indent="-342900">
+              <a:buAutoNum type="arabicPeriod"/>
+            </a:pPr>
+            <a:r>
+              <a:rPr lang="en-US" altLang="zh-CN" dirty="0" smtClean="0"/>
+              <a:t>UI</a:t>
+            </a:r>
+            <a:r>
+              <a:rPr lang="zh-CN" altLang="en-US" dirty="0" smtClean="0"/>
+              <a:t>中的</a:t>
+            </a:r>
+            <a:r>
+              <a:rPr lang="en-US" altLang="zh-CN" dirty="0" smtClean="0"/>
+              <a:t>Table</a:t>
+            </a:r>
+          </a:p>
+          <a:p>
+            <a:pPr marL="342900" indent="-342900">
+              <a:buAutoNum type="arabicPeriod"/>
+            </a:pPr>
+            <a:r>
+              <a:rPr lang="zh-CN" altLang="en-US" dirty="0" smtClean="0"/>
+              <a:t>技术的应用示例代码</a:t>
+            </a:r>
+            <a:endParaRPr lang="en-US" altLang="zh-CN" dirty="0" smtClean="0"/>
+          </a:p>
+          <a:p>
+            <a:pPr marL="342900" indent="-342900">
+              <a:buAutoNum type="arabicPeriod"/>
+            </a:pPr>
+            <a:r>
+              <a:rPr lang="en-US" altLang="zh-CN" dirty="0" smtClean="0"/>
+              <a:t>Java</a:t>
+            </a:r>
+            <a:r>
+              <a:rPr lang="zh-CN" altLang="en-US" dirty="0" smtClean="0"/>
+              <a:t>中的控制类的部分代码</a:t>
+            </a:r>
+            <a:endParaRPr lang="en-US" altLang="zh-CN" dirty="0" smtClean="0"/>
+          </a:p>
+          <a:p>
+            <a:pPr marL="342900" indent="-342900">
+              <a:buAutoNum type="arabicPeriod"/>
+            </a:pPr>
+            <a:r>
+              <a:rPr lang="en-US" altLang="zh-CN" dirty="0" smtClean="0"/>
+              <a:t>DB</a:t>
+            </a:r>
+            <a:r>
+              <a:rPr lang="zh-CN" altLang="en-US" dirty="0" smtClean="0"/>
+              <a:t>中的存储过程代码</a:t>
+            </a:r>
+            <a:r>
+              <a:rPr lang="en-US" altLang="zh-CN" dirty="0" smtClean="0"/>
+              <a:t>(</a:t>
+            </a:r>
+            <a:r>
+              <a:rPr lang="zh-CN" altLang="en-US" dirty="0" smtClean="0"/>
+              <a:t>如果有</a:t>
+            </a:r>
+            <a:r>
+              <a:rPr lang="en-US" altLang="zh-CN" dirty="0" smtClean="0"/>
+              <a:t>)</a:t>
+            </a:r>
+          </a:p>
+          <a:p>
+            <a:pPr marL="342900" indent="-342900">
+              <a:buAutoNum type="arabicPeriod"/>
+            </a:pPr>
+            <a:r>
+              <a:rPr lang="zh-CN" altLang="en-US" dirty="0" smtClean="0"/>
+              <a:t>等等</a:t>
+            </a:r>
+            <a:endParaRPr lang="zh-CN" altLang="en-US" dirty="0"/>
+          </a:p>
+        </p:txBody>
+      </p:sp>
+    </p:spTree>
+    <p:extLst>
+      <p:ext uri="{BB962C8B-B14F-4D97-AF65-F5344CB8AC3E}">
+        <p14:creationId xmlns:p14="http://schemas.microsoft.com/office/powerpoint/2010/main" val="1787322795"/>
+      </p:ext>
+    </p:extLst>
+  </p:cSld>
+  <p:clrMapOvr>
+    <a:masterClrMapping/>
+  </p:clrMapOvr>
+  <p:timing>
+    <p:tnLst>
+      <p:par>
+        <p:cTn id="1" dur="indefinite" restart="never" nodeType="tmRoot"/>
+      </p:par>
+    </p:tnLst>
+  </p:timing>
+</p:sld>
+</file>
+
+<file path=ppt/slides/slide26.xml><?xml version="1.0" encoding="utf-8"?>
+<p:sld xmlns:a="http://schemas.openxmlformats.org/drawingml/2006/main" xmlns:r="http://schemas.openxmlformats.org/officeDocument/2006/relationships" xmlns:p="http://schemas.openxmlformats.org/presentationml/2006/main">
+  <p:cSld>
+    <p:spTree>
+      <p:nvGrpSpPr>
+        <p:cNvPr id="1" name=""/>
+        <p:cNvGrpSpPr/>
+        <p:nvPr/>
+      </p:nvGrpSpPr>
+      <p:grpSpPr>
+        <a:xfrm>
+          <a:off x="0" y="0"/>
+          <a:ext cx="0" cy="0"/>
+          <a:chOff x="0" y="0"/>
+          <a:chExt cx="0" cy="0"/>
+        </a:xfrm>
+      </p:grpSpPr>
+      <p:sp>
+        <p:nvSpPr>
+          <p:cNvPr id="4" name="投影片編號版面配置區 3"/>
+          <p:cNvSpPr>
+            <a:spLocks noGrp="1"/>
+          </p:cNvSpPr>
+          <p:nvPr>
+            <p:ph type="sldNum" sz="quarter" idx="10"/>
+          </p:nvPr>
+        </p:nvSpPr>
+        <p:spPr/>
+        <p:txBody>
+          <a:bodyPr/>
+          <a:lstStyle/>
+          <a:p>
+            <a:pPr>
+              <a:defRPr/>
+            </a:pPr>
+            <a:fld id="{991D3BC2-FC42-4C57-95D7-42E1AD7BAC3D}" type="slidenum">
+              <a:rPr lang="zh-TW" altLang="en-US" smtClean="0">
+                <a:solidFill>
+                  <a:srgbClr val="000000">
+                    <a:tint val="75000"/>
+                  </a:srgbClr>
+                </a:solidFill>
+              </a:rPr>
+              <a:pPr>
+                <a:defRPr/>
+              </a:pPr>
+              <a:t>26</a:t>
+            </a:fld>
+            <a:endParaRPr lang="zh-TW" altLang="en-US" dirty="0">
+              <a:solidFill>
+                <a:srgbClr val="000000">
+                  <a:tint val="75000"/>
+                </a:srgbClr>
+              </a:solidFill>
+            </a:endParaRPr>
+          </a:p>
+        </p:txBody>
+      </p:sp>
+      <p:grpSp>
+        <p:nvGrpSpPr>
+          <p:cNvPr id="5" name="群組 16"/>
+          <p:cNvGrpSpPr>
+            <a:grpSpLocks/>
+          </p:cNvGrpSpPr>
+          <p:nvPr/>
+        </p:nvGrpSpPr>
+        <p:grpSpPr bwMode="auto">
+          <a:xfrm flipH="1">
+            <a:off x="3887793" y="116632"/>
+            <a:ext cx="5239853" cy="432048"/>
+            <a:chOff x="3908668" y="4018029"/>
+            <a:chExt cx="2693637" cy="483042"/>
+          </a:xfrm>
+          <a:solidFill>
+            <a:srgbClr val="00B050"/>
+          </a:solidFill>
+        </p:grpSpPr>
+        <p:sp>
+          <p:nvSpPr>
+            <p:cNvPr id="6" name="流程圖: 延遲 8"/>
+            <p:cNvSpPr/>
+            <p:nvPr/>
+          </p:nvSpPr>
+          <p:spPr>
+            <a:xfrm>
+              <a:off x="6255768" y="4018031"/>
+              <a:ext cx="346537" cy="483040"/>
+            </a:xfrm>
+            <a:prstGeom prst="flowChartDelay">
+              <a:avLst/>
+            </a:prstGeom>
+            <a:solidFill>
+              <a:srgbClr val="00B0F0"/>
+            </a:solidFill>
+            <a:ln w="25400" cap="flat" cmpd="sng" algn="ctr">
+              <a:solidFill>
+                <a:srgbClr val="00B0F0"/>
+              </a:solidFill>
+              <a:prstDash val="solid"/>
+            </a:ln>
+            <a:effectLst/>
+          </p:spPr>
+          <p:txBody>
+            <a:bodyPr anchor="ctr"/>
+            <a:lstStyle/>
+            <a:p>
+              <a:pPr algn="ctr" fontAlgn="auto">
+                <a:spcBef>
+                  <a:spcPts val="0"/>
+                </a:spcBef>
+                <a:spcAft>
+                  <a:spcPts val="0"/>
+                </a:spcAft>
+                <a:defRPr/>
+              </a:pPr>
+              <a:endParaRPr kumimoji="0" lang="zh-TW" altLang="en-US" sz="2200" kern="0">
+                <a:solidFill>
+                  <a:schemeClr val="bg1"/>
+                </a:solidFill>
+                <a:latin typeface="Arial" panose="020B0604020202020204" pitchFamily="34" charset="0"/>
+                <a:ea typeface="微软雅黑" panose="020B0503020204020204" pitchFamily="34" charset="-122"/>
+                <a:cs typeface="Arial" panose="020B0604020202020204" pitchFamily="34" charset="0"/>
+              </a:endParaRPr>
+            </a:p>
+          </p:txBody>
+        </p:sp>
+        <p:sp>
+          <p:nvSpPr>
+            <p:cNvPr id="8" name="矩形 7"/>
+            <p:cNvSpPr/>
+            <p:nvPr/>
+          </p:nvSpPr>
+          <p:spPr>
+            <a:xfrm>
+              <a:off x="3908668" y="4018029"/>
+              <a:ext cx="2347101" cy="483041"/>
+            </a:xfrm>
+            <a:prstGeom prst="rect">
+              <a:avLst/>
+            </a:prstGeom>
+            <a:solidFill>
+              <a:srgbClr val="00B0F0"/>
+            </a:solidFill>
+            <a:ln w="25400" cap="flat" cmpd="sng" algn="ctr">
+              <a:solidFill>
+                <a:srgbClr val="00B0F0"/>
+              </a:solidFill>
+              <a:prstDash val="solid"/>
+            </a:ln>
+            <a:effectLst/>
+          </p:spPr>
+          <p:txBody>
+            <a:bodyPr anchor="ctr"/>
+            <a:lstStyle/>
+            <a:p>
+              <a:pPr algn="ctr"/>
+              <a:r>
+                <a:rPr lang="zh-CN" altLang="en-US" sz="2400" b="1" dirty="0" smtClean="0">
+                  <a:solidFill>
+                    <a:schemeClr val="bg1"/>
+                  </a:solidFill>
+                  <a:latin typeface="微軟正黑體" panose="020B0604030504040204" pitchFamily="34" charset="-120"/>
+                  <a:ea typeface="微軟正黑體" panose="020B0604030504040204" pitchFamily="34" charset="-120"/>
+                  <a:cs typeface="Segoe UI" pitchFamily="34" charset="0"/>
+                </a:rPr>
+                <a:t>六</a:t>
+              </a:r>
+              <a:r>
+                <a:rPr lang="en-US" altLang="zh-CN" sz="2400" b="1" dirty="0" smtClean="0">
+                  <a:solidFill>
+                    <a:schemeClr val="bg1"/>
+                  </a:solidFill>
+                  <a:latin typeface="微軟正黑體" panose="020B0604030504040204" pitchFamily="34" charset="-120"/>
+                  <a:ea typeface="微軟正黑體" panose="020B0604030504040204" pitchFamily="34" charset="-120"/>
+                  <a:cs typeface="Segoe UI" pitchFamily="34" charset="0"/>
+                </a:rPr>
+                <a:t>. </a:t>
+              </a:r>
+              <a:r>
+                <a:rPr lang="zh-CN" altLang="en-US" sz="2400" b="1" dirty="0" smtClean="0">
+                  <a:solidFill>
+                    <a:schemeClr val="bg1"/>
+                  </a:solidFill>
+                  <a:latin typeface="微軟正黑體" panose="020B0604030504040204" pitchFamily="34" charset="-120"/>
+                  <a:ea typeface="微軟正黑體" panose="020B0604030504040204" pitchFamily="34" charset="-120"/>
+                  <a:cs typeface="Segoe UI" pitchFamily="34" charset="0"/>
+                </a:rPr>
+                <a:t>代码</a:t>
+              </a:r>
+              <a:r>
+                <a:rPr lang="en-US" altLang="zh-CN" sz="2400" b="1" dirty="0" smtClean="0">
+                  <a:solidFill>
+                    <a:schemeClr val="bg1"/>
+                  </a:solidFill>
+                  <a:latin typeface="微軟正黑體" panose="020B0604030504040204" pitchFamily="34" charset="-120"/>
+                  <a:ea typeface="微軟正黑體" panose="020B0604030504040204" pitchFamily="34" charset="-120"/>
+                  <a:cs typeface="Segoe UI" pitchFamily="34" charset="0"/>
+                </a:rPr>
+                <a:t>Review</a:t>
+              </a:r>
+              <a:endParaRPr lang="en-US" altLang="ko-KR" sz="2200" b="1" dirty="0">
+                <a:solidFill>
+                  <a:schemeClr val="bg1"/>
+                </a:solidFill>
+                <a:latin typeface="Arial" panose="020B0604020202020204" pitchFamily="34" charset="0"/>
+                <a:ea typeface="微软雅黑" panose="020B0503020204020204" pitchFamily="34" charset="-122"/>
+                <a:cs typeface="Arial" panose="020B0604020202020204" pitchFamily="34" charset="0"/>
+              </a:endParaRPr>
+            </a:p>
+          </p:txBody>
+        </p:sp>
+      </p:grpSp>
+      <p:sp>
+        <p:nvSpPr>
+          <p:cNvPr id="7" name="文本框 6"/>
+          <p:cNvSpPr txBox="1"/>
+          <p:nvPr/>
+        </p:nvSpPr>
+        <p:spPr>
+          <a:xfrm>
+            <a:off x="1697182" y="1593273"/>
+            <a:ext cx="6116782" cy="1754326"/>
+          </a:xfrm>
+          <a:prstGeom prst="rect">
+            <a:avLst/>
+          </a:prstGeom>
+          <a:noFill/>
+        </p:spPr>
+        <p:txBody>
+          <a:bodyPr wrap="square" rtlCol="0">
+            <a:spAutoFit/>
+          </a:bodyPr>
+          <a:lstStyle/>
+          <a:p>
+            <a:r>
+              <a:rPr lang="zh-CN" altLang="en-US" dirty="0" smtClean="0"/>
+              <a:t>可以截图描述代表性的源码截图，如：</a:t>
+            </a:r>
+            <a:endParaRPr lang="en-US" altLang="zh-CN" dirty="0" smtClean="0"/>
+          </a:p>
+          <a:p>
+            <a:pPr marL="342900" indent="-342900">
+              <a:buAutoNum type="arabicPeriod"/>
+            </a:pPr>
+            <a:r>
+              <a:rPr lang="en-US" altLang="zh-CN" dirty="0" smtClean="0"/>
+              <a:t>UI</a:t>
+            </a:r>
+            <a:r>
+              <a:rPr lang="zh-CN" altLang="en-US" dirty="0" smtClean="0"/>
+              <a:t>中的</a:t>
+            </a:r>
+            <a:r>
+              <a:rPr lang="en-US" altLang="zh-CN" dirty="0" smtClean="0"/>
+              <a:t>Table</a:t>
+            </a:r>
+          </a:p>
+          <a:p>
+            <a:pPr marL="342900" indent="-342900">
+              <a:buAutoNum type="arabicPeriod"/>
+            </a:pPr>
+            <a:r>
+              <a:rPr lang="zh-CN" altLang="en-US" dirty="0" smtClean="0"/>
+              <a:t>技术的应用示例代码</a:t>
+            </a:r>
+            <a:endParaRPr lang="en-US" altLang="zh-CN" dirty="0" smtClean="0"/>
+          </a:p>
+          <a:p>
+            <a:pPr marL="342900" indent="-342900">
+              <a:buAutoNum type="arabicPeriod"/>
+            </a:pPr>
+            <a:r>
+              <a:rPr lang="en-US" altLang="zh-CN" dirty="0" smtClean="0"/>
+              <a:t>Java</a:t>
+            </a:r>
+            <a:r>
+              <a:rPr lang="zh-CN" altLang="en-US" dirty="0" smtClean="0"/>
+              <a:t>中的控制类的部分代码</a:t>
+            </a:r>
+            <a:endParaRPr lang="en-US" altLang="zh-CN" dirty="0" smtClean="0"/>
+          </a:p>
+          <a:p>
+            <a:pPr marL="342900" indent="-342900">
+              <a:buAutoNum type="arabicPeriod"/>
+            </a:pPr>
+            <a:r>
+              <a:rPr lang="en-US" altLang="zh-CN" dirty="0" smtClean="0"/>
+              <a:t>DB</a:t>
+            </a:r>
+            <a:r>
+              <a:rPr lang="zh-CN" altLang="en-US" dirty="0" smtClean="0"/>
+              <a:t>中的存储过程代码</a:t>
+            </a:r>
+            <a:r>
+              <a:rPr lang="en-US" altLang="zh-CN" dirty="0" smtClean="0"/>
+              <a:t>(</a:t>
+            </a:r>
+            <a:r>
+              <a:rPr lang="zh-CN" altLang="en-US" dirty="0" smtClean="0"/>
+              <a:t>如果有</a:t>
+            </a:r>
+            <a:r>
+              <a:rPr lang="en-US" altLang="zh-CN" dirty="0" smtClean="0"/>
+              <a:t>)</a:t>
+            </a:r>
+          </a:p>
+          <a:p>
+            <a:pPr marL="342900" indent="-342900">
+              <a:buAutoNum type="arabicPeriod"/>
+            </a:pPr>
+            <a:r>
+              <a:rPr lang="zh-CN" altLang="en-US" dirty="0" smtClean="0"/>
+              <a:t>等等</a:t>
+            </a:r>
+            <a:endParaRPr lang="zh-CN" altLang="en-US" dirty="0"/>
+          </a:p>
+        </p:txBody>
+      </p:sp>
+    </p:spTree>
+    <p:extLst>
+      <p:ext uri="{BB962C8B-B14F-4D97-AF65-F5344CB8AC3E}">
+        <p14:creationId xmlns:p14="http://schemas.microsoft.com/office/powerpoint/2010/main" val="1047014452"/>
+      </p:ext>
+    </p:extLst>
+  </p:cSld>
+  <p:clrMapOvr>
+    <a:masterClrMapping/>
+  </p:clrMapOvr>
+  <p:timing>
+    <p:tnLst>
+      <p:par>
+        <p:cTn id="1" dur="indefinite" restart="never" nodeType="tmRoot"/>
+      </p:par>
+    </p:tnLst>
+  </p:timing>
+</p:sld>
+</file>
+
+<file path=ppt/slides/slide27.xml><?xml version="1.0" encoding="utf-8"?>
+<p:sld xmlns:a="http://schemas.openxmlformats.org/drawingml/2006/main" xmlns:r="http://schemas.openxmlformats.org/officeDocument/2006/relationships" xmlns:p="http://schemas.openxmlformats.org/presentationml/2006/main">
+  <p:cSld>
+    <p:spTree>
+      <p:nvGrpSpPr>
+        <p:cNvPr id="1" name=""/>
+        <p:cNvGrpSpPr/>
+        <p:nvPr/>
+      </p:nvGrpSpPr>
+      <p:grpSpPr>
+        <a:xfrm>
+          <a:off x="0" y="0"/>
+          <a:ext cx="0" cy="0"/>
+          <a:chOff x="0" y="0"/>
+          <a:chExt cx="0" cy="0"/>
+        </a:xfrm>
+      </p:grpSpPr>
+      <p:sp>
+        <p:nvSpPr>
+          <p:cNvPr id="4" name="投影片編號版面配置區 3"/>
+          <p:cNvSpPr>
+            <a:spLocks noGrp="1"/>
+          </p:cNvSpPr>
+          <p:nvPr>
+            <p:ph type="sldNum" sz="quarter" idx="10"/>
+          </p:nvPr>
+        </p:nvSpPr>
+        <p:spPr/>
+        <p:txBody>
+          <a:bodyPr/>
+          <a:lstStyle/>
+          <a:p>
+            <a:pPr>
+              <a:defRPr/>
+            </a:pPr>
+            <a:fld id="{991D3BC2-FC42-4C57-95D7-42E1AD7BAC3D}" type="slidenum">
+              <a:rPr lang="zh-TW" altLang="en-US" smtClean="0">
+                <a:solidFill>
+                  <a:srgbClr val="000000">
+                    <a:tint val="75000"/>
+                  </a:srgbClr>
+                </a:solidFill>
+              </a:rPr>
+              <a:pPr>
+                <a:defRPr/>
+              </a:pPr>
+              <a:t>27</a:t>
+            </a:fld>
+            <a:endParaRPr lang="zh-TW" altLang="en-US" dirty="0">
+              <a:solidFill>
+                <a:srgbClr val="000000">
+                  <a:tint val="75000"/>
+                </a:srgbClr>
+              </a:solidFill>
+            </a:endParaRPr>
+          </a:p>
+        </p:txBody>
+      </p:sp>
+      <p:grpSp>
+        <p:nvGrpSpPr>
+          <p:cNvPr id="5" name="群組 16"/>
+          <p:cNvGrpSpPr>
+            <a:grpSpLocks/>
+          </p:cNvGrpSpPr>
+          <p:nvPr/>
+        </p:nvGrpSpPr>
+        <p:grpSpPr bwMode="auto">
+          <a:xfrm flipH="1">
+            <a:off x="3887793" y="116632"/>
+            <a:ext cx="5239853" cy="432048"/>
+            <a:chOff x="3908668" y="4018029"/>
+            <a:chExt cx="2693637" cy="483042"/>
+          </a:xfrm>
+          <a:solidFill>
+            <a:srgbClr val="00B050"/>
+          </a:solidFill>
+        </p:grpSpPr>
+        <p:sp>
+          <p:nvSpPr>
+            <p:cNvPr id="6" name="流程圖: 延遲 8"/>
+            <p:cNvSpPr/>
+            <p:nvPr/>
+          </p:nvSpPr>
+          <p:spPr>
+            <a:xfrm>
+              <a:off x="6255768" y="4018031"/>
+              <a:ext cx="346537" cy="483040"/>
+            </a:xfrm>
+            <a:prstGeom prst="flowChartDelay">
+              <a:avLst/>
+            </a:prstGeom>
+            <a:solidFill>
+              <a:srgbClr val="00B0F0"/>
+            </a:solidFill>
+            <a:ln w="25400" cap="flat" cmpd="sng" algn="ctr">
+              <a:solidFill>
+                <a:srgbClr val="00B0F0"/>
+              </a:solidFill>
+              <a:prstDash val="solid"/>
+            </a:ln>
+            <a:effectLst/>
+          </p:spPr>
+          <p:txBody>
+            <a:bodyPr anchor="ctr"/>
+            <a:lstStyle/>
+            <a:p>
+              <a:pPr algn="ctr" fontAlgn="auto">
+                <a:spcBef>
+                  <a:spcPts val="0"/>
+                </a:spcBef>
+                <a:spcAft>
+                  <a:spcPts val="0"/>
+                </a:spcAft>
+                <a:defRPr/>
+              </a:pPr>
+              <a:endParaRPr kumimoji="0" lang="zh-TW" altLang="en-US" sz="2200" kern="0">
+                <a:solidFill>
+                  <a:schemeClr val="bg1"/>
+                </a:solidFill>
+                <a:latin typeface="Arial" panose="020B0604020202020204" pitchFamily="34" charset="0"/>
+                <a:ea typeface="微软雅黑" panose="020B0503020204020204" pitchFamily="34" charset="-122"/>
+                <a:cs typeface="Arial" panose="020B0604020202020204" pitchFamily="34" charset="0"/>
+              </a:endParaRPr>
+            </a:p>
+          </p:txBody>
+        </p:sp>
+        <p:sp>
+          <p:nvSpPr>
+            <p:cNvPr id="8" name="矩形 7"/>
+            <p:cNvSpPr/>
+            <p:nvPr/>
+          </p:nvSpPr>
+          <p:spPr>
+            <a:xfrm>
+              <a:off x="3908668" y="4018029"/>
+              <a:ext cx="2347101" cy="483041"/>
+            </a:xfrm>
+            <a:prstGeom prst="rect">
+              <a:avLst/>
+            </a:prstGeom>
+            <a:solidFill>
+              <a:srgbClr val="00B0F0"/>
+            </a:solidFill>
+            <a:ln w="25400" cap="flat" cmpd="sng" algn="ctr">
+              <a:solidFill>
+                <a:srgbClr val="00B0F0"/>
+              </a:solidFill>
+              <a:prstDash val="solid"/>
+            </a:ln>
+            <a:effectLst/>
+          </p:spPr>
+          <p:txBody>
+            <a:bodyPr anchor="ctr"/>
+            <a:lstStyle/>
+            <a:p>
+              <a:pPr algn="ctr"/>
+              <a:r>
+                <a:rPr lang="zh-CN" altLang="en-US" sz="2400" b="1" dirty="0" smtClean="0">
+                  <a:solidFill>
+                    <a:schemeClr val="bg1"/>
+                  </a:solidFill>
+                  <a:latin typeface="微軟正黑體" panose="020B0604030504040204" pitchFamily="34" charset="-120"/>
+                  <a:ea typeface="微軟正黑體" panose="020B0604030504040204" pitchFamily="34" charset="-120"/>
+                  <a:cs typeface="Segoe UI" pitchFamily="34" charset="0"/>
+                </a:rPr>
+                <a:t>六</a:t>
+              </a:r>
+              <a:r>
+                <a:rPr lang="en-US" altLang="zh-CN" sz="2400" b="1" dirty="0" smtClean="0">
+                  <a:solidFill>
+                    <a:schemeClr val="bg1"/>
+                  </a:solidFill>
+                  <a:latin typeface="微軟正黑體" panose="020B0604030504040204" pitchFamily="34" charset="-120"/>
+                  <a:ea typeface="微軟正黑體" panose="020B0604030504040204" pitchFamily="34" charset="-120"/>
+                  <a:cs typeface="Segoe UI" pitchFamily="34" charset="0"/>
+                </a:rPr>
+                <a:t>. </a:t>
+              </a:r>
+              <a:r>
+                <a:rPr lang="zh-CN" altLang="en-US" sz="2400" b="1" dirty="0" smtClean="0">
+                  <a:solidFill>
+                    <a:schemeClr val="bg1"/>
+                  </a:solidFill>
+                  <a:latin typeface="微軟正黑體" panose="020B0604030504040204" pitchFamily="34" charset="-120"/>
+                  <a:ea typeface="微軟正黑體" panose="020B0604030504040204" pitchFamily="34" charset="-120"/>
+                  <a:cs typeface="Segoe UI" pitchFamily="34" charset="0"/>
+                </a:rPr>
+                <a:t>代码</a:t>
+              </a:r>
+              <a:r>
+                <a:rPr lang="en-US" altLang="zh-CN" sz="2400" b="1" dirty="0" smtClean="0">
+                  <a:solidFill>
+                    <a:schemeClr val="bg1"/>
+                  </a:solidFill>
+                  <a:latin typeface="微軟正黑體" panose="020B0604030504040204" pitchFamily="34" charset="-120"/>
+                  <a:ea typeface="微軟正黑體" panose="020B0604030504040204" pitchFamily="34" charset="-120"/>
+                  <a:cs typeface="Segoe UI" pitchFamily="34" charset="0"/>
+                </a:rPr>
+                <a:t>Review</a:t>
+              </a:r>
+              <a:endParaRPr lang="en-US" altLang="ko-KR" sz="2200" b="1" dirty="0">
+                <a:solidFill>
+                  <a:schemeClr val="bg1"/>
+                </a:solidFill>
+                <a:latin typeface="Arial" panose="020B0604020202020204" pitchFamily="34" charset="0"/>
+                <a:ea typeface="微软雅黑" panose="020B0503020204020204" pitchFamily="34" charset="-122"/>
+                <a:cs typeface="Arial" panose="020B0604020202020204" pitchFamily="34" charset="0"/>
+              </a:endParaRPr>
+            </a:p>
+          </p:txBody>
+        </p:sp>
+      </p:grpSp>
+      <p:sp>
+        <p:nvSpPr>
+          <p:cNvPr id="7" name="文本框 6"/>
+          <p:cNvSpPr txBox="1"/>
+          <p:nvPr/>
+        </p:nvSpPr>
+        <p:spPr>
+          <a:xfrm>
+            <a:off x="1697182" y="1593273"/>
+            <a:ext cx="6116782" cy="1754326"/>
+          </a:xfrm>
+          <a:prstGeom prst="rect">
+            <a:avLst/>
+          </a:prstGeom>
+          <a:noFill/>
+        </p:spPr>
+        <p:txBody>
+          <a:bodyPr wrap="square" rtlCol="0">
+            <a:spAutoFit/>
+          </a:bodyPr>
+          <a:lstStyle/>
+          <a:p>
+            <a:r>
+              <a:rPr lang="zh-CN" altLang="en-US" dirty="0" smtClean="0"/>
+              <a:t>可以截图描述代表性的源码截图，如：</a:t>
+            </a:r>
+            <a:endParaRPr lang="en-US" altLang="zh-CN" dirty="0" smtClean="0"/>
+          </a:p>
+          <a:p>
+            <a:pPr marL="342900" indent="-342900">
+              <a:buAutoNum type="arabicPeriod"/>
+            </a:pPr>
+            <a:r>
+              <a:rPr lang="en-US" altLang="zh-CN" dirty="0" smtClean="0"/>
+              <a:t>UI</a:t>
+            </a:r>
+            <a:r>
+              <a:rPr lang="zh-CN" altLang="en-US" dirty="0" smtClean="0"/>
+              <a:t>中的</a:t>
+            </a:r>
+            <a:r>
+              <a:rPr lang="en-US" altLang="zh-CN" dirty="0" smtClean="0"/>
+              <a:t>Table</a:t>
+            </a:r>
+          </a:p>
+          <a:p>
+            <a:pPr marL="342900" indent="-342900">
+              <a:buAutoNum type="arabicPeriod"/>
+            </a:pPr>
+            <a:r>
+              <a:rPr lang="zh-CN" altLang="en-US" dirty="0" smtClean="0"/>
+              <a:t>技术的应用示例代码</a:t>
+            </a:r>
+            <a:endParaRPr lang="en-US" altLang="zh-CN" dirty="0" smtClean="0"/>
+          </a:p>
+          <a:p>
+            <a:pPr marL="342900" indent="-342900">
+              <a:buAutoNum type="arabicPeriod"/>
+            </a:pPr>
+            <a:r>
+              <a:rPr lang="en-US" altLang="zh-CN" dirty="0" smtClean="0"/>
+              <a:t>Java</a:t>
+            </a:r>
+            <a:r>
+              <a:rPr lang="zh-CN" altLang="en-US" dirty="0" smtClean="0"/>
+              <a:t>中的控制类的部分代码</a:t>
+            </a:r>
+            <a:endParaRPr lang="en-US" altLang="zh-CN" dirty="0" smtClean="0"/>
+          </a:p>
+          <a:p>
+            <a:pPr marL="342900" indent="-342900">
+              <a:buAutoNum type="arabicPeriod"/>
+            </a:pPr>
+            <a:r>
+              <a:rPr lang="en-US" altLang="zh-CN" dirty="0" smtClean="0"/>
+              <a:t>DB</a:t>
+            </a:r>
+            <a:r>
+              <a:rPr lang="zh-CN" altLang="en-US" dirty="0" smtClean="0"/>
+              <a:t>中的存储过程代码</a:t>
+            </a:r>
+            <a:r>
+              <a:rPr lang="en-US" altLang="zh-CN" dirty="0" smtClean="0"/>
+              <a:t>(</a:t>
+            </a:r>
+            <a:r>
+              <a:rPr lang="zh-CN" altLang="en-US" dirty="0" smtClean="0"/>
+              <a:t>如果有</a:t>
+            </a:r>
+            <a:r>
+              <a:rPr lang="en-US" altLang="zh-CN" dirty="0" smtClean="0"/>
+              <a:t>)</a:t>
+            </a:r>
+          </a:p>
+          <a:p>
+            <a:pPr marL="342900" indent="-342900">
+              <a:buAutoNum type="arabicPeriod"/>
+            </a:pPr>
+            <a:r>
+              <a:rPr lang="zh-CN" altLang="en-US" dirty="0" smtClean="0"/>
+              <a:t>等等</a:t>
+            </a:r>
+            <a:endParaRPr lang="zh-CN" altLang="en-US" dirty="0"/>
+          </a:p>
+        </p:txBody>
+      </p:sp>
+    </p:spTree>
+    <p:extLst>
+      <p:ext uri="{BB962C8B-B14F-4D97-AF65-F5344CB8AC3E}">
+        <p14:creationId xmlns:p14="http://schemas.microsoft.com/office/powerpoint/2010/main" val="1426088318"/>
+      </p:ext>
+    </p:extLst>
+  </p:cSld>
+  <p:clrMapOvr>
+    <a:masterClrMapping/>
+  </p:clrMapOvr>
+  <p:timing>
+    <p:tnLst>
+      <p:par>
+        <p:cTn id="1" dur="indefinite" restart="never" nodeType="tmRoot"/>
+      </p:par>
+    </p:tnLst>
+  </p:timing>
+</p:sld>
+</file>
+
+<file path=ppt/slides/slide28.xml><?xml version="1.0" encoding="utf-8"?>
+<p:sld xmlns:a="http://schemas.openxmlformats.org/drawingml/2006/main" xmlns:r="http://schemas.openxmlformats.org/officeDocument/2006/relationships" xmlns:p="http://schemas.openxmlformats.org/presentationml/2006/main">
+  <p:cSld>
+    <p:spTree>
+      <p:nvGrpSpPr>
+        <p:cNvPr id="1" name=""/>
+        <p:cNvGrpSpPr/>
+        <p:nvPr/>
+      </p:nvGrpSpPr>
+      <p:grpSpPr>
+        <a:xfrm>
+          <a:off x="0" y="0"/>
+          <a:ext cx="0" cy="0"/>
+          <a:chOff x="0" y="0"/>
+          <a:chExt cx="0" cy="0"/>
+        </a:xfrm>
+      </p:grpSpPr>
+      <p:sp>
+        <p:nvSpPr>
+          <p:cNvPr id="4" name="投影片編號版面配置區 3"/>
+          <p:cNvSpPr>
+            <a:spLocks noGrp="1"/>
+          </p:cNvSpPr>
+          <p:nvPr>
+            <p:ph type="sldNum" sz="quarter" idx="10"/>
+          </p:nvPr>
+        </p:nvSpPr>
+        <p:spPr/>
+        <p:txBody>
+          <a:bodyPr/>
+          <a:lstStyle/>
+          <a:p>
+            <a:pPr>
+              <a:defRPr/>
+            </a:pPr>
+            <a:fld id="{991D3BC2-FC42-4C57-95D7-42E1AD7BAC3D}" type="slidenum">
+              <a:rPr lang="zh-TW" altLang="en-US" smtClean="0">
+                <a:solidFill>
+                  <a:srgbClr val="000000">
+                    <a:tint val="75000"/>
+                  </a:srgbClr>
+                </a:solidFill>
+              </a:rPr>
+              <a:pPr>
+                <a:defRPr/>
+              </a:pPr>
+              <a:t>28</a:t>
+            </a:fld>
+            <a:endParaRPr lang="zh-TW" altLang="en-US" dirty="0">
+              <a:solidFill>
+                <a:srgbClr val="000000">
+                  <a:tint val="75000"/>
+                </a:srgbClr>
+              </a:solidFill>
+            </a:endParaRPr>
+          </a:p>
+        </p:txBody>
+      </p:sp>
+      <p:grpSp>
+        <p:nvGrpSpPr>
+          <p:cNvPr id="5" name="群組 16"/>
+          <p:cNvGrpSpPr>
+            <a:grpSpLocks/>
+          </p:cNvGrpSpPr>
+          <p:nvPr/>
+        </p:nvGrpSpPr>
+        <p:grpSpPr bwMode="auto">
+          <a:xfrm flipH="1">
+            <a:off x="3887793" y="116632"/>
+            <a:ext cx="5239853" cy="432048"/>
+            <a:chOff x="3908668" y="4018029"/>
+            <a:chExt cx="2693637" cy="483042"/>
+          </a:xfrm>
+          <a:solidFill>
+            <a:srgbClr val="00B050"/>
+          </a:solidFill>
+        </p:grpSpPr>
+        <p:sp>
+          <p:nvSpPr>
+            <p:cNvPr id="6" name="流程圖: 延遲 8"/>
+            <p:cNvSpPr/>
+            <p:nvPr/>
+          </p:nvSpPr>
+          <p:spPr>
+            <a:xfrm>
+              <a:off x="6255768" y="4018031"/>
+              <a:ext cx="346537" cy="483040"/>
+            </a:xfrm>
+            <a:prstGeom prst="flowChartDelay">
+              <a:avLst/>
+            </a:prstGeom>
+            <a:solidFill>
+              <a:srgbClr val="00B0F0"/>
+            </a:solidFill>
+            <a:ln w="25400" cap="flat" cmpd="sng" algn="ctr">
+              <a:solidFill>
+                <a:srgbClr val="00B0F0"/>
+              </a:solidFill>
+              <a:prstDash val="solid"/>
+            </a:ln>
+            <a:effectLst/>
+          </p:spPr>
+          <p:txBody>
+            <a:bodyPr anchor="ctr"/>
+            <a:lstStyle/>
+            <a:p>
+              <a:pPr algn="ctr" fontAlgn="auto">
+                <a:spcBef>
+                  <a:spcPts val="0"/>
+                </a:spcBef>
+                <a:spcAft>
+                  <a:spcPts val="0"/>
+                </a:spcAft>
+                <a:defRPr/>
+              </a:pPr>
+              <a:endParaRPr kumimoji="0" lang="zh-TW" altLang="en-US" sz="2200" kern="0">
+                <a:solidFill>
+                  <a:schemeClr val="bg1"/>
+                </a:solidFill>
+                <a:latin typeface="Arial" panose="020B0604020202020204" pitchFamily="34" charset="0"/>
+                <a:ea typeface="微软雅黑" panose="020B0503020204020204" pitchFamily="34" charset="-122"/>
+                <a:cs typeface="Arial" panose="020B0604020202020204" pitchFamily="34" charset="0"/>
+              </a:endParaRPr>
+            </a:p>
+          </p:txBody>
+        </p:sp>
+        <p:sp>
+          <p:nvSpPr>
+            <p:cNvPr id="8" name="矩形 7"/>
+            <p:cNvSpPr/>
+            <p:nvPr/>
+          </p:nvSpPr>
+          <p:spPr>
+            <a:xfrm>
+              <a:off x="3908668" y="4018029"/>
+              <a:ext cx="2347101" cy="483041"/>
+            </a:xfrm>
+            <a:prstGeom prst="rect">
+              <a:avLst/>
+            </a:prstGeom>
+            <a:solidFill>
+              <a:srgbClr val="00B0F0"/>
+            </a:solidFill>
+            <a:ln w="25400" cap="flat" cmpd="sng" algn="ctr">
+              <a:solidFill>
+                <a:srgbClr val="00B0F0"/>
+              </a:solidFill>
+              <a:prstDash val="solid"/>
+            </a:ln>
+            <a:effectLst/>
+          </p:spPr>
+          <p:txBody>
+            <a:bodyPr anchor="ctr"/>
+            <a:lstStyle/>
+            <a:p>
+              <a:pPr algn="ctr"/>
+              <a:r>
+                <a:rPr lang="zh-CN" altLang="en-US" sz="2400" b="1" dirty="0" smtClean="0">
+                  <a:solidFill>
+                    <a:schemeClr val="bg1"/>
+                  </a:solidFill>
+                  <a:latin typeface="微軟正黑體" panose="020B0604030504040204" pitchFamily="34" charset="-120"/>
+                  <a:ea typeface="微軟正黑體" panose="020B0604030504040204" pitchFamily="34" charset="-120"/>
+                  <a:cs typeface="Segoe UI" pitchFamily="34" charset="0"/>
+                </a:rPr>
+                <a:t>六</a:t>
+              </a:r>
+              <a:r>
+                <a:rPr lang="en-US" altLang="zh-CN" sz="2400" b="1" dirty="0" smtClean="0">
+                  <a:solidFill>
+                    <a:schemeClr val="bg1"/>
+                  </a:solidFill>
+                  <a:latin typeface="微軟正黑體" panose="020B0604030504040204" pitchFamily="34" charset="-120"/>
+                  <a:ea typeface="微軟正黑體" panose="020B0604030504040204" pitchFamily="34" charset="-120"/>
+                  <a:cs typeface="Segoe UI" pitchFamily="34" charset="0"/>
+                </a:rPr>
+                <a:t>. </a:t>
+              </a:r>
+              <a:r>
+                <a:rPr lang="zh-CN" altLang="en-US" sz="2400" b="1" dirty="0" smtClean="0">
+                  <a:solidFill>
+                    <a:schemeClr val="bg1"/>
+                  </a:solidFill>
+                  <a:latin typeface="微軟正黑體" panose="020B0604030504040204" pitchFamily="34" charset="-120"/>
+                  <a:ea typeface="微軟正黑體" panose="020B0604030504040204" pitchFamily="34" charset="-120"/>
+                  <a:cs typeface="Segoe UI" pitchFamily="34" charset="0"/>
+                </a:rPr>
+                <a:t>代码</a:t>
+              </a:r>
+              <a:r>
+                <a:rPr lang="en-US" altLang="zh-CN" sz="2400" b="1" dirty="0" smtClean="0">
+                  <a:solidFill>
+                    <a:schemeClr val="bg1"/>
+                  </a:solidFill>
+                  <a:latin typeface="微軟正黑體" panose="020B0604030504040204" pitchFamily="34" charset="-120"/>
+                  <a:ea typeface="微軟正黑體" panose="020B0604030504040204" pitchFamily="34" charset="-120"/>
+                  <a:cs typeface="Segoe UI" pitchFamily="34" charset="0"/>
+                </a:rPr>
+                <a:t>Review</a:t>
+              </a:r>
+              <a:endParaRPr lang="en-US" altLang="ko-KR" sz="2200" b="1" dirty="0">
+                <a:solidFill>
+                  <a:schemeClr val="bg1"/>
+                </a:solidFill>
+                <a:latin typeface="Arial" panose="020B0604020202020204" pitchFamily="34" charset="0"/>
+                <a:ea typeface="微软雅黑" panose="020B0503020204020204" pitchFamily="34" charset="-122"/>
+                <a:cs typeface="Arial" panose="020B0604020202020204" pitchFamily="34" charset="0"/>
+              </a:endParaRPr>
+            </a:p>
+          </p:txBody>
+        </p:sp>
+      </p:grpSp>
+      <p:sp>
+        <p:nvSpPr>
+          <p:cNvPr id="7" name="文本框 6"/>
+          <p:cNvSpPr txBox="1"/>
+          <p:nvPr/>
+        </p:nvSpPr>
+        <p:spPr>
+          <a:xfrm>
+            <a:off x="1697182" y="1593273"/>
+            <a:ext cx="6116782" cy="1754326"/>
+          </a:xfrm>
+          <a:prstGeom prst="rect">
+            <a:avLst/>
+          </a:prstGeom>
+          <a:noFill/>
+        </p:spPr>
+        <p:txBody>
+          <a:bodyPr wrap="square" rtlCol="0">
+            <a:spAutoFit/>
+          </a:bodyPr>
+          <a:lstStyle/>
+          <a:p>
+            <a:r>
+              <a:rPr lang="zh-CN" altLang="en-US" dirty="0" smtClean="0"/>
+              <a:t>可以截图描述代表性的源码截图，如：</a:t>
+            </a:r>
+            <a:endParaRPr lang="en-US" altLang="zh-CN" dirty="0" smtClean="0"/>
+          </a:p>
+          <a:p>
+            <a:pPr marL="342900" indent="-342900">
+              <a:buAutoNum type="arabicPeriod"/>
+            </a:pPr>
+            <a:r>
+              <a:rPr lang="en-US" altLang="zh-CN" dirty="0" smtClean="0"/>
+              <a:t>UI</a:t>
+            </a:r>
+            <a:r>
+              <a:rPr lang="zh-CN" altLang="en-US" dirty="0" smtClean="0"/>
+              <a:t>中的</a:t>
+            </a:r>
+            <a:r>
+              <a:rPr lang="en-US" altLang="zh-CN" dirty="0" smtClean="0"/>
+              <a:t>Table</a:t>
+            </a:r>
+          </a:p>
+          <a:p>
+            <a:pPr marL="342900" indent="-342900">
+              <a:buAutoNum type="arabicPeriod"/>
+            </a:pPr>
+            <a:r>
+              <a:rPr lang="zh-CN" altLang="en-US" dirty="0" smtClean="0"/>
+              <a:t>技术的应用示例代码</a:t>
+            </a:r>
+            <a:endParaRPr lang="en-US" altLang="zh-CN" dirty="0" smtClean="0"/>
+          </a:p>
+          <a:p>
+            <a:pPr marL="342900" indent="-342900">
+              <a:buAutoNum type="arabicPeriod"/>
+            </a:pPr>
+            <a:r>
+              <a:rPr lang="en-US" altLang="zh-CN" dirty="0" smtClean="0"/>
+              <a:t>Java</a:t>
+            </a:r>
+            <a:r>
+              <a:rPr lang="zh-CN" altLang="en-US" dirty="0" smtClean="0"/>
+              <a:t>中的控制类的部分代码</a:t>
+            </a:r>
+            <a:endParaRPr lang="en-US" altLang="zh-CN" dirty="0" smtClean="0"/>
+          </a:p>
+          <a:p>
+            <a:pPr marL="342900" indent="-342900">
+              <a:buAutoNum type="arabicPeriod"/>
+            </a:pPr>
+            <a:r>
+              <a:rPr lang="en-US" altLang="zh-CN" dirty="0" smtClean="0"/>
+              <a:t>DB</a:t>
+            </a:r>
+            <a:r>
+              <a:rPr lang="zh-CN" altLang="en-US" dirty="0" smtClean="0"/>
+              <a:t>中的存储过程代码</a:t>
+            </a:r>
+            <a:r>
+              <a:rPr lang="en-US" altLang="zh-CN" dirty="0" smtClean="0"/>
+              <a:t>(</a:t>
+            </a:r>
+            <a:r>
+              <a:rPr lang="zh-CN" altLang="en-US" dirty="0" smtClean="0"/>
+              <a:t>如果有</a:t>
+            </a:r>
+            <a:r>
+              <a:rPr lang="en-US" altLang="zh-CN" dirty="0" smtClean="0"/>
+              <a:t>)</a:t>
+            </a:r>
+          </a:p>
+          <a:p>
+            <a:pPr marL="342900" indent="-342900">
+              <a:buAutoNum type="arabicPeriod"/>
+            </a:pPr>
+            <a:r>
+              <a:rPr lang="zh-CN" altLang="en-US" dirty="0" smtClean="0"/>
+              <a:t>等等</a:t>
+            </a:r>
+            <a:endParaRPr lang="zh-CN" altLang="en-US" dirty="0"/>
+          </a:p>
+        </p:txBody>
+      </p:sp>
+    </p:spTree>
+    <p:extLst>
+      <p:ext uri="{BB962C8B-B14F-4D97-AF65-F5344CB8AC3E}">
+        <p14:creationId xmlns:p14="http://schemas.microsoft.com/office/powerpoint/2010/main" val="1532814586"/>
+      </p:ext>
+    </p:extLst>
+  </p:cSld>
+  <p:clrMapOvr>
+    <a:masterClrMapping/>
+  </p:clrMapOvr>
+  <p:timing>
+    <p:tnLst>
+      <p:par>
+        <p:cTn id="1" dur="indefinite" restart="never" nodeType="tmRoot"/>
+      </p:par>
+    </p:tnLst>
+  </p:timing>
+</p:sld>
+</file>
+
+<file path=ppt/slides/slide29.xml><?xml version="1.0" encoding="utf-8"?>
+<p:sld xmlns:a="http://schemas.openxmlformats.org/drawingml/2006/main" xmlns:r="http://schemas.openxmlformats.org/officeDocument/2006/relationships" xmlns:p="http://schemas.openxmlformats.org/presentationml/2006/main">
+  <p:cSld>
+    <p:spTree>
+      <p:nvGrpSpPr>
+        <p:cNvPr id="1" name=""/>
+        <p:cNvGrpSpPr/>
+        <p:nvPr/>
+      </p:nvGrpSpPr>
+      <p:grpSpPr>
+        <a:xfrm>
+          <a:off x="0" y="0"/>
+          <a:ext cx="0" cy="0"/>
+          <a:chOff x="0" y="0"/>
+          <a:chExt cx="0" cy="0"/>
+        </a:xfrm>
+      </p:grpSpPr>
+      <p:sp>
+        <p:nvSpPr>
+          <p:cNvPr id="4" name="投影片編號版面配置區 3"/>
+          <p:cNvSpPr>
+            <a:spLocks noGrp="1"/>
+          </p:cNvSpPr>
+          <p:nvPr>
+            <p:ph type="sldNum" sz="quarter" idx="10"/>
+          </p:nvPr>
+        </p:nvSpPr>
+        <p:spPr/>
+        <p:txBody>
+          <a:bodyPr/>
+          <a:lstStyle/>
+          <a:p>
+            <a:pPr>
+              <a:defRPr/>
+            </a:pPr>
+            <a:fld id="{991D3BC2-FC42-4C57-95D7-42E1AD7BAC3D}" type="slidenum">
+              <a:rPr lang="zh-TW" altLang="en-US" smtClean="0">
+                <a:solidFill>
+                  <a:srgbClr val="000000">
+                    <a:tint val="75000"/>
+                  </a:srgbClr>
+                </a:solidFill>
+              </a:rPr>
+              <a:pPr>
+                <a:defRPr/>
+              </a:pPr>
+              <a:t>29</a:t>
+            </a:fld>
+            <a:endParaRPr lang="zh-TW" altLang="en-US" dirty="0">
+              <a:solidFill>
+                <a:srgbClr val="000000">
+                  <a:tint val="75000"/>
+                </a:srgbClr>
+              </a:solidFill>
+            </a:endParaRPr>
+          </a:p>
+        </p:txBody>
+      </p:sp>
+      <p:grpSp>
+        <p:nvGrpSpPr>
+          <p:cNvPr id="5" name="群組 16"/>
+          <p:cNvGrpSpPr>
+            <a:grpSpLocks/>
+          </p:cNvGrpSpPr>
+          <p:nvPr/>
+        </p:nvGrpSpPr>
+        <p:grpSpPr bwMode="auto">
+          <a:xfrm flipH="1">
+            <a:off x="3887793" y="116632"/>
+            <a:ext cx="5239853" cy="432048"/>
+            <a:chOff x="3908668" y="4018029"/>
+            <a:chExt cx="2693637" cy="483042"/>
+          </a:xfrm>
+          <a:solidFill>
+            <a:srgbClr val="00B050"/>
+          </a:solidFill>
+        </p:grpSpPr>
+        <p:sp>
+          <p:nvSpPr>
+            <p:cNvPr id="6" name="流程圖: 延遲 8"/>
+            <p:cNvSpPr/>
+            <p:nvPr/>
+          </p:nvSpPr>
+          <p:spPr>
+            <a:xfrm>
+              <a:off x="6255768" y="4018031"/>
+              <a:ext cx="346537" cy="483040"/>
+            </a:xfrm>
+            <a:prstGeom prst="flowChartDelay">
+              <a:avLst/>
+            </a:prstGeom>
+            <a:solidFill>
+              <a:srgbClr val="00B0F0"/>
+            </a:solidFill>
+            <a:ln w="25400" cap="flat" cmpd="sng" algn="ctr">
+              <a:solidFill>
+                <a:srgbClr val="00B0F0"/>
+              </a:solidFill>
+              <a:prstDash val="solid"/>
+            </a:ln>
+            <a:effectLst/>
+          </p:spPr>
+          <p:txBody>
+            <a:bodyPr anchor="ctr"/>
+            <a:lstStyle/>
+            <a:p>
+              <a:pPr algn="ctr" fontAlgn="auto">
+                <a:spcBef>
+                  <a:spcPts val="0"/>
+                </a:spcBef>
+                <a:spcAft>
+                  <a:spcPts val="0"/>
+                </a:spcAft>
+                <a:defRPr/>
+              </a:pPr>
+              <a:endParaRPr kumimoji="0" lang="zh-TW" altLang="en-US" sz="2200" kern="0">
+                <a:solidFill>
+                  <a:schemeClr val="bg1"/>
+                </a:solidFill>
+                <a:latin typeface="Arial" panose="020B0604020202020204" pitchFamily="34" charset="0"/>
+                <a:ea typeface="微软雅黑" panose="020B0503020204020204" pitchFamily="34" charset="-122"/>
+                <a:cs typeface="Arial" panose="020B0604020202020204" pitchFamily="34" charset="0"/>
+              </a:endParaRPr>
+            </a:p>
+          </p:txBody>
+        </p:sp>
+        <p:sp>
+          <p:nvSpPr>
+            <p:cNvPr id="8" name="矩形 7"/>
+            <p:cNvSpPr/>
+            <p:nvPr/>
+          </p:nvSpPr>
+          <p:spPr>
+            <a:xfrm>
+              <a:off x="3908668" y="4018029"/>
+              <a:ext cx="2347101" cy="483041"/>
+            </a:xfrm>
+            <a:prstGeom prst="rect">
+              <a:avLst/>
+            </a:prstGeom>
+            <a:solidFill>
+              <a:srgbClr val="00B0F0"/>
+            </a:solidFill>
+            <a:ln w="25400" cap="flat" cmpd="sng" algn="ctr">
+              <a:solidFill>
+                <a:srgbClr val="00B0F0"/>
+              </a:solidFill>
+              <a:prstDash val="solid"/>
+            </a:ln>
+            <a:effectLst/>
+          </p:spPr>
+          <p:txBody>
+            <a:bodyPr anchor="ctr"/>
+            <a:lstStyle/>
+            <a:p>
+              <a:pPr algn="ctr"/>
+              <a:r>
+                <a:rPr lang="zh-CN" altLang="en-US" sz="2400" b="1" dirty="0" smtClean="0">
+                  <a:solidFill>
+                    <a:schemeClr val="bg1"/>
+                  </a:solidFill>
+                  <a:latin typeface="微軟正黑體" panose="020B0604030504040204" pitchFamily="34" charset="-120"/>
+                  <a:ea typeface="微軟正黑體" panose="020B0604030504040204" pitchFamily="34" charset="-120"/>
+                  <a:cs typeface="Segoe UI" pitchFamily="34" charset="0"/>
+                </a:rPr>
+                <a:t>六</a:t>
+              </a:r>
+              <a:r>
+                <a:rPr lang="en-US" altLang="zh-CN" sz="2400" b="1" dirty="0" smtClean="0">
+                  <a:solidFill>
+                    <a:schemeClr val="bg1"/>
+                  </a:solidFill>
+                  <a:latin typeface="微軟正黑體" panose="020B0604030504040204" pitchFamily="34" charset="-120"/>
+                  <a:ea typeface="微軟正黑體" panose="020B0604030504040204" pitchFamily="34" charset="-120"/>
+                  <a:cs typeface="Segoe UI" pitchFamily="34" charset="0"/>
+                </a:rPr>
+                <a:t>. </a:t>
+              </a:r>
+              <a:r>
+                <a:rPr lang="zh-CN" altLang="en-US" sz="2400" b="1" dirty="0" smtClean="0">
+                  <a:solidFill>
+                    <a:schemeClr val="bg1"/>
+                  </a:solidFill>
+                  <a:latin typeface="微軟正黑體" panose="020B0604030504040204" pitchFamily="34" charset="-120"/>
+                  <a:ea typeface="微軟正黑體" panose="020B0604030504040204" pitchFamily="34" charset="-120"/>
+                  <a:cs typeface="Segoe UI" pitchFamily="34" charset="0"/>
+                </a:rPr>
+                <a:t>代码</a:t>
+              </a:r>
+              <a:r>
+                <a:rPr lang="en-US" altLang="zh-CN" sz="2400" b="1" dirty="0" smtClean="0">
+                  <a:solidFill>
+                    <a:schemeClr val="bg1"/>
+                  </a:solidFill>
+                  <a:latin typeface="微軟正黑體" panose="020B0604030504040204" pitchFamily="34" charset="-120"/>
+                  <a:ea typeface="微軟正黑體" panose="020B0604030504040204" pitchFamily="34" charset="-120"/>
+                  <a:cs typeface="Segoe UI" pitchFamily="34" charset="0"/>
+                </a:rPr>
+                <a:t>Review</a:t>
+              </a:r>
+              <a:endParaRPr lang="en-US" altLang="ko-KR" sz="2200" b="1" dirty="0">
+                <a:solidFill>
+                  <a:schemeClr val="bg1"/>
+                </a:solidFill>
+                <a:latin typeface="Arial" panose="020B0604020202020204" pitchFamily="34" charset="0"/>
+                <a:ea typeface="微软雅黑" panose="020B0503020204020204" pitchFamily="34" charset="-122"/>
+                <a:cs typeface="Arial" panose="020B0604020202020204" pitchFamily="34" charset="0"/>
+              </a:endParaRPr>
+            </a:p>
+          </p:txBody>
+        </p:sp>
+      </p:grpSp>
+      <p:sp>
+        <p:nvSpPr>
+          <p:cNvPr id="7" name="文本框 6"/>
+          <p:cNvSpPr txBox="1"/>
+          <p:nvPr/>
+        </p:nvSpPr>
+        <p:spPr>
+          <a:xfrm>
+            <a:off x="1697182" y="1593273"/>
+            <a:ext cx="6116782" cy="1754326"/>
+          </a:xfrm>
+          <a:prstGeom prst="rect">
+            <a:avLst/>
+          </a:prstGeom>
+          <a:noFill/>
+        </p:spPr>
+        <p:txBody>
+          <a:bodyPr wrap="square" rtlCol="0">
+            <a:spAutoFit/>
+          </a:bodyPr>
+          <a:lstStyle/>
+          <a:p>
+            <a:r>
+              <a:rPr lang="zh-CN" altLang="en-US" dirty="0" smtClean="0"/>
+              <a:t>可以截图描述代表性的源码截图，如：</a:t>
+            </a:r>
+            <a:endParaRPr lang="en-US" altLang="zh-CN" dirty="0" smtClean="0"/>
+          </a:p>
+          <a:p>
+            <a:pPr marL="342900" indent="-342900">
+              <a:buAutoNum type="arabicPeriod"/>
+            </a:pPr>
+            <a:r>
+              <a:rPr lang="en-US" altLang="zh-CN" dirty="0" smtClean="0"/>
+              <a:t>UI</a:t>
+            </a:r>
+            <a:r>
+              <a:rPr lang="zh-CN" altLang="en-US" dirty="0" smtClean="0"/>
+              <a:t>中的</a:t>
+            </a:r>
+            <a:r>
+              <a:rPr lang="en-US" altLang="zh-CN" dirty="0" smtClean="0"/>
+              <a:t>Table</a:t>
+            </a:r>
+          </a:p>
+          <a:p>
+            <a:pPr marL="342900" indent="-342900">
+              <a:buAutoNum type="arabicPeriod"/>
+            </a:pPr>
+            <a:r>
+              <a:rPr lang="zh-CN" altLang="en-US" dirty="0" smtClean="0"/>
+              <a:t>技术的应用示例代码</a:t>
+            </a:r>
+            <a:endParaRPr lang="en-US" altLang="zh-CN" dirty="0" smtClean="0"/>
+          </a:p>
+          <a:p>
+            <a:pPr marL="342900" indent="-342900">
+              <a:buAutoNum type="arabicPeriod"/>
+            </a:pPr>
+            <a:r>
+              <a:rPr lang="en-US" altLang="zh-CN" dirty="0" smtClean="0"/>
+              <a:t>Java</a:t>
+            </a:r>
+            <a:r>
+              <a:rPr lang="zh-CN" altLang="en-US" dirty="0" smtClean="0"/>
+              <a:t>中的控制类的部分代码</a:t>
+            </a:r>
+            <a:endParaRPr lang="en-US" altLang="zh-CN" dirty="0" smtClean="0"/>
+          </a:p>
+          <a:p>
+            <a:pPr marL="342900" indent="-342900">
+              <a:buAutoNum type="arabicPeriod"/>
+            </a:pPr>
+            <a:r>
+              <a:rPr lang="en-US" altLang="zh-CN" dirty="0" smtClean="0"/>
+              <a:t>DB</a:t>
+            </a:r>
+            <a:r>
+              <a:rPr lang="zh-CN" altLang="en-US" dirty="0" smtClean="0"/>
+              <a:t>中的存储过程代码</a:t>
+            </a:r>
+            <a:r>
+              <a:rPr lang="en-US" altLang="zh-CN" dirty="0" smtClean="0"/>
+              <a:t>(</a:t>
+            </a:r>
+            <a:r>
+              <a:rPr lang="zh-CN" altLang="en-US" dirty="0" smtClean="0"/>
+              <a:t>如果有</a:t>
+            </a:r>
+            <a:r>
+              <a:rPr lang="en-US" altLang="zh-CN" dirty="0" smtClean="0"/>
+              <a:t>)</a:t>
+            </a:r>
+          </a:p>
+          <a:p>
+            <a:pPr marL="342900" indent="-342900">
+              <a:buAutoNum type="arabicPeriod"/>
+            </a:pPr>
+            <a:r>
+              <a:rPr lang="zh-CN" altLang="en-US" dirty="0" smtClean="0"/>
+              <a:t>等等</a:t>
+            </a:r>
+            <a:endParaRPr lang="zh-CN" altLang="en-US" dirty="0"/>
+          </a:p>
+        </p:txBody>
+      </p:sp>
+    </p:spTree>
+    <p:extLst>
+      <p:ext uri="{BB962C8B-B14F-4D97-AF65-F5344CB8AC3E}">
+        <p14:creationId xmlns:p14="http://schemas.microsoft.com/office/powerpoint/2010/main" val="1687484107"/>
+      </p:ext>
+    </p:extLst>
+  </p:cSld>
+  <p:clrMapOvr>
+    <a:masterClrMapping/>
+  </p:clrMapOvr>
+  <p:timing>
+    <p:tnLst>
+      <p:par>
+        <p:cTn id="1" dur="indefinite" restart="never" nodeType="tmRoot"/>
+      </p:par>
+    </p:tnLst>
+  </p:timing>
+</p:sld>
+</file>
+
+<file path=ppt/slides/slide3.xml><?xml version="1.0" encoding="utf-8"?>
+<p:sld xmlns:a="http://schemas.openxmlformats.org/drawingml/2006/main" xmlns:r="http://schemas.openxmlformats.org/officeDocument/2006/relationships" xmlns:p="http://schemas.openxmlformats.org/presentationml/2006/main">
+  <p:cSld>
+    <p:spTree>
+      <p:nvGrpSpPr>
+        <p:cNvPr id="1" name=""/>
+        <p:cNvGrpSpPr/>
+        <p:nvPr/>
+      </p:nvGrpSpPr>
+      <p:grpSpPr>
+        <a:xfrm>
+          <a:off x="0" y="0"/>
+          <a:ext cx="0" cy="0"/>
+          <a:chOff x="0" y="0"/>
+          <a:chExt cx="0" cy="0"/>
+        </a:xfrm>
+      </p:grpSpPr>
+      <p:sp>
+        <p:nvSpPr>
+          <p:cNvPr id="4" name="投影片編號版面配置區 3"/>
+          <p:cNvSpPr>
+            <a:spLocks noGrp="1"/>
+          </p:cNvSpPr>
+          <p:nvPr>
+            <p:ph type="sldNum" sz="quarter" idx="10"/>
+          </p:nvPr>
+        </p:nvSpPr>
+        <p:spPr/>
+        <p:txBody>
+          <a:bodyPr/>
+          <a:lstStyle/>
+          <a:p>
+            <a:pPr>
+              <a:defRPr/>
+            </a:pPr>
+            <a:fld id="{991D3BC2-FC42-4C57-95D7-42E1AD7BAC3D}" type="slidenum">
+              <a:rPr lang="zh-TW" altLang="en-US" smtClean="0">
+                <a:solidFill>
+                  <a:srgbClr val="000000">
+                    <a:tint val="75000"/>
+                  </a:srgbClr>
+                </a:solidFill>
+              </a:rPr>
+              <a:pPr>
+                <a:defRPr/>
+              </a:pPr>
+              <a:t>3</a:t>
+            </a:fld>
+            <a:endParaRPr lang="zh-TW" altLang="en-US" dirty="0">
+              <a:solidFill>
+                <a:srgbClr val="000000">
+                  <a:tint val="75000"/>
+                </a:srgbClr>
+              </a:solidFill>
+            </a:endParaRPr>
+          </a:p>
+        </p:txBody>
+      </p:sp>
+      <p:grpSp>
+        <p:nvGrpSpPr>
+          <p:cNvPr id="5" name="群組 16"/>
+          <p:cNvGrpSpPr>
+            <a:grpSpLocks/>
+          </p:cNvGrpSpPr>
+          <p:nvPr/>
+        </p:nvGrpSpPr>
+        <p:grpSpPr bwMode="auto">
+          <a:xfrm flipH="1">
+            <a:off x="3887793" y="116632"/>
+            <a:ext cx="5239853" cy="432048"/>
+            <a:chOff x="3908668" y="4018029"/>
+            <a:chExt cx="2693637" cy="483042"/>
+          </a:xfrm>
+          <a:solidFill>
+            <a:srgbClr val="00B050"/>
+          </a:solidFill>
+        </p:grpSpPr>
+        <p:sp>
+          <p:nvSpPr>
+            <p:cNvPr id="6" name="流程圖: 延遲 8"/>
+            <p:cNvSpPr/>
+            <p:nvPr/>
+          </p:nvSpPr>
+          <p:spPr>
+            <a:xfrm>
+              <a:off x="6255768" y="4018031"/>
+              <a:ext cx="346537" cy="483040"/>
+            </a:xfrm>
+            <a:prstGeom prst="flowChartDelay">
+              <a:avLst/>
+            </a:prstGeom>
+            <a:solidFill>
+              <a:srgbClr val="00B0F0"/>
+            </a:solidFill>
+            <a:ln w="25400" cap="flat" cmpd="sng" algn="ctr">
+              <a:solidFill>
+                <a:srgbClr val="00B0F0"/>
+              </a:solidFill>
+              <a:prstDash val="solid"/>
+            </a:ln>
+            <a:effectLst/>
+          </p:spPr>
+          <p:txBody>
+            <a:bodyPr anchor="ctr"/>
+            <a:lstStyle/>
+            <a:p>
+              <a:pPr algn="ctr" fontAlgn="auto">
+                <a:spcBef>
+                  <a:spcPts val="0"/>
+                </a:spcBef>
+                <a:spcAft>
+                  <a:spcPts val="0"/>
+                </a:spcAft>
+                <a:defRPr/>
+              </a:pPr>
+              <a:endParaRPr kumimoji="0" lang="zh-TW" altLang="en-US" sz="2200" kern="0">
+                <a:solidFill>
+                  <a:schemeClr val="bg1"/>
+                </a:solidFill>
+                <a:latin typeface="Arial" panose="020B0604020202020204" pitchFamily="34" charset="0"/>
+                <a:ea typeface="微软雅黑" panose="020B0503020204020204" pitchFamily="34" charset="-122"/>
+                <a:cs typeface="Arial" panose="020B0604020202020204" pitchFamily="34" charset="0"/>
+              </a:endParaRPr>
+            </a:p>
+          </p:txBody>
+        </p:sp>
+        <p:sp>
+          <p:nvSpPr>
+            <p:cNvPr id="8" name="矩形 7"/>
+            <p:cNvSpPr/>
+            <p:nvPr/>
+          </p:nvSpPr>
+          <p:spPr>
+            <a:xfrm>
+              <a:off x="3908668" y="4018029"/>
+              <a:ext cx="2347101" cy="483041"/>
+            </a:xfrm>
+            <a:prstGeom prst="rect">
+              <a:avLst/>
+            </a:prstGeom>
+            <a:solidFill>
+              <a:srgbClr val="00B0F0"/>
+            </a:solidFill>
+            <a:ln w="25400" cap="flat" cmpd="sng" algn="ctr">
+              <a:solidFill>
+                <a:srgbClr val="00B0F0"/>
+              </a:solidFill>
+              <a:prstDash val="solid"/>
+            </a:ln>
+            <a:effectLst/>
+          </p:spPr>
+          <p:txBody>
+            <a:bodyPr anchor="ctr"/>
+            <a:lstStyle/>
+            <a:p>
+              <a:pPr algn="ctr"/>
+              <a:r>
+                <a:rPr lang="zh-CN" altLang="en-US" sz="2400" b="1" dirty="0" smtClean="0">
+                  <a:solidFill>
+                    <a:schemeClr val="bg1"/>
+                  </a:solidFill>
+                  <a:latin typeface="微軟正黑體" panose="020B0604030504040204" pitchFamily="34" charset="-120"/>
+                  <a:ea typeface="微軟正黑體" panose="020B0604030504040204" pitchFamily="34" charset="-120"/>
+                  <a:cs typeface="Segoe UI" pitchFamily="34" charset="0"/>
+                </a:rPr>
+                <a:t>一</a:t>
+              </a:r>
+              <a:r>
+                <a:rPr lang="en-US" altLang="zh-CN" sz="2400" b="1" dirty="0" smtClean="0">
+                  <a:solidFill>
+                    <a:schemeClr val="bg1"/>
+                  </a:solidFill>
+                  <a:latin typeface="微軟正黑體" panose="020B0604030504040204" pitchFamily="34" charset="-120"/>
+                  <a:ea typeface="微軟正黑體" panose="020B0604030504040204" pitchFamily="34" charset="-120"/>
+                  <a:cs typeface="Segoe UI" pitchFamily="34" charset="0"/>
+                </a:rPr>
+                <a:t>. </a:t>
+              </a:r>
+              <a:r>
+                <a:rPr lang="zh-CN" altLang="en-US" sz="2400" b="1" dirty="0" smtClean="0">
+                  <a:solidFill>
+                    <a:schemeClr val="bg1"/>
+                  </a:solidFill>
+                  <a:latin typeface="微軟正黑體" panose="020B0604030504040204" pitchFamily="34" charset="-120"/>
+                  <a:ea typeface="微軟正黑體" panose="020B0604030504040204" pitchFamily="34" charset="-120"/>
+                  <a:cs typeface="Segoe UI" pitchFamily="34" charset="0"/>
+                </a:rPr>
+                <a:t>项目介绍</a:t>
+              </a:r>
+              <a:endParaRPr lang="en-US" altLang="ko-KR" sz="2200" b="1" dirty="0">
+                <a:solidFill>
+                  <a:schemeClr val="bg1"/>
+                </a:solidFill>
+                <a:latin typeface="Arial" panose="020B0604020202020204" pitchFamily="34" charset="0"/>
+                <a:ea typeface="微软雅黑" panose="020B0503020204020204" pitchFamily="34" charset="-122"/>
+                <a:cs typeface="Arial" panose="020B0604020202020204" pitchFamily="34" charset="0"/>
+              </a:endParaRPr>
+            </a:p>
+          </p:txBody>
+        </p:sp>
+      </p:grpSp>
+      <p:sp>
+        <p:nvSpPr>
+          <p:cNvPr id="2" name="文本框 1"/>
+          <p:cNvSpPr txBox="1"/>
+          <p:nvPr/>
+        </p:nvSpPr>
+        <p:spPr>
+          <a:xfrm>
+            <a:off x="1440083" y="1574738"/>
+            <a:ext cx="5569527" cy="11726287"/>
+          </a:xfrm>
+          <a:prstGeom prst="rect">
+            <a:avLst/>
+          </a:prstGeom>
+          <a:noFill/>
+        </p:spPr>
+        <p:txBody>
+          <a:bodyPr wrap="square" rtlCol="0">
+            <a:spAutoFit/>
+          </a:bodyPr>
+          <a:lstStyle/>
+          <a:p>
+            <a:r>
+              <a:rPr lang="zh-TW" altLang="zh-TW" dirty="0"/>
+              <a:t>請依據你已經掌握的開發技能，完成以下的“系統開發管理”項目的開發，以作為實習期的考核！ </a:t>
+            </a:r>
+          </a:p>
+          <a:p>
+            <a:r>
+              <a:rPr lang="zh-TW" altLang="zh-TW" dirty="0"/>
+              <a:t>請先提供給我你的開發計劃</a:t>
+            </a:r>
+            <a:r>
+              <a:rPr lang="en-US" altLang="zh-TW" dirty="0"/>
+              <a:t>(</a:t>
+            </a:r>
+            <a:r>
+              <a:rPr lang="zh-TW" altLang="zh-TW" dirty="0"/>
+              <a:t>包括使用什麼技術，開發工具，開發預估時程</a:t>
+            </a:r>
+            <a:r>
+              <a:rPr lang="en-US" altLang="zh-TW" dirty="0"/>
+              <a:t>)</a:t>
+            </a:r>
+            <a:r>
+              <a:rPr lang="zh-TW" altLang="zh-TW" dirty="0"/>
+              <a:t>，再著手進行開發。</a:t>
+            </a:r>
+          </a:p>
+          <a:p>
+            <a:r>
+              <a:rPr lang="en-US" altLang="zh-TW" dirty="0"/>
+              <a:t>       </a:t>
+            </a:r>
+            <a:r>
+              <a:rPr lang="zh-CN" altLang="zh-TW" dirty="0"/>
+              <a:t>謝謝！</a:t>
+            </a:r>
+            <a:endParaRPr lang="zh-TW" altLang="zh-TW" dirty="0"/>
+          </a:p>
+          <a:p>
+            <a:r>
+              <a:rPr lang="en-US" altLang="zh-TW" dirty="0"/>
+              <a:t> </a:t>
+            </a:r>
+            <a:endParaRPr lang="zh-TW" altLang="zh-TW" dirty="0"/>
+          </a:p>
+          <a:p>
+            <a:r>
+              <a:rPr lang="en-US" altLang="zh-TW" dirty="0"/>
+              <a:t>       </a:t>
+            </a:r>
+            <a:r>
+              <a:rPr lang="zh-TW" altLang="zh-TW" dirty="0"/>
+              <a:t>“系統開發管理”包括的功能有：</a:t>
+            </a:r>
+          </a:p>
+          <a:p>
+            <a:pPr lvl="0"/>
+            <a:r>
+              <a:rPr lang="zh-TW" altLang="zh-TW" dirty="0"/>
+              <a:t>數據字典的管理</a:t>
+            </a:r>
+          </a:p>
+          <a:p>
+            <a:pPr lvl="1"/>
+            <a:r>
+              <a:rPr lang="zh-TW" altLang="zh-TW" dirty="0"/>
+              <a:t>數據字典主要是保證系統中使用到的名詞統一，不要出現相同意義的事情用不同的名詞表述，內容</a:t>
+            </a:r>
+            <a:r>
+              <a:rPr lang="zh-CN" altLang="zh-TW" dirty="0"/>
+              <a:t>大致</a:t>
+            </a:r>
+            <a:r>
+              <a:rPr lang="zh-TW" altLang="zh-TW" dirty="0"/>
+              <a:t>包括：</a:t>
+            </a:r>
+          </a:p>
+          <a:p>
+            <a:pPr lvl="2"/>
+            <a:r>
+              <a:rPr lang="zh-TW" altLang="zh-TW" dirty="0"/>
+              <a:t>系統名詞的說明：保證一個名詞或簡寫只代表一種意思，避免歧義</a:t>
+            </a:r>
+          </a:p>
+          <a:p>
+            <a:pPr lvl="2"/>
+            <a:r>
+              <a:rPr lang="zh-TW" altLang="zh-TW" dirty="0"/>
+              <a:t>數據庫表設計的字段名稱：保證一個字段名稱代表的意義在不同表中的表示是統一的，比如</a:t>
+            </a:r>
+            <a:r>
+              <a:rPr lang="zh-CN" altLang="zh-TW" dirty="0"/>
+              <a:t>生產工單，不能一個表中用</a:t>
+            </a:r>
+            <a:r>
+              <a:rPr lang="en-US" altLang="zh-TW" dirty="0"/>
+              <a:t>MO</a:t>
+            </a:r>
+            <a:r>
+              <a:rPr lang="zh-CN" altLang="zh-TW" dirty="0"/>
+              <a:t>（</a:t>
+            </a:r>
+            <a:r>
+              <a:rPr lang="en-US" altLang="zh-TW" dirty="0"/>
+              <a:t>Manufacture Order</a:t>
+            </a:r>
+            <a:r>
+              <a:rPr lang="zh-CN" altLang="zh-TW" dirty="0"/>
+              <a:t>），另一個表中用</a:t>
+            </a:r>
+            <a:r>
+              <a:rPr lang="en-US" altLang="zh-TW" dirty="0"/>
+              <a:t>WO</a:t>
+            </a:r>
+            <a:r>
+              <a:rPr lang="zh-CN" altLang="zh-TW" dirty="0"/>
+              <a:t>（</a:t>
+            </a:r>
+            <a:r>
+              <a:rPr lang="en-US" altLang="zh-TW" dirty="0"/>
+              <a:t>Work Order</a:t>
+            </a:r>
+            <a:r>
+              <a:rPr lang="zh-CN" altLang="zh-TW" dirty="0"/>
+              <a:t>）表示。</a:t>
+            </a:r>
+            <a:endParaRPr lang="zh-TW" altLang="zh-TW" dirty="0"/>
+          </a:p>
+          <a:p>
+            <a:pPr lvl="1"/>
+            <a:r>
+              <a:rPr lang="zh-TW" altLang="zh-TW" dirty="0"/>
+              <a:t>數據字典的屬性大致有以下內容，請考慮還需要哪些屬性：</a:t>
+            </a:r>
+          </a:p>
+          <a:p>
+            <a:pPr lvl="2"/>
+            <a:r>
+              <a:rPr lang="zh-CN" altLang="zh-TW" dirty="0"/>
+              <a:t>名稱</a:t>
+            </a:r>
+            <a:endParaRPr lang="zh-TW" altLang="zh-TW" dirty="0"/>
+          </a:p>
+          <a:p>
+            <a:pPr lvl="2"/>
+            <a:r>
+              <a:rPr lang="zh-CN" altLang="zh-TW" dirty="0"/>
+              <a:t>簡稱</a:t>
+            </a:r>
+            <a:endParaRPr lang="zh-TW" altLang="zh-TW" dirty="0"/>
+          </a:p>
+          <a:p>
+            <a:pPr lvl="2"/>
+            <a:r>
+              <a:rPr lang="zh-CN" altLang="zh-TW" dirty="0"/>
+              <a:t>全稱</a:t>
+            </a:r>
+            <a:endParaRPr lang="zh-TW" altLang="zh-TW" dirty="0"/>
+          </a:p>
+          <a:p>
+            <a:pPr lvl="2"/>
+            <a:r>
+              <a:rPr lang="zh-CN" altLang="zh-TW" dirty="0"/>
+              <a:t>數據類型</a:t>
+            </a:r>
+            <a:endParaRPr lang="zh-TW" altLang="zh-TW" dirty="0"/>
+          </a:p>
+          <a:p>
+            <a:pPr lvl="0"/>
+            <a:r>
+              <a:rPr lang="zh-CN" altLang="zh-TW" dirty="0"/>
+              <a:t>知識庫的管理：</a:t>
+            </a:r>
+            <a:endParaRPr lang="zh-TW" altLang="zh-TW" dirty="0"/>
+          </a:p>
+          <a:p>
+            <a:pPr lvl="1"/>
+            <a:r>
+              <a:rPr lang="zh-TW" altLang="zh-TW" dirty="0"/>
+              <a:t>這裡的知識是表示開發或系統運行過程中的常見或典型問題的處理過程及對策，需要把它保存起來，以備項目中的相關人員進行參考</a:t>
+            </a:r>
+            <a:r>
+              <a:rPr lang="zh-CN" altLang="zh-TW" dirty="0"/>
+              <a:t>或引用</a:t>
+            </a:r>
+            <a:endParaRPr lang="zh-TW" altLang="zh-TW" dirty="0"/>
+          </a:p>
+          <a:p>
+            <a:pPr lvl="1"/>
+            <a:r>
+              <a:rPr lang="zh-TW" altLang="zh-TW" dirty="0"/>
+              <a:t>知識庫的屬性大致有以下內容，請考慮還需要哪些屬性：</a:t>
+            </a:r>
+          </a:p>
+          <a:p>
+            <a:pPr lvl="2"/>
+            <a:r>
+              <a:rPr lang="zh-TW" altLang="zh-TW" dirty="0"/>
+              <a:t>類別</a:t>
+            </a:r>
+            <a:r>
+              <a:rPr lang="en-US" altLang="zh-TW" dirty="0"/>
+              <a:t>(</a:t>
+            </a:r>
+            <a:r>
+              <a:rPr lang="zh-TW" altLang="zh-TW" dirty="0"/>
+              <a:t>開發類、運維類、系統操作類等</a:t>
+            </a:r>
+            <a:r>
+              <a:rPr lang="en-US" altLang="zh-TW" dirty="0"/>
+              <a:t>)</a:t>
+            </a:r>
+            <a:endParaRPr lang="zh-TW" altLang="zh-TW" dirty="0"/>
+          </a:p>
+          <a:p>
+            <a:pPr lvl="2"/>
+            <a:r>
+              <a:rPr lang="zh-CN" altLang="zh-TW" dirty="0"/>
+              <a:t>編號</a:t>
+            </a:r>
+            <a:endParaRPr lang="zh-TW" altLang="zh-TW" dirty="0"/>
+          </a:p>
+          <a:p>
+            <a:pPr lvl="2"/>
+            <a:r>
+              <a:rPr lang="zh-CN" altLang="zh-TW" dirty="0"/>
+              <a:t>描述</a:t>
+            </a:r>
+            <a:endParaRPr lang="zh-TW" altLang="zh-TW" dirty="0"/>
+          </a:p>
+          <a:p>
+            <a:pPr lvl="0"/>
+            <a:r>
+              <a:rPr lang="en-US" altLang="zh-TW" dirty="0"/>
+              <a:t>API</a:t>
+            </a:r>
+            <a:r>
+              <a:rPr lang="zh-CN" altLang="zh-TW" dirty="0"/>
+              <a:t>及組件的管理：</a:t>
+            </a:r>
+            <a:endParaRPr lang="zh-TW" altLang="zh-TW" dirty="0"/>
+          </a:p>
+          <a:p>
+            <a:pPr lvl="1"/>
+            <a:r>
+              <a:rPr lang="zh-TW" altLang="zh-TW" dirty="0"/>
+              <a:t>因為後續我們會以</a:t>
+            </a:r>
+            <a:r>
+              <a:rPr lang="en-US" altLang="zh-TW" dirty="0"/>
+              <a:t>API</a:t>
+            </a:r>
+            <a:r>
+              <a:rPr lang="zh-TW" altLang="zh-TW" dirty="0"/>
+              <a:t>或組件的方式進行功能的開發，</a:t>
+            </a:r>
+            <a:r>
+              <a:rPr lang="en-US" altLang="zh-TW" dirty="0"/>
+              <a:t>API</a:t>
+            </a:r>
+            <a:r>
+              <a:rPr lang="zh-TW" altLang="zh-TW" dirty="0"/>
+              <a:t>或組件的管理</a:t>
+            </a:r>
+            <a:r>
+              <a:rPr lang="zh-CN" altLang="zh-TW" dirty="0"/>
+              <a:t>牽涉到後續系統運維的成本</a:t>
+            </a:r>
+            <a:endParaRPr lang="zh-TW" altLang="zh-TW" dirty="0"/>
+          </a:p>
+          <a:p>
+            <a:pPr lvl="1"/>
+            <a:r>
+              <a:rPr lang="en-US" altLang="zh-TW" dirty="0"/>
+              <a:t>API</a:t>
+            </a:r>
+            <a:r>
+              <a:rPr lang="zh-TW" altLang="zh-TW" dirty="0"/>
+              <a:t>或組件大致有以下內容，請考慮還需要哪些屬性：</a:t>
+            </a:r>
+          </a:p>
+          <a:p>
+            <a:pPr lvl="2"/>
+            <a:r>
+              <a:rPr lang="zh-TW" altLang="zh-TW" dirty="0"/>
+              <a:t>系統類別</a:t>
+            </a:r>
+            <a:r>
+              <a:rPr lang="en-US" altLang="zh-TW" dirty="0"/>
+              <a:t>(OA</a:t>
+            </a:r>
+            <a:r>
+              <a:rPr lang="zh-TW" altLang="zh-TW" dirty="0"/>
+              <a:t>系統、</a:t>
+            </a:r>
+            <a:r>
+              <a:rPr lang="en-US" altLang="zh-TW" dirty="0"/>
+              <a:t>MES</a:t>
+            </a:r>
+            <a:r>
+              <a:rPr lang="zh-TW" altLang="zh-TW" dirty="0"/>
+              <a:t>系統、</a:t>
+            </a:r>
+            <a:r>
+              <a:rPr lang="en-US" altLang="zh-TW" dirty="0"/>
+              <a:t>ERP</a:t>
+            </a:r>
+            <a:r>
+              <a:rPr lang="zh-TW" altLang="zh-TW" dirty="0"/>
+              <a:t>系統</a:t>
+            </a:r>
+            <a:r>
+              <a:rPr lang="en-US" altLang="zh-TW" dirty="0"/>
+              <a:t>)</a:t>
+            </a:r>
+            <a:endParaRPr lang="zh-TW" altLang="zh-TW" dirty="0"/>
+          </a:p>
+          <a:p>
+            <a:pPr lvl="2"/>
+            <a:r>
+              <a:rPr lang="zh-CN" altLang="zh-TW" dirty="0"/>
+              <a:t>功能大分類</a:t>
+            </a:r>
+            <a:endParaRPr lang="zh-TW" altLang="zh-TW" dirty="0"/>
+          </a:p>
+          <a:p>
+            <a:pPr lvl="2"/>
+            <a:r>
+              <a:rPr lang="zh-CN" altLang="zh-TW" dirty="0"/>
+              <a:t>名稱</a:t>
+            </a:r>
+            <a:endParaRPr lang="zh-TW" altLang="zh-TW" dirty="0"/>
+          </a:p>
+        </p:txBody>
+      </p:sp>
+    </p:spTree>
+    <p:extLst>
+      <p:ext uri="{BB962C8B-B14F-4D97-AF65-F5344CB8AC3E}">
+        <p14:creationId xmlns:p14="http://schemas.microsoft.com/office/powerpoint/2010/main" val="1676438787"/>
+      </p:ext>
+    </p:extLst>
+  </p:cSld>
+  <p:clrMapOvr>
+    <a:masterClrMapping/>
+  </p:clrMapOvr>
+  <p:timing>
+    <p:tnLst>
+      <p:par>
+        <p:cTn id="1" dur="indefinite" restart="never" nodeType="tmRoot"/>
+      </p:par>
+    </p:tnLst>
+  </p:timing>
+</p:sld>
+</file>
+
+<file path=ppt/slides/slide30.xml><?xml version="1.0" encoding="utf-8"?>
+<p:sld xmlns:a="http://schemas.openxmlformats.org/drawingml/2006/main" xmlns:r="http://schemas.openxmlformats.org/officeDocument/2006/relationships" xmlns:p="http://schemas.openxmlformats.org/presentationml/2006/main">
+  <p:cSld>
+    <p:spTree>
+      <p:nvGrpSpPr>
+        <p:cNvPr id="1" name=""/>
+        <p:cNvGrpSpPr/>
+        <p:nvPr/>
+      </p:nvGrpSpPr>
+      <p:grpSpPr>
+        <a:xfrm>
+          <a:off x="0" y="0"/>
+          <a:ext cx="0" cy="0"/>
+          <a:chOff x="0" y="0"/>
+          <a:chExt cx="0" cy="0"/>
+        </a:xfrm>
+      </p:grpSpPr>
+      <p:sp>
+        <p:nvSpPr>
+          <p:cNvPr id="4" name="投影片編號版面配置區 3"/>
+          <p:cNvSpPr>
+            <a:spLocks noGrp="1"/>
+          </p:cNvSpPr>
+          <p:nvPr>
+            <p:ph type="sldNum" sz="quarter" idx="10"/>
+          </p:nvPr>
+        </p:nvSpPr>
+        <p:spPr/>
+        <p:txBody>
+          <a:bodyPr/>
+          <a:lstStyle/>
+          <a:p>
+            <a:pPr>
+              <a:defRPr/>
+            </a:pPr>
+            <a:fld id="{991D3BC2-FC42-4C57-95D7-42E1AD7BAC3D}" type="slidenum">
+              <a:rPr lang="zh-TW" altLang="en-US" smtClean="0">
+                <a:solidFill>
+                  <a:srgbClr val="000000">
+                    <a:tint val="75000"/>
+                  </a:srgbClr>
+                </a:solidFill>
+              </a:rPr>
+              <a:pPr>
+                <a:defRPr/>
+              </a:pPr>
+              <a:t>30</a:t>
+            </a:fld>
+            <a:endParaRPr lang="zh-TW" altLang="en-US" dirty="0">
+              <a:solidFill>
+                <a:srgbClr val="000000">
+                  <a:tint val="75000"/>
+                </a:srgbClr>
+              </a:solidFill>
+            </a:endParaRPr>
+          </a:p>
+        </p:txBody>
+      </p:sp>
+      <p:grpSp>
+        <p:nvGrpSpPr>
+          <p:cNvPr id="5" name="群組 16"/>
+          <p:cNvGrpSpPr>
+            <a:grpSpLocks/>
+          </p:cNvGrpSpPr>
+          <p:nvPr/>
+        </p:nvGrpSpPr>
+        <p:grpSpPr bwMode="auto">
+          <a:xfrm flipH="1">
+            <a:off x="3887793" y="116632"/>
+            <a:ext cx="5239853" cy="432048"/>
+            <a:chOff x="3908668" y="4018029"/>
+            <a:chExt cx="2693637" cy="483042"/>
+          </a:xfrm>
+          <a:solidFill>
+            <a:srgbClr val="00B050"/>
+          </a:solidFill>
+        </p:grpSpPr>
+        <p:sp>
+          <p:nvSpPr>
+            <p:cNvPr id="6" name="流程圖: 延遲 8"/>
+            <p:cNvSpPr/>
+            <p:nvPr/>
+          </p:nvSpPr>
+          <p:spPr>
+            <a:xfrm>
+              <a:off x="6255768" y="4018031"/>
+              <a:ext cx="346537" cy="483040"/>
+            </a:xfrm>
+            <a:prstGeom prst="flowChartDelay">
+              <a:avLst/>
+            </a:prstGeom>
+            <a:solidFill>
+              <a:srgbClr val="00B0F0"/>
+            </a:solidFill>
+            <a:ln w="25400" cap="flat" cmpd="sng" algn="ctr">
+              <a:solidFill>
+                <a:srgbClr val="00B0F0"/>
+              </a:solidFill>
+              <a:prstDash val="solid"/>
+            </a:ln>
+            <a:effectLst/>
+          </p:spPr>
+          <p:txBody>
+            <a:bodyPr anchor="ctr"/>
+            <a:lstStyle/>
+            <a:p>
+              <a:pPr algn="ctr" fontAlgn="auto">
+                <a:spcBef>
+                  <a:spcPts val="0"/>
+                </a:spcBef>
+                <a:spcAft>
+                  <a:spcPts val="0"/>
+                </a:spcAft>
+                <a:defRPr/>
+              </a:pPr>
+              <a:endParaRPr kumimoji="0" lang="zh-TW" altLang="en-US" sz="2200" kern="0">
+                <a:solidFill>
+                  <a:schemeClr val="bg1"/>
+                </a:solidFill>
+                <a:latin typeface="Arial" panose="020B0604020202020204" pitchFamily="34" charset="0"/>
+                <a:ea typeface="微软雅黑" panose="020B0503020204020204" pitchFamily="34" charset="-122"/>
+                <a:cs typeface="Arial" panose="020B0604020202020204" pitchFamily="34" charset="0"/>
+              </a:endParaRPr>
+            </a:p>
+          </p:txBody>
+        </p:sp>
+        <p:sp>
+          <p:nvSpPr>
+            <p:cNvPr id="8" name="矩形 7"/>
+            <p:cNvSpPr/>
+            <p:nvPr/>
+          </p:nvSpPr>
+          <p:spPr>
+            <a:xfrm>
+              <a:off x="3908668" y="4018029"/>
+              <a:ext cx="2347101" cy="483041"/>
+            </a:xfrm>
+            <a:prstGeom prst="rect">
+              <a:avLst/>
+            </a:prstGeom>
+            <a:solidFill>
+              <a:srgbClr val="00B0F0"/>
+            </a:solidFill>
+            <a:ln w="25400" cap="flat" cmpd="sng" algn="ctr">
+              <a:solidFill>
+                <a:srgbClr val="00B0F0"/>
+              </a:solidFill>
+              <a:prstDash val="solid"/>
+            </a:ln>
+            <a:effectLst/>
+          </p:spPr>
+          <p:txBody>
+            <a:bodyPr anchor="ctr"/>
+            <a:lstStyle/>
+            <a:p>
+              <a:pPr algn="ctr"/>
+              <a:r>
+                <a:rPr lang="zh-CN" altLang="en-US" sz="2400" b="1" dirty="0" smtClean="0">
+                  <a:solidFill>
+                    <a:schemeClr val="bg1"/>
+                  </a:solidFill>
+                  <a:latin typeface="微軟正黑體" panose="020B0604030504040204" pitchFamily="34" charset="-120"/>
+                  <a:ea typeface="微軟正黑體" panose="020B0604030504040204" pitchFamily="34" charset="-120"/>
+                  <a:cs typeface="Segoe UI" pitchFamily="34" charset="0"/>
+                </a:rPr>
+                <a:t>六</a:t>
+              </a:r>
+              <a:r>
+                <a:rPr lang="en-US" altLang="zh-CN" sz="2400" b="1" dirty="0" smtClean="0">
+                  <a:solidFill>
+                    <a:schemeClr val="bg1"/>
+                  </a:solidFill>
+                  <a:latin typeface="微軟正黑體" panose="020B0604030504040204" pitchFamily="34" charset="-120"/>
+                  <a:ea typeface="微軟正黑體" panose="020B0604030504040204" pitchFamily="34" charset="-120"/>
+                  <a:cs typeface="Segoe UI" pitchFamily="34" charset="0"/>
+                </a:rPr>
+                <a:t>. </a:t>
+              </a:r>
+              <a:r>
+                <a:rPr lang="zh-CN" altLang="en-US" sz="2400" b="1" dirty="0" smtClean="0">
+                  <a:solidFill>
+                    <a:schemeClr val="bg1"/>
+                  </a:solidFill>
+                  <a:latin typeface="微軟正黑體" panose="020B0604030504040204" pitchFamily="34" charset="-120"/>
+                  <a:ea typeface="微軟正黑體" panose="020B0604030504040204" pitchFamily="34" charset="-120"/>
+                  <a:cs typeface="Segoe UI" pitchFamily="34" charset="0"/>
+                </a:rPr>
+                <a:t>代码</a:t>
+              </a:r>
+              <a:r>
+                <a:rPr lang="en-US" altLang="zh-CN" sz="2400" b="1" dirty="0" smtClean="0">
+                  <a:solidFill>
+                    <a:schemeClr val="bg1"/>
+                  </a:solidFill>
+                  <a:latin typeface="微軟正黑體" panose="020B0604030504040204" pitchFamily="34" charset="-120"/>
+                  <a:ea typeface="微軟正黑體" panose="020B0604030504040204" pitchFamily="34" charset="-120"/>
+                  <a:cs typeface="Segoe UI" pitchFamily="34" charset="0"/>
+                </a:rPr>
+                <a:t>Review</a:t>
+              </a:r>
+              <a:endParaRPr lang="en-US" altLang="ko-KR" sz="2200" b="1" dirty="0">
+                <a:solidFill>
+                  <a:schemeClr val="bg1"/>
+                </a:solidFill>
+                <a:latin typeface="Arial" panose="020B0604020202020204" pitchFamily="34" charset="0"/>
+                <a:ea typeface="微软雅黑" panose="020B0503020204020204" pitchFamily="34" charset="-122"/>
+                <a:cs typeface="Arial" panose="020B0604020202020204" pitchFamily="34" charset="0"/>
+              </a:endParaRPr>
+            </a:p>
+          </p:txBody>
+        </p:sp>
+      </p:grpSp>
+      <p:sp>
+        <p:nvSpPr>
+          <p:cNvPr id="7" name="文本框 6"/>
+          <p:cNvSpPr txBox="1"/>
+          <p:nvPr/>
+        </p:nvSpPr>
+        <p:spPr>
+          <a:xfrm>
+            <a:off x="1697182" y="1593273"/>
+            <a:ext cx="6116782" cy="1754326"/>
+          </a:xfrm>
+          <a:prstGeom prst="rect">
+            <a:avLst/>
+          </a:prstGeom>
+          <a:noFill/>
+        </p:spPr>
+        <p:txBody>
+          <a:bodyPr wrap="square" rtlCol="0">
+            <a:spAutoFit/>
+          </a:bodyPr>
+          <a:lstStyle/>
+          <a:p>
+            <a:r>
+              <a:rPr lang="zh-CN" altLang="en-US" dirty="0" smtClean="0"/>
+              <a:t>可以截图描述代表性的源码截图，如：</a:t>
+            </a:r>
+            <a:endParaRPr lang="en-US" altLang="zh-CN" dirty="0" smtClean="0"/>
+          </a:p>
+          <a:p>
+            <a:pPr marL="342900" indent="-342900">
+              <a:buAutoNum type="arabicPeriod"/>
+            </a:pPr>
+            <a:r>
+              <a:rPr lang="en-US" altLang="zh-CN" dirty="0" smtClean="0"/>
+              <a:t>UI</a:t>
+            </a:r>
+            <a:r>
+              <a:rPr lang="zh-CN" altLang="en-US" dirty="0" smtClean="0"/>
+              <a:t>中的</a:t>
+            </a:r>
+            <a:r>
+              <a:rPr lang="en-US" altLang="zh-CN" dirty="0" smtClean="0"/>
+              <a:t>Table</a:t>
+            </a:r>
+          </a:p>
+          <a:p>
+            <a:pPr marL="342900" indent="-342900">
+              <a:buAutoNum type="arabicPeriod"/>
+            </a:pPr>
+            <a:r>
+              <a:rPr lang="zh-CN" altLang="en-US" dirty="0" smtClean="0"/>
+              <a:t>技术的应用示例代码</a:t>
+            </a:r>
+            <a:endParaRPr lang="en-US" altLang="zh-CN" dirty="0" smtClean="0"/>
+          </a:p>
+          <a:p>
+            <a:pPr marL="342900" indent="-342900">
+              <a:buAutoNum type="arabicPeriod"/>
+            </a:pPr>
+            <a:r>
+              <a:rPr lang="en-US" altLang="zh-CN" dirty="0" smtClean="0"/>
+              <a:t>Java</a:t>
+            </a:r>
+            <a:r>
+              <a:rPr lang="zh-CN" altLang="en-US" dirty="0" smtClean="0"/>
+              <a:t>中的控制类的部分代码</a:t>
+            </a:r>
+            <a:endParaRPr lang="en-US" altLang="zh-CN" dirty="0" smtClean="0"/>
+          </a:p>
+          <a:p>
+            <a:pPr marL="342900" indent="-342900">
+              <a:buAutoNum type="arabicPeriod"/>
+            </a:pPr>
+            <a:r>
+              <a:rPr lang="en-US" altLang="zh-CN" dirty="0" smtClean="0"/>
+              <a:t>DB</a:t>
+            </a:r>
+            <a:r>
+              <a:rPr lang="zh-CN" altLang="en-US" dirty="0" smtClean="0"/>
+              <a:t>中的存储过程代码</a:t>
+            </a:r>
+            <a:r>
+              <a:rPr lang="en-US" altLang="zh-CN" dirty="0" smtClean="0"/>
+              <a:t>(</a:t>
+            </a:r>
+            <a:r>
+              <a:rPr lang="zh-CN" altLang="en-US" dirty="0" smtClean="0"/>
+              <a:t>如果有</a:t>
+            </a:r>
+            <a:r>
+              <a:rPr lang="en-US" altLang="zh-CN" dirty="0" smtClean="0"/>
+              <a:t>)</a:t>
+            </a:r>
+          </a:p>
+          <a:p>
+            <a:pPr marL="342900" indent="-342900">
+              <a:buAutoNum type="arabicPeriod"/>
+            </a:pPr>
+            <a:r>
+              <a:rPr lang="zh-CN" altLang="en-US" dirty="0" smtClean="0"/>
+              <a:t>等等</a:t>
+            </a:r>
+            <a:endParaRPr lang="zh-CN" altLang="en-US" dirty="0"/>
+          </a:p>
+        </p:txBody>
+      </p:sp>
+    </p:spTree>
+    <p:extLst>
+      <p:ext uri="{BB962C8B-B14F-4D97-AF65-F5344CB8AC3E}">
+        <p14:creationId xmlns:p14="http://schemas.microsoft.com/office/powerpoint/2010/main" val="2581433372"/>
+      </p:ext>
+    </p:extLst>
+  </p:cSld>
+  <p:clrMapOvr>
+    <a:masterClrMapping/>
+  </p:clrMapOvr>
+  <p:timing>
+    <p:tnLst>
+      <p:par>
+        <p:cTn id="1" dur="indefinite" restart="never" nodeType="tmRoot"/>
+      </p:par>
+    </p:tnLst>
+  </p:timing>
+</p:sld>
+</file>
+
+<file path=ppt/slides/slide31.xml><?xml version="1.0" encoding="utf-8"?>
+<p:sld xmlns:a="http://schemas.openxmlformats.org/drawingml/2006/main" xmlns:r="http://schemas.openxmlformats.org/officeDocument/2006/relationships" xmlns:p="http://schemas.openxmlformats.org/presentationml/2006/main">
+  <p:cSld>
+    <p:spTree>
+      <p:nvGrpSpPr>
+        <p:cNvPr id="1" name=""/>
+        <p:cNvGrpSpPr/>
+        <p:nvPr/>
+      </p:nvGrpSpPr>
+      <p:grpSpPr>
+        <a:xfrm>
+          <a:off x="0" y="0"/>
+          <a:ext cx="0" cy="0"/>
+          <a:chOff x="0" y="0"/>
+          <a:chExt cx="0" cy="0"/>
+        </a:xfrm>
+      </p:grpSpPr>
+      <p:sp>
+        <p:nvSpPr>
+          <p:cNvPr id="4" name="投影片編號版面配置區 3"/>
+          <p:cNvSpPr>
+            <a:spLocks noGrp="1"/>
+          </p:cNvSpPr>
+          <p:nvPr>
+            <p:ph type="sldNum" sz="quarter" idx="10"/>
+          </p:nvPr>
+        </p:nvSpPr>
+        <p:spPr/>
+        <p:txBody>
+          <a:bodyPr/>
+          <a:lstStyle/>
+          <a:p>
+            <a:pPr>
+              <a:defRPr/>
+            </a:pPr>
+            <a:fld id="{991D3BC2-FC42-4C57-95D7-42E1AD7BAC3D}" type="slidenum">
+              <a:rPr lang="zh-TW" altLang="en-US" smtClean="0">
+                <a:solidFill>
+                  <a:srgbClr val="000000">
+                    <a:tint val="75000"/>
+                  </a:srgbClr>
+                </a:solidFill>
+              </a:rPr>
+              <a:pPr>
+                <a:defRPr/>
+              </a:pPr>
+              <a:t>31</a:t>
+            </a:fld>
+            <a:endParaRPr lang="zh-TW" altLang="en-US" dirty="0">
+              <a:solidFill>
+                <a:srgbClr val="000000">
+                  <a:tint val="75000"/>
+                </a:srgbClr>
+              </a:solidFill>
+            </a:endParaRPr>
+          </a:p>
+        </p:txBody>
+      </p:sp>
+      <p:grpSp>
+        <p:nvGrpSpPr>
+          <p:cNvPr id="5" name="群組 16"/>
+          <p:cNvGrpSpPr>
+            <a:grpSpLocks/>
+          </p:cNvGrpSpPr>
+          <p:nvPr/>
+        </p:nvGrpSpPr>
+        <p:grpSpPr bwMode="auto">
+          <a:xfrm flipH="1">
+            <a:off x="3887793" y="116632"/>
+            <a:ext cx="5239853" cy="432048"/>
+            <a:chOff x="3908668" y="4018029"/>
+            <a:chExt cx="2693637" cy="483042"/>
+          </a:xfrm>
+          <a:solidFill>
+            <a:srgbClr val="00B050"/>
+          </a:solidFill>
+        </p:grpSpPr>
+        <p:sp>
+          <p:nvSpPr>
+            <p:cNvPr id="6" name="流程圖: 延遲 8"/>
+            <p:cNvSpPr/>
+            <p:nvPr/>
+          </p:nvSpPr>
+          <p:spPr>
+            <a:xfrm>
+              <a:off x="6255768" y="4018031"/>
+              <a:ext cx="346537" cy="483040"/>
+            </a:xfrm>
+            <a:prstGeom prst="flowChartDelay">
+              <a:avLst/>
+            </a:prstGeom>
+            <a:solidFill>
+              <a:srgbClr val="00B0F0"/>
+            </a:solidFill>
+            <a:ln w="25400" cap="flat" cmpd="sng" algn="ctr">
+              <a:solidFill>
+                <a:srgbClr val="00B0F0"/>
+              </a:solidFill>
+              <a:prstDash val="solid"/>
+            </a:ln>
+            <a:effectLst/>
+          </p:spPr>
+          <p:txBody>
+            <a:bodyPr anchor="ctr"/>
+            <a:lstStyle/>
+            <a:p>
+              <a:pPr algn="ctr" fontAlgn="auto">
+                <a:spcBef>
+                  <a:spcPts val="0"/>
+                </a:spcBef>
+                <a:spcAft>
+                  <a:spcPts val="0"/>
+                </a:spcAft>
+                <a:defRPr/>
+              </a:pPr>
+              <a:endParaRPr kumimoji="0" lang="zh-TW" altLang="en-US" sz="2200" kern="0">
+                <a:solidFill>
+                  <a:schemeClr val="bg1"/>
+                </a:solidFill>
+                <a:latin typeface="Arial" panose="020B0604020202020204" pitchFamily="34" charset="0"/>
+                <a:ea typeface="微软雅黑" panose="020B0503020204020204" pitchFamily="34" charset="-122"/>
+                <a:cs typeface="Arial" panose="020B0604020202020204" pitchFamily="34" charset="0"/>
+              </a:endParaRPr>
+            </a:p>
+          </p:txBody>
+        </p:sp>
+        <p:sp>
+          <p:nvSpPr>
+            <p:cNvPr id="8" name="矩形 7"/>
+            <p:cNvSpPr/>
+            <p:nvPr/>
+          </p:nvSpPr>
+          <p:spPr>
+            <a:xfrm>
+              <a:off x="3908668" y="4018029"/>
+              <a:ext cx="2347101" cy="483041"/>
+            </a:xfrm>
+            <a:prstGeom prst="rect">
+              <a:avLst/>
+            </a:prstGeom>
+            <a:solidFill>
+              <a:srgbClr val="00B0F0"/>
+            </a:solidFill>
+            <a:ln w="25400" cap="flat" cmpd="sng" algn="ctr">
+              <a:solidFill>
+                <a:srgbClr val="00B0F0"/>
+              </a:solidFill>
+              <a:prstDash val="solid"/>
+            </a:ln>
+            <a:effectLst/>
+          </p:spPr>
+          <p:txBody>
+            <a:bodyPr anchor="ctr"/>
+            <a:lstStyle/>
+            <a:p>
+              <a:pPr algn="ctr"/>
+              <a:r>
+                <a:rPr lang="zh-CN" altLang="en-US" sz="2400" b="1" dirty="0" smtClean="0">
+                  <a:solidFill>
+                    <a:schemeClr val="bg1"/>
+                  </a:solidFill>
+                  <a:latin typeface="微軟正黑體" panose="020B0604030504040204" pitchFamily="34" charset="-120"/>
+                  <a:ea typeface="微軟正黑體" panose="020B0604030504040204" pitchFamily="34" charset="-120"/>
+                  <a:cs typeface="Segoe UI" pitchFamily="34" charset="0"/>
+                </a:rPr>
+                <a:t>六</a:t>
+              </a:r>
+              <a:r>
+                <a:rPr lang="en-US" altLang="zh-CN" sz="2400" b="1" dirty="0" smtClean="0">
+                  <a:solidFill>
+                    <a:schemeClr val="bg1"/>
+                  </a:solidFill>
+                  <a:latin typeface="微軟正黑體" panose="020B0604030504040204" pitchFamily="34" charset="-120"/>
+                  <a:ea typeface="微軟正黑體" panose="020B0604030504040204" pitchFamily="34" charset="-120"/>
+                  <a:cs typeface="Segoe UI" pitchFamily="34" charset="0"/>
+                </a:rPr>
+                <a:t>. </a:t>
+              </a:r>
+              <a:r>
+                <a:rPr lang="zh-CN" altLang="en-US" sz="2400" b="1" dirty="0" smtClean="0">
+                  <a:solidFill>
+                    <a:schemeClr val="bg1"/>
+                  </a:solidFill>
+                  <a:latin typeface="微軟正黑體" panose="020B0604030504040204" pitchFamily="34" charset="-120"/>
+                  <a:ea typeface="微軟正黑體" panose="020B0604030504040204" pitchFamily="34" charset="-120"/>
+                  <a:cs typeface="Segoe UI" pitchFamily="34" charset="0"/>
+                </a:rPr>
+                <a:t>代码</a:t>
+              </a:r>
+              <a:r>
+                <a:rPr lang="en-US" altLang="zh-CN" sz="2400" b="1" dirty="0" smtClean="0">
+                  <a:solidFill>
+                    <a:schemeClr val="bg1"/>
+                  </a:solidFill>
+                  <a:latin typeface="微軟正黑體" panose="020B0604030504040204" pitchFamily="34" charset="-120"/>
+                  <a:ea typeface="微軟正黑體" panose="020B0604030504040204" pitchFamily="34" charset="-120"/>
+                  <a:cs typeface="Segoe UI" pitchFamily="34" charset="0"/>
+                </a:rPr>
+                <a:t>Review</a:t>
+              </a:r>
+              <a:endParaRPr lang="en-US" altLang="ko-KR" sz="2200" b="1" dirty="0">
+                <a:solidFill>
+                  <a:schemeClr val="bg1"/>
+                </a:solidFill>
+                <a:latin typeface="Arial" panose="020B0604020202020204" pitchFamily="34" charset="0"/>
+                <a:ea typeface="微软雅黑" panose="020B0503020204020204" pitchFamily="34" charset="-122"/>
+                <a:cs typeface="Arial" panose="020B0604020202020204" pitchFamily="34" charset="0"/>
+              </a:endParaRPr>
+            </a:p>
+          </p:txBody>
+        </p:sp>
+      </p:grpSp>
+      <p:sp>
+        <p:nvSpPr>
+          <p:cNvPr id="7" name="文本框 6"/>
+          <p:cNvSpPr txBox="1"/>
+          <p:nvPr/>
+        </p:nvSpPr>
+        <p:spPr>
+          <a:xfrm>
+            <a:off x="1697182" y="1593273"/>
+            <a:ext cx="6116782" cy="1754326"/>
+          </a:xfrm>
+          <a:prstGeom prst="rect">
+            <a:avLst/>
+          </a:prstGeom>
+          <a:noFill/>
+        </p:spPr>
+        <p:txBody>
+          <a:bodyPr wrap="square" rtlCol="0">
+            <a:spAutoFit/>
+          </a:bodyPr>
+          <a:lstStyle/>
+          <a:p>
+            <a:r>
+              <a:rPr lang="zh-CN" altLang="en-US" dirty="0" smtClean="0"/>
+              <a:t>可以截图描述代表性的源码截图，如：</a:t>
+            </a:r>
+            <a:endParaRPr lang="en-US" altLang="zh-CN" dirty="0" smtClean="0"/>
+          </a:p>
+          <a:p>
+            <a:pPr marL="342900" indent="-342900">
+              <a:buAutoNum type="arabicPeriod"/>
+            </a:pPr>
+            <a:r>
+              <a:rPr lang="en-US" altLang="zh-CN" dirty="0" smtClean="0"/>
+              <a:t>UI</a:t>
+            </a:r>
+            <a:r>
+              <a:rPr lang="zh-CN" altLang="en-US" dirty="0" smtClean="0"/>
+              <a:t>中的</a:t>
+            </a:r>
+            <a:r>
+              <a:rPr lang="en-US" altLang="zh-CN" dirty="0" smtClean="0"/>
+              <a:t>Table</a:t>
+            </a:r>
+          </a:p>
+          <a:p>
+            <a:pPr marL="342900" indent="-342900">
+              <a:buAutoNum type="arabicPeriod"/>
+            </a:pPr>
+            <a:r>
+              <a:rPr lang="zh-CN" altLang="en-US" dirty="0" smtClean="0"/>
+              <a:t>技术的应用示例代码</a:t>
+            </a:r>
+            <a:endParaRPr lang="en-US" altLang="zh-CN" dirty="0" smtClean="0"/>
+          </a:p>
+          <a:p>
+            <a:pPr marL="342900" indent="-342900">
+              <a:buAutoNum type="arabicPeriod"/>
+            </a:pPr>
+            <a:r>
+              <a:rPr lang="en-US" altLang="zh-CN" dirty="0" smtClean="0"/>
+              <a:t>Java</a:t>
+            </a:r>
+            <a:r>
+              <a:rPr lang="zh-CN" altLang="en-US" dirty="0" smtClean="0"/>
+              <a:t>中的控制类的部分代码</a:t>
+            </a:r>
+            <a:endParaRPr lang="en-US" altLang="zh-CN" dirty="0" smtClean="0"/>
+          </a:p>
+          <a:p>
+            <a:pPr marL="342900" indent="-342900">
+              <a:buAutoNum type="arabicPeriod"/>
+            </a:pPr>
+            <a:r>
+              <a:rPr lang="en-US" altLang="zh-CN" dirty="0" smtClean="0"/>
+              <a:t>DB</a:t>
+            </a:r>
+            <a:r>
+              <a:rPr lang="zh-CN" altLang="en-US" dirty="0" smtClean="0"/>
+              <a:t>中的存储过程代码</a:t>
+            </a:r>
+            <a:r>
+              <a:rPr lang="en-US" altLang="zh-CN" dirty="0" smtClean="0"/>
+              <a:t>(</a:t>
+            </a:r>
+            <a:r>
+              <a:rPr lang="zh-CN" altLang="en-US" dirty="0" smtClean="0"/>
+              <a:t>如果有</a:t>
+            </a:r>
+            <a:r>
+              <a:rPr lang="en-US" altLang="zh-CN" dirty="0" smtClean="0"/>
+              <a:t>)</a:t>
+            </a:r>
+          </a:p>
+          <a:p>
+            <a:pPr marL="342900" indent="-342900">
+              <a:buAutoNum type="arabicPeriod"/>
+            </a:pPr>
+            <a:r>
+              <a:rPr lang="zh-CN" altLang="en-US" dirty="0" smtClean="0"/>
+              <a:t>等等</a:t>
+            </a:r>
+            <a:endParaRPr lang="zh-CN" altLang="en-US" dirty="0"/>
+          </a:p>
+        </p:txBody>
+      </p:sp>
+    </p:spTree>
+    <p:extLst>
+      <p:ext uri="{BB962C8B-B14F-4D97-AF65-F5344CB8AC3E}">
+        <p14:creationId xmlns:p14="http://schemas.microsoft.com/office/powerpoint/2010/main" val="1007842550"/>
+      </p:ext>
+    </p:extLst>
+  </p:cSld>
+  <p:clrMapOvr>
+    <a:masterClrMapping/>
+  </p:clrMapOvr>
+  <p:timing>
+    <p:tnLst>
+      <p:par>
+        <p:cTn id="1" dur="indefinite" restart="never" nodeType="tmRoot"/>
+      </p:par>
+    </p:tnLst>
+  </p:timing>
+</p:sld>
+</file>
+
+<file path=ppt/slides/slide32.xml><?xml version="1.0" encoding="utf-8"?>
+<p:sld xmlns:a="http://schemas.openxmlformats.org/drawingml/2006/main" xmlns:r="http://schemas.openxmlformats.org/officeDocument/2006/relationships" xmlns:p="http://schemas.openxmlformats.org/presentationml/2006/main">
+  <p:cSld>
+    <p:spTree>
+      <p:nvGrpSpPr>
+        <p:cNvPr id="1" name=""/>
+        <p:cNvGrpSpPr/>
+        <p:nvPr/>
+      </p:nvGrpSpPr>
+      <p:grpSpPr>
+        <a:xfrm>
+          <a:off x="0" y="0"/>
+          <a:ext cx="0" cy="0"/>
+          <a:chOff x="0" y="0"/>
+          <a:chExt cx="0" cy="0"/>
+        </a:xfrm>
+      </p:grpSpPr>
+      <p:sp>
+        <p:nvSpPr>
+          <p:cNvPr id="3" name="標題 2"/>
+          <p:cNvSpPr>
+            <a:spLocks noGrp="1"/>
+          </p:cNvSpPr>
+          <p:nvPr>
+            <p:ph type="ctrTitle"/>
+          </p:nvPr>
+        </p:nvSpPr>
+        <p:spPr>
+          <a:xfrm>
+            <a:off x="2375282" y="2089543"/>
+            <a:ext cx="2143140" cy="696521"/>
+          </a:xfrm>
+        </p:spPr>
+        <p:txBody>
+          <a:bodyPr/>
+          <a:lstStyle/>
+          <a:p>
+            <a:pPr>
+              <a:defRPr/>
+            </a:pPr>
+            <a:r>
+              <a:rPr lang="en-US" altLang="zh-TW" sz="3000" dirty="0">
+                <a:latin typeface="微軟正黑體" pitchFamily="34" charset="-120"/>
+                <a:ea typeface="微軟正黑體" pitchFamily="34" charset="-120"/>
+                <a:cs typeface="Arial Unicode MS" pitchFamily="34" charset="-120"/>
+              </a:rPr>
+              <a:t>Thank You</a:t>
+            </a:r>
+            <a:endParaRPr lang="zh-TW" altLang="en-US" sz="3000" dirty="0">
+              <a:latin typeface="微軟正黑體" pitchFamily="34" charset="-120"/>
+              <a:ea typeface="微軟正黑體" pitchFamily="34" charset="-120"/>
+              <a:cs typeface="Arial Unicode MS" pitchFamily="34" charset="-120"/>
+            </a:endParaRPr>
+          </a:p>
+        </p:txBody>
+      </p:sp>
+    </p:spTree>
+    <p:extLst>
+      <p:ext uri="{BB962C8B-B14F-4D97-AF65-F5344CB8AC3E}">
+        <p14:creationId xmlns:p14="http://schemas.microsoft.com/office/powerpoint/2010/main" val="1253263557"/>
+      </p:ext>
+    </p:extLst>
+  </p:cSld>
+  <p:clrMapOvr>
+    <a:masterClrMapping/>
+  </p:clrMapOvr>
+  <p:transition spd="med"/>
+  <p:timing>
+    <p:tnLst>
+      <p:par>
+        <p:cTn id="1" dur="indefinite" restart="never" nodeType="tmRoot"/>
+      </p:par>
+    </p:tnLst>
+  </p:timing>
+</p:sld>
+</file>
+
+<file path=ppt/slides/slide4.xml><?xml version="1.0" encoding="utf-8"?>
+<p:sld xmlns:a="http://schemas.openxmlformats.org/drawingml/2006/main" xmlns:r="http://schemas.openxmlformats.org/officeDocument/2006/relationships" xmlns:p="http://schemas.openxmlformats.org/presentationml/2006/main">
+  <p:cSld>
+    <p:spTree>
+      <p:nvGrpSpPr>
+        <p:cNvPr id="1" name=""/>
+        <p:cNvGrpSpPr/>
+        <p:nvPr/>
+      </p:nvGrpSpPr>
+      <p:grpSpPr>
+        <a:xfrm>
+          <a:off x="0" y="0"/>
+          <a:ext cx="0" cy="0"/>
+          <a:chOff x="0" y="0"/>
+          <a:chExt cx="0" cy="0"/>
+        </a:xfrm>
+      </p:grpSpPr>
+      <p:sp>
+        <p:nvSpPr>
+          <p:cNvPr id="4" name="投影片編號版面配置區 3"/>
+          <p:cNvSpPr>
+            <a:spLocks noGrp="1"/>
+          </p:cNvSpPr>
+          <p:nvPr>
+            <p:ph type="sldNum" sz="quarter" idx="10"/>
+          </p:nvPr>
+        </p:nvSpPr>
+        <p:spPr/>
+        <p:txBody>
+          <a:bodyPr/>
+          <a:lstStyle/>
+          <a:p>
+            <a:pPr>
+              <a:defRPr/>
+            </a:pPr>
+            <a:fld id="{991D3BC2-FC42-4C57-95D7-42E1AD7BAC3D}" type="slidenum">
+              <a:rPr lang="zh-TW" altLang="en-US" smtClean="0">
+                <a:solidFill>
+                  <a:srgbClr val="000000">
+                    <a:tint val="75000"/>
+                  </a:srgbClr>
+                </a:solidFill>
+              </a:rPr>
+              <a:pPr>
+                <a:defRPr/>
+              </a:pPr>
+              <a:t>4</a:t>
+            </a:fld>
+            <a:endParaRPr lang="zh-TW" altLang="en-US" dirty="0">
+              <a:solidFill>
+                <a:srgbClr val="000000">
+                  <a:tint val="75000"/>
+                </a:srgbClr>
+              </a:solidFill>
+            </a:endParaRPr>
+          </a:p>
+        </p:txBody>
+      </p:sp>
+      <p:grpSp>
+        <p:nvGrpSpPr>
+          <p:cNvPr id="5" name="群組 16"/>
+          <p:cNvGrpSpPr>
+            <a:grpSpLocks/>
+          </p:cNvGrpSpPr>
+          <p:nvPr/>
+        </p:nvGrpSpPr>
+        <p:grpSpPr bwMode="auto">
+          <a:xfrm flipH="1">
+            <a:off x="3887793" y="116632"/>
+            <a:ext cx="5239853" cy="432048"/>
+            <a:chOff x="3908668" y="4018029"/>
+            <a:chExt cx="2693637" cy="483042"/>
+          </a:xfrm>
+          <a:solidFill>
+            <a:srgbClr val="00B050"/>
+          </a:solidFill>
+        </p:grpSpPr>
+        <p:sp>
+          <p:nvSpPr>
+            <p:cNvPr id="6" name="流程圖: 延遲 8"/>
+            <p:cNvSpPr/>
+            <p:nvPr/>
+          </p:nvSpPr>
+          <p:spPr>
+            <a:xfrm>
+              <a:off x="6255768" y="4018031"/>
+              <a:ext cx="346537" cy="483040"/>
+            </a:xfrm>
+            <a:prstGeom prst="flowChartDelay">
+              <a:avLst/>
+            </a:prstGeom>
+            <a:solidFill>
+              <a:srgbClr val="00B0F0"/>
+            </a:solidFill>
+            <a:ln w="25400" cap="flat" cmpd="sng" algn="ctr">
+              <a:solidFill>
+                <a:srgbClr val="00B0F0"/>
+              </a:solidFill>
+              <a:prstDash val="solid"/>
+            </a:ln>
+            <a:effectLst/>
+          </p:spPr>
+          <p:txBody>
+            <a:bodyPr anchor="ctr"/>
+            <a:lstStyle/>
+            <a:p>
+              <a:pPr algn="ctr" fontAlgn="auto">
+                <a:spcBef>
+                  <a:spcPts val="0"/>
+                </a:spcBef>
+                <a:spcAft>
+                  <a:spcPts val="0"/>
+                </a:spcAft>
+                <a:defRPr/>
+              </a:pPr>
+              <a:endParaRPr kumimoji="0" lang="zh-TW" altLang="en-US" sz="2200" kern="0">
+                <a:solidFill>
+                  <a:schemeClr val="bg1"/>
+                </a:solidFill>
+                <a:latin typeface="Arial" panose="020B0604020202020204" pitchFamily="34" charset="0"/>
+                <a:ea typeface="微软雅黑" panose="020B0503020204020204" pitchFamily="34" charset="-122"/>
+                <a:cs typeface="Arial" panose="020B0604020202020204" pitchFamily="34" charset="0"/>
+              </a:endParaRPr>
+            </a:p>
+          </p:txBody>
+        </p:sp>
+        <p:sp>
+          <p:nvSpPr>
+            <p:cNvPr id="8" name="矩形 7"/>
+            <p:cNvSpPr/>
+            <p:nvPr/>
+          </p:nvSpPr>
+          <p:spPr>
+            <a:xfrm>
+              <a:off x="3908668" y="4018029"/>
+              <a:ext cx="2347101" cy="483041"/>
+            </a:xfrm>
+            <a:prstGeom prst="rect">
+              <a:avLst/>
+            </a:prstGeom>
+            <a:solidFill>
+              <a:srgbClr val="00B0F0"/>
+            </a:solidFill>
+            <a:ln w="25400" cap="flat" cmpd="sng" algn="ctr">
+              <a:solidFill>
+                <a:srgbClr val="00B0F0"/>
+              </a:solidFill>
+              <a:prstDash val="solid"/>
+            </a:ln>
+            <a:effectLst/>
+          </p:spPr>
+          <p:txBody>
+            <a:bodyPr anchor="ctr"/>
+            <a:lstStyle/>
+            <a:p>
+              <a:pPr algn="ctr"/>
+              <a:r>
+                <a:rPr lang="zh-CN" altLang="en-US" sz="2200" b="1" dirty="0" smtClean="0">
+                  <a:solidFill>
+                    <a:schemeClr val="bg1"/>
+                  </a:solidFill>
+                  <a:latin typeface="Arial" panose="020B0604020202020204" pitchFamily="34" charset="0"/>
+                  <a:ea typeface="微软雅黑" panose="020B0503020204020204" pitchFamily="34" charset="-122"/>
+                  <a:cs typeface="Arial" panose="020B0604020202020204" pitchFamily="34" charset="0"/>
+                </a:rPr>
+                <a:t>二</a:t>
+              </a:r>
+              <a:r>
+                <a:rPr lang="en-US" altLang="zh-CN" sz="2200" b="1" dirty="0" smtClean="0">
+                  <a:solidFill>
+                    <a:schemeClr val="bg1"/>
+                  </a:solidFill>
+                  <a:latin typeface="Arial" panose="020B0604020202020204" pitchFamily="34" charset="0"/>
+                  <a:ea typeface="微软雅黑" panose="020B0503020204020204" pitchFamily="34" charset="-122"/>
+                  <a:cs typeface="Arial" panose="020B0604020202020204" pitchFamily="34" charset="0"/>
+                </a:rPr>
+                <a:t>. </a:t>
+              </a:r>
+              <a:r>
+                <a:rPr lang="zh-CN" altLang="en-US" sz="2200" b="1" dirty="0" smtClean="0">
+                  <a:solidFill>
+                    <a:schemeClr val="bg1"/>
+                  </a:solidFill>
+                  <a:latin typeface="Arial" panose="020B0604020202020204" pitchFamily="34" charset="0"/>
+                  <a:ea typeface="微软雅黑" panose="020B0503020204020204" pitchFamily="34" charset="-122"/>
+                  <a:cs typeface="Arial" panose="020B0604020202020204" pitchFamily="34" charset="0"/>
+                </a:rPr>
+                <a:t>开发计划</a:t>
+              </a:r>
+              <a:endParaRPr lang="en-US" altLang="ko-KR" sz="2200" b="1" dirty="0">
+                <a:solidFill>
+                  <a:schemeClr val="bg1"/>
+                </a:solidFill>
+                <a:latin typeface="Arial" panose="020B0604020202020204" pitchFamily="34" charset="0"/>
+                <a:ea typeface="微软雅黑" panose="020B0503020204020204" pitchFamily="34" charset="-122"/>
+                <a:cs typeface="Arial" panose="020B0604020202020204" pitchFamily="34" charset="0"/>
+              </a:endParaRPr>
+            </a:p>
+          </p:txBody>
+        </p:sp>
+      </p:grpSp>
+      <p:sp>
+        <p:nvSpPr>
+          <p:cNvPr id="7" name="文本框 6"/>
+          <p:cNvSpPr txBox="1"/>
+          <p:nvPr/>
+        </p:nvSpPr>
+        <p:spPr>
+          <a:xfrm>
+            <a:off x="1697182" y="1593273"/>
+            <a:ext cx="5569527" cy="369332"/>
+          </a:xfrm>
+          <a:prstGeom prst="rect">
+            <a:avLst/>
+          </a:prstGeom>
+          <a:noFill/>
+        </p:spPr>
+        <p:txBody>
+          <a:bodyPr wrap="square" rtlCol="0">
+            <a:spAutoFit/>
+          </a:bodyPr>
+          <a:lstStyle/>
+          <a:p>
+            <a:r>
+              <a:rPr lang="zh-CN" altLang="en-US" dirty="0" smtClean="0"/>
+              <a:t>参考之前你们发给我的开发计划</a:t>
+            </a:r>
+            <a:endParaRPr lang="zh-CN" altLang="en-US" dirty="0"/>
+          </a:p>
+        </p:txBody>
+      </p:sp>
+    </p:spTree>
+    <p:extLst>
+      <p:ext uri="{BB962C8B-B14F-4D97-AF65-F5344CB8AC3E}">
+        <p14:creationId xmlns:p14="http://schemas.microsoft.com/office/powerpoint/2010/main" val="1358860896"/>
+      </p:ext>
+    </p:extLst>
+  </p:cSld>
+  <p:clrMapOvr>
+    <a:masterClrMapping/>
+  </p:clrMapOvr>
+  <p:timing>
+    <p:tnLst>
+      <p:par>
+        <p:cTn id="1" dur="indefinite" restart="never" nodeType="tmRoot"/>
+      </p:par>
+    </p:tnLst>
+  </p:timing>
+</p:sld>
+</file>
+
+<file path=ppt/slides/slide5.xml><?xml version="1.0" encoding="utf-8"?>
+<p:sld xmlns:a="http://schemas.openxmlformats.org/drawingml/2006/main" xmlns:r="http://schemas.openxmlformats.org/officeDocument/2006/relationships" xmlns:p="http://schemas.openxmlformats.org/presentationml/2006/main">
+  <p:cSld>
+    <p:spTree>
+      <p:nvGrpSpPr>
+        <p:cNvPr id="1" name=""/>
+        <p:cNvGrpSpPr/>
+        <p:nvPr/>
+      </p:nvGrpSpPr>
+      <p:grpSpPr>
+        <a:xfrm>
+          <a:off x="0" y="0"/>
+          <a:ext cx="0" cy="0"/>
+          <a:chOff x="0" y="0"/>
+          <a:chExt cx="0" cy="0"/>
+        </a:xfrm>
+      </p:grpSpPr>
+      <p:sp>
+        <p:nvSpPr>
+          <p:cNvPr id="4" name="投影片編號版面配置區 3"/>
+          <p:cNvSpPr>
+            <a:spLocks noGrp="1"/>
+          </p:cNvSpPr>
+          <p:nvPr>
+            <p:ph type="sldNum" sz="quarter" idx="10"/>
+          </p:nvPr>
+        </p:nvSpPr>
+        <p:spPr/>
+        <p:txBody>
+          <a:bodyPr/>
+          <a:lstStyle/>
+          <a:p>
+            <a:pPr>
+              <a:defRPr/>
+            </a:pPr>
+            <a:fld id="{991D3BC2-FC42-4C57-95D7-42E1AD7BAC3D}" type="slidenum">
+              <a:rPr lang="zh-TW" altLang="en-US" smtClean="0">
+                <a:solidFill>
+                  <a:srgbClr val="000000">
+                    <a:tint val="75000"/>
+                  </a:srgbClr>
+                </a:solidFill>
+              </a:rPr>
+              <a:pPr>
+                <a:defRPr/>
+              </a:pPr>
+              <a:t>5</a:t>
+            </a:fld>
+            <a:endParaRPr lang="zh-TW" altLang="en-US" dirty="0">
+              <a:solidFill>
+                <a:srgbClr val="000000">
+                  <a:tint val="75000"/>
+                </a:srgbClr>
+              </a:solidFill>
+            </a:endParaRPr>
+          </a:p>
+        </p:txBody>
+      </p:sp>
+      <p:grpSp>
+        <p:nvGrpSpPr>
+          <p:cNvPr id="5" name="群組 16"/>
+          <p:cNvGrpSpPr>
+            <a:grpSpLocks/>
+          </p:cNvGrpSpPr>
+          <p:nvPr/>
+        </p:nvGrpSpPr>
+        <p:grpSpPr bwMode="auto">
+          <a:xfrm flipH="1">
+            <a:off x="3887793" y="116632"/>
+            <a:ext cx="5239853" cy="432048"/>
+            <a:chOff x="3908668" y="4018029"/>
+            <a:chExt cx="2693637" cy="483042"/>
+          </a:xfrm>
+          <a:solidFill>
+            <a:srgbClr val="00B050"/>
+          </a:solidFill>
+        </p:grpSpPr>
+        <p:sp>
+          <p:nvSpPr>
+            <p:cNvPr id="6" name="流程圖: 延遲 8"/>
+            <p:cNvSpPr/>
+            <p:nvPr/>
+          </p:nvSpPr>
+          <p:spPr>
+            <a:xfrm>
+              <a:off x="6255768" y="4018031"/>
+              <a:ext cx="346537" cy="483040"/>
+            </a:xfrm>
+            <a:prstGeom prst="flowChartDelay">
+              <a:avLst/>
+            </a:prstGeom>
+            <a:solidFill>
+              <a:srgbClr val="00B0F0"/>
+            </a:solidFill>
+            <a:ln w="25400" cap="flat" cmpd="sng" algn="ctr">
+              <a:solidFill>
+                <a:srgbClr val="00B0F0"/>
+              </a:solidFill>
+              <a:prstDash val="solid"/>
+            </a:ln>
+            <a:effectLst/>
+          </p:spPr>
+          <p:txBody>
+            <a:bodyPr anchor="ctr"/>
+            <a:lstStyle/>
+            <a:p>
+              <a:pPr algn="ctr" fontAlgn="auto">
+                <a:spcBef>
+                  <a:spcPts val="0"/>
+                </a:spcBef>
+                <a:spcAft>
+                  <a:spcPts val="0"/>
+                </a:spcAft>
+                <a:defRPr/>
+              </a:pPr>
+              <a:endParaRPr kumimoji="0" lang="zh-TW" altLang="en-US" sz="2200" kern="0">
+                <a:solidFill>
+                  <a:schemeClr val="bg1"/>
+                </a:solidFill>
+                <a:latin typeface="Arial" panose="020B0604020202020204" pitchFamily="34" charset="0"/>
+                <a:ea typeface="微软雅黑" panose="020B0503020204020204" pitchFamily="34" charset="-122"/>
+                <a:cs typeface="Arial" panose="020B0604020202020204" pitchFamily="34" charset="0"/>
+              </a:endParaRPr>
+            </a:p>
+          </p:txBody>
+        </p:sp>
+        <p:sp>
+          <p:nvSpPr>
+            <p:cNvPr id="8" name="矩形 7"/>
+            <p:cNvSpPr/>
+            <p:nvPr/>
+          </p:nvSpPr>
+          <p:spPr>
+            <a:xfrm>
+              <a:off x="3908668" y="4018029"/>
+              <a:ext cx="2347101" cy="483041"/>
+            </a:xfrm>
+            <a:prstGeom prst="rect">
+              <a:avLst/>
+            </a:prstGeom>
+            <a:solidFill>
+              <a:srgbClr val="00B0F0"/>
+            </a:solidFill>
+            <a:ln w="25400" cap="flat" cmpd="sng" algn="ctr">
+              <a:solidFill>
+                <a:srgbClr val="00B0F0"/>
+              </a:solidFill>
+              <a:prstDash val="solid"/>
+            </a:ln>
+            <a:effectLst/>
+          </p:spPr>
+          <p:txBody>
+            <a:bodyPr anchor="ctr"/>
+            <a:lstStyle/>
+            <a:p>
+              <a:pPr algn="ctr"/>
+              <a:r>
+                <a:rPr lang="zh-CN" altLang="en-US" sz="2200" b="1" dirty="0" smtClean="0">
+                  <a:solidFill>
+                    <a:schemeClr val="bg1"/>
+                  </a:solidFill>
+                  <a:latin typeface="Arial" panose="020B0604020202020204" pitchFamily="34" charset="0"/>
+                  <a:ea typeface="微软雅黑" panose="020B0503020204020204" pitchFamily="34" charset="-122"/>
+                  <a:cs typeface="Arial" panose="020B0604020202020204" pitchFamily="34" charset="0"/>
+                </a:rPr>
+                <a:t>三</a:t>
+              </a:r>
+              <a:r>
+                <a:rPr lang="en-US" altLang="zh-CN" sz="2200" b="1" dirty="0" smtClean="0">
+                  <a:solidFill>
+                    <a:schemeClr val="bg1"/>
+                  </a:solidFill>
+                  <a:latin typeface="Arial" panose="020B0604020202020204" pitchFamily="34" charset="0"/>
+                  <a:ea typeface="微软雅黑" panose="020B0503020204020204" pitchFamily="34" charset="-122"/>
+                  <a:cs typeface="Arial" panose="020B0604020202020204" pitchFamily="34" charset="0"/>
+                </a:rPr>
+                <a:t>. </a:t>
+              </a:r>
+              <a:r>
+                <a:rPr lang="zh-CN" altLang="en-US" sz="2200" b="1" dirty="0" smtClean="0">
+                  <a:solidFill>
+                    <a:schemeClr val="bg1"/>
+                  </a:solidFill>
+                  <a:latin typeface="Arial" panose="020B0604020202020204" pitchFamily="34" charset="0"/>
+                  <a:ea typeface="微软雅黑" panose="020B0503020204020204" pitchFamily="34" charset="-122"/>
+                  <a:cs typeface="Arial" panose="020B0604020202020204" pitchFamily="34" charset="0"/>
+                </a:rPr>
+                <a:t>应用技术说明</a:t>
+              </a:r>
+              <a:endParaRPr lang="en-US" altLang="ko-KR" sz="2200" b="1" dirty="0">
+                <a:solidFill>
+                  <a:schemeClr val="bg1"/>
+                </a:solidFill>
+                <a:latin typeface="Arial" panose="020B0604020202020204" pitchFamily="34" charset="0"/>
+                <a:ea typeface="微软雅黑" panose="020B0503020204020204" pitchFamily="34" charset="-122"/>
+                <a:cs typeface="Arial" panose="020B0604020202020204" pitchFamily="34" charset="0"/>
+              </a:endParaRPr>
+            </a:p>
+          </p:txBody>
+        </p:sp>
+      </p:grpSp>
+      <p:sp>
+        <p:nvSpPr>
+          <p:cNvPr id="7" name="文本框 6"/>
+          <p:cNvSpPr txBox="1"/>
+          <p:nvPr/>
+        </p:nvSpPr>
+        <p:spPr>
+          <a:xfrm>
+            <a:off x="1697182" y="1593273"/>
+            <a:ext cx="5569527" cy="369332"/>
+          </a:xfrm>
+          <a:prstGeom prst="rect">
+            <a:avLst/>
+          </a:prstGeom>
+          <a:noFill/>
+        </p:spPr>
+        <p:txBody>
+          <a:bodyPr wrap="square" rtlCol="0">
+            <a:spAutoFit/>
+          </a:bodyPr>
+          <a:lstStyle/>
+          <a:p>
+            <a:r>
+              <a:rPr lang="zh-CN" altLang="en-US" dirty="0" smtClean="0"/>
+              <a:t>描述你们用到的技术有哪些</a:t>
+            </a:r>
+            <a:endParaRPr lang="zh-CN" altLang="en-US" dirty="0"/>
+          </a:p>
+        </p:txBody>
+      </p:sp>
+    </p:spTree>
+    <p:extLst>
+      <p:ext uri="{BB962C8B-B14F-4D97-AF65-F5344CB8AC3E}">
+        <p14:creationId xmlns:p14="http://schemas.microsoft.com/office/powerpoint/2010/main" val="1518527388"/>
+      </p:ext>
+    </p:extLst>
+  </p:cSld>
+  <p:clrMapOvr>
+    <a:masterClrMapping/>
+  </p:clrMapOvr>
+  <p:timing>
+    <p:tnLst>
+      <p:par>
+        <p:cTn id="1" dur="indefinite" restart="never" nodeType="tmRoot"/>
+      </p:par>
+    </p:tnLst>
+  </p:timing>
+</p:sld>
+</file>
+
+<file path=ppt/slides/slide6.xml><?xml version="1.0" encoding="utf-8"?>
+<p:sld xmlns:a="http://schemas.openxmlformats.org/drawingml/2006/main" xmlns:r="http://schemas.openxmlformats.org/officeDocument/2006/relationships" xmlns:p="http://schemas.openxmlformats.org/presentationml/2006/main">
+  <p:cSld>
+    <p:spTree>
+      <p:nvGrpSpPr>
+        <p:cNvPr id="1" name=""/>
+        <p:cNvGrpSpPr/>
+        <p:nvPr/>
+      </p:nvGrpSpPr>
+      <p:grpSpPr>
+        <a:xfrm>
+          <a:off x="0" y="0"/>
+          <a:ext cx="0" cy="0"/>
+          <a:chOff x="0" y="0"/>
+          <a:chExt cx="0" cy="0"/>
+        </a:xfrm>
+      </p:grpSpPr>
+      <p:sp>
+        <p:nvSpPr>
+          <p:cNvPr id="4" name="投影片編號版面配置區 3"/>
+          <p:cNvSpPr>
+            <a:spLocks noGrp="1"/>
+          </p:cNvSpPr>
+          <p:nvPr>
+            <p:ph type="sldNum" sz="quarter" idx="10"/>
+          </p:nvPr>
+        </p:nvSpPr>
+        <p:spPr/>
+        <p:txBody>
+          <a:bodyPr/>
+          <a:lstStyle/>
+          <a:p>
+            <a:pPr>
+              <a:defRPr/>
+            </a:pPr>
+            <a:fld id="{991D3BC2-FC42-4C57-95D7-42E1AD7BAC3D}" type="slidenum">
+              <a:rPr lang="zh-TW" altLang="en-US" smtClean="0">
+                <a:solidFill>
+                  <a:srgbClr val="000000">
+                    <a:tint val="75000"/>
+                  </a:srgbClr>
+                </a:solidFill>
+              </a:rPr>
+              <a:pPr>
+                <a:defRPr/>
+              </a:pPr>
+              <a:t>6</a:t>
+            </a:fld>
+            <a:endParaRPr lang="zh-TW" altLang="en-US" dirty="0">
+              <a:solidFill>
+                <a:srgbClr val="000000">
+                  <a:tint val="75000"/>
+                </a:srgbClr>
+              </a:solidFill>
+            </a:endParaRPr>
+          </a:p>
+        </p:txBody>
+      </p:sp>
+      <p:grpSp>
+        <p:nvGrpSpPr>
+          <p:cNvPr id="5" name="群組 16"/>
+          <p:cNvGrpSpPr>
+            <a:grpSpLocks/>
+          </p:cNvGrpSpPr>
+          <p:nvPr/>
+        </p:nvGrpSpPr>
+        <p:grpSpPr bwMode="auto">
+          <a:xfrm flipH="1">
+            <a:off x="3887793" y="116632"/>
+            <a:ext cx="5239853" cy="432048"/>
+            <a:chOff x="3908668" y="4018029"/>
+            <a:chExt cx="2693637" cy="483042"/>
+          </a:xfrm>
+          <a:solidFill>
+            <a:srgbClr val="00B050"/>
+          </a:solidFill>
+        </p:grpSpPr>
+        <p:sp>
+          <p:nvSpPr>
+            <p:cNvPr id="6" name="流程圖: 延遲 8"/>
+            <p:cNvSpPr/>
+            <p:nvPr/>
+          </p:nvSpPr>
+          <p:spPr>
+            <a:xfrm>
+              <a:off x="6255768" y="4018031"/>
+              <a:ext cx="346537" cy="483040"/>
+            </a:xfrm>
+            <a:prstGeom prst="flowChartDelay">
+              <a:avLst/>
+            </a:prstGeom>
+            <a:solidFill>
+              <a:srgbClr val="00B0F0"/>
+            </a:solidFill>
+            <a:ln w="25400" cap="flat" cmpd="sng" algn="ctr">
+              <a:solidFill>
+                <a:srgbClr val="00B0F0"/>
+              </a:solidFill>
+              <a:prstDash val="solid"/>
+            </a:ln>
+            <a:effectLst/>
+          </p:spPr>
+          <p:txBody>
+            <a:bodyPr anchor="ctr"/>
+            <a:lstStyle/>
+            <a:p>
+              <a:pPr algn="ctr" fontAlgn="auto">
+                <a:spcBef>
+                  <a:spcPts val="0"/>
+                </a:spcBef>
+                <a:spcAft>
+                  <a:spcPts val="0"/>
+                </a:spcAft>
+                <a:defRPr/>
+              </a:pPr>
+              <a:endParaRPr kumimoji="0" lang="zh-TW" altLang="en-US" sz="2200" kern="0">
+                <a:solidFill>
+                  <a:schemeClr val="bg1"/>
+                </a:solidFill>
+                <a:latin typeface="Arial" panose="020B0604020202020204" pitchFamily="34" charset="0"/>
+                <a:ea typeface="微软雅黑" panose="020B0503020204020204" pitchFamily="34" charset="-122"/>
+                <a:cs typeface="Arial" panose="020B0604020202020204" pitchFamily="34" charset="0"/>
+              </a:endParaRPr>
+            </a:p>
+          </p:txBody>
+        </p:sp>
+        <p:sp>
+          <p:nvSpPr>
+            <p:cNvPr id="8" name="矩形 7"/>
+            <p:cNvSpPr/>
+            <p:nvPr/>
+          </p:nvSpPr>
+          <p:spPr>
+            <a:xfrm>
+              <a:off x="3908668" y="4018029"/>
+              <a:ext cx="2347101" cy="483041"/>
+            </a:xfrm>
+            <a:prstGeom prst="rect">
+              <a:avLst/>
+            </a:prstGeom>
+            <a:solidFill>
+              <a:srgbClr val="00B0F0"/>
+            </a:solidFill>
+            <a:ln w="25400" cap="flat" cmpd="sng" algn="ctr">
+              <a:solidFill>
+                <a:srgbClr val="00B0F0"/>
+              </a:solidFill>
+              <a:prstDash val="solid"/>
+            </a:ln>
+            <a:effectLst/>
+          </p:spPr>
+          <p:txBody>
+            <a:bodyPr anchor="ctr"/>
+            <a:lstStyle/>
+            <a:p>
+              <a:pPr algn="ctr"/>
+              <a:r>
+                <a:rPr lang="zh-CN" altLang="en-US" sz="2400" b="1" dirty="0" smtClean="0">
+                  <a:solidFill>
+                    <a:schemeClr val="bg1"/>
+                  </a:solidFill>
+                  <a:latin typeface="微軟正黑體" panose="020B0604030504040204" pitchFamily="34" charset="-120"/>
+                  <a:ea typeface="微軟正黑體" panose="020B0604030504040204" pitchFamily="34" charset="-120"/>
+                  <a:cs typeface="Segoe UI" pitchFamily="34" charset="0"/>
+                </a:rPr>
+                <a:t>四</a:t>
+              </a:r>
+              <a:r>
+                <a:rPr lang="en-US" altLang="zh-CN" sz="2400" b="1" dirty="0" smtClean="0">
+                  <a:solidFill>
+                    <a:schemeClr val="bg1"/>
+                  </a:solidFill>
+                  <a:latin typeface="微軟正黑體" panose="020B0604030504040204" pitchFamily="34" charset="-120"/>
+                  <a:ea typeface="微軟正黑體" panose="020B0604030504040204" pitchFamily="34" charset="-120"/>
+                  <a:cs typeface="Segoe UI" pitchFamily="34" charset="0"/>
+                </a:rPr>
+                <a:t>. </a:t>
+              </a:r>
+              <a:r>
+                <a:rPr lang="zh-CN" altLang="en-US" sz="2400" b="1" dirty="0" smtClean="0">
+                  <a:solidFill>
+                    <a:schemeClr val="bg1"/>
+                  </a:solidFill>
+                  <a:latin typeface="微軟正黑體" panose="020B0604030504040204" pitchFamily="34" charset="-120"/>
+                  <a:ea typeface="微軟正黑體" panose="020B0604030504040204" pitchFamily="34" charset="-120"/>
+                  <a:cs typeface="Segoe UI" pitchFamily="34" charset="0"/>
+                </a:rPr>
+                <a:t>数据库设计</a:t>
+              </a:r>
+              <a:endParaRPr lang="en-US" altLang="ko-KR" sz="2200" b="1" dirty="0">
+                <a:solidFill>
+                  <a:schemeClr val="bg1"/>
+                </a:solidFill>
+                <a:latin typeface="Arial" panose="020B0604020202020204" pitchFamily="34" charset="0"/>
+                <a:ea typeface="微软雅黑" panose="020B0503020204020204" pitchFamily="34" charset="-122"/>
+                <a:cs typeface="Arial" panose="020B0604020202020204" pitchFamily="34" charset="0"/>
+              </a:endParaRPr>
+            </a:p>
+          </p:txBody>
+        </p:sp>
+      </p:grpSp>
+      <p:sp>
+        <p:nvSpPr>
+          <p:cNvPr id="7" name="文本框 6"/>
+          <p:cNvSpPr txBox="1"/>
+          <p:nvPr/>
+        </p:nvSpPr>
+        <p:spPr>
+          <a:xfrm>
+            <a:off x="1697182" y="1593273"/>
+            <a:ext cx="6116782" cy="369332"/>
+          </a:xfrm>
+          <a:prstGeom prst="rect">
+            <a:avLst/>
+          </a:prstGeom>
+          <a:noFill/>
+        </p:spPr>
+        <p:txBody>
+          <a:bodyPr wrap="square" rtlCol="0">
+            <a:spAutoFit/>
+          </a:bodyPr>
+          <a:lstStyle/>
+          <a:p>
+            <a:r>
+              <a:rPr lang="zh-CN" altLang="en-US" dirty="0" smtClean="0"/>
+              <a:t>功能表結構</a:t>
+            </a:r>
+            <a:endParaRPr lang="zh-CN" altLang="en-US" dirty="0"/>
+          </a:p>
+        </p:txBody>
+      </p:sp>
+    </p:spTree>
+    <p:extLst>
+      <p:ext uri="{BB962C8B-B14F-4D97-AF65-F5344CB8AC3E}">
+        <p14:creationId xmlns:p14="http://schemas.microsoft.com/office/powerpoint/2010/main" val="3195417394"/>
+      </p:ext>
+    </p:extLst>
+  </p:cSld>
+  <p:clrMapOvr>
+    <a:masterClrMapping/>
+  </p:clrMapOvr>
+  <p:timing>
+    <p:tnLst>
+      <p:par>
+        <p:cTn id="1" dur="indefinite" restart="never" nodeType="tmRoot"/>
+      </p:par>
+    </p:tnLst>
+  </p:timing>
+</p:sld>
+</file>
+
+<file path=ppt/slides/slide7.xml><?xml version="1.0" encoding="utf-8"?>
+<p:sld xmlns:a="http://schemas.openxmlformats.org/drawingml/2006/main" xmlns:r="http://schemas.openxmlformats.org/officeDocument/2006/relationships" xmlns:p="http://schemas.openxmlformats.org/presentationml/2006/main">
+  <p:cSld>
+    <p:spTree>
+      <p:nvGrpSpPr>
+        <p:cNvPr id="1" name=""/>
+        <p:cNvGrpSpPr/>
+        <p:nvPr/>
+      </p:nvGrpSpPr>
+      <p:grpSpPr>
+        <a:xfrm>
+          <a:off x="0" y="0"/>
+          <a:ext cx="0" cy="0"/>
+          <a:chOff x="0" y="0"/>
+          <a:chExt cx="0" cy="0"/>
+        </a:xfrm>
+      </p:grpSpPr>
+      <p:sp>
+        <p:nvSpPr>
+          <p:cNvPr id="4" name="投影片編號版面配置區 3"/>
+          <p:cNvSpPr>
+            <a:spLocks noGrp="1"/>
+          </p:cNvSpPr>
+          <p:nvPr>
+            <p:ph type="sldNum" sz="quarter" idx="10"/>
+          </p:nvPr>
+        </p:nvSpPr>
+        <p:spPr/>
+        <p:txBody>
+          <a:bodyPr/>
+          <a:lstStyle/>
+          <a:p>
+            <a:pPr>
+              <a:defRPr/>
+            </a:pPr>
+            <a:fld id="{991D3BC2-FC42-4C57-95D7-42E1AD7BAC3D}" type="slidenum">
+              <a:rPr lang="zh-TW" altLang="en-US" smtClean="0">
+                <a:solidFill>
+                  <a:srgbClr val="000000">
+                    <a:tint val="75000"/>
+                  </a:srgbClr>
+                </a:solidFill>
+              </a:rPr>
+              <a:pPr>
+                <a:defRPr/>
+              </a:pPr>
+              <a:t>7</a:t>
+            </a:fld>
+            <a:endParaRPr lang="zh-TW" altLang="en-US" dirty="0">
+              <a:solidFill>
+                <a:srgbClr val="000000">
+                  <a:tint val="75000"/>
+                </a:srgbClr>
+              </a:solidFill>
+            </a:endParaRPr>
+          </a:p>
+        </p:txBody>
+      </p:sp>
+      <p:grpSp>
+        <p:nvGrpSpPr>
+          <p:cNvPr id="5" name="群組 16"/>
+          <p:cNvGrpSpPr>
+            <a:grpSpLocks/>
+          </p:cNvGrpSpPr>
+          <p:nvPr/>
+        </p:nvGrpSpPr>
+        <p:grpSpPr bwMode="auto">
+          <a:xfrm flipH="1">
+            <a:off x="3887793" y="116632"/>
+            <a:ext cx="5239853" cy="432048"/>
+            <a:chOff x="3908668" y="4018029"/>
+            <a:chExt cx="2693637" cy="483042"/>
+          </a:xfrm>
+          <a:solidFill>
+            <a:srgbClr val="00B050"/>
+          </a:solidFill>
+        </p:grpSpPr>
+        <p:sp>
+          <p:nvSpPr>
+            <p:cNvPr id="6" name="流程圖: 延遲 8"/>
+            <p:cNvSpPr/>
+            <p:nvPr/>
+          </p:nvSpPr>
+          <p:spPr>
+            <a:xfrm>
+              <a:off x="6255768" y="4018031"/>
+              <a:ext cx="346537" cy="483040"/>
+            </a:xfrm>
+            <a:prstGeom prst="flowChartDelay">
+              <a:avLst/>
+            </a:prstGeom>
+            <a:solidFill>
+              <a:srgbClr val="00B0F0"/>
+            </a:solidFill>
+            <a:ln w="25400" cap="flat" cmpd="sng" algn="ctr">
+              <a:solidFill>
+                <a:srgbClr val="00B0F0"/>
+              </a:solidFill>
+              <a:prstDash val="solid"/>
+            </a:ln>
+            <a:effectLst/>
+          </p:spPr>
+          <p:txBody>
+            <a:bodyPr anchor="ctr"/>
+            <a:lstStyle/>
+            <a:p>
+              <a:pPr algn="ctr" fontAlgn="auto">
+                <a:spcBef>
+                  <a:spcPts val="0"/>
+                </a:spcBef>
+                <a:spcAft>
+                  <a:spcPts val="0"/>
+                </a:spcAft>
+                <a:defRPr/>
+              </a:pPr>
+              <a:endParaRPr kumimoji="0" lang="zh-TW" altLang="en-US" sz="2200" kern="0">
+                <a:solidFill>
+                  <a:schemeClr val="bg1"/>
+                </a:solidFill>
+                <a:latin typeface="Arial" panose="020B0604020202020204" pitchFamily="34" charset="0"/>
+                <a:ea typeface="微软雅黑" panose="020B0503020204020204" pitchFamily="34" charset="-122"/>
+                <a:cs typeface="Arial" panose="020B0604020202020204" pitchFamily="34" charset="0"/>
+              </a:endParaRPr>
+            </a:p>
+          </p:txBody>
+        </p:sp>
+        <p:sp>
+          <p:nvSpPr>
+            <p:cNvPr id="8" name="矩形 7"/>
+            <p:cNvSpPr/>
+            <p:nvPr/>
+          </p:nvSpPr>
+          <p:spPr>
+            <a:xfrm>
+              <a:off x="3908668" y="4018029"/>
+              <a:ext cx="2347101" cy="483041"/>
+            </a:xfrm>
+            <a:prstGeom prst="rect">
+              <a:avLst/>
+            </a:prstGeom>
+            <a:solidFill>
+              <a:srgbClr val="00B0F0"/>
+            </a:solidFill>
+            <a:ln w="25400" cap="flat" cmpd="sng" algn="ctr">
+              <a:solidFill>
+                <a:srgbClr val="00B0F0"/>
+              </a:solidFill>
+              <a:prstDash val="solid"/>
+            </a:ln>
+            <a:effectLst/>
+          </p:spPr>
+          <p:txBody>
+            <a:bodyPr anchor="ctr"/>
+            <a:lstStyle/>
+            <a:p>
+              <a:pPr algn="ctr"/>
+              <a:r>
+                <a:rPr lang="zh-CN" altLang="en-US" sz="2400" b="1" dirty="0" smtClean="0">
+                  <a:solidFill>
+                    <a:schemeClr val="bg1"/>
+                  </a:solidFill>
+                  <a:latin typeface="微軟正黑體" panose="020B0604030504040204" pitchFamily="34" charset="-120"/>
+                  <a:ea typeface="微軟正黑體" panose="020B0604030504040204" pitchFamily="34" charset="-120"/>
+                  <a:cs typeface="Segoe UI" pitchFamily="34" charset="0"/>
+                </a:rPr>
+                <a:t>四</a:t>
+              </a:r>
+              <a:r>
+                <a:rPr lang="en-US" altLang="zh-CN" sz="2400" b="1" dirty="0" smtClean="0">
+                  <a:solidFill>
+                    <a:schemeClr val="bg1"/>
+                  </a:solidFill>
+                  <a:latin typeface="微軟正黑體" panose="020B0604030504040204" pitchFamily="34" charset="-120"/>
+                  <a:ea typeface="微軟正黑體" panose="020B0604030504040204" pitchFamily="34" charset="-120"/>
+                  <a:cs typeface="Segoe UI" pitchFamily="34" charset="0"/>
+                </a:rPr>
+                <a:t>. </a:t>
+              </a:r>
+              <a:r>
+                <a:rPr lang="zh-CN" altLang="en-US" sz="2400" b="1" dirty="0" smtClean="0">
+                  <a:solidFill>
+                    <a:schemeClr val="bg1"/>
+                  </a:solidFill>
+                  <a:latin typeface="微軟正黑體" panose="020B0604030504040204" pitchFamily="34" charset="-120"/>
+                  <a:ea typeface="微軟正黑體" panose="020B0604030504040204" pitchFamily="34" charset="-120"/>
+                  <a:cs typeface="Segoe UI" pitchFamily="34" charset="0"/>
+                </a:rPr>
+                <a:t>数据库设计</a:t>
+              </a:r>
+              <a:endParaRPr lang="en-US" altLang="ko-KR" sz="2200" b="1" dirty="0">
+                <a:solidFill>
+                  <a:schemeClr val="bg1"/>
+                </a:solidFill>
+                <a:latin typeface="Arial" panose="020B0604020202020204" pitchFamily="34" charset="0"/>
+                <a:ea typeface="微软雅黑" panose="020B0503020204020204" pitchFamily="34" charset="-122"/>
+                <a:cs typeface="Arial" panose="020B0604020202020204" pitchFamily="34" charset="0"/>
+              </a:endParaRPr>
+            </a:p>
+          </p:txBody>
+        </p:sp>
+      </p:grpSp>
+      <p:sp>
+        <p:nvSpPr>
+          <p:cNvPr id="7" name="文本框 6"/>
+          <p:cNvSpPr txBox="1"/>
+          <p:nvPr/>
+        </p:nvSpPr>
+        <p:spPr>
+          <a:xfrm>
+            <a:off x="1697182" y="1593273"/>
+            <a:ext cx="6116782" cy="369332"/>
+          </a:xfrm>
+          <a:prstGeom prst="rect">
+            <a:avLst/>
+          </a:prstGeom>
+          <a:noFill/>
+        </p:spPr>
+        <p:txBody>
+          <a:bodyPr wrap="square" rtlCol="0">
+            <a:spAutoFit/>
+          </a:bodyPr>
+          <a:lstStyle/>
+          <a:p>
+            <a:r>
+              <a:rPr lang="zh-CN" altLang="en-US" dirty="0" smtClean="0"/>
+              <a:t>權限表結構</a:t>
+            </a:r>
+            <a:endParaRPr lang="zh-CN" altLang="en-US" dirty="0"/>
+          </a:p>
+        </p:txBody>
+      </p:sp>
+    </p:spTree>
+    <p:extLst>
+      <p:ext uri="{BB962C8B-B14F-4D97-AF65-F5344CB8AC3E}">
+        <p14:creationId xmlns:p14="http://schemas.microsoft.com/office/powerpoint/2010/main" val="1384472110"/>
+      </p:ext>
+    </p:extLst>
+  </p:cSld>
+  <p:clrMapOvr>
+    <a:masterClrMapping/>
+  </p:clrMapOvr>
+  <p:timing>
+    <p:tnLst>
+      <p:par>
+        <p:cTn id="1" dur="indefinite" restart="never" nodeType="tmRoot"/>
+      </p:par>
+    </p:tnLst>
+  </p:timing>
+</p:sld>
+</file>
+
+<file path=ppt/slides/slide8.xml><?xml version="1.0" encoding="utf-8"?>
+<p:sld xmlns:a="http://schemas.openxmlformats.org/drawingml/2006/main" xmlns:r="http://schemas.openxmlformats.org/officeDocument/2006/relationships" xmlns:p="http://schemas.openxmlformats.org/presentationml/2006/main">
+  <p:cSld>
+    <p:spTree>
+      <p:nvGrpSpPr>
+        <p:cNvPr id="1" name=""/>
+        <p:cNvGrpSpPr/>
+        <p:nvPr/>
+      </p:nvGrpSpPr>
+      <p:grpSpPr>
+        <a:xfrm>
+          <a:off x="0" y="0"/>
+          <a:ext cx="0" cy="0"/>
+          <a:chOff x="0" y="0"/>
+          <a:chExt cx="0" cy="0"/>
+        </a:xfrm>
+      </p:grpSpPr>
+      <p:sp>
+        <p:nvSpPr>
+          <p:cNvPr id="4" name="投影片編號版面配置區 3"/>
+          <p:cNvSpPr>
+            <a:spLocks noGrp="1"/>
+          </p:cNvSpPr>
+          <p:nvPr>
+            <p:ph type="sldNum" sz="quarter" idx="10"/>
+          </p:nvPr>
+        </p:nvSpPr>
+        <p:spPr/>
+        <p:txBody>
+          <a:bodyPr/>
+          <a:lstStyle/>
+          <a:p>
+            <a:pPr>
+              <a:defRPr/>
+            </a:pPr>
+            <a:fld id="{991D3BC2-FC42-4C57-95D7-42E1AD7BAC3D}" type="slidenum">
+              <a:rPr lang="zh-TW" altLang="en-US" smtClean="0">
+                <a:solidFill>
+                  <a:srgbClr val="000000">
+                    <a:tint val="75000"/>
+                  </a:srgbClr>
+                </a:solidFill>
+              </a:rPr>
+              <a:pPr>
+                <a:defRPr/>
+              </a:pPr>
+              <a:t>8</a:t>
+            </a:fld>
+            <a:endParaRPr lang="zh-TW" altLang="en-US" dirty="0">
+              <a:solidFill>
+                <a:srgbClr val="000000">
+                  <a:tint val="75000"/>
+                </a:srgbClr>
+              </a:solidFill>
+            </a:endParaRPr>
+          </a:p>
+        </p:txBody>
+      </p:sp>
+      <p:grpSp>
+        <p:nvGrpSpPr>
+          <p:cNvPr id="5" name="群組 16"/>
+          <p:cNvGrpSpPr>
+            <a:grpSpLocks/>
+          </p:cNvGrpSpPr>
+          <p:nvPr/>
+        </p:nvGrpSpPr>
+        <p:grpSpPr bwMode="auto">
+          <a:xfrm flipH="1">
+            <a:off x="3887793" y="116632"/>
+            <a:ext cx="5239853" cy="432048"/>
+            <a:chOff x="3908668" y="4018029"/>
+            <a:chExt cx="2693637" cy="483042"/>
+          </a:xfrm>
+          <a:solidFill>
+            <a:srgbClr val="00B050"/>
+          </a:solidFill>
+        </p:grpSpPr>
+        <p:sp>
+          <p:nvSpPr>
+            <p:cNvPr id="6" name="流程圖: 延遲 8"/>
+            <p:cNvSpPr/>
+            <p:nvPr/>
+          </p:nvSpPr>
+          <p:spPr>
+            <a:xfrm>
+              <a:off x="6255768" y="4018031"/>
+              <a:ext cx="346537" cy="483040"/>
+            </a:xfrm>
+            <a:prstGeom prst="flowChartDelay">
+              <a:avLst/>
+            </a:prstGeom>
+            <a:solidFill>
+              <a:srgbClr val="00B0F0"/>
+            </a:solidFill>
+            <a:ln w="25400" cap="flat" cmpd="sng" algn="ctr">
+              <a:solidFill>
+                <a:srgbClr val="00B0F0"/>
+              </a:solidFill>
+              <a:prstDash val="solid"/>
+            </a:ln>
+            <a:effectLst/>
+          </p:spPr>
+          <p:txBody>
+            <a:bodyPr anchor="ctr"/>
+            <a:lstStyle/>
+            <a:p>
+              <a:pPr algn="ctr" fontAlgn="auto">
+                <a:spcBef>
+                  <a:spcPts val="0"/>
+                </a:spcBef>
+                <a:spcAft>
+                  <a:spcPts val="0"/>
+                </a:spcAft>
+                <a:defRPr/>
+              </a:pPr>
+              <a:endParaRPr kumimoji="0" lang="zh-TW" altLang="en-US" sz="2200" kern="0">
+                <a:solidFill>
+                  <a:schemeClr val="bg1"/>
+                </a:solidFill>
+                <a:latin typeface="Arial" panose="020B0604020202020204" pitchFamily="34" charset="0"/>
+                <a:ea typeface="微软雅黑" panose="020B0503020204020204" pitchFamily="34" charset="-122"/>
+                <a:cs typeface="Arial" panose="020B0604020202020204" pitchFamily="34" charset="0"/>
+              </a:endParaRPr>
+            </a:p>
+          </p:txBody>
+        </p:sp>
+        <p:sp>
+          <p:nvSpPr>
+            <p:cNvPr id="8" name="矩形 7"/>
+            <p:cNvSpPr/>
+            <p:nvPr/>
+          </p:nvSpPr>
+          <p:spPr>
+            <a:xfrm>
+              <a:off x="3908668" y="4018029"/>
+              <a:ext cx="2347101" cy="483041"/>
+            </a:xfrm>
+            <a:prstGeom prst="rect">
+              <a:avLst/>
+            </a:prstGeom>
+            <a:solidFill>
+              <a:srgbClr val="00B0F0"/>
+            </a:solidFill>
+            <a:ln w="25400" cap="flat" cmpd="sng" algn="ctr">
+              <a:solidFill>
+                <a:srgbClr val="00B0F0"/>
+              </a:solidFill>
+              <a:prstDash val="solid"/>
+            </a:ln>
+            <a:effectLst/>
+          </p:spPr>
+          <p:txBody>
+            <a:bodyPr anchor="ctr"/>
+            <a:lstStyle/>
+            <a:p>
+              <a:pPr algn="ctr"/>
+              <a:r>
+                <a:rPr lang="zh-CN" altLang="en-US" sz="2400" b="1" dirty="0" smtClean="0">
+                  <a:solidFill>
+                    <a:schemeClr val="bg1"/>
+                  </a:solidFill>
+                  <a:latin typeface="微軟正黑體" panose="020B0604030504040204" pitchFamily="34" charset="-120"/>
+                  <a:ea typeface="微軟正黑體" panose="020B0604030504040204" pitchFamily="34" charset="-120"/>
+                  <a:cs typeface="Segoe UI" pitchFamily="34" charset="0"/>
+                </a:rPr>
+                <a:t>四</a:t>
+              </a:r>
+              <a:r>
+                <a:rPr lang="en-US" altLang="zh-CN" sz="2400" b="1" dirty="0" smtClean="0">
+                  <a:solidFill>
+                    <a:schemeClr val="bg1"/>
+                  </a:solidFill>
+                  <a:latin typeface="微軟正黑體" panose="020B0604030504040204" pitchFamily="34" charset="-120"/>
+                  <a:ea typeface="微軟正黑體" panose="020B0604030504040204" pitchFamily="34" charset="-120"/>
+                  <a:cs typeface="Segoe UI" pitchFamily="34" charset="0"/>
+                </a:rPr>
+                <a:t>. </a:t>
+              </a:r>
+              <a:r>
+                <a:rPr lang="zh-CN" altLang="en-US" sz="2400" b="1" dirty="0" smtClean="0">
+                  <a:solidFill>
+                    <a:schemeClr val="bg1"/>
+                  </a:solidFill>
+                  <a:latin typeface="微軟正黑體" panose="020B0604030504040204" pitchFamily="34" charset="-120"/>
+                  <a:ea typeface="微軟正黑體" panose="020B0604030504040204" pitchFamily="34" charset="-120"/>
+                  <a:cs typeface="Segoe UI" pitchFamily="34" charset="0"/>
+                </a:rPr>
+                <a:t>数据库设计</a:t>
+              </a:r>
+              <a:endParaRPr lang="en-US" altLang="ko-KR" sz="2200" b="1" dirty="0">
+                <a:solidFill>
+                  <a:schemeClr val="bg1"/>
+                </a:solidFill>
+                <a:latin typeface="Arial" panose="020B0604020202020204" pitchFamily="34" charset="0"/>
+                <a:ea typeface="微软雅黑" panose="020B0503020204020204" pitchFamily="34" charset="-122"/>
+                <a:cs typeface="Arial" panose="020B0604020202020204" pitchFamily="34" charset="0"/>
+              </a:endParaRPr>
+            </a:p>
+          </p:txBody>
+        </p:sp>
+      </p:grpSp>
+      <p:sp>
+        <p:nvSpPr>
+          <p:cNvPr id="7" name="文本框 6"/>
+          <p:cNvSpPr txBox="1"/>
+          <p:nvPr/>
+        </p:nvSpPr>
+        <p:spPr>
+          <a:xfrm>
+            <a:off x="1697182" y="1593273"/>
+            <a:ext cx="6116782" cy="369332"/>
+          </a:xfrm>
+          <a:prstGeom prst="rect">
+            <a:avLst/>
+          </a:prstGeom>
+          <a:noFill/>
+        </p:spPr>
+        <p:txBody>
+          <a:bodyPr wrap="square" rtlCol="0">
+            <a:spAutoFit/>
+          </a:bodyPr>
+          <a:lstStyle/>
+          <a:p>
+            <a:r>
+              <a:rPr lang="zh-CN" altLang="en-US" dirty="0" smtClean="0"/>
+              <a:t>部分</a:t>
+            </a:r>
+            <a:r>
+              <a:rPr lang="en-US" altLang="zh-CN" dirty="0" smtClean="0"/>
+              <a:t>ER</a:t>
+            </a:r>
+            <a:r>
+              <a:rPr lang="zh-CN" altLang="en-US" dirty="0" smtClean="0"/>
+              <a:t>图</a:t>
+            </a:r>
+            <a:endParaRPr lang="zh-CN" altLang="en-US" dirty="0"/>
+          </a:p>
+        </p:txBody>
+      </p:sp>
+    </p:spTree>
+    <p:extLst>
+      <p:ext uri="{BB962C8B-B14F-4D97-AF65-F5344CB8AC3E}">
+        <p14:creationId xmlns:p14="http://schemas.microsoft.com/office/powerpoint/2010/main" val="1253359385"/>
       </p:ext>
     </p:extLst>
   </p:cSld>
@@ -18074,54 +25005,250 @@
       </p:grpSpPr>
       <p:sp>
         <p:nvSpPr>
-          <p:cNvPr id="3" name="標題 2"/>
+          <p:cNvPr id="4" name="投影片編號版面配置區 3"/>
           <p:cNvSpPr>
             <a:spLocks noGrp="1"/>
           </p:cNvSpPr>
           <p:nvPr>
-            <p:ph type="ctrTitle"/>
+            <p:ph type="sldNum" sz="quarter" idx="10"/>
           </p:nvPr>
+        </p:nvSpPr>
+        <p:spPr/>
+        <p:txBody>
+          <a:bodyPr/>
+          <a:lstStyle/>
+          <a:p>
+            <a:pPr>
+              <a:defRPr/>
+            </a:pPr>
+            <a:fld id="{991D3BC2-FC42-4C57-95D7-42E1AD7BAC3D}" type="slidenum">
+              <a:rPr lang="zh-TW" altLang="en-US" smtClean="0">
+                <a:solidFill>
+                  <a:srgbClr val="000000">
+                    <a:tint val="75000"/>
+                  </a:srgbClr>
+                </a:solidFill>
+              </a:rPr>
+              <a:pPr>
+                <a:defRPr/>
+              </a:pPr>
+              <a:t>9</a:t>
+            </a:fld>
+            <a:endParaRPr lang="zh-TW" altLang="en-US" dirty="0">
+              <a:solidFill>
+                <a:srgbClr val="000000">
+                  <a:tint val="75000"/>
+                </a:srgbClr>
+              </a:solidFill>
+            </a:endParaRPr>
+          </a:p>
+        </p:txBody>
+      </p:sp>
+      <p:grpSp>
+        <p:nvGrpSpPr>
+          <p:cNvPr id="5" name="群組 16"/>
+          <p:cNvGrpSpPr>
+            <a:grpSpLocks/>
+          </p:cNvGrpSpPr>
+          <p:nvPr/>
+        </p:nvGrpSpPr>
+        <p:grpSpPr bwMode="auto">
+          <a:xfrm flipH="1">
+            <a:off x="3887793" y="116632"/>
+            <a:ext cx="5239853" cy="432048"/>
+            <a:chOff x="3908668" y="4018029"/>
+            <a:chExt cx="2693637" cy="483042"/>
+          </a:xfrm>
+          <a:solidFill>
+            <a:srgbClr val="00B050"/>
+          </a:solidFill>
+        </p:grpSpPr>
+        <p:sp>
+          <p:nvSpPr>
+            <p:cNvPr id="6" name="流程圖: 延遲 8"/>
+            <p:cNvSpPr/>
+            <p:nvPr/>
+          </p:nvSpPr>
+          <p:spPr>
+            <a:xfrm>
+              <a:off x="6255768" y="4018031"/>
+              <a:ext cx="346537" cy="483040"/>
+            </a:xfrm>
+            <a:prstGeom prst="flowChartDelay">
+              <a:avLst/>
+            </a:prstGeom>
+            <a:solidFill>
+              <a:srgbClr val="00B0F0"/>
+            </a:solidFill>
+            <a:ln w="25400" cap="flat" cmpd="sng" algn="ctr">
+              <a:solidFill>
+                <a:srgbClr val="00B0F0"/>
+              </a:solidFill>
+              <a:prstDash val="solid"/>
+            </a:ln>
+            <a:effectLst/>
+          </p:spPr>
+          <p:txBody>
+            <a:bodyPr anchor="ctr"/>
+            <a:lstStyle/>
+            <a:p>
+              <a:pPr algn="ctr" fontAlgn="auto">
+                <a:spcBef>
+                  <a:spcPts val="0"/>
+                </a:spcBef>
+                <a:spcAft>
+                  <a:spcPts val="0"/>
+                </a:spcAft>
+                <a:defRPr/>
+              </a:pPr>
+              <a:endParaRPr kumimoji="0" lang="zh-TW" altLang="en-US" sz="2200" kern="0">
+                <a:solidFill>
+                  <a:schemeClr val="bg1"/>
+                </a:solidFill>
+                <a:latin typeface="Arial" panose="020B0604020202020204" pitchFamily="34" charset="0"/>
+                <a:ea typeface="微软雅黑" panose="020B0503020204020204" pitchFamily="34" charset="-122"/>
+                <a:cs typeface="Arial" panose="020B0604020202020204" pitchFamily="34" charset="0"/>
+              </a:endParaRPr>
+            </a:p>
+          </p:txBody>
+        </p:sp>
+        <p:sp>
+          <p:nvSpPr>
+            <p:cNvPr id="8" name="矩形 7"/>
+            <p:cNvSpPr/>
+            <p:nvPr/>
+          </p:nvSpPr>
+          <p:spPr>
+            <a:xfrm>
+              <a:off x="3908668" y="4018029"/>
+              <a:ext cx="2347101" cy="483041"/>
+            </a:xfrm>
+            <a:prstGeom prst="rect">
+              <a:avLst/>
+            </a:prstGeom>
+            <a:solidFill>
+              <a:srgbClr val="00B0F0"/>
+            </a:solidFill>
+            <a:ln w="25400" cap="flat" cmpd="sng" algn="ctr">
+              <a:solidFill>
+                <a:srgbClr val="00B0F0"/>
+              </a:solidFill>
+              <a:prstDash val="solid"/>
+            </a:ln>
+            <a:effectLst/>
+          </p:spPr>
+          <p:txBody>
+            <a:bodyPr anchor="ctr"/>
+            <a:lstStyle/>
+            <a:p>
+              <a:pPr algn="ctr"/>
+              <a:r>
+                <a:rPr lang="zh-CN" altLang="en-US" sz="2400" b="1" dirty="0" smtClean="0">
+                  <a:solidFill>
+                    <a:schemeClr val="bg1"/>
+                  </a:solidFill>
+                  <a:latin typeface="微軟正黑體" panose="020B0604030504040204" pitchFamily="34" charset="-120"/>
+                  <a:ea typeface="微軟正黑體" panose="020B0604030504040204" pitchFamily="34" charset="-120"/>
+                  <a:cs typeface="Segoe UI" pitchFamily="34" charset="0"/>
+                </a:rPr>
+                <a:t>五</a:t>
+              </a:r>
+              <a:r>
+                <a:rPr lang="en-US" altLang="zh-CN" sz="2400" b="1" dirty="0" smtClean="0">
+                  <a:solidFill>
+                    <a:schemeClr val="bg1"/>
+                  </a:solidFill>
+                  <a:latin typeface="微軟正黑體" panose="020B0604030504040204" pitchFamily="34" charset="-120"/>
+                  <a:ea typeface="微軟正黑體" panose="020B0604030504040204" pitchFamily="34" charset="-120"/>
+                  <a:cs typeface="Segoe UI" pitchFamily="34" charset="0"/>
+                </a:rPr>
+                <a:t>. UI</a:t>
+              </a:r>
+              <a:r>
+                <a:rPr lang="zh-CN" altLang="en-US" sz="2400" b="1" dirty="0" smtClean="0">
+                  <a:solidFill>
+                    <a:schemeClr val="bg1"/>
+                  </a:solidFill>
+                  <a:latin typeface="微軟正黑體" panose="020B0604030504040204" pitchFamily="34" charset="-120"/>
+                  <a:ea typeface="微軟正黑體" panose="020B0604030504040204" pitchFamily="34" charset="-120"/>
+                  <a:cs typeface="Segoe UI" pitchFamily="34" charset="0"/>
+                </a:rPr>
+                <a:t>介绍</a:t>
+              </a:r>
+              <a:endParaRPr lang="en-US" altLang="ko-KR" sz="2200" b="1" dirty="0">
+                <a:solidFill>
+                  <a:schemeClr val="bg1"/>
+                </a:solidFill>
+                <a:latin typeface="Arial" panose="020B0604020202020204" pitchFamily="34" charset="0"/>
+                <a:ea typeface="微软雅黑" panose="020B0503020204020204" pitchFamily="34" charset="-122"/>
+                <a:cs typeface="Arial" panose="020B0604020202020204" pitchFamily="34" charset="0"/>
+              </a:endParaRPr>
+            </a:p>
+          </p:txBody>
+        </p:sp>
+      </p:grpSp>
+      <p:sp>
+        <p:nvSpPr>
+          <p:cNvPr id="7" name="文本框 6"/>
+          <p:cNvSpPr txBox="1"/>
+          <p:nvPr/>
         </p:nvSpPr>
         <p:spPr>
           <a:xfrm>
-            <a:off x="2375282" y="2089543"/>
-            <a:ext cx="2143140" cy="696521"/>
+            <a:off x="1870364" y="1066800"/>
+            <a:ext cx="6116782" cy="646331"/>
           </a:xfrm>
+          <a:prstGeom prst="rect">
+            <a:avLst/>
+          </a:prstGeom>
+          <a:noFill/>
         </p:spPr>
         <p:txBody>
-          <a:bodyPr/>
+          <a:bodyPr wrap="square" rtlCol="0">
+            <a:spAutoFit/>
+          </a:bodyPr>
           <a:lstStyle/>
           <a:p>
-            <a:pPr>
-              <a:defRPr/>
+            <a:r>
+              <a:rPr lang="zh-CN" altLang="en-US" dirty="0" smtClean="0"/>
+              <a:t>可以分多页</a:t>
+            </a:r>
+            <a:r>
+              <a:rPr lang="zh-CN" altLang="en-US" dirty="0"/>
+              <a:t>展示</a:t>
+            </a:r>
+            <a:r>
+              <a:rPr lang="zh-CN" altLang="en-US" dirty="0" smtClean="0"/>
+              <a:t>代表性的页面，如：</a:t>
+            </a:r>
+            <a:endParaRPr lang="en-US" altLang="zh-CN" dirty="0" smtClean="0"/>
+          </a:p>
+          <a:p>
+            <a:pPr marL="342900" indent="-342900">
+              <a:buAutoNum type="arabicPeriod"/>
             </a:pPr>
             <a:r>
-              <a:rPr lang="en-US" altLang="zh-TW" sz="3000" dirty="0">
-                <a:latin typeface="微軟正黑體" pitchFamily="34" charset="-120"/>
-                <a:ea typeface="微軟正黑體" pitchFamily="34" charset="-120"/>
-                <a:cs typeface="Arial Unicode MS" pitchFamily="34" charset="-120"/>
-              </a:rPr>
-              <a:t>Thank You</a:t>
-            </a:r>
-            <a:endParaRPr lang="zh-TW" altLang="en-US" sz="3000" dirty="0">
-              <a:latin typeface="微軟正黑體" pitchFamily="34" charset="-120"/>
-              <a:ea typeface="微軟正黑體" pitchFamily="34" charset="-120"/>
-              <a:cs typeface="Arial Unicode MS" pitchFamily="34" charset="-120"/>
-            </a:endParaRPr>
+              <a:rPr lang="zh-CN" altLang="en-US" dirty="0" smtClean="0"/>
+              <a:t>登</a:t>
+            </a:r>
+            <a:r>
+              <a:rPr lang="zh-CN" altLang="en-US" dirty="0" smtClean="0"/>
+              <a:t>录</a:t>
+            </a:r>
+            <a:endParaRPr lang="zh-CN" altLang="en-US" dirty="0"/>
           </a:p>
         </p:txBody>
       </p:sp>
     </p:spTree>
     <p:extLst>
       <p:ext uri="{BB962C8B-B14F-4D97-AF65-F5344CB8AC3E}">
-        <p14:creationId xmlns:p14="http://schemas.microsoft.com/office/powerpoint/2010/main" val="1253263557"/>
+        <p14:creationId xmlns:p14="http://schemas.microsoft.com/office/powerpoint/2010/main" val="886482034"/>
       </p:ext>
     </p:extLst>
   </p:cSld>
   <p:clrMapOvr>
     <a:masterClrMapping/>
   </p:clrMapOvr>
-  <p:transition spd="med"/>
   <p:timing>
     <p:tnLst>
       <p:par>
